--- a/BossLocker_김홍일_양태윤_조소연.pptx
+++ b/BossLocker_김홍일_양태윤_조소연.pptx
@@ -12,8 +12,8 @@
     <p:sldId id="317" r:id="rId3"/>
     <p:sldId id="257" r:id="rId4"/>
     <p:sldId id="319" r:id="rId5"/>
-    <p:sldId id="268" r:id="rId6"/>
-    <p:sldId id="338" r:id="rId7"/>
+    <p:sldId id="340" r:id="rId6"/>
+    <p:sldId id="341" r:id="rId7"/>
     <p:sldId id="305" r:id="rId8"/>
     <p:sldId id="320" r:id="rId9"/>
     <p:sldId id="322" r:id="rId10"/>
@@ -30,7 +30,7 @@
     <p:sldId id="335" r:id="rId21"/>
     <p:sldId id="336" r:id="rId22"/>
     <p:sldId id="339" r:id="rId23"/>
-    <p:sldId id="260" r:id="rId24"/>
+    <p:sldId id="342" r:id="rId24"/>
   </p:sldIdLst>
   <p:sldSz cx="12192000" cy="6858000"/>
   <p:notesSz cx="6858000" cy="9144000"/>
@@ -17298,23 +17298,7 @@
                   <a:schemeClr val="bg1"/>
                 </a:solidFill>
               </a:rPr>
-              <a:t> </a:t>
-            </a:r>
-            <a:r>
-              <a:rPr kumimoji="1" lang="ko-KR" altLang="en-US" dirty="0" smtClean="0">
-                <a:solidFill>
-                  <a:schemeClr val="bg1"/>
-                </a:solidFill>
-              </a:rPr>
-              <a:t>프레임워크 </a:t>
-            </a:r>
-            <a:r>
-              <a:rPr kumimoji="1" lang="ko-KR" altLang="en-US" dirty="0" smtClean="0">
-                <a:solidFill>
-                  <a:schemeClr val="bg1"/>
-                </a:solidFill>
-              </a:rPr>
-              <a:t>제작</a:t>
+              <a:t> 프레임워크 제작</a:t>
             </a:r>
             <a:endParaRPr kumimoji="1" lang="ko-KR" altLang="en-US" dirty="0">
               <a:solidFill>
@@ -17702,15 +17686,7 @@
                   <a:schemeClr val="bg1"/>
                 </a:solidFill>
               </a:rPr>
-              <a:t>탄막 </a:t>
-            </a:r>
-            <a:r>
-              <a:rPr kumimoji="1" lang="ko-KR" altLang="en-US" dirty="0" smtClean="0">
-                <a:solidFill>
-                  <a:schemeClr val="bg1"/>
-                </a:solidFill>
-              </a:rPr>
-              <a:t>알고리즘 기획 </a:t>
+              <a:t>탄막 알고리즘 기획 </a:t>
             </a:r>
             <a:r>
               <a:rPr kumimoji="1" lang="en-US" altLang="ko-KR" dirty="0" smtClean="0">
@@ -17781,15 +17757,7 @@
                   <a:srgbClr val="FFC000"/>
                 </a:solidFill>
               </a:rPr>
-              <a:t> </a:t>
-            </a:r>
-            <a:r>
-              <a:rPr kumimoji="1" lang="ko-KR" altLang="en-US" sz="3600" b="1" dirty="0" smtClean="0">
-                <a:solidFill>
-                  <a:srgbClr val="FFC000"/>
-                </a:solidFill>
-              </a:rPr>
-              <a:t>서버</a:t>
+              <a:t> 서버</a:t>
             </a:r>
             <a:endParaRPr kumimoji="1" lang="en-US" altLang="ko-KR" sz="3600" b="1" dirty="0" smtClean="0">
               <a:solidFill>
@@ -22394,15 +22362,80 @@
           <a:chExt cx="0" cy="0"/>
         </a:xfrm>
       </p:grpSpPr>
+      <p:sp>
+        <p:nvSpPr>
+          <p:cNvPr id="7" name="제목 3"/>
+          <p:cNvSpPr txBox="1">
+            <a:spLocks/>
+          </p:cNvSpPr>
+          <p:nvPr/>
+        </p:nvSpPr>
+        <p:spPr>
+          <a:xfrm>
+            <a:off x="4463190" y="2113603"/>
+            <a:ext cx="3265621" cy="1214120"/>
+          </a:xfrm>
+          <a:prstGeom prst="rect">
+            <a:avLst/>
+          </a:prstGeom>
+        </p:spPr>
+        <p:txBody>
+          <a:bodyPr vert="horz" lIns="91440" tIns="45720" rIns="91440" bIns="45720" rtlCol="0" anchor="ctr">
+            <a:noAutofit/>
+          </a:bodyPr>
+          <a:lstStyle>
+            <a:lvl1pPr algn="l" defTabSz="914400" rtl="0" eaLnBrk="1" latinLnBrk="1" hangingPunct="1">
+              <a:lnSpc>
+                <a:spcPct val="90000"/>
+              </a:lnSpc>
+              <a:spcBef>
+                <a:spcPct val="0"/>
+              </a:spcBef>
+              <a:buNone/>
+              <a:defRPr sz="4400" kern="1200">
+                <a:solidFill>
+                  <a:schemeClr val="tx1"/>
+                </a:solidFill>
+                <a:latin typeface="+mj-lt"/>
+                <a:ea typeface="+mj-ea"/>
+                <a:cs typeface="+mj-cs"/>
+              </a:defRPr>
+            </a:lvl1pPr>
+          </a:lstStyle>
+          <a:p>
+            <a:r>
+              <a:rPr lang="ko-KR" altLang="en-US" sz="4800" b="1" dirty="0" smtClean="0">
+                <a:solidFill>
+                  <a:schemeClr val="accent2"/>
+                </a:solidFill>
+                <a:latin typeface="+mj-ea"/>
+              </a:rPr>
+              <a:t>감사합니다</a:t>
+            </a:r>
+            <a:r>
+              <a:rPr lang="en-US" altLang="ko-KR" sz="4800" b="1" dirty="0" smtClean="0">
+                <a:solidFill>
+                  <a:schemeClr val="accent2"/>
+                </a:solidFill>
+                <a:latin typeface="+mj-ea"/>
+              </a:rPr>
+              <a:t>.</a:t>
+            </a:r>
+            <a:endParaRPr lang="ko-KR" altLang="en-US" sz="4800" b="1" dirty="0">
+              <a:latin typeface="+mj-ea"/>
+            </a:endParaRPr>
+          </a:p>
+        </p:txBody>
+      </p:sp>
       <p:grpSp>
         <p:nvGrpSpPr>
-          <p:cNvPr id="8" name="다이어그램 7"/>
+          <p:cNvPr id="9" name="다이어그램 7"/>
           <p:cNvGrpSpPr/>
           <p:nvPr/>
         </p:nvGrpSpPr>
         <p:grpSpPr>
           <a:xfrm>
-            <a:off x="2577953" y="1931951"/>
+            <a:off x="2152332" y="2099377"/>
             <a:ext cx="7887335" cy="4352290"/>
             <a:chOff x="2152650" y="1825625"/>
             <a:chExt cx="7887335" cy="4352290"/>
@@ -22410,7 +22443,7 @@
         </p:grpSpPr>
         <p:sp>
           <p:nvSpPr>
-            <p:cNvPr id="3" name="다이어그램 1"/>
+            <p:cNvPr id="10" name="다이어그램 1"/>
             <p:cNvSpPr txBox="1">
               <a:spLocks/>
             </p:cNvSpPr>
@@ -22475,7 +22508,7 @@
         </p:sp>
         <p:sp>
           <p:nvSpPr>
-            <p:cNvPr id="4" name="다이어그램 1"/>
+            <p:cNvPr id="11" name="다이어그램 1"/>
             <p:cNvSpPr txBox="1">
               <a:spLocks/>
             </p:cNvSpPr>
@@ -22540,7 +22573,7 @@
         </p:sp>
         <p:sp>
           <p:nvSpPr>
-            <p:cNvPr id="5" name="다이어그램 1"/>
+            <p:cNvPr id="12" name="다이어그램 1"/>
             <p:cNvSpPr txBox="1">
               <a:spLocks/>
             </p:cNvSpPr>
@@ -22605,7 +22638,7 @@
         </p:sp>
         <p:sp>
           <p:nvSpPr>
-            <p:cNvPr id="6" name="다이어그램 1"/>
+            <p:cNvPr id="13" name="다이어그램 1"/>
             <p:cNvSpPr>
               <a:spLocks/>
             </p:cNvSpPr>
@@ -22669,75 +22702,10 @@
           </p:txBody>
         </p:sp>
       </p:grpSp>
-      <p:sp>
-        <p:nvSpPr>
-          <p:cNvPr id="7" name="제목 3"/>
-          <p:cNvSpPr txBox="1">
-            <a:spLocks/>
-          </p:cNvSpPr>
-          <p:nvPr/>
-        </p:nvSpPr>
-        <p:spPr>
-          <a:xfrm>
-            <a:off x="4345793" y="1838576"/>
-            <a:ext cx="4351655" cy="1214120"/>
-          </a:xfrm>
-          <a:prstGeom prst="rect">
-            <a:avLst/>
-          </a:prstGeom>
-        </p:spPr>
-        <p:txBody>
-          <a:bodyPr vert="horz" lIns="91440" tIns="45720" rIns="91440" bIns="45720" rtlCol="0" anchor="ctr">
-            <a:noAutofit/>
-          </a:bodyPr>
-          <a:lstStyle>
-            <a:lvl1pPr algn="l" defTabSz="914400" rtl="0" eaLnBrk="1" latinLnBrk="1" hangingPunct="1">
-              <a:lnSpc>
-                <a:spcPct val="90000"/>
-              </a:lnSpc>
-              <a:spcBef>
-                <a:spcPct val="0"/>
-              </a:spcBef>
-              <a:buNone/>
-              <a:defRPr sz="4400" kern="1200">
-                <a:solidFill>
-                  <a:schemeClr val="tx1"/>
-                </a:solidFill>
-                <a:latin typeface="+mj-lt"/>
-                <a:ea typeface="+mj-ea"/>
-                <a:cs typeface="+mj-cs"/>
-              </a:defRPr>
-            </a:lvl1pPr>
-          </a:lstStyle>
-          <a:p>
-            <a:r>
-              <a:rPr lang="ko-KR" altLang="en-US" sz="4800" b="1" dirty="0" smtClean="0">
-                <a:solidFill>
-                  <a:schemeClr val="accent2"/>
-                </a:solidFill>
-                <a:latin typeface="+mj-ea"/>
-              </a:rPr>
-              <a:t>감사합니다</a:t>
-            </a:r>
-            <a:r>
-              <a:rPr lang="en-US" altLang="ko-KR" sz="4800" b="1" dirty="0" smtClean="0">
-                <a:solidFill>
-                  <a:schemeClr val="accent2"/>
-                </a:solidFill>
-                <a:latin typeface="+mj-ea"/>
-              </a:rPr>
-              <a:t>.</a:t>
-            </a:r>
-            <a:endParaRPr lang="ko-KR" altLang="en-US" sz="4800" b="1" dirty="0">
-              <a:latin typeface="+mj-ea"/>
-            </a:endParaRPr>
-          </a:p>
-        </p:txBody>
-      </p:sp>
     </p:spTree>
     <p:extLst>
       <p:ext uri="{BB962C8B-B14F-4D97-AF65-F5344CB8AC3E}">
-        <p14:creationId xmlns:p14="http://schemas.microsoft.com/office/powerpoint/2010/main" val="1424429261"/>
+        <p14:creationId xmlns:p14="http://schemas.microsoft.com/office/powerpoint/2010/main" val="747546788"/>
       </p:ext>
     </p:extLst>
   </p:cSld>
@@ -25528,7 +25496,10 @@
             <a:r>
               <a:rPr lang="ko-KR" altLang="en-US" sz="2200" b="1" u="sng" dirty="0" smtClean="0">
                 <a:solidFill>
-                  <a:srgbClr val="59606B"/>
+                  <a:schemeClr val="tx1">
+                    <a:lumMod val="85000"/>
+                    <a:lumOff val="15000"/>
+                  </a:schemeClr>
                 </a:solidFill>
                 <a:latin typeface="+mj-ea"/>
               </a:rPr>
@@ -25536,7 +25507,10 @@
             </a:r>
             <a:endParaRPr lang="ko-KR" altLang="en-US" sz="2200" u="sng" dirty="0">
               <a:solidFill>
-                <a:srgbClr val="59606B"/>
+                <a:schemeClr val="tx1">
+                  <a:lumMod val="85000"/>
+                  <a:lumOff val="15000"/>
+                </a:schemeClr>
               </a:solidFill>
             </a:endParaRPr>
           </a:p>
@@ -26250,8 +26224,8 @@
         </p:nvSpPr>
         <p:spPr>
           <a:xfrm>
-            <a:off x="7169020" y="2233156"/>
-            <a:ext cx="4954205" cy="1354217"/>
+            <a:off x="7153359" y="2015101"/>
+            <a:ext cx="4954205" cy="1815882"/>
           </a:xfrm>
           <a:prstGeom prst="rect">
             <a:avLst/>
@@ -26322,7 +26296,53 @@
                 </a:solidFill>
                 <a:latin typeface="+mj-ea"/>
               </a:rPr>
-              <a:t>키보드를 이용해 적의 공격을 피하면서</a:t>
+              <a:t>키보드를 이용해 적의 공격을 피하고</a:t>
+            </a:r>
+            <a:r>
+              <a:rPr lang="en-US" altLang="ko-KR" sz="1600" b="1" dirty="0" smtClean="0">
+                <a:solidFill>
+                  <a:srgbClr val="509D93"/>
+                </a:solidFill>
+                <a:latin typeface="+mj-ea"/>
+              </a:rPr>
+              <a:t>,</a:t>
+            </a:r>
+          </a:p>
+          <a:p>
+            <a:endParaRPr lang="en-US" altLang="ko-KR" sz="1600" b="1" dirty="0">
+              <a:solidFill>
+                <a:srgbClr val="509D93"/>
+              </a:solidFill>
+              <a:latin typeface="+mj-ea"/>
+            </a:endParaRPr>
+          </a:p>
+          <a:p>
+            <a:r>
+              <a:rPr lang="ko-KR" altLang="en-US" sz="1600" b="1" dirty="0" smtClean="0">
+                <a:solidFill>
+                  <a:srgbClr val="509D93"/>
+                </a:solidFill>
+                <a:latin typeface="+mj-ea"/>
+              </a:rPr>
+              <a:t>랜덤하게 드랍하는 </a:t>
+            </a:r>
+            <a:r>
+              <a:rPr lang="ko-KR" altLang="en-US" sz="1600" b="1" u="sng" dirty="0" smtClean="0">
+                <a:solidFill>
+                  <a:srgbClr val="F56E4B"/>
+                </a:solidFill>
+                <a:latin typeface="+mj-ea"/>
+              </a:rPr>
+              <a:t>룬</a:t>
+            </a:r>
+            <a:r>
+              <a:rPr lang="ko-KR" altLang="en-US" sz="1600" b="1" dirty="0" smtClean="0">
+                <a:solidFill>
+                  <a:srgbClr val="509D93"/>
+                </a:solidFill>
+                <a:latin typeface="+mj-ea"/>
+              </a:rPr>
+              <a:t>을 획득하면서</a:t>
             </a:r>
             <a:endParaRPr lang="en-US" altLang="ko-KR" sz="1600" b="1" dirty="0" smtClean="0">
               <a:solidFill>
@@ -26357,10 +26377,136 @@
           </a:p>
         </p:txBody>
       </p:sp>
+      <p:sp>
+        <p:nvSpPr>
+          <p:cNvPr id="35" name="직사각형 34"/>
+          <p:cNvSpPr/>
+          <p:nvPr/>
+        </p:nvSpPr>
+        <p:spPr>
+          <a:xfrm>
+            <a:off x="5720516" y="4045964"/>
+            <a:ext cx="1543170" cy="261610"/>
+          </a:xfrm>
+          <a:prstGeom prst="rect">
+            <a:avLst/>
+          </a:prstGeom>
+        </p:spPr>
+        <p:txBody>
+          <a:bodyPr wrap="square">
+            <a:spAutoFit/>
+          </a:bodyPr>
+          <a:lstStyle/>
+          <a:p>
+            <a:r>
+              <a:rPr lang="en-US" altLang="ko-KR" sz="1050" b="1" dirty="0" smtClean="0">
+                <a:solidFill>
+                  <a:srgbClr val="59606B"/>
+                </a:solidFill>
+                <a:latin typeface="+mj-ea"/>
+              </a:rPr>
+              <a:t>(2D</a:t>
+            </a:r>
+            <a:r>
+              <a:rPr lang="ko-KR" altLang="en-US" sz="1050" b="1" dirty="0" smtClean="0">
+                <a:solidFill>
+                  <a:srgbClr val="59606B"/>
+                </a:solidFill>
+                <a:latin typeface="+mj-ea"/>
+              </a:rPr>
+              <a:t>로 표현한 예시</a:t>
+            </a:r>
+            <a:r>
+              <a:rPr lang="en-US" altLang="ko-KR" sz="1050" b="1" dirty="0" smtClean="0">
+                <a:solidFill>
+                  <a:srgbClr val="59606B"/>
+                </a:solidFill>
+                <a:latin typeface="+mj-ea"/>
+              </a:rPr>
+              <a:t>)</a:t>
+            </a:r>
+            <a:endParaRPr lang="ko-KR" altLang="en-US" sz="1050" dirty="0">
+              <a:solidFill>
+                <a:srgbClr val="59606B"/>
+              </a:solidFill>
+            </a:endParaRPr>
+          </a:p>
+        </p:txBody>
+      </p:sp>
+      <p:pic>
+        <p:nvPicPr>
+          <p:cNvPr id="36" name="그림 35"/>
+          <p:cNvPicPr>
+            <a:picLocks noChangeAspect="1"/>
+          </p:cNvPicPr>
+          <p:nvPr/>
+        </p:nvPicPr>
+        <p:blipFill>
+          <a:blip r:embed="rId14">
+            <a:extLst>
+              <a:ext uri="{28A0092B-C50C-407E-A947-70E740481C1C}">
+                <a14:useLocalDpi xmlns:a14="http://schemas.microsoft.com/office/drawing/2010/main" val="0"/>
+              </a:ext>
+            </a:extLst>
+          </a:blip>
+          <a:stretch>
+            <a:fillRect/>
+          </a:stretch>
+        </p:blipFill>
+        <p:spPr>
+          <a:xfrm>
+            <a:off x="5590250" y="3099236"/>
+            <a:ext cx="288974" cy="288974"/>
+          </a:xfrm>
+          <a:prstGeom prst="rect">
+            <a:avLst/>
+          </a:prstGeom>
+        </p:spPr>
+      </p:pic>
+      <p:cxnSp>
+        <p:nvCxnSpPr>
+          <p:cNvPr id="7" name="꺾인 연결선[E] 6"/>
+          <p:cNvCxnSpPr/>
+          <p:nvPr/>
+        </p:nvCxnSpPr>
+        <p:spPr>
+          <a:xfrm rot="5400000" flipH="1" flipV="1">
+            <a:off x="7400165" y="1670133"/>
+            <a:ext cx="91285" cy="3344869"/>
+          </a:xfrm>
+          <a:prstGeom prst="bentConnector4">
+            <a:avLst>
+              <a:gd name="adj1" fmla="val -81123"/>
+              <a:gd name="adj2" fmla="val 99904"/>
+            </a:avLst>
+          </a:prstGeom>
+          <a:ln cmpd="sng">
+            <a:solidFill>
+              <a:srgbClr val="F56E4B"/>
+            </a:solidFill>
+            <a:prstDash val="sysDot"/>
+            <a:tailEnd type="triangle"/>
+          </a:ln>
+        </p:spPr>
+        <p:style>
+          <a:lnRef idx="1">
+            <a:schemeClr val="accent1"/>
+          </a:lnRef>
+          <a:fillRef idx="0">
+            <a:schemeClr val="accent1"/>
+          </a:fillRef>
+          <a:effectRef idx="0">
+            <a:schemeClr val="accent1"/>
+          </a:effectRef>
+          <a:fontRef idx="minor">
+            <a:schemeClr val="tx1"/>
+          </a:fontRef>
+        </p:style>
+      </p:cxnSp>
     </p:spTree>
     <p:extLst>
       <p:ext uri="{BB962C8B-B14F-4D97-AF65-F5344CB8AC3E}">
-        <p14:creationId xmlns:p14="http://schemas.microsoft.com/office/powerpoint/2010/main" val="1516694271"/>
+        <p14:creationId xmlns:p14="http://schemas.microsoft.com/office/powerpoint/2010/main" val="1174305074"/>
       </p:ext>
     </p:extLst>
   </p:cSld>
@@ -27489,7 +27635,7 @@
         </p:nvSpPr>
         <p:spPr>
           <a:xfrm>
-            <a:off x="4417695" y="3307080"/>
+            <a:off x="4417695" y="2753288"/>
             <a:ext cx="443230" cy="246380"/>
           </a:xfrm>
           <a:prstGeom prst="rect">
@@ -27522,7 +27668,7 @@
         </p:nvSpPr>
         <p:spPr>
           <a:xfrm>
-            <a:off x="5110480" y="2185149"/>
+            <a:off x="5110480" y="1631357"/>
             <a:ext cx="5557520" cy="2657475"/>
           </a:xfrm>
           <a:prstGeom prst="rect">
@@ -27584,7 +27730,7 @@
         </p:blipFill>
         <p:spPr>
           <a:xfrm>
-            <a:off x="8528685" y="2550731"/>
+            <a:off x="8528685" y="1996939"/>
             <a:ext cx="578485" cy="578485"/>
           </a:xfrm>
           <a:prstGeom prst="rect">
@@ -27621,7 +27767,7 @@
         </p:blipFill>
         <p:spPr>
           <a:xfrm>
-            <a:off x="7914005" y="3289236"/>
+            <a:off x="7914005" y="2735444"/>
             <a:ext cx="417830" cy="417830"/>
           </a:xfrm>
           <a:prstGeom prst="rect">
@@ -27651,7 +27797,7 @@
         </p:blipFill>
         <p:spPr>
           <a:xfrm>
-            <a:off x="5718175" y="4243641"/>
+            <a:off x="5718175" y="3689849"/>
             <a:ext cx="450215" cy="539750"/>
           </a:xfrm>
           <a:prstGeom prst="rect">
@@ -27680,7 +27826,7 @@
         </p:blipFill>
         <p:spPr>
           <a:xfrm>
-            <a:off x="7967980" y="4261421"/>
+            <a:off x="7967980" y="3707629"/>
             <a:ext cx="365760" cy="539750"/>
           </a:xfrm>
           <a:prstGeom prst="rect">
@@ -27709,7 +27855,7 @@
         </p:blipFill>
         <p:spPr>
           <a:xfrm flipH="1">
-            <a:off x="10078720" y="4156646"/>
+            <a:off x="10078720" y="3602854"/>
             <a:ext cx="374650" cy="539750"/>
           </a:xfrm>
           <a:prstGeom prst="rect">
@@ -27746,7 +27892,7 @@
         </p:blipFill>
         <p:spPr>
           <a:xfrm>
-            <a:off x="8406130" y="2929191"/>
+            <a:off x="8406130" y="2375399"/>
             <a:ext cx="417830" cy="417830"/>
           </a:xfrm>
           <a:prstGeom prst="rect">
@@ -27783,7 +27929,7 @@
         </p:blipFill>
         <p:spPr>
           <a:xfrm>
-            <a:off x="9168765" y="2989516"/>
+            <a:off x="9168765" y="2435724"/>
             <a:ext cx="417830" cy="417830"/>
           </a:xfrm>
           <a:prstGeom prst="rect">
@@ -27799,7 +27945,7 @@
         </p:nvSpPr>
         <p:spPr>
           <a:xfrm flipV="1">
-            <a:off x="5850255" y="4048696"/>
+            <a:off x="5850255" y="3494904"/>
             <a:ext cx="186055" cy="134620"/>
           </a:xfrm>
           <a:prstGeom prst="triangle">
@@ -27842,7 +27988,7 @@
         </p:nvSpPr>
         <p:spPr>
           <a:xfrm flipV="1">
-            <a:off x="8058150" y="4048696"/>
+            <a:off x="8058150" y="3494904"/>
             <a:ext cx="186055" cy="134620"/>
           </a:xfrm>
           <a:prstGeom prst="triangle">
@@ -27885,7 +28031,7 @@
         </p:nvSpPr>
         <p:spPr>
           <a:xfrm flipV="1">
-            <a:off x="10172700" y="3953446"/>
+            <a:off x="10172700" y="3399654"/>
             <a:ext cx="186055" cy="134620"/>
           </a:xfrm>
           <a:prstGeom prst="triangle">
@@ -27942,7 +28088,7 @@
         </p:blipFill>
         <p:spPr>
           <a:xfrm>
-            <a:off x="5968365" y="4364926"/>
+            <a:off x="5968365" y="3811134"/>
             <a:ext cx="400685" cy="343535"/>
           </a:xfrm>
           <a:prstGeom prst="rect">
@@ -27972,7 +28118,7 @@
         </p:blipFill>
         <p:spPr>
           <a:xfrm rot="20035132">
-            <a:off x="6539230" y="4163631"/>
+            <a:off x="6539230" y="3609839"/>
             <a:ext cx="334010" cy="179705"/>
           </a:xfrm>
           <a:prstGeom prst="rect">
@@ -28002,7 +28148,7 @@
         </p:blipFill>
         <p:spPr>
           <a:xfrm rot="20035132">
-            <a:off x="7152640" y="3854386"/>
+            <a:off x="7152640" y="3300594"/>
             <a:ext cx="334010" cy="179705"/>
           </a:xfrm>
           <a:prstGeom prst="rect">
@@ -28032,7 +28178,7 @@
         </p:blipFill>
         <p:spPr>
           <a:xfrm rot="20035132">
-            <a:off x="7673975" y="3578161"/>
+            <a:off x="7673975" y="3024369"/>
             <a:ext cx="334010" cy="179705"/>
           </a:xfrm>
           <a:prstGeom prst="rect">
@@ -28048,7 +28194,7 @@
         </p:nvSpPr>
         <p:spPr>
           <a:xfrm>
-            <a:off x="6218555" y="2211641"/>
+            <a:off x="6218555" y="1657849"/>
             <a:ext cx="3341370" cy="210820"/>
           </a:xfrm>
           <a:prstGeom prst="rect">
@@ -28130,21 +28276,17 @@
         <p:nvCxnSpPr>
           <p:cNvPr id="91" name="꺾인 연결선[E] 90"/>
           <p:cNvCxnSpPr>
-            <a:stCxn id="89" idx="3"/>
             <a:endCxn id="48" idx="2"/>
           </p:cNvCxnSpPr>
           <p:nvPr/>
         </p:nvCxnSpPr>
         <p:spPr>
-          <a:xfrm>
-            <a:off x="3566160" y="4350068"/>
-            <a:ext cx="4323080" cy="492556"/>
-          </a:xfrm>
-          <a:prstGeom prst="bentConnector4">
-            <a:avLst>
-              <a:gd name="adj1" fmla="val 17861"/>
-              <a:gd name="adj2" fmla="val 146411"/>
-            </a:avLst>
+          <a:xfrm flipV="1">
+            <a:off x="3554175" y="4288832"/>
+            <a:ext cx="4335065" cy="168133"/>
+          </a:xfrm>
+          <a:prstGeom prst="bentConnector2">
+            <a:avLst/>
           </a:prstGeom>
           <a:ln w="19050">
             <a:solidFill>
@@ -28403,7 +28545,7 @@
         </p:nvSpPr>
         <p:spPr>
           <a:xfrm>
-            <a:off x="4778056" y="5243572"/>
+            <a:off x="4778056" y="5202236"/>
             <a:ext cx="6419333" cy="461665"/>
           </a:xfrm>
           <a:prstGeom prst="rect">
@@ -28417,13 +28559,22 @@
           <a:lstStyle/>
           <a:p>
             <a:r>
+              <a:rPr lang="en-US" altLang="ko-KR" sz="2400" b="1" dirty="0">
+                <a:solidFill>
+                  <a:srgbClr val="0070C0"/>
+                </a:solidFill>
+                <a:latin typeface="+mj-ea"/>
+              </a:rPr>
+              <a:t>3</a:t>
+            </a:r>
+            <a:r>
               <a:rPr lang="en-US" altLang="ko-KR" sz="2400" b="1" dirty="0" smtClean="0">
                 <a:solidFill>
                   <a:srgbClr val="0070C0"/>
                 </a:solidFill>
                 <a:latin typeface="+mj-ea"/>
               </a:rPr>
-              <a:t>2.</a:t>
+              <a:t>.</a:t>
             </a:r>
             <a:r>
               <a:rPr lang="ko-KR" altLang="en-US" b="1" dirty="0" smtClean="0">
@@ -28435,13 +28586,13 @@
                 </a:solidFill>
                 <a:latin typeface="+mj-ea"/>
               </a:rPr>
-              <a:t> 보스는 화려하고 </a:t>
+              <a:t> 랜덤하게 드랍하는 </a:t>
             </a:r>
             <a:r>
               <a:rPr lang="ko-KR" altLang="en-US" b="1" u="sng" dirty="0" smtClean="0">
                 <a:latin typeface="+mj-ea"/>
               </a:rPr>
-              <a:t>다양한 탄막</a:t>
+              <a:t>룬</a:t>
             </a:r>
             <a:r>
               <a:rPr lang="ko-KR" altLang="en-US" b="1" dirty="0" smtClean="0">
@@ -28453,7 +28604,7 @@
                 </a:solidFill>
                 <a:latin typeface="+mj-ea"/>
               </a:rPr>
-              <a:t>으로 플레이어를 공격한다</a:t>
+              <a:t>의 획득으로 성장한다</a:t>
             </a:r>
             <a:r>
               <a:rPr lang="en-US" altLang="ko-KR" b="1" dirty="0" smtClean="0">
@@ -28487,7 +28638,7 @@
         </p:nvSpPr>
         <p:spPr>
           <a:xfrm>
-            <a:off x="4866005" y="1308970"/>
+            <a:off x="4866005" y="755178"/>
             <a:ext cx="6096000" cy="738664"/>
           </a:xfrm>
           <a:prstGeom prst="rect">
@@ -28629,7 +28780,7 @@
         </p:nvSpPr>
         <p:spPr>
           <a:xfrm>
-            <a:off x="4778057" y="5869240"/>
+            <a:off x="4778057" y="5779087"/>
             <a:ext cx="6560185" cy="738664"/>
           </a:xfrm>
           <a:prstGeom prst="rect">
@@ -28643,13 +28794,22 @@
           <a:lstStyle/>
           <a:p>
             <a:r>
+              <a:rPr lang="en-US" altLang="ko-KR" sz="2400" b="1" dirty="0">
+                <a:solidFill>
+                  <a:srgbClr val="0070C0"/>
+                </a:solidFill>
+                <a:latin typeface="+mj-ea"/>
+              </a:rPr>
+              <a:t>4</a:t>
+            </a:r>
+            <a:r>
               <a:rPr lang="en-US" altLang="ko-KR" sz="2400" b="1" dirty="0" smtClean="0">
                 <a:solidFill>
                   <a:srgbClr val="0070C0"/>
                 </a:solidFill>
                 <a:latin typeface="+mj-ea"/>
               </a:rPr>
-              <a:t>3.</a:t>
+              <a:t>.</a:t>
             </a:r>
             <a:r>
               <a:rPr lang="ko-KR" altLang="en-US" b="1" dirty="0" smtClean="0">
@@ -28753,10 +28913,150 @@
           </a:p>
         </p:txBody>
       </p:sp>
+      <p:sp>
+        <p:nvSpPr>
+          <p:cNvPr id="50" name="직사각형 49"/>
+          <p:cNvSpPr/>
+          <p:nvPr/>
+        </p:nvSpPr>
+        <p:spPr>
+          <a:xfrm>
+            <a:off x="9413466" y="4280683"/>
+            <a:ext cx="1543170" cy="261610"/>
+          </a:xfrm>
+          <a:prstGeom prst="rect">
+            <a:avLst/>
+          </a:prstGeom>
+        </p:spPr>
+        <p:txBody>
+          <a:bodyPr wrap="square">
+            <a:spAutoFit/>
+          </a:bodyPr>
+          <a:lstStyle/>
+          <a:p>
+            <a:r>
+              <a:rPr lang="en-US" altLang="ko-KR" sz="1050" b="1" dirty="0" smtClean="0">
+                <a:solidFill>
+                  <a:srgbClr val="59606B"/>
+                </a:solidFill>
+                <a:latin typeface="+mj-ea"/>
+              </a:rPr>
+              <a:t>(2D</a:t>
+            </a:r>
+            <a:r>
+              <a:rPr lang="ko-KR" altLang="en-US" sz="1050" b="1" dirty="0" smtClean="0">
+                <a:solidFill>
+                  <a:srgbClr val="59606B"/>
+                </a:solidFill>
+                <a:latin typeface="+mj-ea"/>
+              </a:rPr>
+              <a:t>로 표현한 예시</a:t>
+            </a:r>
+            <a:r>
+              <a:rPr lang="en-US" altLang="ko-KR" sz="1050" b="1" dirty="0" smtClean="0">
+                <a:solidFill>
+                  <a:srgbClr val="59606B"/>
+                </a:solidFill>
+                <a:latin typeface="+mj-ea"/>
+              </a:rPr>
+              <a:t>)</a:t>
+            </a:r>
+            <a:endParaRPr lang="ko-KR" altLang="en-US" sz="1050" dirty="0">
+              <a:solidFill>
+                <a:srgbClr val="59606B"/>
+              </a:solidFill>
+            </a:endParaRPr>
+          </a:p>
+        </p:txBody>
+      </p:sp>
+      <p:sp>
+        <p:nvSpPr>
+          <p:cNvPr id="52" name="직사각형 51"/>
+          <p:cNvSpPr/>
+          <p:nvPr/>
+        </p:nvSpPr>
+        <p:spPr>
+          <a:xfrm>
+            <a:off x="4778056" y="4625385"/>
+            <a:ext cx="6419333" cy="461665"/>
+          </a:xfrm>
+          <a:prstGeom prst="rect">
+            <a:avLst/>
+          </a:prstGeom>
+        </p:spPr>
+        <p:txBody>
+          <a:bodyPr wrap="square">
+            <a:spAutoFit/>
+          </a:bodyPr>
+          <a:lstStyle/>
+          <a:p>
+            <a:r>
+              <a:rPr lang="en-US" altLang="ko-KR" sz="2400" b="1" dirty="0" smtClean="0">
+                <a:solidFill>
+                  <a:srgbClr val="0070C0"/>
+                </a:solidFill>
+                <a:latin typeface="+mj-ea"/>
+              </a:rPr>
+              <a:t>2.</a:t>
+            </a:r>
+            <a:r>
+              <a:rPr lang="ko-KR" altLang="en-US" b="1" dirty="0" smtClean="0">
+                <a:solidFill>
+                  <a:schemeClr val="tx1">
+                    <a:lumMod val="65000"/>
+                    <a:lumOff val="35000"/>
+                  </a:schemeClr>
+                </a:solidFill>
+                <a:latin typeface="+mj-ea"/>
+              </a:rPr>
+              <a:t> 보스는 화려하고 </a:t>
+            </a:r>
+            <a:r>
+              <a:rPr lang="ko-KR" altLang="en-US" b="1" u="sng" dirty="0" smtClean="0">
+                <a:latin typeface="+mj-ea"/>
+              </a:rPr>
+              <a:t>다양한 탄막</a:t>
+            </a:r>
+            <a:r>
+              <a:rPr lang="ko-KR" altLang="en-US" b="1" dirty="0" smtClean="0">
+                <a:solidFill>
+                  <a:schemeClr val="tx1">
+                    <a:lumMod val="65000"/>
+                    <a:lumOff val="35000"/>
+                  </a:schemeClr>
+                </a:solidFill>
+                <a:latin typeface="+mj-ea"/>
+              </a:rPr>
+              <a:t>으로 플레이어를 공격한다</a:t>
+            </a:r>
+            <a:r>
+              <a:rPr lang="en-US" altLang="ko-KR" b="1" dirty="0" smtClean="0">
+                <a:solidFill>
+                  <a:schemeClr val="tx1">
+                    <a:lumMod val="65000"/>
+                    <a:lumOff val="35000"/>
+                  </a:schemeClr>
+                </a:solidFill>
+                <a:latin typeface="+mj-ea"/>
+              </a:rPr>
+              <a:t>.</a:t>
+            </a:r>
+            <a:endParaRPr lang="ko-KR" altLang="en-US" b="1" dirty="0">
+              <a:solidFill>
+                <a:schemeClr val="tx1">
+                  <a:lumMod val="65000"/>
+                  <a:lumOff val="35000"/>
+                </a:schemeClr>
+              </a:solidFill>
+              <a:latin typeface="+mj-ea"/>
+            </a:endParaRPr>
+          </a:p>
+        </p:txBody>
+      </p:sp>
     </p:spTree>
     <p:extLst>
       <p:ext uri="{BB962C8B-B14F-4D97-AF65-F5344CB8AC3E}">
-        <p14:creationId xmlns:p14="http://schemas.microsoft.com/office/powerpoint/2010/main" val="1306792606"/>
+        <p14:creationId xmlns:p14="http://schemas.microsoft.com/office/powerpoint/2010/main" val="1170662788"/>
       </p:ext>
     </p:extLst>
   </p:cSld>

--- a/BossLocker_김홍일_양태윤_조소연.pptx
+++ b/BossLocker_김홍일_양태윤_조소연.pptx
@@ -3820,16 +3820,16 @@
               <a:t> </a:t>
             </a:r>
             <a:r>
-              <a:rPr lang="ko-KR" altLang="en-US" sz="2000" b="1" spc="-100" dirty="0">
+              <a:rPr lang="ko-KR" altLang="en-US" sz="2000" b="1" spc="-100" dirty="0" smtClean="0">
                 <a:solidFill>
                   <a:srgbClr val="59606B"/>
                 </a:solidFill>
                 <a:latin typeface="+mj-ea"/>
               </a:rPr>
-              <a:t>엔터테이먼트</a:t>
-            </a:r>
-            <a:r>
-              <a:rPr lang="ko-KR" altLang="en-US" sz="2000" b="1" dirty="0">
+              <a:t>엔터테인먼트</a:t>
+            </a:r>
+            <a:r>
+              <a:rPr lang="ko-KR" altLang="en-US" sz="2000" b="1" dirty="0" smtClean="0">
                 <a:solidFill>
                   <a:srgbClr val="59606B"/>
                 </a:solidFill>
@@ -3917,7 +3917,7 @@
                 </a:solidFill>
                 <a:latin typeface="+mj-ea"/>
               </a:rPr>
-              <a:t>엔터테이먼트</a:t>
+              <a:t>엔터테인먼트</a:t>
             </a:r>
             <a:r>
               <a:rPr lang="ko-KR" altLang="en-US" sz="2000" b="1" dirty="0" smtClean="0">
@@ -15797,7 +15797,7 @@
           <p:cNvPr id="19" name="TextBox 18">
             <a:extLst>
               <a:ext uri="{FF2B5EF4-FFF2-40B4-BE49-F238E27FC236}">
-                <a16:creationId xmlns="" xmlns:a16="http://schemas.microsoft.com/office/drawing/2014/main" id="{69882930-BFC0-4DAF-854C-CA9A55A4DE7D}"/>
+                <a16:creationId xmlns:a16="http://schemas.microsoft.com/office/drawing/2014/main" xmlns="" id="{69882930-BFC0-4DAF-854C-CA9A55A4DE7D}"/>
               </a:ext>
             </a:extLst>
           </p:cNvPr>
@@ -15841,7 +15841,7 @@
           <p:cNvPr id="20" name="TextBox 19">
             <a:extLst>
               <a:ext uri="{FF2B5EF4-FFF2-40B4-BE49-F238E27FC236}">
-                <a16:creationId xmlns="" xmlns:a16="http://schemas.microsoft.com/office/drawing/2014/main" id="{CFE0347B-6C4D-4E97-BF2E-76FDFF1C8635}"/>
+                <a16:creationId xmlns:a16="http://schemas.microsoft.com/office/drawing/2014/main" xmlns="" id="{CFE0347B-6C4D-4E97-BF2E-76FDFF1C8635}"/>
               </a:ext>
             </a:extLst>
           </p:cNvPr>
@@ -15889,7 +15889,7 @@
           <p:cNvPr id="21" name="TextBox 13">
             <a:extLst>
               <a:ext uri="{FF2B5EF4-FFF2-40B4-BE49-F238E27FC236}">
-                <a16:creationId xmlns="" xmlns:a16="http://schemas.microsoft.com/office/drawing/2014/main" id="{E56ED49B-24D1-495B-8D57-F91216155341}"/>
+                <a16:creationId xmlns:a16="http://schemas.microsoft.com/office/drawing/2014/main" xmlns="" id="{E56ED49B-24D1-495B-8D57-F91216155341}"/>
               </a:ext>
             </a:extLst>
           </p:cNvPr>

--- a/BossLocker_김홍일_양태윤_조소연.pptx
+++ b/BossLocker_김홍일_양태윤_조소연.pptx
@@ -5,7 +5,7 @@
     <p:sldMasterId id="2147483759" r:id="rId1"/>
   </p:sldMasterIdLst>
   <p:notesMasterIdLst>
-    <p:notesMasterId r:id="rId25"/>
+    <p:notesMasterId r:id="rId24"/>
   </p:notesMasterIdLst>
   <p:sldIdLst>
     <p:sldId id="318" r:id="rId2"/>
@@ -22,15 +22,14 @@
     <p:sldId id="325" r:id="rId13"/>
     <p:sldId id="326" r:id="rId14"/>
     <p:sldId id="327" r:id="rId15"/>
-    <p:sldId id="334" r:id="rId16"/>
-    <p:sldId id="330" r:id="rId17"/>
-    <p:sldId id="331" r:id="rId18"/>
-    <p:sldId id="332" r:id="rId19"/>
-    <p:sldId id="333" r:id="rId20"/>
-    <p:sldId id="335" r:id="rId21"/>
-    <p:sldId id="336" r:id="rId22"/>
-    <p:sldId id="339" r:id="rId23"/>
-    <p:sldId id="342" r:id="rId24"/>
+    <p:sldId id="330" r:id="rId16"/>
+    <p:sldId id="331" r:id="rId17"/>
+    <p:sldId id="332" r:id="rId18"/>
+    <p:sldId id="333" r:id="rId19"/>
+    <p:sldId id="335" r:id="rId20"/>
+    <p:sldId id="336" r:id="rId21"/>
+    <p:sldId id="339" r:id="rId22"/>
+    <p:sldId id="342" r:id="rId23"/>
   </p:sldIdLst>
   <p:sldSz cx="12192000" cy="6858000"/>
   <p:notesSz cx="6858000" cy="9144000"/>
@@ -233,7 +232,7 @@
           <a:p>
             <a:fld id="{ED55F75E-F8D0-406E-84C8-446C7444F352}" type="datetimeFigureOut">
               <a:rPr lang="ko-KR" altLang="en-US" smtClean="0"/>
-              <a:t>2017. 12. 5.</a:t>
+              <a:t>2017. 12. 9.</a:t>
             </a:fld>
             <a:endParaRPr lang="ko-KR" altLang="en-US"/>
           </a:p>
@@ -565,7 +564,7 @@
           <a:p>
             <a:fld id="{D39C498E-0BA9-4748-85A3-59023D192E99}" type="slidenum">
               <a:rPr kumimoji="1" lang="ko-KR" altLang="en-US" smtClean="0"/>
-              <a:t>16</a:t>
+              <a:t>15</a:t>
             </a:fld>
             <a:endParaRPr kumimoji="1" lang="ko-KR" altLang="en-US"/>
           </a:p>
@@ -715,7 +714,7 @@
           <a:p>
             <a:fld id="{5E0FEBB0-12E2-4577-9B14-145480F18E47}" type="datetimeFigureOut">
               <a:rPr lang="ko-KR" altLang="en-US" smtClean="0"/>
-              <a:t>2017. 12. 5.</a:t>
+              <a:t>2017. 12. 9.</a:t>
             </a:fld>
             <a:endParaRPr lang="ko-KR" altLang="en-US"/>
           </a:p>
@@ -880,7 +879,7 @@
           <a:p>
             <a:fld id="{5E0FEBB0-12E2-4577-9B14-145480F18E47}" type="datetimeFigureOut">
               <a:rPr lang="ko-KR" altLang="en-US" smtClean="0"/>
-              <a:t>2017. 12. 5.</a:t>
+              <a:t>2017. 12. 9.</a:t>
             </a:fld>
             <a:endParaRPr lang="ko-KR" altLang="en-US"/>
           </a:p>
@@ -1055,7 +1054,7 @@
           <a:p>
             <a:fld id="{5E0FEBB0-12E2-4577-9B14-145480F18E47}" type="datetimeFigureOut">
               <a:rPr lang="ko-KR" altLang="en-US" smtClean="0"/>
-              <a:t>2017. 12. 5.</a:t>
+              <a:t>2017. 12. 9.</a:t>
             </a:fld>
             <a:endParaRPr lang="ko-KR" altLang="en-US"/>
           </a:p>
@@ -1235,7 +1234,7 @@
           <a:p>
             <a:fld id="{5E0FEBB0-12E2-4577-9B14-145480F18E47}" type="datetimeFigureOut">
               <a:rPr lang="ko-KR" altLang="en-US" smtClean="0"/>
-              <a:t>2017. 12. 5.</a:t>
+              <a:t>2017. 12. 9.</a:t>
             </a:fld>
             <a:endParaRPr lang="ko-KR" altLang="en-US"/>
           </a:p>
@@ -1486,7 +1485,7 @@
           <a:p>
             <a:fld id="{5E0FEBB0-12E2-4577-9B14-145480F18E47}" type="datetimeFigureOut">
               <a:rPr lang="ko-KR" altLang="en-US" smtClean="0"/>
-              <a:t>2017. 12. 5.</a:t>
+              <a:t>2017. 12. 9.</a:t>
             </a:fld>
             <a:endParaRPr lang="ko-KR" altLang="en-US"/>
           </a:p>
@@ -1713,7 +1712,7 @@
           <a:p>
             <a:fld id="{5E0FEBB0-12E2-4577-9B14-145480F18E47}" type="datetimeFigureOut">
               <a:rPr lang="ko-KR" altLang="en-US" smtClean="0"/>
-              <a:t>2017. 12. 5.</a:t>
+              <a:t>2017. 12. 9.</a:t>
             </a:fld>
             <a:endParaRPr lang="ko-KR" altLang="en-US"/>
           </a:p>
@@ -2075,7 +2074,7 @@
           <a:p>
             <a:fld id="{5E0FEBB0-12E2-4577-9B14-145480F18E47}" type="datetimeFigureOut">
               <a:rPr lang="ko-KR" altLang="en-US" smtClean="0"/>
-              <a:t>2017. 12. 5.</a:t>
+              <a:t>2017. 12. 9.</a:t>
             </a:fld>
             <a:endParaRPr lang="ko-KR" altLang="en-US"/>
           </a:p>
@@ -2188,7 +2187,7 @@
           <a:p>
             <a:fld id="{5E0FEBB0-12E2-4577-9B14-145480F18E47}" type="datetimeFigureOut">
               <a:rPr lang="ko-KR" altLang="en-US" smtClean="0"/>
-              <a:t>2017. 12. 5.</a:t>
+              <a:t>2017. 12. 9.</a:t>
             </a:fld>
             <a:endParaRPr lang="ko-KR" altLang="en-US"/>
           </a:p>
@@ -2278,7 +2277,7 @@
           <a:p>
             <a:fld id="{5E0FEBB0-12E2-4577-9B14-145480F18E47}" type="datetimeFigureOut">
               <a:rPr lang="ko-KR" altLang="en-US" smtClean="0"/>
-              <a:t>2017. 12. 5.</a:t>
+              <a:t>2017. 12. 9.</a:t>
             </a:fld>
             <a:endParaRPr lang="ko-KR" altLang="en-US"/>
           </a:p>
@@ -2550,7 +2549,7 @@
           <a:p>
             <a:fld id="{5E0FEBB0-12E2-4577-9B14-145480F18E47}" type="datetimeFigureOut">
               <a:rPr lang="ko-KR" altLang="en-US" smtClean="0"/>
-              <a:t>2017. 12. 5.</a:t>
+              <a:t>2017. 12. 9.</a:t>
             </a:fld>
             <a:endParaRPr lang="ko-KR" altLang="en-US"/>
           </a:p>
@@ -2802,7 +2801,7 @@
           <a:p>
             <a:fld id="{5E0FEBB0-12E2-4577-9B14-145480F18E47}" type="datetimeFigureOut">
               <a:rPr lang="ko-KR" altLang="en-US" smtClean="0"/>
-              <a:t>2017. 12. 5.</a:t>
+              <a:t>2017. 12. 9.</a:t>
             </a:fld>
             <a:endParaRPr lang="ko-KR" altLang="en-US"/>
           </a:p>
@@ -3010,7 +3009,7 @@
           <a:p>
             <a:fld id="{5E0FEBB0-12E2-4577-9B14-145480F18E47}" type="datetimeFigureOut">
               <a:rPr lang="ko-KR" altLang="en-US" smtClean="0"/>
-              <a:t>2017. 12. 5.</a:t>
+              <a:t>2017. 12. 9.</a:t>
             </a:fld>
             <a:endParaRPr lang="ko-KR" altLang="en-US"/>
           </a:p>
@@ -6367,14 +6366,14 @@
       </p:sp>
       <p:sp>
         <p:nvSpPr>
-          <p:cNvPr id="19" name="텍스트 상자 18"/>
+          <p:cNvPr id="13" name="텍스트 상자 12"/>
           <p:cNvSpPr txBox="1"/>
           <p:nvPr/>
         </p:nvSpPr>
         <p:spPr>
           <a:xfrm>
-            <a:off x="3192159" y="1880586"/>
-            <a:ext cx="2960805" cy="523220"/>
+            <a:off x="3514131" y="2186418"/>
+            <a:ext cx="6105509" cy="523220"/>
           </a:xfrm>
           <a:prstGeom prst="rect">
             <a:avLst/>
@@ -6388,18 +6387,25 @@
           <a:lstStyle/>
           <a:p>
             <a:r>
+              <a:rPr kumimoji="1" lang="en-US" altLang="ko-KR" sz="2800" b="1" dirty="0">
+                <a:latin typeface="+mj-ea"/>
+                <a:ea typeface="+mj-ea"/>
+              </a:rPr>
+              <a:t>1</a:t>
+            </a:r>
+            <a:r>
               <a:rPr kumimoji="1" lang="en-US" altLang="ko-KR" sz="2800" b="1" dirty="0" smtClean="0">
                 <a:latin typeface="+mj-ea"/>
                 <a:ea typeface="+mj-ea"/>
               </a:rPr>
-              <a:t>1. </a:t>
+              <a:t>. </a:t>
             </a:r>
             <a:r>
               <a:rPr kumimoji="1" lang="ko-KR" altLang="en-US" sz="2800" b="1" dirty="0" smtClean="0">
                 <a:latin typeface="+mj-ea"/>
                 <a:ea typeface="+mj-ea"/>
               </a:rPr>
-              <a:t>크로스 플랫폼</a:t>
+              <a:t>탄막</a:t>
             </a:r>
             <a:endParaRPr kumimoji="1" lang="ko-KR" altLang="en-US" sz="2800" b="1" dirty="0">
               <a:latin typeface="+mj-ea"/>
@@ -6410,13 +6416,13 @@
       </p:sp>
       <p:sp>
         <p:nvSpPr>
-          <p:cNvPr id="13" name="텍스트 상자 12"/>
+          <p:cNvPr id="14" name="텍스트 상자 13"/>
           <p:cNvSpPr txBox="1"/>
           <p:nvPr/>
         </p:nvSpPr>
         <p:spPr>
           <a:xfrm>
-            <a:off x="3192159" y="3139456"/>
+            <a:off x="3514131" y="4187744"/>
             <a:ext cx="6105509" cy="523220"/>
           </a:xfrm>
           <a:prstGeom prst="rect">
@@ -6431,18 +6437,39 @@
           <a:lstStyle/>
           <a:p>
             <a:r>
+              <a:rPr kumimoji="1" lang="en-US" altLang="ko-KR" sz="2800" b="1" dirty="0">
+                <a:latin typeface="+mj-ea"/>
+                <a:ea typeface="+mj-ea"/>
+              </a:rPr>
+              <a:t>2</a:t>
+            </a:r>
+            <a:r>
               <a:rPr kumimoji="1" lang="en-US" altLang="ko-KR" sz="2800" b="1" dirty="0" smtClean="0">
                 <a:latin typeface="+mj-ea"/>
                 <a:ea typeface="+mj-ea"/>
               </a:rPr>
-              <a:t>2. </a:t>
-            </a:r>
-            <a:r>
-              <a:rPr kumimoji="1" lang="ko-KR" altLang="en-US" sz="2800" b="1" dirty="0" smtClean="0">
+              <a:t>. </a:t>
+            </a:r>
+            <a:r>
+              <a:rPr kumimoji="1" lang="en-US" altLang="ko-KR" sz="2800" b="1" dirty="0" err="1" smtClean="0">
                 <a:latin typeface="+mj-ea"/>
                 <a:ea typeface="+mj-ea"/>
               </a:rPr>
-              <a:t>탄막</a:t>
+              <a:t>NodeJS</a:t>
+            </a:r>
+            <a:r>
+              <a:rPr kumimoji="1" lang="en-US" altLang="ko-KR" sz="2800" b="1" dirty="0" smtClean="0">
+                <a:latin typeface="+mj-ea"/>
+                <a:ea typeface="+mj-ea"/>
+              </a:rPr>
+              <a:t> + Mongo D</a:t>
+            </a:r>
+            <a:r>
+              <a:rPr kumimoji="1" lang="en-US" altLang="ko-KR" sz="2800" b="1" dirty="0">
+                <a:latin typeface="+mj-ea"/>
+                <a:ea typeface="+mj-ea"/>
+              </a:rPr>
+              <a:t>B</a:t>
             </a:r>
             <a:endParaRPr kumimoji="1" lang="ko-KR" altLang="en-US" sz="2800" b="1" dirty="0">
               <a:latin typeface="+mj-ea"/>
@@ -6451,66 +6478,9 @@
           </a:p>
         </p:txBody>
       </p:sp>
-      <p:sp>
-        <p:nvSpPr>
-          <p:cNvPr id="14" name="텍스트 상자 13"/>
-          <p:cNvSpPr txBox="1"/>
-          <p:nvPr/>
-        </p:nvSpPr>
-        <p:spPr>
-          <a:xfrm>
-            <a:off x="3192159" y="4767291"/>
-            <a:ext cx="6105509" cy="523220"/>
-          </a:xfrm>
-          <a:prstGeom prst="rect">
-            <a:avLst/>
-          </a:prstGeom>
-          <a:noFill/>
-        </p:spPr>
-        <p:txBody>
-          <a:bodyPr wrap="square" rtlCol="0">
-            <a:spAutoFit/>
-          </a:bodyPr>
-          <a:lstStyle/>
-          <a:p>
-            <a:r>
-              <a:rPr kumimoji="1" lang="en-US" altLang="ko-KR" sz="2800" b="1" dirty="0" smtClean="0">
-                <a:latin typeface="+mj-ea"/>
-                <a:ea typeface="+mj-ea"/>
-              </a:rPr>
-              <a:t>3. </a:t>
-            </a:r>
-            <a:r>
-              <a:rPr kumimoji="1" lang="en-US" altLang="ko-KR" sz="2800" b="1" dirty="0" err="1" smtClean="0">
-                <a:latin typeface="+mj-ea"/>
-                <a:ea typeface="+mj-ea"/>
-              </a:rPr>
-              <a:t>NodeJS</a:t>
-            </a:r>
-            <a:r>
-              <a:rPr kumimoji="1" lang="en-US" altLang="ko-KR" sz="2800" b="1" dirty="0" smtClean="0">
-                <a:latin typeface="+mj-ea"/>
-                <a:ea typeface="+mj-ea"/>
-              </a:rPr>
-              <a:t> + Mongo D</a:t>
-            </a:r>
-            <a:r>
-              <a:rPr kumimoji="1" lang="en-US" altLang="ko-KR" sz="2800" b="1" dirty="0">
-                <a:latin typeface="+mj-ea"/>
-                <a:ea typeface="+mj-ea"/>
-              </a:rPr>
-              <a:t>B</a:t>
-            </a:r>
-            <a:endParaRPr kumimoji="1" lang="ko-KR" altLang="en-US" sz="2800" b="1" dirty="0">
-              <a:latin typeface="+mj-ea"/>
-              <a:ea typeface="+mj-ea"/>
-            </a:endParaRPr>
-          </a:p>
-        </p:txBody>
-      </p:sp>
       <p:pic>
         <p:nvPicPr>
-          <p:cNvPr id="4" name="그림 3"/>
+          <p:cNvPr id="8" name="그림 7"/>
           <p:cNvPicPr>
             <a:picLocks noChangeAspect="1"/>
           </p:cNvPicPr>
@@ -6529,9 +6499,9 @@
           </a:stretch>
         </p:blipFill>
         <p:spPr>
-          <a:xfrm flipV="1">
-            <a:off x="2226711" y="1993222"/>
-            <a:ext cx="644826" cy="644826"/>
+          <a:xfrm>
+            <a:off x="2402080" y="4234214"/>
+            <a:ext cx="938029" cy="1019972"/>
           </a:xfrm>
           <a:prstGeom prst="rect">
             <a:avLst/>
@@ -6540,7 +6510,7 @@
       </p:pic>
       <p:pic>
         <p:nvPicPr>
-          <p:cNvPr id="5" name="그림 4"/>
+          <p:cNvPr id="11" name="그림 10"/>
           <p:cNvPicPr>
             <a:picLocks noChangeAspect="1"/>
           </p:cNvPicPr>
@@ -6560,84 +6530,24 @@
         </p:blipFill>
         <p:spPr>
           <a:xfrm>
-            <a:off x="2581208" y="2109910"/>
-            <a:ext cx="650240" cy="650240"/>
+            <a:off x="2402081" y="2336548"/>
+            <a:ext cx="938029" cy="938029"/>
           </a:xfrm>
           <a:prstGeom prst="rect">
             <a:avLst/>
           </a:prstGeom>
         </p:spPr>
       </p:pic>
-      <p:pic>
-        <p:nvPicPr>
-          <p:cNvPr id="8" name="그림 7"/>
-          <p:cNvPicPr>
-            <a:picLocks noChangeAspect="1"/>
-          </p:cNvPicPr>
-          <p:nvPr/>
-        </p:nvPicPr>
-        <p:blipFill>
-          <a:blip r:embed="rId4">
-            <a:extLst>
-              <a:ext uri="{28A0092B-C50C-407E-A947-70E740481C1C}">
-                <a14:useLocalDpi xmlns:a14="http://schemas.microsoft.com/office/drawing/2010/main" val="0"/>
-              </a:ext>
-            </a:extLst>
-          </a:blip>
-          <a:stretch>
-            <a:fillRect/>
-          </a:stretch>
-        </p:blipFill>
-        <p:spPr>
-          <a:xfrm>
-            <a:off x="2080108" y="4813761"/>
-            <a:ext cx="938029" cy="1019972"/>
-          </a:xfrm>
-          <a:prstGeom prst="rect">
-            <a:avLst/>
-          </a:prstGeom>
-        </p:spPr>
-      </p:pic>
-      <p:pic>
-        <p:nvPicPr>
-          <p:cNvPr id="11" name="그림 10"/>
-          <p:cNvPicPr>
-            <a:picLocks noChangeAspect="1"/>
-          </p:cNvPicPr>
-          <p:nvPr/>
-        </p:nvPicPr>
-        <p:blipFill>
-          <a:blip r:embed="rId5">
-            <a:extLst>
-              <a:ext uri="{28A0092B-C50C-407E-A947-70E740481C1C}">
-                <a14:useLocalDpi xmlns:a14="http://schemas.microsoft.com/office/drawing/2010/main" val="0"/>
-              </a:ext>
-            </a:extLst>
-          </a:blip>
-          <a:stretch>
-            <a:fillRect/>
-          </a:stretch>
-        </p:blipFill>
-        <p:spPr>
-          <a:xfrm>
-            <a:off x="2080109" y="3289586"/>
-            <a:ext cx="938029" cy="938029"/>
-          </a:xfrm>
-          <a:prstGeom prst="rect">
-            <a:avLst/>
-          </a:prstGeom>
-        </p:spPr>
-      </p:pic>
-      <p:sp>
-        <p:nvSpPr>
-          <p:cNvPr id="15" name="텍스트 상자 14"/>
+      <p:sp>
+        <p:nvSpPr>
+          <p:cNvPr id="22" name="텍스트 상자 21"/>
           <p:cNvSpPr txBox="1"/>
           <p:nvPr/>
         </p:nvSpPr>
         <p:spPr>
           <a:xfrm>
-            <a:off x="3374255" y="2372179"/>
-            <a:ext cx="6956861" cy="1200329"/>
+            <a:off x="3696228" y="4744200"/>
+            <a:ext cx="6464968" cy="923330"/>
           </a:xfrm>
           <a:prstGeom prst="rect">
             <a:avLst/>
@@ -6651,32 +6561,24 @@
           <a:lstStyle/>
           <a:p>
             <a:r>
+              <a:rPr kumimoji="1" lang="ko-KR" altLang="en-US" b="1" u="sng" dirty="0" smtClean="0"/>
+              <a:t>높은 생산성</a:t>
+            </a:r>
+            <a:r>
               <a:rPr kumimoji="1" lang="ko-KR" altLang="en-US" b="1" dirty="0" smtClean="0">
                 <a:solidFill>
                   <a:srgbClr val="59606B"/>
                 </a:solidFill>
               </a:rPr>
-              <a:t>최신 트랜드에 맞추어 </a:t>
-            </a:r>
-            <a:r>
-              <a:rPr kumimoji="1" lang="ko-KR" altLang="en-US" b="1" u="sng" dirty="0" smtClean="0"/>
-              <a:t>어떤 </a:t>
-            </a:r>
-            <a:r>
-              <a:rPr kumimoji="1" lang="en-US" altLang="ko-KR" b="1" u="sng" dirty="0" smtClean="0"/>
-              <a:t>PC OS</a:t>
-            </a:r>
-            <a:r>
-              <a:rPr kumimoji="1" lang="ko-KR" altLang="en-US" b="1" u="sng" dirty="0" smtClean="0"/>
-              <a:t>에서도</a:t>
-            </a:r>
-            <a:r>
-              <a:rPr kumimoji="1" lang="en-US" altLang="ko-KR" b="1" u="sng" dirty="0" smtClean="0"/>
-              <a:t> </a:t>
-            </a:r>
-            <a:r>
-              <a:rPr kumimoji="1" lang="ko-KR" altLang="en-US" b="1" u="sng" dirty="0" smtClean="0"/>
-              <a:t>구동</a:t>
+              <a:t>을 지닌 </a:t>
+            </a:r>
+            <a:r>
+              <a:rPr kumimoji="1" lang="en-US" altLang="ko-KR" b="1" dirty="0" err="1" smtClean="0">
+                <a:solidFill>
+                  <a:srgbClr val="59606B"/>
+                </a:solidFill>
+              </a:rPr>
+              <a:t>NodeJS</a:t>
             </a:r>
             <a:r>
               <a:rPr kumimoji="1" lang="ko-KR" altLang="en-US" b="1" dirty="0" smtClean="0">
@@ -6684,7 +6586,7 @@
                   <a:srgbClr val="59606B"/>
                 </a:solidFill>
               </a:rPr>
-              <a:t>하는 프레임워크 제작</a:t>
+              <a:t>로 서버 구축</a:t>
             </a:r>
             <a:endParaRPr kumimoji="1" lang="en-US" altLang="ko-KR" b="1" dirty="0" smtClean="0">
               <a:solidFill>
@@ -6699,15 +6601,15 @@
                   <a:srgbClr val="59606B"/>
                 </a:solidFill>
               </a:rPr>
-              <a:t>OpenGL</a:t>
-            </a:r>
-            <a:r>
-              <a:rPr kumimoji="1" lang="en-US" altLang="ko-KR" sz="1400" b="1" dirty="0" smtClean="0">
+              <a:t>NoSQL</a:t>
+            </a:r>
+            <a:r>
+              <a:rPr kumimoji="1" lang="ko-KR" altLang="en-US" b="1" dirty="0" smtClean="0">
                 <a:solidFill>
                   <a:srgbClr val="59606B"/>
                 </a:solidFill>
               </a:rPr>
-              <a:t>(+GLSL)</a:t>
+              <a:t> 특징을 가진 </a:t>
             </a:r>
             <a:r>
               <a:rPr kumimoji="1" lang="en-US" altLang="ko-KR" b="1" dirty="0" smtClean="0">
@@ -6715,31 +6617,15 @@
                   <a:srgbClr val="59606B"/>
                 </a:solidFill>
               </a:rPr>
-              <a:t>, DirectX</a:t>
-            </a:r>
-            <a:r>
-              <a:rPr kumimoji="1" lang="en-US" altLang="ko-KR" sz="1400" b="1" dirty="0" smtClean="0">
+              <a:t>Mongo DB</a:t>
+            </a:r>
+            <a:r>
+              <a:rPr kumimoji="1" lang="ko-KR" altLang="en-US" b="1" dirty="0" smtClean="0">
                 <a:solidFill>
                   <a:srgbClr val="59606B"/>
                 </a:solidFill>
               </a:rPr>
-              <a:t>(+HLSL)</a:t>
-            </a:r>
-            <a:r>
-              <a:rPr kumimoji="1" lang="en-US" altLang="ko-KR" b="1" dirty="0" smtClean="0">
-                <a:solidFill>
-                  <a:srgbClr val="59606B"/>
-                </a:solidFill>
-              </a:rPr>
-              <a:t> </a:t>
-            </a:r>
-            <a:r>
-              <a:rPr kumimoji="1" lang="ko-KR" altLang="en-US" b="1" dirty="0" smtClean="0">
-                <a:solidFill>
-                  <a:srgbClr val="59606B"/>
-                </a:solidFill>
-              </a:rPr>
-              <a:t>활용</a:t>
+              <a:t> 활용</a:t>
             </a:r>
             <a:endParaRPr kumimoji="1" lang="en-US" altLang="ko-KR" b="1" dirty="0" smtClean="0">
               <a:solidFill>
@@ -6748,131 +6634,20 @@
             </a:endParaRPr>
           </a:p>
           <a:p>
+            <a:r>
+              <a:rPr kumimoji="1" lang="ko-KR" altLang="en-US" b="1" dirty="0" smtClean="0">
+                <a:solidFill>
+                  <a:srgbClr val="59606B"/>
+                </a:solidFill>
+              </a:rPr>
+              <a:t>디지털오션 클라우드 서비스를 이용한 서버 생성</a:t>
+            </a:r>
             <a:endParaRPr kumimoji="1" lang="en-US" altLang="ko-KR" b="1" dirty="0" smtClean="0">
               <a:solidFill>
                 <a:srgbClr val="59606B"/>
               </a:solidFill>
             </a:endParaRPr>
           </a:p>
-          <a:p>
-            <a:endParaRPr kumimoji="1" lang="en-US" altLang="ko-KR" b="1" dirty="0" smtClean="0">
-              <a:solidFill>
-                <a:srgbClr val="59606B"/>
-              </a:solidFill>
-            </a:endParaRPr>
-          </a:p>
-        </p:txBody>
-      </p:sp>
-      <p:sp>
-        <p:nvSpPr>
-          <p:cNvPr id="22" name="텍스트 상자 21"/>
-          <p:cNvSpPr txBox="1"/>
-          <p:nvPr/>
-        </p:nvSpPr>
-        <p:spPr>
-          <a:xfrm>
-            <a:off x="3374256" y="5323747"/>
-            <a:ext cx="6464968" cy="923330"/>
-          </a:xfrm>
-          <a:prstGeom prst="rect">
-            <a:avLst/>
-          </a:prstGeom>
-          <a:noFill/>
-        </p:spPr>
-        <p:txBody>
-          <a:bodyPr wrap="square" rtlCol="0">
-            <a:spAutoFit/>
-          </a:bodyPr>
-          <a:lstStyle/>
-          <a:p>
-            <a:r>
-              <a:rPr kumimoji="1" lang="ko-KR" altLang="en-US" b="1" u="sng" dirty="0" smtClean="0"/>
-              <a:t>높은 생산성</a:t>
-            </a:r>
-            <a:r>
-              <a:rPr kumimoji="1" lang="ko-KR" altLang="en-US" b="1" dirty="0" smtClean="0">
-                <a:solidFill>
-                  <a:srgbClr val="59606B"/>
-                </a:solidFill>
-              </a:rPr>
-              <a:t>을 지닌 </a:t>
-            </a:r>
-            <a:r>
-              <a:rPr kumimoji="1" lang="en-US" altLang="ko-KR" b="1" dirty="0" err="1" smtClean="0">
-                <a:solidFill>
-                  <a:srgbClr val="59606B"/>
-                </a:solidFill>
-              </a:rPr>
-              <a:t>NodeJS</a:t>
-            </a:r>
-            <a:r>
-              <a:rPr kumimoji="1" lang="ko-KR" altLang="en-US" b="1" dirty="0" smtClean="0">
-                <a:solidFill>
-                  <a:srgbClr val="59606B"/>
-                </a:solidFill>
-              </a:rPr>
-              <a:t>로 서버 구축</a:t>
-            </a:r>
-            <a:endParaRPr kumimoji="1" lang="en-US" altLang="ko-KR" b="1" dirty="0" smtClean="0">
-              <a:solidFill>
-                <a:srgbClr val="59606B"/>
-              </a:solidFill>
-            </a:endParaRPr>
-          </a:p>
-          <a:p>
-            <a:r>
-              <a:rPr kumimoji="1" lang="en-US" altLang="ko-KR" b="1" dirty="0" smtClean="0">
-                <a:solidFill>
-                  <a:srgbClr val="59606B"/>
-                </a:solidFill>
-              </a:rPr>
-              <a:t>NoSQL</a:t>
-            </a:r>
-            <a:r>
-              <a:rPr kumimoji="1" lang="ko-KR" altLang="en-US" b="1" dirty="0" smtClean="0">
-                <a:solidFill>
-                  <a:srgbClr val="59606B"/>
-                </a:solidFill>
-              </a:rPr>
-              <a:t> 특징을 가진 </a:t>
-            </a:r>
-            <a:r>
-              <a:rPr kumimoji="1" lang="en-US" altLang="ko-KR" b="1" dirty="0" smtClean="0">
-                <a:solidFill>
-                  <a:srgbClr val="59606B"/>
-                </a:solidFill>
-              </a:rPr>
-              <a:t>Mongo DB</a:t>
-            </a:r>
-            <a:r>
-              <a:rPr kumimoji="1" lang="ko-KR" altLang="en-US" b="1" dirty="0" smtClean="0">
-                <a:solidFill>
-                  <a:srgbClr val="59606B"/>
-                </a:solidFill>
-              </a:rPr>
-              <a:t> 활용</a:t>
-            </a:r>
-            <a:endParaRPr kumimoji="1" lang="en-US" altLang="ko-KR" b="1" dirty="0" smtClean="0">
-              <a:solidFill>
-                <a:srgbClr val="59606B"/>
-              </a:solidFill>
-            </a:endParaRPr>
-          </a:p>
-          <a:p>
-            <a:r>
-              <a:rPr kumimoji="1" lang="ko-KR" altLang="en-US" b="1" dirty="0" smtClean="0">
-                <a:solidFill>
-                  <a:srgbClr val="59606B"/>
-                </a:solidFill>
-              </a:rPr>
-              <a:t>디지털오션 클라우드 서비스를 이용한 서버 생성</a:t>
-            </a:r>
-            <a:endParaRPr kumimoji="1" lang="en-US" altLang="ko-KR" b="1" dirty="0" smtClean="0">
-              <a:solidFill>
-                <a:srgbClr val="59606B"/>
-              </a:solidFill>
-            </a:endParaRPr>
-          </a:p>
         </p:txBody>
       </p:sp>
       <p:sp>
@@ -6883,7 +6658,7 @@
         </p:nvSpPr>
         <p:spPr>
           <a:xfrm>
-            <a:off x="3374254" y="3687822"/>
+            <a:off x="3696226" y="2734784"/>
             <a:ext cx="7486251" cy="923330"/>
           </a:xfrm>
           <a:prstGeom prst="rect">
@@ -7648,7 +7423,7 @@
         </p:nvSpPr>
         <p:spPr>
           <a:xfrm>
-            <a:off x="1978660" y="2788654"/>
+            <a:off x="1978660" y="2805762"/>
             <a:ext cx="8184190" cy="461665"/>
           </a:xfrm>
           <a:prstGeom prst="rect">
@@ -7670,47 +7445,17 @@
                 <a:latin typeface="+mj-ea"/>
                 <a:ea typeface="+mj-ea"/>
               </a:rPr>
-              <a:t>MS Visual Studio 17, </a:t>
-            </a:r>
-            <a:r>
-              <a:rPr kumimoji="1" lang="en-US" altLang="ko-KR" sz="2400" b="1" dirty="0" err="1" smtClean="0">
+              <a:t>MS Visual Studio </a:t>
+            </a:r>
+            <a:r>
+              <a:rPr kumimoji="1" lang="en-US" altLang="ko-KR" sz="2400" b="1" dirty="0" smtClean="0">
                 <a:solidFill>
                   <a:srgbClr val="59606B"/>
                 </a:solidFill>
                 <a:latin typeface="+mj-ea"/>
                 <a:ea typeface="+mj-ea"/>
               </a:rPr>
-              <a:t>Jetbrain</a:t>
-            </a:r>
-            <a:r>
-              <a:rPr kumimoji="1" lang="en-US" altLang="ko-KR" sz="2400" b="1" dirty="0" smtClean="0">
-                <a:solidFill>
-                  <a:srgbClr val="59606B"/>
-                </a:solidFill>
-                <a:latin typeface="+mj-ea"/>
-                <a:ea typeface="+mj-ea"/>
-              </a:rPr>
-              <a:t> </a:t>
-            </a:r>
-            <a:r>
-              <a:rPr kumimoji="1" lang="en-US" altLang="ko-KR" sz="2400" b="1" dirty="0" err="1" smtClean="0">
-                <a:solidFill>
-                  <a:srgbClr val="59606B"/>
-                </a:solidFill>
-                <a:latin typeface="+mj-ea"/>
-                <a:ea typeface="+mj-ea"/>
-              </a:rPr>
-              <a:t>CLion</a:t>
-            </a:r>
-            <a:r>
-              <a:rPr kumimoji="1" lang="en-US" altLang="ko-KR" sz="2400" b="1" dirty="0" smtClean="0">
-                <a:solidFill>
-                  <a:srgbClr val="59606B"/>
-                </a:solidFill>
-                <a:latin typeface="+mj-ea"/>
-                <a:ea typeface="+mj-ea"/>
-              </a:rPr>
-              <a:t> 17 </a:t>
+              <a:t>17</a:t>
             </a:r>
             <a:endParaRPr kumimoji="1" lang="ko-KR" altLang="en-US" sz="2400" b="1" dirty="0">
               <a:solidFill>
@@ -7752,7 +7497,17 @@
                 <a:latin typeface="+mj-ea"/>
                 <a:ea typeface="+mj-ea"/>
               </a:rPr>
-              <a:t>DirectX 11, OpenGL 3.x</a:t>
+              <a:t>DirectX </a:t>
+            </a:r>
+            <a:r>
+              <a:rPr kumimoji="1" lang="en-US" altLang="ko-KR" sz="2400" b="1" dirty="0" smtClean="0">
+                <a:solidFill>
+                  <a:srgbClr val="59606B"/>
+                </a:solidFill>
+                <a:latin typeface="+mj-ea"/>
+                <a:ea typeface="+mj-ea"/>
+              </a:rPr>
+              <a:t>11</a:t>
             </a:r>
             <a:endParaRPr kumimoji="1" lang="ko-KR" altLang="en-US" sz="2400" b="1" dirty="0">
               <a:solidFill>
@@ -8456,7 +8211,7 @@
                   <a:schemeClr val="bg1"/>
                 </a:solidFill>
               </a:rPr>
-              <a:t>/3</a:t>
+              <a:t>/2</a:t>
             </a:r>
             <a:endParaRPr kumimoji="1" lang="en-US" altLang="ko-KR" sz="16600" b="1" dirty="0">
               <a:solidFill>
@@ -9792,7 +9547,7 @@
                   <a:schemeClr val="bg1"/>
                 </a:solidFill>
               </a:rPr>
-              <a:t>/3</a:t>
+              <a:t>/2</a:t>
             </a:r>
             <a:endParaRPr kumimoji="1" lang="en-US" altLang="ko-KR" sz="16600" b="1" dirty="0">
               <a:solidFill>
@@ -10153,7 +9908,7 @@
       </p:grpSpPr>
       <p:sp>
         <p:nvSpPr>
-          <p:cNvPr id="7" name="직사각형 6"/>
+          <p:cNvPr id="20" name="직사각형 19"/>
           <p:cNvSpPr/>
           <p:nvPr/>
         </p:nvSpPr>
@@ -10166,7 +9921,7 @@
             <a:avLst/>
           </a:prstGeom>
           <a:solidFill>
-            <a:srgbClr val="0070C0"/>
+            <a:srgbClr val="00B050"/>
           </a:solidFill>
           <a:ln>
             <a:noFill/>
@@ -10218,26 +9973,42 @@
           </a:bodyPr>
           <a:lstStyle/>
           <a:p>
-            <a:pPr algn="ctr"/>
+            <a:pPr lvl="0" algn="ctr"/>
             <a:r>
               <a:rPr kumimoji="1" lang="en-US" altLang="ko-KR" sz="4000" b="1" dirty="0" smtClean="0">
                 <a:solidFill>
-                  <a:schemeClr val="bg1"/>
-                </a:solidFill>
-              </a:rPr>
-              <a:t>OpenGL</a:t>
+                  <a:prstClr val="white"/>
+                </a:solidFill>
+              </a:rPr>
+              <a:t>DirectX</a:t>
             </a:r>
             <a:r>
               <a:rPr kumimoji="1" lang="ko-KR" altLang="en-US" sz="4000" b="1" dirty="0" smtClean="0">
                 <a:solidFill>
-                  <a:schemeClr val="bg1"/>
+                  <a:prstClr val="white"/>
+                </a:solidFill>
+              </a:rPr>
+              <a:t> </a:t>
+            </a:r>
+            <a:r>
+              <a:rPr kumimoji="1" lang="en-US" altLang="ko-KR" sz="4000" b="1" dirty="0" smtClean="0">
+                <a:solidFill>
+                  <a:prstClr val="white"/>
+                </a:solidFill>
+              </a:rPr>
+              <a:t>11</a:t>
+            </a:r>
+            <a:r>
+              <a:rPr kumimoji="1" lang="ko-KR" altLang="en-US" sz="4000" b="1" dirty="0" smtClean="0">
+                <a:solidFill>
+                  <a:prstClr val="white"/>
                 </a:solidFill>
               </a:rPr>
               <a:t>을 활용한 자체 프레임워크 제작</a:t>
             </a:r>
-            <a:endParaRPr kumimoji="1" lang="en-US" altLang="ko-KR" sz="4000" b="1" dirty="0">
+            <a:endParaRPr kumimoji="1" lang="en-US" altLang="ko-KR" sz="4000" b="1" dirty="0" smtClean="0">
               <a:solidFill>
-                <a:schemeClr val="bg1"/>
+                <a:prstClr val="white"/>
               </a:solidFill>
             </a:endParaRPr>
           </a:p>
@@ -10254,14 +10025,14 @@
           <a:p>
             <a:pPr algn="ctr"/>
             <a:r>
-              <a:rPr kumimoji="1" lang="ko-KR" altLang="en-US" sz="3200" b="1" dirty="0" smtClean="0">
+              <a:rPr kumimoji="1" lang="en-US" altLang="ko-KR" sz="3200" b="1" dirty="0" smtClean="0">
                 <a:solidFill>
                   <a:schemeClr val="bg1">
                     <a:lumMod val="75000"/>
                   </a:schemeClr>
                 </a:solidFill>
               </a:rPr>
-              <a:t>고정된 파이프라인이 아닌 </a:t>
+              <a:t>D</a:t>
             </a:r>
             <a:r>
               <a:rPr kumimoji="1" lang="en-US" altLang="ko-KR" sz="3200" b="1" dirty="0" smtClean="0">
@@ -10271,57 +10042,77 @@
                   </a:schemeClr>
                 </a:solidFill>
               </a:rPr>
-              <a:t>OpenGL</a:t>
-            </a:r>
-            <a:r>
-              <a:rPr kumimoji="1" lang="ko-KR" altLang="en-US" sz="3200" b="1" dirty="0" smtClean="0">
+              <a:t>ir</a:t>
+            </a:r>
+            <a:r>
+              <a:rPr kumimoji="1" lang="en-US" altLang="ko-KR" sz="3200" b="1" dirty="0" smtClean="0">
                 <a:solidFill>
                   <a:schemeClr val="bg1">
                     <a:lumMod val="75000"/>
                   </a:schemeClr>
                 </a:solidFill>
               </a:rPr>
-              <a:t>에서 제공하는 파이프라인과 </a:t>
-            </a:r>
-            <a:r>
-              <a:rPr kumimoji="1" lang="en-US" altLang="ko-KR" sz="3200" b="1" dirty="0" smtClean="0">
+              <a:t>ectX </a:t>
+            </a:r>
+            <a:r>
+              <a:rPr kumimoji="1" lang="en-US" altLang="ko-KR" sz="3200" b="1" dirty="0">
                 <a:solidFill>
                   <a:schemeClr val="bg1">
                     <a:lumMod val="75000"/>
                   </a:schemeClr>
                 </a:solidFill>
               </a:rPr>
-              <a:t>GLSL</a:t>
-            </a:r>
-            <a:r>
-              <a:rPr kumimoji="1" lang="ko-KR" altLang="en-US" sz="3200" b="1" dirty="0" smtClean="0">
+              <a:t>11</a:t>
+            </a:r>
+            <a:r>
+              <a:rPr kumimoji="1" lang="ko-KR" altLang="en-US" sz="3200" b="1" dirty="0">
                 <a:solidFill>
                   <a:schemeClr val="bg1">
                     <a:lumMod val="75000"/>
                   </a:schemeClr>
                 </a:solidFill>
               </a:rPr>
-              <a:t>을 익혀 게임에 적합한 </a:t>
-            </a:r>
-            <a:r>
-              <a:rPr kumimoji="1" lang="en-US" altLang="ko-KR" sz="3200" b="1" dirty="0" smtClean="0">
+              <a:t>에서 제공하는 파이프 </a:t>
+            </a:r>
+            <a:r>
+              <a:rPr kumimoji="1" lang="ko-KR" altLang="en-US" sz="3200" b="1" dirty="0" smtClean="0">
                 <a:solidFill>
                   <a:schemeClr val="bg1">
                     <a:lumMod val="75000"/>
                   </a:schemeClr>
                 </a:solidFill>
               </a:rPr>
-              <a:t>3D </a:t>
-            </a:r>
-            <a:r>
-              <a:rPr kumimoji="1" lang="ko-KR" altLang="en-US" sz="3200" b="1" dirty="0" smtClean="0">
+              <a:t>라인과 </a:t>
+            </a:r>
+            <a:r>
+              <a:rPr kumimoji="1" lang="en-US" altLang="ko-KR" sz="3200" b="1" dirty="0" smtClean="0">
                 <a:solidFill>
                   <a:schemeClr val="bg1">
                     <a:lumMod val="75000"/>
                   </a:schemeClr>
                 </a:solidFill>
               </a:rPr>
-              <a:t>프레임워크 제작 </a:t>
+              <a:t>HLSL</a:t>
+            </a:r>
+            <a:r>
+              <a:rPr kumimoji="1" lang="ko-KR" altLang="en-US" sz="3200" b="1" dirty="0" smtClean="0">
+                <a:solidFill>
+                  <a:schemeClr val="bg1">
+                    <a:lumMod val="75000"/>
+                  </a:schemeClr>
+                </a:solidFill>
+              </a:rPr>
+              <a:t>을 </a:t>
+            </a:r>
+            <a:r>
+              <a:rPr kumimoji="1" lang="ko-KR" altLang="en-US" sz="3200" b="1" dirty="0">
+                <a:solidFill>
+                  <a:schemeClr val="bg1">
+                    <a:lumMod val="75000"/>
+                  </a:schemeClr>
+                </a:solidFill>
+              </a:rPr>
+              <a:t>익혀</a:t>
             </a:r>
             <a:endParaRPr kumimoji="1" lang="en-US" altLang="ko-KR" sz="3200" b="1" dirty="0">
               <a:solidFill>
@@ -10331,6 +10122,49 @@
               </a:solidFill>
             </a:endParaRPr>
           </a:p>
+          <a:p>
+            <a:pPr algn="ctr"/>
+            <a:r>
+              <a:rPr kumimoji="1" lang="ko-KR" altLang="en-US" sz="3200" b="1" dirty="0">
+                <a:solidFill>
+                  <a:schemeClr val="bg1">
+                    <a:lumMod val="75000"/>
+                  </a:schemeClr>
+                </a:solidFill>
+              </a:rPr>
+              <a:t>게임에 적합한 </a:t>
+            </a:r>
+            <a:r>
+              <a:rPr kumimoji="1" lang="en-US" altLang="ko-KR" sz="3200" b="1" dirty="0">
+                <a:solidFill>
+                  <a:schemeClr val="bg1">
+                    <a:lumMod val="75000"/>
+                  </a:schemeClr>
+                </a:solidFill>
+              </a:rPr>
+              <a:t>3D</a:t>
+            </a:r>
+            <a:r>
+              <a:rPr kumimoji="1" lang="ko-KR" altLang="en-US" sz="3200" b="1" dirty="0">
+                <a:solidFill>
+                  <a:schemeClr val="bg1">
+                    <a:lumMod val="75000"/>
+                  </a:schemeClr>
+                </a:solidFill>
+              </a:rPr>
+              <a:t>환경의 프레임워크 </a:t>
+            </a:r>
+            <a:r>
+              <a:rPr kumimoji="1" lang="ko-KR" altLang="en-US" sz="3200" b="1" dirty="0" smtClean="0">
+                <a:solidFill>
+                  <a:schemeClr val="bg1">
+                    <a:lumMod val="75000"/>
+                  </a:schemeClr>
+                </a:solidFill>
+              </a:rPr>
+              <a:t>제작</a:t>
+            </a:r>
+          </a:p>
         </p:txBody>
       </p:sp>
       <p:sp>
@@ -10341,8 +10175,8 @@
         </p:nvSpPr>
         <p:spPr>
           <a:xfrm>
-            <a:off x="7240757" y="1149348"/>
-            <a:ext cx="3190297" cy="1938992"/>
+            <a:off x="7204689" y="1149348"/>
+            <a:ext cx="3262432" cy="1938992"/>
           </a:xfrm>
           <a:prstGeom prst="rect">
             <a:avLst/>
@@ -10359,38 +10193,14 @@
             <a:r>
               <a:rPr kumimoji="1" lang="ko-KR" altLang="en-US" sz="4800" b="1" dirty="0">
                 <a:solidFill>
-                  <a:srgbClr val="FFC000"/>
-                </a:solidFill>
-              </a:rPr>
-              <a:t>기획 </a:t>
-            </a:r>
-            <a:r>
-              <a:rPr kumimoji="1" lang="en-US" altLang="ko-KR" sz="4800" b="1" dirty="0">
-                <a:solidFill>
-                  <a:srgbClr val="FFC000"/>
-                </a:solidFill>
-              </a:rPr>
-              <a:t>/</a:t>
-            </a:r>
-            <a:r>
-              <a:rPr kumimoji="1" lang="ko-KR" altLang="en-US" sz="4800" b="1" dirty="0">
-                <a:solidFill>
-                  <a:srgbClr val="FFC000"/>
-                </a:solidFill>
-              </a:rPr>
-              <a:t> </a:t>
-            </a:r>
-            <a:r>
-              <a:rPr kumimoji="1" lang="ko-KR" altLang="en-US" sz="4800" b="1" dirty="0" smtClean="0">
-                <a:solidFill>
-                  <a:srgbClr val="FFC000"/>
-                </a:solidFill>
-              </a:rPr>
-              <a:t>서버</a:t>
-            </a:r>
-            <a:endParaRPr kumimoji="1" lang="en-US" altLang="ko-KR" sz="4800" b="1" dirty="0" smtClean="0">
+                  <a:schemeClr val="accent2"/>
+                </a:solidFill>
+              </a:rPr>
+              <a:t>클라이언트</a:t>
+            </a:r>
+            <a:endParaRPr kumimoji="1" lang="en-US" altLang="ko-KR" sz="4800" b="1" dirty="0">
               <a:solidFill>
-                <a:srgbClr val="FFC000"/>
+                <a:schemeClr val="accent2"/>
               </a:solidFill>
             </a:endParaRPr>
           </a:p>
@@ -10402,7 +10212,7 @@
                   <a:schemeClr val="bg1"/>
                 </a:solidFill>
               </a:rPr>
-              <a:t>김홍일</a:t>
+              <a:t>양태윤</a:t>
             </a:r>
             <a:endParaRPr kumimoji="1" lang="en-US" altLang="ko-KR" sz="7200" b="1" dirty="0">
               <a:solidFill>
@@ -10420,7 +10230,7 @@
         </p:nvSpPr>
         <p:spPr>
           <a:xfrm>
-            <a:off x="5271894" y="732982"/>
+            <a:off x="5280425" y="732982"/>
             <a:ext cx="1648208" cy="2646878"/>
           </a:xfrm>
           <a:prstGeom prst="rect">
@@ -10441,21 +10251,42 @@
                   <a:schemeClr val="bg1"/>
                 </a:solidFill>
               </a:rPr>
-              <a:t>3</a:t>
-            </a:r>
-            <a:r>
-              <a:rPr kumimoji="1" lang="en-US" altLang="ko-KR" sz="3200" b="1" dirty="0" smtClean="0">
+              <a:t>1</a:t>
+            </a:r>
+            <a:r>
+              <a:rPr kumimoji="1" lang="en-US" altLang="ko-KR" sz="3200" b="1" dirty="0">
                 <a:solidFill>
                   <a:schemeClr val="bg1"/>
                 </a:solidFill>
               </a:rPr>
-              <a:t>/3</a:t>
-            </a:r>
-            <a:endParaRPr kumimoji="1" lang="en-US" altLang="ko-KR" sz="16600" b="1" dirty="0">
-              <a:solidFill>
-                <a:schemeClr val="bg1"/>
-              </a:solidFill>
-            </a:endParaRPr>
+              <a:t>/2</a:t>
+            </a:r>
+          </a:p>
+        </p:txBody>
+      </p:sp>
+      <p:sp>
+        <p:nvSpPr>
+          <p:cNvPr id="2" name="텍스트 상자 1"/>
+          <p:cNvSpPr txBox="1"/>
+          <p:nvPr/>
+        </p:nvSpPr>
+        <p:spPr>
+          <a:xfrm>
+            <a:off x="-529936" y="1257300"/>
+            <a:ext cx="184731" cy="369332"/>
+          </a:xfrm>
+          <a:prstGeom prst="rect">
+            <a:avLst/>
+          </a:prstGeom>
+          <a:noFill/>
+        </p:spPr>
+        <p:txBody>
+          <a:bodyPr wrap="none" rtlCol="0">
+            <a:spAutoFit/>
+          </a:bodyPr>
+          <a:lstStyle/>
+          <a:p>
+            <a:endParaRPr kumimoji="1" lang="ko-KR" altLang="en-US" dirty="0"/>
           </a:p>
         </p:txBody>
       </p:sp>
@@ -10774,729 +10605,6 @@
     </p:spTree>
     <p:extLst>
       <p:ext uri="{BB962C8B-B14F-4D97-AF65-F5344CB8AC3E}">
-        <p14:creationId xmlns:p14="http://schemas.microsoft.com/office/powerpoint/2010/main" val="1964049099"/>
-      </p:ext>
-    </p:extLst>
-  </p:cSld>
-  <p:clrMapOvr>
-    <a:masterClrMapping/>
-  </p:clrMapOvr>
-  <p:timing>
-    <p:tnLst>
-      <p:par>
-        <p:cTn id="1" dur="indefinite" restart="never" nodeType="tmRoot"/>
-      </p:par>
-    </p:tnLst>
-  </p:timing>
-</p:sld>
-</file>
-
-<file path=ppt/slides/slide16.xml><?xml version="1.0" encoding="utf-8"?>
-<p:sld xmlns:a="http://schemas.openxmlformats.org/drawingml/2006/main" xmlns:r="http://schemas.openxmlformats.org/officeDocument/2006/relationships" xmlns:p="http://schemas.openxmlformats.org/presentationml/2006/main">
-  <p:cSld>
-    <p:spTree>
-      <p:nvGrpSpPr>
-        <p:cNvPr id="1" name=""/>
-        <p:cNvGrpSpPr/>
-        <p:nvPr/>
-      </p:nvGrpSpPr>
-      <p:grpSpPr>
-        <a:xfrm>
-          <a:off x="0" y="0"/>
-          <a:ext cx="0" cy="0"/>
-          <a:chOff x="0" y="0"/>
-          <a:chExt cx="0" cy="0"/>
-        </a:xfrm>
-      </p:grpSpPr>
-      <p:sp>
-        <p:nvSpPr>
-          <p:cNvPr id="20" name="직사각형 19"/>
-          <p:cNvSpPr/>
-          <p:nvPr/>
-        </p:nvSpPr>
-        <p:spPr>
-          <a:xfrm>
-            <a:off x="0" y="0"/>
-            <a:ext cx="12192000" cy="6868337"/>
-          </a:xfrm>
-          <a:prstGeom prst="rect">
-            <a:avLst/>
-          </a:prstGeom>
-          <a:solidFill>
-            <a:srgbClr val="00B050"/>
-          </a:solidFill>
-          <a:ln>
-            <a:noFill/>
-          </a:ln>
-        </p:spPr>
-        <p:style>
-          <a:lnRef idx="2">
-            <a:schemeClr val="accent1">
-              <a:shade val="50000"/>
-            </a:schemeClr>
-          </a:lnRef>
-          <a:fillRef idx="1">
-            <a:schemeClr val="accent1"/>
-          </a:fillRef>
-          <a:effectRef idx="0">
-            <a:schemeClr val="accent1"/>
-          </a:effectRef>
-          <a:fontRef idx="minor">
-            <a:schemeClr val="lt1"/>
-          </a:fontRef>
-        </p:style>
-        <p:txBody>
-          <a:bodyPr rtlCol="0" anchor="ctr"/>
-          <a:lstStyle/>
-          <a:p>
-            <a:pPr algn="ctr"/>
-            <a:endParaRPr kumimoji="1" lang="ko-KR" altLang="en-US"/>
-          </a:p>
-        </p:txBody>
-      </p:sp>
-      <p:sp>
-        <p:nvSpPr>
-          <p:cNvPr id="10" name="직사각형 9"/>
-          <p:cNvSpPr/>
-          <p:nvPr/>
-        </p:nvSpPr>
-        <p:spPr>
-          <a:xfrm>
-            <a:off x="527986" y="4021402"/>
-            <a:ext cx="10993453" cy="2185214"/>
-          </a:xfrm>
-          <a:prstGeom prst="rect">
-            <a:avLst/>
-          </a:prstGeom>
-        </p:spPr>
-        <p:txBody>
-          <a:bodyPr wrap="square">
-            <a:spAutoFit/>
-          </a:bodyPr>
-          <a:lstStyle/>
-          <a:p>
-            <a:pPr lvl="0" algn="ctr"/>
-            <a:r>
-              <a:rPr kumimoji="1" lang="en-US" altLang="ko-KR" sz="4000" b="1" dirty="0" smtClean="0">
-                <a:solidFill>
-                  <a:prstClr val="white"/>
-                </a:solidFill>
-              </a:rPr>
-              <a:t>DirectX</a:t>
-            </a:r>
-            <a:r>
-              <a:rPr kumimoji="1" lang="ko-KR" altLang="en-US" sz="4000" b="1" dirty="0" smtClean="0">
-                <a:solidFill>
-                  <a:prstClr val="white"/>
-                </a:solidFill>
-              </a:rPr>
-              <a:t> </a:t>
-            </a:r>
-            <a:r>
-              <a:rPr kumimoji="1" lang="en-US" altLang="ko-KR" sz="4000" b="1" dirty="0" smtClean="0">
-                <a:solidFill>
-                  <a:prstClr val="white"/>
-                </a:solidFill>
-              </a:rPr>
-              <a:t>11</a:t>
-            </a:r>
-            <a:r>
-              <a:rPr kumimoji="1" lang="ko-KR" altLang="en-US" sz="4000" b="1" dirty="0" smtClean="0">
-                <a:solidFill>
-                  <a:prstClr val="white"/>
-                </a:solidFill>
-              </a:rPr>
-              <a:t>을 활용한 자체 프레임워크 제작</a:t>
-            </a:r>
-            <a:endParaRPr kumimoji="1" lang="en-US" altLang="ko-KR" sz="4000" b="1" dirty="0" smtClean="0">
-              <a:solidFill>
-                <a:prstClr val="white"/>
-              </a:solidFill>
-            </a:endParaRPr>
-          </a:p>
-          <a:p>
-            <a:pPr algn="ctr"/>
-            <a:endParaRPr kumimoji="1" lang="en-US" altLang="ko-KR" sz="3200" b="1" dirty="0" smtClean="0">
-              <a:solidFill>
-                <a:schemeClr val="bg1">
-                  <a:lumMod val="50000"/>
-                </a:schemeClr>
-              </a:solidFill>
-            </a:endParaRPr>
-          </a:p>
-          <a:p>
-            <a:pPr algn="ctr"/>
-            <a:r>
-              <a:rPr kumimoji="1" lang="en-US" altLang="ko-KR" sz="3200" b="1" dirty="0" err="1" smtClean="0">
-                <a:solidFill>
-                  <a:schemeClr val="bg1">
-                    <a:lumMod val="75000"/>
-                  </a:schemeClr>
-                </a:solidFill>
-              </a:rPr>
-              <a:t>DriectX</a:t>
-            </a:r>
-            <a:r>
-              <a:rPr kumimoji="1" lang="en-US" altLang="ko-KR" sz="3200" b="1" dirty="0" smtClean="0">
-                <a:solidFill>
-                  <a:schemeClr val="bg1">
-                    <a:lumMod val="75000"/>
-                  </a:schemeClr>
-                </a:solidFill>
-              </a:rPr>
-              <a:t> </a:t>
-            </a:r>
-            <a:r>
-              <a:rPr kumimoji="1" lang="en-US" altLang="ko-KR" sz="3200" b="1" dirty="0">
-                <a:solidFill>
-                  <a:schemeClr val="bg1">
-                    <a:lumMod val="75000"/>
-                  </a:schemeClr>
-                </a:solidFill>
-              </a:rPr>
-              <a:t>11</a:t>
-            </a:r>
-            <a:r>
-              <a:rPr kumimoji="1" lang="ko-KR" altLang="en-US" sz="3200" b="1" dirty="0">
-                <a:solidFill>
-                  <a:schemeClr val="bg1">
-                    <a:lumMod val="75000"/>
-                  </a:schemeClr>
-                </a:solidFill>
-              </a:rPr>
-              <a:t>에서 제공하는 파이프 </a:t>
-            </a:r>
-            <a:r>
-              <a:rPr kumimoji="1" lang="ko-KR" altLang="en-US" sz="3200" b="1" dirty="0" smtClean="0">
-                <a:solidFill>
-                  <a:schemeClr val="bg1">
-                    <a:lumMod val="75000"/>
-                  </a:schemeClr>
-                </a:solidFill>
-              </a:rPr>
-              <a:t>라인과 </a:t>
-            </a:r>
-            <a:r>
-              <a:rPr kumimoji="1" lang="en-US" altLang="ko-KR" sz="3200" b="1" dirty="0" smtClean="0">
-                <a:solidFill>
-                  <a:schemeClr val="bg1">
-                    <a:lumMod val="75000"/>
-                  </a:schemeClr>
-                </a:solidFill>
-              </a:rPr>
-              <a:t>HLSL</a:t>
-            </a:r>
-            <a:r>
-              <a:rPr kumimoji="1" lang="ko-KR" altLang="en-US" sz="3200" b="1" dirty="0" smtClean="0">
-                <a:solidFill>
-                  <a:schemeClr val="bg1">
-                    <a:lumMod val="75000"/>
-                  </a:schemeClr>
-                </a:solidFill>
-              </a:rPr>
-              <a:t>을 </a:t>
-            </a:r>
-            <a:r>
-              <a:rPr kumimoji="1" lang="ko-KR" altLang="en-US" sz="3200" b="1" dirty="0">
-                <a:solidFill>
-                  <a:schemeClr val="bg1">
-                    <a:lumMod val="75000"/>
-                  </a:schemeClr>
-                </a:solidFill>
-              </a:rPr>
-              <a:t>익혀</a:t>
-            </a:r>
-            <a:endParaRPr kumimoji="1" lang="en-US" altLang="ko-KR" sz="3200" b="1" dirty="0">
-              <a:solidFill>
-                <a:schemeClr val="bg1">
-                  <a:lumMod val="75000"/>
-                </a:schemeClr>
-              </a:solidFill>
-            </a:endParaRPr>
-          </a:p>
-          <a:p>
-            <a:pPr algn="ctr"/>
-            <a:r>
-              <a:rPr kumimoji="1" lang="ko-KR" altLang="en-US" sz="3200" b="1" dirty="0">
-                <a:solidFill>
-                  <a:schemeClr val="bg1">
-                    <a:lumMod val="75000"/>
-                  </a:schemeClr>
-                </a:solidFill>
-              </a:rPr>
-              <a:t>게임에 적합한 </a:t>
-            </a:r>
-            <a:r>
-              <a:rPr kumimoji="1" lang="en-US" altLang="ko-KR" sz="3200" b="1" dirty="0">
-                <a:solidFill>
-                  <a:schemeClr val="bg1">
-                    <a:lumMod val="75000"/>
-                  </a:schemeClr>
-                </a:solidFill>
-              </a:rPr>
-              <a:t>3D</a:t>
-            </a:r>
-            <a:r>
-              <a:rPr kumimoji="1" lang="ko-KR" altLang="en-US" sz="3200" b="1" dirty="0">
-                <a:solidFill>
-                  <a:schemeClr val="bg1">
-                    <a:lumMod val="75000"/>
-                  </a:schemeClr>
-                </a:solidFill>
-              </a:rPr>
-              <a:t>환경의 프레임워크 </a:t>
-            </a:r>
-            <a:r>
-              <a:rPr kumimoji="1" lang="ko-KR" altLang="en-US" sz="3200" b="1" dirty="0" smtClean="0">
-                <a:solidFill>
-                  <a:schemeClr val="bg1">
-                    <a:lumMod val="75000"/>
-                  </a:schemeClr>
-                </a:solidFill>
-              </a:rPr>
-              <a:t>제작</a:t>
-            </a:r>
-          </a:p>
-        </p:txBody>
-      </p:sp>
-      <p:sp>
-        <p:nvSpPr>
-          <p:cNvPr id="12" name="TextBox 3"/>
-          <p:cNvSpPr txBox="1"/>
-          <p:nvPr/>
-        </p:nvSpPr>
-        <p:spPr>
-          <a:xfrm>
-            <a:off x="7204689" y="1149348"/>
-            <a:ext cx="3262432" cy="1938992"/>
-          </a:xfrm>
-          <a:prstGeom prst="rect">
-            <a:avLst/>
-          </a:prstGeom>
-          <a:noFill/>
-        </p:spPr>
-        <p:txBody>
-          <a:bodyPr wrap="none" rtlCol="0">
-            <a:spAutoFit/>
-          </a:bodyPr>
-          <a:lstStyle/>
-          <a:p>
-            <a:pPr algn="ctr"/>
-            <a:r>
-              <a:rPr kumimoji="1" lang="ko-KR" altLang="en-US" sz="4800" b="1" dirty="0">
-                <a:solidFill>
-                  <a:schemeClr val="accent2"/>
-                </a:solidFill>
-              </a:rPr>
-              <a:t>클라이언트</a:t>
-            </a:r>
-            <a:endParaRPr kumimoji="1" lang="en-US" altLang="ko-KR" sz="4800" b="1" dirty="0">
-              <a:solidFill>
-                <a:schemeClr val="accent2"/>
-              </a:solidFill>
-            </a:endParaRPr>
-          </a:p>
-          <a:p>
-            <a:pPr algn="ctr"/>
-            <a:r>
-              <a:rPr kumimoji="1" lang="ko-KR" altLang="en-US" sz="7200" b="1" dirty="0" smtClean="0">
-                <a:solidFill>
-                  <a:schemeClr val="bg1"/>
-                </a:solidFill>
-              </a:rPr>
-              <a:t>양태윤</a:t>
-            </a:r>
-            <a:endParaRPr kumimoji="1" lang="en-US" altLang="ko-KR" sz="7200" b="1" dirty="0">
-              <a:solidFill>
-                <a:schemeClr val="bg1"/>
-              </a:solidFill>
-            </a:endParaRPr>
-          </a:p>
-        </p:txBody>
-      </p:sp>
-      <p:sp>
-        <p:nvSpPr>
-          <p:cNvPr id="9" name="TextBox 3"/>
-          <p:cNvSpPr txBox="1"/>
-          <p:nvPr/>
-        </p:nvSpPr>
-        <p:spPr>
-          <a:xfrm>
-            <a:off x="5280425" y="732982"/>
-            <a:ext cx="1648208" cy="2646878"/>
-          </a:xfrm>
-          <a:prstGeom prst="rect">
-            <a:avLst/>
-          </a:prstGeom>
-          <a:noFill/>
-        </p:spPr>
-        <p:txBody>
-          <a:bodyPr wrap="none" rtlCol="0">
-            <a:spAutoFit/>
-          </a:bodyPr>
-          <a:lstStyle/>
-          <a:p>
-            <a:pPr algn="ctr"/>
-            <a:r>
-              <a:rPr kumimoji="1" lang="en-US" altLang="ko-KR" sz="16600" b="1" dirty="0" smtClean="0">
-                <a:solidFill>
-                  <a:schemeClr val="bg1"/>
-                </a:solidFill>
-              </a:rPr>
-              <a:t>1</a:t>
-            </a:r>
-            <a:r>
-              <a:rPr kumimoji="1" lang="en-US" altLang="ko-KR" sz="3200" b="1" dirty="0">
-                <a:solidFill>
-                  <a:schemeClr val="bg1"/>
-                </a:solidFill>
-              </a:rPr>
-              <a:t>/2</a:t>
-            </a:r>
-          </a:p>
-        </p:txBody>
-      </p:sp>
-      <p:sp>
-        <p:nvSpPr>
-          <p:cNvPr id="2" name="텍스트 상자 1"/>
-          <p:cNvSpPr txBox="1"/>
-          <p:nvPr/>
-        </p:nvSpPr>
-        <p:spPr>
-          <a:xfrm>
-            <a:off x="-529936" y="1257300"/>
-            <a:ext cx="184731" cy="369332"/>
-          </a:xfrm>
-          <a:prstGeom prst="rect">
-            <a:avLst/>
-          </a:prstGeom>
-          <a:noFill/>
-        </p:spPr>
-        <p:txBody>
-          <a:bodyPr wrap="none" rtlCol="0">
-            <a:spAutoFit/>
-          </a:bodyPr>
-          <a:lstStyle/>
-          <a:p>
-            <a:endParaRPr kumimoji="1" lang="ko-KR" altLang="en-US" dirty="0"/>
-          </a:p>
-        </p:txBody>
-      </p:sp>
-      <p:sp>
-        <p:nvSpPr>
-          <p:cNvPr id="8" name="제목 1"/>
-          <p:cNvSpPr>
-            <a:spLocks noGrp="1"/>
-          </p:cNvSpPr>
-          <p:nvPr>
-            <p:ph type="title"/>
-          </p:nvPr>
-        </p:nvSpPr>
-        <p:spPr>
-          <a:xfrm>
-            <a:off x="1856105" y="1017270"/>
-            <a:ext cx="3519805" cy="261620"/>
-          </a:xfrm>
-        </p:spPr>
-        <p:txBody>
-          <a:bodyPr>
-            <a:noAutofit/>
-          </a:bodyPr>
-          <a:lstStyle/>
-          <a:p>
-            <a:r>
-              <a:rPr lang="ko-KR" altLang="en-US" sz="2000" b="1" dirty="0" smtClean="0">
-                <a:solidFill>
-                  <a:schemeClr val="accent4"/>
-                </a:solidFill>
-              </a:rPr>
-              <a:t>개발목표 및 내용</a:t>
-            </a:r>
-            <a:endParaRPr lang="ko-KR" altLang="en-US" sz="2000" b="1" dirty="0">
-              <a:solidFill>
-                <a:schemeClr val="accent4"/>
-              </a:solidFill>
-            </a:endParaRPr>
-          </a:p>
-        </p:txBody>
-      </p:sp>
-      <p:cxnSp>
-        <p:nvCxnSpPr>
-          <p:cNvPr id="11" name="직선 연결선 5"/>
-          <p:cNvCxnSpPr/>
-          <p:nvPr/>
-        </p:nvCxnSpPr>
-        <p:spPr>
-          <a:xfrm>
-            <a:off x="1524000" y="541655"/>
-            <a:ext cx="9144000" cy="0"/>
-          </a:xfrm>
-          <a:prstGeom prst="line">
-            <a:avLst/>
-          </a:prstGeom>
-          <a:ln w="28575"/>
-        </p:spPr>
-        <p:style>
-          <a:lnRef idx="1">
-            <a:schemeClr val="accent4"/>
-          </a:lnRef>
-          <a:fillRef idx="0">
-            <a:schemeClr val="accent4"/>
-          </a:fillRef>
-          <a:effectRef idx="0">
-            <a:schemeClr val="accent4"/>
-          </a:effectRef>
-          <a:fontRef idx="minor">
-            <a:schemeClr val="tx1"/>
-          </a:fontRef>
-        </p:style>
-      </p:cxnSp>
-      <p:sp>
-        <p:nvSpPr>
-          <p:cNvPr id="13" name="막힌 원호 19"/>
-          <p:cNvSpPr/>
-          <p:nvPr/>
-        </p:nvSpPr>
-        <p:spPr>
-          <a:xfrm flipH="1">
-            <a:off x="1524000" y="245745"/>
-            <a:ext cx="457200" cy="457200"/>
-          </a:xfrm>
-          <a:prstGeom prst="blockArc">
-            <a:avLst/>
-          </a:prstGeom>
-          <a:solidFill>
-            <a:schemeClr val="accent4"/>
-          </a:solidFill>
-          <a:ln>
-            <a:noFill/>
-          </a:ln>
-        </p:spPr>
-        <p:style>
-          <a:lnRef idx="2">
-            <a:schemeClr val="accent4">
-              <a:shade val="50000"/>
-            </a:schemeClr>
-          </a:lnRef>
-          <a:fillRef idx="1">
-            <a:schemeClr val="accent4"/>
-          </a:fillRef>
-          <a:effectRef idx="0">
-            <a:schemeClr val="accent4"/>
-          </a:effectRef>
-          <a:fontRef idx="minor">
-            <a:schemeClr val="lt1"/>
-          </a:fontRef>
-        </p:style>
-        <p:txBody>
-          <a:bodyPr rtlCol="0" anchor="ctr"/>
-          <a:lstStyle/>
-          <a:p>
-            <a:pPr algn="ctr"/>
-            <a:endParaRPr lang="ko-KR" altLang="en-US">
-              <a:solidFill>
-                <a:schemeClr val="tx1"/>
-              </a:solidFill>
-            </a:endParaRPr>
-          </a:p>
-        </p:txBody>
-      </p:sp>
-      <p:sp>
-        <p:nvSpPr>
-          <p:cNvPr id="14" name="막힌 원호 20"/>
-          <p:cNvSpPr/>
-          <p:nvPr/>
-        </p:nvSpPr>
-        <p:spPr>
-          <a:xfrm flipH="1" flipV="1">
-            <a:off x="1521460" y="389255"/>
-            <a:ext cx="457200" cy="457200"/>
-          </a:xfrm>
-          <a:prstGeom prst="blockArc">
-            <a:avLst/>
-          </a:prstGeom>
-          <a:solidFill>
-            <a:schemeClr val="accent4"/>
-          </a:solidFill>
-          <a:ln>
-            <a:noFill/>
-          </a:ln>
-        </p:spPr>
-        <p:style>
-          <a:lnRef idx="2">
-            <a:schemeClr val="accent4">
-              <a:shade val="50000"/>
-            </a:schemeClr>
-          </a:lnRef>
-          <a:fillRef idx="1">
-            <a:schemeClr val="accent4"/>
-          </a:fillRef>
-          <a:effectRef idx="0">
-            <a:schemeClr val="accent4"/>
-          </a:effectRef>
-          <a:fontRef idx="minor">
-            <a:schemeClr val="lt1"/>
-          </a:fontRef>
-        </p:style>
-        <p:txBody>
-          <a:bodyPr rtlCol="0" anchor="ctr"/>
-          <a:lstStyle/>
-          <a:p>
-            <a:pPr algn="ctr"/>
-            <a:endParaRPr lang="ko-KR" altLang="en-US">
-              <a:solidFill>
-                <a:schemeClr val="tx1"/>
-              </a:solidFill>
-            </a:endParaRPr>
-          </a:p>
-        </p:txBody>
-      </p:sp>
-      <p:sp>
-        <p:nvSpPr>
-          <p:cNvPr id="15" name="TextBox 6"/>
-          <p:cNvSpPr txBox="1"/>
-          <p:nvPr/>
-        </p:nvSpPr>
-        <p:spPr>
-          <a:xfrm>
-            <a:off x="5765800" y="262255"/>
-            <a:ext cx="4741545" cy="246221"/>
-          </a:xfrm>
-          <a:prstGeom prst="rect">
-            <a:avLst/>
-          </a:prstGeom>
-          <a:noFill/>
-        </p:spPr>
-        <p:txBody>
-          <a:bodyPr wrap="square" rtlCol="0">
-            <a:spAutoFit/>
-          </a:bodyPr>
-          <a:lstStyle/>
-          <a:p>
-            <a:pPr algn="r"/>
-            <a:r>
-              <a:rPr lang="ko-KR" altLang="en-US" sz="1000" dirty="0" smtClean="0">
-                <a:solidFill>
-                  <a:srgbClr val="FFC000"/>
-                </a:solidFill>
-              </a:rPr>
-              <a:t>프로젝트 개요</a:t>
-            </a:r>
-            <a:r>
-              <a:rPr lang="en-US" altLang="ko-KR" sz="1000" dirty="0" smtClean="0">
-                <a:solidFill>
-                  <a:srgbClr val="FFC000"/>
-                </a:solidFill>
-              </a:rPr>
-              <a:t>   </a:t>
-            </a:r>
-            <a:r>
-              <a:rPr lang="en-US" altLang="ko-KR" sz="1000" dirty="0">
-                <a:solidFill>
-                  <a:srgbClr val="FFC000"/>
-                </a:solidFill>
-              </a:rPr>
-              <a:t>/</a:t>
-            </a:r>
-            <a:r>
-              <a:rPr lang="ko-KR" altLang="en-US" sz="1000" dirty="0">
-                <a:solidFill>
-                  <a:srgbClr val="FFC000"/>
-                </a:solidFill>
-              </a:rPr>
-              <a:t>   게임소개</a:t>
-            </a:r>
-            <a:r>
-              <a:rPr lang="en-US" altLang="ko-KR" sz="1000" dirty="0">
-                <a:solidFill>
-                  <a:srgbClr val="FFC000"/>
-                </a:solidFill>
-              </a:rPr>
-              <a:t>   /</a:t>
-            </a:r>
-            <a:r>
-              <a:rPr lang="ko-KR" altLang="en-US" sz="1000" dirty="0">
-                <a:solidFill>
-                  <a:srgbClr val="FFC000"/>
-                </a:solidFill>
-              </a:rPr>
-              <a:t>   </a:t>
-            </a:r>
-            <a:r>
-              <a:rPr lang="ko-KR" altLang="en-US" sz="1000" dirty="0" smtClean="0">
-                <a:solidFill>
-                  <a:srgbClr val="FFC000"/>
-                </a:solidFill>
-              </a:rPr>
-              <a:t>기술적 요소   </a:t>
-            </a:r>
-            <a:r>
-              <a:rPr lang="en-US" altLang="ko-KR" sz="1000" dirty="0">
-                <a:solidFill>
-                  <a:srgbClr val="FFC000"/>
-                </a:solidFill>
-              </a:rPr>
-              <a:t>/</a:t>
-            </a:r>
-            <a:r>
-              <a:rPr lang="ko-KR" altLang="en-US" sz="1000" dirty="0">
-                <a:solidFill>
-                  <a:srgbClr val="FFC000"/>
-                </a:solidFill>
-              </a:rPr>
-              <a:t>   </a:t>
-            </a:r>
-            <a:r>
-              <a:rPr lang="ko-KR" altLang="en-US" sz="1000" b="1" dirty="0" smtClean="0">
-                <a:solidFill>
-                  <a:srgbClr val="FFC000"/>
-                </a:solidFill>
-              </a:rPr>
-              <a:t>개발목표 및 내용</a:t>
-            </a:r>
-            <a:r>
-              <a:rPr lang="ko-KR" altLang="en-US" sz="1000" dirty="0" smtClean="0">
-                <a:solidFill>
-                  <a:srgbClr val="FFC000"/>
-                </a:solidFill>
-              </a:rPr>
-              <a:t>   </a:t>
-            </a:r>
-            <a:r>
-              <a:rPr lang="en-US" altLang="ko-KR" sz="1000" dirty="0">
-                <a:solidFill>
-                  <a:srgbClr val="FFC000"/>
-                </a:solidFill>
-              </a:rPr>
-              <a:t>/   </a:t>
-            </a:r>
-            <a:r>
-              <a:rPr lang="ko-KR" altLang="en-US" sz="1000" dirty="0">
-                <a:solidFill>
-                  <a:srgbClr val="FFC000"/>
-                </a:solidFill>
-              </a:rPr>
-              <a:t>개발 </a:t>
-            </a:r>
-            <a:r>
-              <a:rPr lang="ko-KR" altLang="en-US" sz="1000" dirty="0" smtClean="0">
-                <a:solidFill>
-                  <a:srgbClr val="FFC000"/>
-                </a:solidFill>
-              </a:rPr>
-              <a:t>일정</a:t>
-            </a:r>
-            <a:endParaRPr lang="ko-KR" altLang="en-US" sz="1000" dirty="0">
-              <a:solidFill>
-                <a:srgbClr val="FFC000"/>
-              </a:solidFill>
-            </a:endParaRPr>
-          </a:p>
-        </p:txBody>
-      </p:sp>
-    </p:spTree>
-    <p:extLst>
-      <p:ext uri="{BB962C8B-B14F-4D97-AF65-F5344CB8AC3E}">
         <p14:creationId xmlns:p14="http://schemas.microsoft.com/office/powerpoint/2010/main" val="1302873395"/>
       </p:ext>
     </p:extLst>
@@ -11507,8 +10615,8 @@
   <p:transition spd="slow">
     <p:push dir="u"/>
   </p:transition>
-  <mc:AlternateContent xmlns:mc="http://schemas.openxmlformats.org/markup-compatibility/2006" xmlns:p14="http://schemas.microsoft.com/office/powerpoint/2010/main">
-    <mc:Choice Requires="p14">
+  <mc:AlternateContent xmlns:mc="http://schemas.openxmlformats.org/markup-compatibility/2006">
+    <mc:Choice xmlns:p14="http://schemas.microsoft.com/office/powerpoint/2010/main" Requires="p14">
       <p:timing>
         <p:tnLst>
           <p:par>
@@ -11838,7 +10946,7 @@
         </p:bldLst>
       </p:timing>
     </mc:Choice>
-    <mc:Fallback xmlns="">
+    <mc:Fallback>
       <p:timing>
         <p:tnLst>
           <p:par>
@@ -12172,7 +11280,7 @@
 </p:sld>
 </file>
 
-<file path=ppt/slides/slide17.xml><?xml version="1.0" encoding="utf-8"?>
+<file path=ppt/slides/slide16.xml><?xml version="1.0" encoding="utf-8"?>
 <p:sld xmlns:a="http://schemas.openxmlformats.org/drawingml/2006/main" xmlns:r="http://schemas.openxmlformats.org/officeDocument/2006/relationships" xmlns:p="http://schemas.openxmlformats.org/presentationml/2006/main">
   <p:cSld>
     <p:spTree>
@@ -12304,14 +11412,14 @@
               <a:t>, </a:t>
             </a:r>
             <a:r>
-              <a:rPr kumimoji="1" lang="en-US" altLang="ko-KR" sz="3200" b="1" dirty="0" err="1">
+              <a:rPr kumimoji="1" lang="en-US" altLang="ko-KR" sz="3200" b="1" dirty="0" smtClean="0">
                 <a:solidFill>
                   <a:schemeClr val="bg1">
                     <a:lumMod val="75000"/>
                   </a:schemeClr>
                 </a:solidFill>
               </a:rPr>
-              <a:t>DiffuseSpecularMapping</a:t>
+              <a:t>Diffuse Specular Mapping</a:t>
             </a:r>
             <a:r>
               <a:rPr kumimoji="1" lang="en-US" altLang="ko-KR" sz="3200" b="1" dirty="0">
@@ -12324,14 +11432,14 @@
               <a:t>, Toon, </a:t>
             </a:r>
             <a:r>
-              <a:rPr kumimoji="1" lang="en-US" altLang="ko-KR" sz="3200" b="1" dirty="0" err="1">
+              <a:rPr kumimoji="1" lang="en-US" altLang="ko-KR" sz="3200" b="1" dirty="0" smtClean="0">
                 <a:solidFill>
                   <a:schemeClr val="bg1">
                     <a:lumMod val="75000"/>
                   </a:schemeClr>
                 </a:solidFill>
               </a:rPr>
-              <a:t>ShadowMapping</a:t>
+              <a:t>Shadow Mapping</a:t>
             </a:r>
             <a:endParaRPr kumimoji="1" lang="en-US" altLang="ko-KR" sz="3200" b="1" dirty="0">
               <a:solidFill>
@@ -12772,7 +11880,7 @@
 </p:sld>
 </file>
 
-<file path=ppt/slides/slide18.xml><?xml version="1.0" encoding="utf-8"?>
+<file path=ppt/slides/slide17.xml><?xml version="1.0" encoding="utf-8"?>
 <p:sld xmlns:a="http://schemas.openxmlformats.org/drawingml/2006/main" xmlns:r="http://schemas.openxmlformats.org/officeDocument/2006/relationships" xmlns:p="http://schemas.openxmlformats.org/presentationml/2006/main">
   <p:cSld>
     <p:spTree>
@@ -14036,7 +13144,7 @@
 </p:sld>
 </file>
 
-<file path=ppt/slides/slide19.xml><?xml version="1.0" encoding="utf-8"?>
+<file path=ppt/slides/slide18.xml><?xml version="1.0" encoding="utf-8"?>
 <p:sld xmlns:a="http://schemas.openxmlformats.org/drawingml/2006/main" xmlns:r="http://schemas.openxmlformats.org/officeDocument/2006/relationships" xmlns:p="http://schemas.openxmlformats.org/presentationml/2006/main">
   <p:cSld>
     <p:spTree>
@@ -14662,1356 +13770,7 @@
 </p:sld>
 </file>
 
-<file path=ppt/slides/slide2.xml><?xml version="1.0" encoding="utf-8"?>
-<p:sld xmlns:a="http://schemas.openxmlformats.org/drawingml/2006/main" xmlns:r="http://schemas.openxmlformats.org/officeDocument/2006/relationships" xmlns:p="http://schemas.openxmlformats.org/presentationml/2006/main">
-  <p:cSld>
-    <p:spTree>
-      <p:nvGrpSpPr>
-        <p:cNvPr id="1" name=""/>
-        <p:cNvGrpSpPr/>
-        <p:nvPr/>
-      </p:nvGrpSpPr>
-      <p:grpSpPr>
-        <a:xfrm>
-          <a:off x="0" y="0"/>
-          <a:ext cx="0" cy="0"/>
-          <a:chOff x="0" y="0"/>
-          <a:chExt cx="0" cy="0"/>
-        </a:xfrm>
-      </p:grpSpPr>
-      <p:sp>
-        <p:nvSpPr>
-          <p:cNvPr id="5" name="직사각형 4"/>
-          <p:cNvSpPr/>
-          <p:nvPr/>
-        </p:nvSpPr>
-        <p:spPr>
-          <a:xfrm>
-            <a:off x="0" y="3918834"/>
-            <a:ext cx="12192000" cy="3048000"/>
-          </a:xfrm>
-          <a:prstGeom prst="rect">
-            <a:avLst/>
-          </a:prstGeom>
-          <a:ln>
-            <a:noFill/>
-          </a:ln>
-        </p:spPr>
-        <p:style>
-          <a:lnRef idx="2">
-            <a:schemeClr val="accent4">
-              <a:shade val="50000"/>
-            </a:schemeClr>
-          </a:lnRef>
-          <a:fillRef idx="1">
-            <a:schemeClr val="accent4"/>
-          </a:fillRef>
-          <a:effectRef idx="0">
-            <a:schemeClr val="accent4"/>
-          </a:effectRef>
-          <a:fontRef idx="minor">
-            <a:schemeClr val="lt1"/>
-          </a:fontRef>
-        </p:style>
-        <p:txBody>
-          <a:bodyPr rtlCol="0" anchor="ctr"/>
-          <a:lstStyle/>
-          <a:p>
-            <a:pPr algn="ctr"/>
-            <a:endParaRPr lang="ko-KR" altLang="en-US"/>
-          </a:p>
-        </p:txBody>
-      </p:sp>
-      <p:sp>
-        <p:nvSpPr>
-          <p:cNvPr id="4" name="TextBox 3"/>
-          <p:cNvSpPr txBox="1"/>
-          <p:nvPr/>
-        </p:nvSpPr>
-        <p:spPr>
-          <a:xfrm>
-            <a:off x="494665" y="3886200"/>
-            <a:ext cx="1820545" cy="369570"/>
-          </a:xfrm>
-          <a:prstGeom prst="rect">
-            <a:avLst/>
-          </a:prstGeom>
-          <a:noFill/>
-        </p:spPr>
-        <p:txBody>
-          <a:bodyPr wrap="square" rtlCol="0">
-            <a:spAutoFit/>
-          </a:bodyPr>
-          <a:lstStyle/>
-          <a:p>
-            <a:r>
-              <a:rPr lang="ko-KR" altLang="en-US" b="1" dirty="0" smtClean="0">
-                <a:solidFill>
-                  <a:schemeClr val="bg1"/>
-                </a:solidFill>
-                <a:latin typeface="+mj-ea"/>
-                <a:ea typeface="+mj-ea"/>
-              </a:rPr>
-              <a:t>프로젝트 개요</a:t>
-            </a:r>
-            <a:endParaRPr lang="ko-KR" altLang="en-US" b="1" dirty="0">
-              <a:solidFill>
-                <a:schemeClr val="bg1"/>
-              </a:solidFill>
-              <a:latin typeface="+mj-ea"/>
-              <a:ea typeface="+mj-ea"/>
-            </a:endParaRPr>
-          </a:p>
-        </p:txBody>
-      </p:sp>
-      <p:sp>
-        <p:nvSpPr>
-          <p:cNvPr id="6" name="TextBox 5"/>
-          <p:cNvSpPr txBox="1"/>
-          <p:nvPr/>
-        </p:nvSpPr>
-        <p:spPr>
-          <a:xfrm>
-            <a:off x="2644775" y="3886200"/>
-            <a:ext cx="1820545" cy="369570"/>
-          </a:xfrm>
-          <a:prstGeom prst="rect">
-            <a:avLst/>
-          </a:prstGeom>
-          <a:noFill/>
-        </p:spPr>
-        <p:txBody>
-          <a:bodyPr wrap="square" rtlCol="0">
-            <a:spAutoFit/>
-          </a:bodyPr>
-          <a:lstStyle/>
-          <a:p>
-            <a:r>
-              <a:rPr lang="ko-KR" altLang="en-US" b="1" dirty="0" smtClean="0">
-                <a:solidFill>
-                  <a:schemeClr val="bg1"/>
-                </a:solidFill>
-                <a:latin typeface="+mj-ea"/>
-                <a:ea typeface="+mj-ea"/>
-              </a:rPr>
-              <a:t>게임 </a:t>
-            </a:r>
-            <a:r>
-              <a:rPr lang="ko-KR" altLang="en-US" b="1" dirty="0">
-                <a:solidFill>
-                  <a:schemeClr val="bg1"/>
-                </a:solidFill>
-                <a:latin typeface="+mj-ea"/>
-                <a:ea typeface="+mj-ea"/>
-              </a:rPr>
-              <a:t>소개</a:t>
-            </a:r>
-          </a:p>
-        </p:txBody>
-      </p:sp>
-      <p:sp>
-        <p:nvSpPr>
-          <p:cNvPr id="7" name="TextBox 6"/>
-          <p:cNvSpPr txBox="1"/>
-          <p:nvPr/>
-        </p:nvSpPr>
-        <p:spPr>
-          <a:xfrm>
-            <a:off x="4803775" y="3886200"/>
-            <a:ext cx="1820545" cy="369570"/>
-          </a:xfrm>
-          <a:prstGeom prst="rect">
-            <a:avLst/>
-          </a:prstGeom>
-          <a:noFill/>
-        </p:spPr>
-        <p:txBody>
-          <a:bodyPr wrap="square" rtlCol="0">
-            <a:spAutoFit/>
-          </a:bodyPr>
-          <a:lstStyle/>
-          <a:p>
-            <a:r>
-              <a:rPr lang="ko-KR" altLang="en-US" b="1" dirty="0" smtClean="0">
-                <a:solidFill>
-                  <a:schemeClr val="bg1"/>
-                </a:solidFill>
-                <a:latin typeface="+mj-ea"/>
-                <a:ea typeface="+mj-ea"/>
-              </a:rPr>
-              <a:t>기술적 요소</a:t>
-            </a:r>
-            <a:endParaRPr lang="ko-KR" altLang="en-US" b="1" dirty="0">
-              <a:solidFill>
-                <a:schemeClr val="bg1"/>
-              </a:solidFill>
-              <a:latin typeface="+mj-ea"/>
-              <a:ea typeface="+mj-ea"/>
-            </a:endParaRPr>
-          </a:p>
-        </p:txBody>
-      </p:sp>
-      <p:sp>
-        <p:nvSpPr>
-          <p:cNvPr id="9" name="TextBox 8"/>
-          <p:cNvSpPr txBox="1"/>
-          <p:nvPr/>
-        </p:nvSpPr>
-        <p:spPr>
-          <a:xfrm>
-            <a:off x="6971665" y="3886200"/>
-            <a:ext cx="2049144" cy="369332"/>
-          </a:xfrm>
-          <a:prstGeom prst="rect">
-            <a:avLst/>
-          </a:prstGeom>
-          <a:noFill/>
-        </p:spPr>
-        <p:txBody>
-          <a:bodyPr wrap="square" rtlCol="0">
-            <a:spAutoFit/>
-          </a:bodyPr>
-          <a:lstStyle/>
-          <a:p>
-            <a:r>
-              <a:rPr lang="ko-KR" altLang="en-US" b="1" dirty="0" smtClean="0">
-                <a:solidFill>
-                  <a:schemeClr val="bg1"/>
-                </a:solidFill>
-                <a:latin typeface="+mj-ea"/>
-                <a:ea typeface="+mj-ea"/>
-              </a:rPr>
-              <a:t>개발목표 및 내용</a:t>
-            </a:r>
-            <a:endParaRPr lang="ko-KR" altLang="en-US" b="1" dirty="0">
-              <a:solidFill>
-                <a:schemeClr val="bg1"/>
-              </a:solidFill>
-              <a:latin typeface="+mj-ea"/>
-              <a:ea typeface="+mj-ea"/>
-            </a:endParaRPr>
-          </a:p>
-        </p:txBody>
-      </p:sp>
-      <p:sp>
-        <p:nvSpPr>
-          <p:cNvPr id="10" name="TextBox 9"/>
-          <p:cNvSpPr txBox="1"/>
-          <p:nvPr/>
-        </p:nvSpPr>
-        <p:spPr>
-          <a:xfrm>
-            <a:off x="418465" y="3115945"/>
-            <a:ext cx="1329055" cy="769620"/>
-          </a:xfrm>
-          <a:prstGeom prst="rect">
-            <a:avLst/>
-          </a:prstGeom>
-          <a:noFill/>
-        </p:spPr>
-        <p:txBody>
-          <a:bodyPr wrap="square" rtlCol="0">
-            <a:spAutoFit/>
-          </a:bodyPr>
-          <a:lstStyle/>
-          <a:p>
-            <a:r>
-              <a:rPr lang="en-US" altLang="ko-KR" sz="4400" b="1" dirty="0">
-                <a:solidFill>
-                  <a:schemeClr val="accent4"/>
-                </a:solidFill>
-              </a:rPr>
-              <a:t>01</a:t>
-            </a:r>
-            <a:endParaRPr lang="ko-KR" altLang="en-US" b="1" dirty="0">
-              <a:solidFill>
-                <a:schemeClr val="accent4"/>
-              </a:solidFill>
-            </a:endParaRPr>
-          </a:p>
-        </p:txBody>
-      </p:sp>
-      <p:sp>
-        <p:nvSpPr>
-          <p:cNvPr id="11" name="TextBox 10"/>
-          <p:cNvSpPr txBox="1"/>
-          <p:nvPr/>
-        </p:nvSpPr>
-        <p:spPr>
-          <a:xfrm>
-            <a:off x="2577465" y="3115945"/>
-            <a:ext cx="1329055" cy="769620"/>
-          </a:xfrm>
-          <a:prstGeom prst="rect">
-            <a:avLst/>
-          </a:prstGeom>
-          <a:noFill/>
-        </p:spPr>
-        <p:txBody>
-          <a:bodyPr wrap="square" rtlCol="0">
-            <a:spAutoFit/>
-          </a:bodyPr>
-          <a:lstStyle/>
-          <a:p>
-            <a:r>
-              <a:rPr lang="en-US" altLang="ko-KR" sz="4400" b="1" dirty="0">
-                <a:solidFill>
-                  <a:schemeClr val="accent4"/>
-                </a:solidFill>
-              </a:rPr>
-              <a:t>02</a:t>
-            </a:r>
-            <a:endParaRPr lang="ko-KR" altLang="en-US" b="1" dirty="0">
-              <a:solidFill>
-                <a:schemeClr val="accent4"/>
-              </a:solidFill>
-            </a:endParaRPr>
-          </a:p>
-        </p:txBody>
-      </p:sp>
-      <p:sp>
-        <p:nvSpPr>
-          <p:cNvPr id="12" name="TextBox 11"/>
-          <p:cNvSpPr txBox="1"/>
-          <p:nvPr/>
-        </p:nvSpPr>
-        <p:spPr>
-          <a:xfrm>
-            <a:off x="4744720" y="3115945"/>
-            <a:ext cx="1329055" cy="769620"/>
-          </a:xfrm>
-          <a:prstGeom prst="rect">
-            <a:avLst/>
-          </a:prstGeom>
-          <a:noFill/>
-        </p:spPr>
-        <p:txBody>
-          <a:bodyPr wrap="square" rtlCol="0">
-            <a:spAutoFit/>
-          </a:bodyPr>
-          <a:lstStyle/>
-          <a:p>
-            <a:r>
-              <a:rPr lang="en-US" altLang="ko-KR" sz="4400" b="1" dirty="0">
-                <a:solidFill>
-                  <a:schemeClr val="accent4"/>
-                </a:solidFill>
-              </a:rPr>
-              <a:t>03</a:t>
-            </a:r>
-            <a:endParaRPr lang="ko-KR" altLang="en-US" b="1" dirty="0">
-              <a:solidFill>
-                <a:schemeClr val="accent4"/>
-              </a:solidFill>
-            </a:endParaRPr>
-          </a:p>
-        </p:txBody>
-      </p:sp>
-      <p:sp>
-        <p:nvSpPr>
-          <p:cNvPr id="13" name="TextBox 12"/>
-          <p:cNvSpPr txBox="1"/>
-          <p:nvPr/>
-        </p:nvSpPr>
-        <p:spPr>
-          <a:xfrm>
-            <a:off x="6895465" y="3115945"/>
-            <a:ext cx="1329055" cy="769620"/>
-          </a:xfrm>
-          <a:prstGeom prst="rect">
-            <a:avLst/>
-          </a:prstGeom>
-          <a:noFill/>
-        </p:spPr>
-        <p:txBody>
-          <a:bodyPr wrap="square" rtlCol="0">
-            <a:spAutoFit/>
-          </a:bodyPr>
-          <a:lstStyle/>
-          <a:p>
-            <a:r>
-              <a:rPr lang="en-US" altLang="ko-KR" sz="4400" b="1" dirty="0">
-                <a:solidFill>
-                  <a:schemeClr val="accent4"/>
-                </a:solidFill>
-              </a:rPr>
-              <a:t>04</a:t>
-            </a:r>
-            <a:endParaRPr lang="ko-KR" altLang="en-US" b="1" dirty="0">
-              <a:solidFill>
-                <a:schemeClr val="accent4"/>
-              </a:solidFill>
-            </a:endParaRPr>
-          </a:p>
-        </p:txBody>
-      </p:sp>
-      <p:sp>
-        <p:nvSpPr>
-          <p:cNvPr id="14" name="TextBox 13"/>
-          <p:cNvSpPr txBox="1"/>
-          <p:nvPr/>
-        </p:nvSpPr>
-        <p:spPr>
-          <a:xfrm>
-            <a:off x="4744720" y="4255770"/>
-            <a:ext cx="1802130" cy="738664"/>
-          </a:xfrm>
-          <a:prstGeom prst="rect">
-            <a:avLst/>
-          </a:prstGeom>
-          <a:noFill/>
-        </p:spPr>
-        <p:txBody>
-          <a:bodyPr wrap="square" rtlCol="0">
-            <a:spAutoFit/>
-          </a:bodyPr>
-          <a:lstStyle/>
-          <a:p>
-            <a:pPr marL="285750" indent="-285750">
-              <a:buFontTx/>
-              <a:buChar char="-"/>
-            </a:pPr>
-            <a:r>
-              <a:rPr lang="ko-KR" altLang="en-US" sz="1400" dirty="0" smtClean="0">
-                <a:solidFill>
-                  <a:schemeClr val="tx1">
-                    <a:lumMod val="75000"/>
-                    <a:lumOff val="25000"/>
-                  </a:schemeClr>
-                </a:solidFill>
-              </a:rPr>
-              <a:t>중점 연구분야</a:t>
-            </a:r>
-            <a:endParaRPr lang="en-US" altLang="ko-KR" sz="1400" dirty="0" smtClean="0">
-              <a:solidFill>
-                <a:schemeClr val="tx1">
-                  <a:lumMod val="75000"/>
-                  <a:lumOff val="25000"/>
-                </a:schemeClr>
-              </a:solidFill>
-            </a:endParaRPr>
-          </a:p>
-          <a:p>
-            <a:pPr marL="285750" indent="-285750">
-              <a:buFontTx/>
-              <a:buChar char="-"/>
-            </a:pPr>
-            <a:r>
-              <a:rPr lang="ko-KR" altLang="en-US" sz="1400" dirty="0" smtClean="0">
-                <a:solidFill>
-                  <a:schemeClr val="tx1">
-                    <a:lumMod val="75000"/>
-                    <a:lumOff val="25000"/>
-                  </a:schemeClr>
-                </a:solidFill>
-              </a:rPr>
-              <a:t>타 게임과의 비교</a:t>
-            </a:r>
-            <a:endParaRPr lang="en-US" altLang="ko-KR" sz="1400" dirty="0" smtClean="0">
-              <a:solidFill>
-                <a:schemeClr val="tx1">
-                  <a:lumMod val="75000"/>
-                  <a:lumOff val="25000"/>
-                </a:schemeClr>
-              </a:solidFill>
-            </a:endParaRPr>
-          </a:p>
-          <a:p>
-            <a:pPr marL="285750" indent="-285750">
-              <a:buFontTx/>
-              <a:buChar char="-"/>
-            </a:pPr>
-            <a:endParaRPr lang="en-US" altLang="ko-KR" sz="1400" dirty="0">
-              <a:solidFill>
-                <a:schemeClr val="tx1">
-                  <a:lumMod val="75000"/>
-                  <a:lumOff val="25000"/>
-                </a:schemeClr>
-              </a:solidFill>
-            </a:endParaRPr>
-          </a:p>
-        </p:txBody>
-      </p:sp>
-      <p:sp>
-        <p:nvSpPr>
-          <p:cNvPr id="15" name="TextBox 14"/>
-          <p:cNvSpPr txBox="1"/>
-          <p:nvPr/>
-        </p:nvSpPr>
-        <p:spPr>
-          <a:xfrm>
-            <a:off x="2644775" y="4255770"/>
-            <a:ext cx="1828800" cy="1384995"/>
-          </a:xfrm>
-          <a:prstGeom prst="rect">
-            <a:avLst/>
-          </a:prstGeom>
-          <a:noFill/>
-        </p:spPr>
-        <p:txBody>
-          <a:bodyPr wrap="square" rtlCol="0">
-            <a:spAutoFit/>
-          </a:bodyPr>
-          <a:lstStyle/>
-          <a:p>
-            <a:pPr marL="285750" indent="-285750">
-              <a:buFontTx/>
-              <a:buChar char="-"/>
-            </a:pPr>
-            <a:r>
-              <a:rPr lang="ko-KR" altLang="en-US" sz="1400" dirty="0" smtClean="0">
-                <a:solidFill>
-                  <a:schemeClr val="tx1">
-                    <a:lumMod val="75000"/>
-                    <a:lumOff val="25000"/>
-                  </a:schemeClr>
-                </a:solidFill>
-              </a:rPr>
-              <a:t>게임 목표</a:t>
-            </a:r>
-            <a:endParaRPr lang="en-US" altLang="ko-KR" sz="1400" dirty="0" smtClean="0">
-              <a:solidFill>
-                <a:schemeClr val="tx1">
-                  <a:lumMod val="75000"/>
-                  <a:lumOff val="25000"/>
-                </a:schemeClr>
-              </a:solidFill>
-            </a:endParaRPr>
-          </a:p>
-          <a:p>
-            <a:pPr marL="285750" indent="-285750">
-              <a:buFontTx/>
-              <a:buChar char="-"/>
-            </a:pPr>
-            <a:r>
-              <a:rPr lang="ko-KR" altLang="en-US" sz="1400" dirty="0" smtClean="0">
-                <a:solidFill>
-                  <a:schemeClr val="tx1">
-                    <a:lumMod val="75000"/>
-                    <a:lumOff val="25000"/>
-                  </a:schemeClr>
-                </a:solidFill>
-              </a:rPr>
-              <a:t>게임 소개</a:t>
-            </a:r>
-            <a:endParaRPr lang="en-US" altLang="ko-KR" sz="1400" dirty="0" smtClean="0">
-              <a:solidFill>
-                <a:schemeClr val="tx1">
-                  <a:lumMod val="75000"/>
-                  <a:lumOff val="25000"/>
-                </a:schemeClr>
-              </a:solidFill>
-            </a:endParaRPr>
-          </a:p>
-          <a:p>
-            <a:pPr marL="285750" indent="-285750">
-              <a:buFontTx/>
-              <a:buChar char="-"/>
-            </a:pPr>
-            <a:r>
-              <a:rPr lang="ko-KR" altLang="en-US" sz="1400" dirty="0" smtClean="0">
-                <a:solidFill>
-                  <a:schemeClr val="tx1">
-                    <a:lumMod val="75000"/>
-                    <a:lumOff val="25000"/>
-                  </a:schemeClr>
-                </a:solidFill>
-              </a:rPr>
-              <a:t>게임 특징</a:t>
-            </a:r>
-            <a:endParaRPr lang="en-US" altLang="ko-KR" sz="1400" dirty="0">
-              <a:solidFill>
-                <a:schemeClr val="tx1">
-                  <a:lumMod val="75000"/>
-                  <a:lumOff val="25000"/>
-                </a:schemeClr>
-              </a:solidFill>
-            </a:endParaRPr>
-          </a:p>
-          <a:p>
-            <a:pPr marL="285750" indent="-285750">
-              <a:buFontTx/>
-              <a:buChar char="-"/>
-            </a:pPr>
-            <a:r>
-              <a:rPr lang="ko-KR" altLang="en-US" sz="1400" dirty="0" smtClean="0">
-                <a:solidFill>
-                  <a:schemeClr val="tx1">
-                    <a:lumMod val="75000"/>
-                    <a:lumOff val="25000"/>
-                  </a:schemeClr>
-                </a:solidFill>
-              </a:rPr>
-              <a:t>기본 조작</a:t>
-            </a:r>
-            <a:endParaRPr lang="en-US" altLang="ko-KR" sz="1400" dirty="0">
-              <a:solidFill>
-                <a:schemeClr val="tx1">
-                  <a:lumMod val="75000"/>
-                  <a:lumOff val="25000"/>
-                </a:schemeClr>
-              </a:solidFill>
-            </a:endParaRPr>
-          </a:p>
-          <a:p>
-            <a:pPr marL="285750" indent="-285750">
-              <a:buFontTx/>
-              <a:buChar char="-"/>
-            </a:pPr>
-            <a:r>
-              <a:rPr lang="ko-KR" altLang="en-US" sz="1400" dirty="0" smtClean="0">
-                <a:solidFill>
-                  <a:schemeClr val="tx1">
-                    <a:lumMod val="75000"/>
-                    <a:lumOff val="25000"/>
-                  </a:schemeClr>
-                </a:solidFill>
-              </a:rPr>
-              <a:t>월드 설정</a:t>
-            </a:r>
-            <a:endParaRPr lang="en-US" altLang="ko-KR" sz="1400" dirty="0">
-              <a:solidFill>
-                <a:schemeClr val="tx1">
-                  <a:lumMod val="75000"/>
-                  <a:lumOff val="25000"/>
-                </a:schemeClr>
-              </a:solidFill>
-            </a:endParaRPr>
-          </a:p>
-          <a:p>
-            <a:pPr marL="285750" indent="-285750">
-              <a:buFontTx/>
-              <a:buChar char="-"/>
-            </a:pPr>
-            <a:r>
-              <a:rPr lang="ko-KR" altLang="en-US" sz="1400" dirty="0" smtClean="0">
-                <a:solidFill>
-                  <a:schemeClr val="tx1">
-                    <a:lumMod val="75000"/>
-                    <a:lumOff val="25000"/>
-                  </a:schemeClr>
-                </a:solidFill>
-              </a:rPr>
-              <a:t>그래픽 </a:t>
-            </a:r>
-            <a:r>
-              <a:rPr lang="ko-KR" altLang="en-US" sz="1400" dirty="0">
-                <a:solidFill>
-                  <a:schemeClr val="tx1">
-                    <a:lumMod val="75000"/>
-                    <a:lumOff val="25000"/>
-                  </a:schemeClr>
-                </a:solidFill>
-              </a:rPr>
-              <a:t>컨셉</a:t>
-            </a:r>
-          </a:p>
-        </p:txBody>
-      </p:sp>
-      <p:sp>
-        <p:nvSpPr>
-          <p:cNvPr id="16" name="TextBox 15"/>
-          <p:cNvSpPr txBox="1"/>
-          <p:nvPr/>
-        </p:nvSpPr>
-        <p:spPr>
-          <a:xfrm>
-            <a:off x="189865" y="1405255"/>
-            <a:ext cx="4893945" cy="831215"/>
-          </a:xfrm>
-          <a:prstGeom prst="rect">
-            <a:avLst/>
-          </a:prstGeom>
-          <a:noFill/>
-        </p:spPr>
-        <p:txBody>
-          <a:bodyPr wrap="square" rtlCol="0">
-            <a:spAutoFit/>
-          </a:bodyPr>
-          <a:lstStyle/>
-          <a:p>
-            <a:r>
-              <a:rPr lang="en-US" altLang="ko-KR" sz="4800" b="1" dirty="0" err="1">
-                <a:solidFill>
-                  <a:schemeClr val="accent2"/>
-                </a:solidFill>
-                <a:latin typeface="+mn-ea"/>
-              </a:rPr>
-              <a:t>B</a:t>
-            </a:r>
-            <a:r>
-              <a:rPr lang="en-US" altLang="ko-KR" sz="4800" b="1" dirty="0" err="1">
-                <a:latin typeface="+mn-ea"/>
-              </a:rPr>
-              <a:t>oss</a:t>
-            </a:r>
-            <a:r>
-              <a:rPr lang="en-US" altLang="ko-KR" sz="4800" b="1" dirty="0" err="1">
-                <a:solidFill>
-                  <a:schemeClr val="accent5">
-                    <a:lumMod val="75000"/>
-                  </a:schemeClr>
-                </a:solidFill>
-                <a:latin typeface="+mn-ea"/>
-              </a:rPr>
-              <a:t>L</a:t>
-            </a:r>
-            <a:r>
-              <a:rPr lang="en-US" altLang="ko-KR" sz="4800" b="1" dirty="0" err="1">
-                <a:latin typeface="+mn-ea"/>
-              </a:rPr>
-              <a:t>ocker</a:t>
-            </a:r>
-            <a:endParaRPr lang="ko-KR" altLang="en-US" sz="4800" dirty="0">
-              <a:latin typeface="+mn-ea"/>
-            </a:endParaRPr>
-          </a:p>
-        </p:txBody>
-      </p:sp>
-      <p:sp>
-        <p:nvSpPr>
-          <p:cNvPr id="25" name="TextBox 13"/>
-          <p:cNvSpPr txBox="1"/>
-          <p:nvPr/>
-        </p:nvSpPr>
-        <p:spPr>
-          <a:xfrm>
-            <a:off x="6971665" y="4255770"/>
-            <a:ext cx="1820545" cy="954405"/>
-          </a:xfrm>
-          <a:prstGeom prst="rect">
-            <a:avLst/>
-          </a:prstGeom>
-          <a:noFill/>
-        </p:spPr>
-        <p:txBody>
-          <a:bodyPr wrap="square" rtlCol="0">
-            <a:spAutoFit/>
-          </a:bodyPr>
-          <a:lstStyle/>
-          <a:p>
-            <a:pPr marL="285750" indent="-285750">
-              <a:buFontTx/>
-              <a:buChar char="-"/>
-            </a:pPr>
-            <a:r>
-              <a:rPr lang="ko-KR" altLang="en-US" sz="1400" dirty="0" smtClean="0">
-                <a:solidFill>
-                  <a:schemeClr val="tx1">
-                    <a:lumMod val="75000"/>
-                    <a:lumOff val="25000"/>
-                  </a:schemeClr>
-                </a:solidFill>
-              </a:rPr>
-              <a:t>개발 환경</a:t>
-            </a:r>
-            <a:endParaRPr lang="en-US" altLang="ko-KR" sz="1400" dirty="0">
-              <a:solidFill>
-                <a:schemeClr val="tx1">
-                  <a:lumMod val="75000"/>
-                  <a:lumOff val="25000"/>
-                </a:schemeClr>
-              </a:solidFill>
-            </a:endParaRPr>
-          </a:p>
-          <a:p>
-            <a:pPr marL="285750" indent="-285750">
-              <a:buFontTx/>
-              <a:buChar char="-"/>
-            </a:pPr>
-            <a:r>
-              <a:rPr lang="ko-KR" altLang="en-US" sz="1400" dirty="0" smtClean="0">
-                <a:solidFill>
-                  <a:schemeClr val="tx1">
-                    <a:lumMod val="75000"/>
-                    <a:lumOff val="25000"/>
-                  </a:schemeClr>
-                </a:solidFill>
-              </a:rPr>
-              <a:t>서버</a:t>
-            </a:r>
-            <a:endParaRPr lang="en-US" altLang="ko-KR" sz="1400" dirty="0">
-              <a:solidFill>
-                <a:schemeClr val="tx1">
-                  <a:lumMod val="75000"/>
-                  <a:lumOff val="25000"/>
-                </a:schemeClr>
-              </a:solidFill>
-            </a:endParaRPr>
-          </a:p>
-          <a:p>
-            <a:pPr marL="285750" indent="-285750">
-              <a:buFontTx/>
-              <a:buChar char="-"/>
-            </a:pPr>
-            <a:r>
-              <a:rPr lang="ko-KR" altLang="en-US" sz="1400" dirty="0" smtClean="0">
-                <a:solidFill>
-                  <a:schemeClr val="tx1">
-                    <a:lumMod val="75000"/>
-                    <a:lumOff val="25000"/>
-                  </a:schemeClr>
-                </a:solidFill>
-              </a:rPr>
-              <a:t>클라이언트</a:t>
-            </a:r>
-            <a:endParaRPr lang="en-US" altLang="ko-KR" sz="1400" dirty="0">
-              <a:solidFill>
-                <a:schemeClr val="tx1">
-                  <a:lumMod val="75000"/>
-                  <a:lumOff val="25000"/>
-                </a:schemeClr>
-              </a:solidFill>
-            </a:endParaRPr>
-          </a:p>
-          <a:p>
-            <a:pPr marL="285750" indent="-285750">
-              <a:buFontTx/>
-              <a:buChar char="-"/>
-            </a:pPr>
-            <a:r>
-              <a:rPr lang="ko-KR" altLang="en-US" sz="1400" dirty="0" smtClean="0">
-                <a:solidFill>
-                  <a:schemeClr val="tx1">
-                    <a:lumMod val="75000"/>
-                    <a:lumOff val="25000"/>
-                  </a:schemeClr>
-                </a:solidFill>
-              </a:rPr>
-              <a:t>그래픽</a:t>
-            </a:r>
-            <a:endParaRPr lang="en-US" altLang="ko-KR" sz="1400" dirty="0">
-              <a:solidFill>
-                <a:schemeClr val="tx1">
-                  <a:lumMod val="75000"/>
-                  <a:lumOff val="25000"/>
-                </a:schemeClr>
-              </a:solidFill>
-            </a:endParaRPr>
-          </a:p>
-        </p:txBody>
-      </p:sp>
-      <p:sp>
-        <p:nvSpPr>
-          <p:cNvPr id="17" name="TextBox 14"/>
-          <p:cNvSpPr txBox="1"/>
-          <p:nvPr/>
-        </p:nvSpPr>
-        <p:spPr>
-          <a:xfrm>
-            <a:off x="620178" y="4253230"/>
-            <a:ext cx="1560629" cy="369332"/>
-          </a:xfrm>
-          <a:prstGeom prst="rect">
-            <a:avLst/>
-          </a:prstGeom>
-          <a:noFill/>
-        </p:spPr>
-        <p:txBody>
-          <a:bodyPr wrap="square" rtlCol="0">
-            <a:spAutoFit/>
-          </a:bodyPr>
-          <a:lstStyle/>
-          <a:p>
-            <a:r>
-              <a:rPr lang="en-US" altLang="ko-KR" b="1" dirty="0" err="1" smtClean="0">
-                <a:solidFill>
-                  <a:srgbClr val="F56E4B"/>
-                </a:solidFill>
-              </a:rPr>
-              <a:t>B</a:t>
-            </a:r>
-            <a:r>
-              <a:rPr lang="en-US" altLang="ko-KR" b="1" dirty="0" err="1" smtClean="0">
-                <a:solidFill>
-                  <a:schemeClr val="tx1">
-                    <a:lumMod val="75000"/>
-                    <a:lumOff val="25000"/>
-                  </a:schemeClr>
-                </a:solidFill>
-              </a:rPr>
-              <a:t>oss</a:t>
-            </a:r>
-            <a:r>
-              <a:rPr lang="en-US" altLang="ko-KR" b="1" dirty="0" err="1" smtClean="0">
-                <a:solidFill>
-                  <a:srgbClr val="0070C0"/>
-                </a:solidFill>
-              </a:rPr>
-              <a:t>L</a:t>
-            </a:r>
-            <a:r>
-              <a:rPr lang="en-US" altLang="ko-KR" b="1" dirty="0" err="1" smtClean="0">
-                <a:solidFill>
-                  <a:schemeClr val="tx1">
-                    <a:lumMod val="75000"/>
-                    <a:lumOff val="25000"/>
-                  </a:schemeClr>
-                </a:solidFill>
-              </a:rPr>
-              <a:t>ocker</a:t>
-            </a:r>
-            <a:endParaRPr lang="en-US" altLang="ko-KR" b="1" dirty="0">
-              <a:solidFill>
-                <a:schemeClr val="tx1">
-                  <a:lumMod val="75000"/>
-                  <a:lumOff val="25000"/>
-                </a:schemeClr>
-              </a:solidFill>
-            </a:endParaRPr>
-          </a:p>
-        </p:txBody>
-      </p:sp>
-      <p:sp>
-        <p:nvSpPr>
-          <p:cNvPr id="18" name="직사각형 17"/>
-          <p:cNvSpPr/>
-          <p:nvPr/>
-        </p:nvSpPr>
-        <p:spPr>
-          <a:xfrm>
-            <a:off x="146685" y="5640705"/>
-            <a:ext cx="3094990" cy="1015365"/>
-          </a:xfrm>
-          <a:prstGeom prst="rect">
-            <a:avLst/>
-          </a:prstGeom>
-        </p:spPr>
-        <p:txBody>
-          <a:bodyPr wrap="square">
-            <a:spAutoFit/>
-          </a:bodyPr>
-          <a:lstStyle/>
-          <a:p>
-            <a:r>
-              <a:rPr lang="ko-KR" altLang="en-US" sz="1200" b="1" dirty="0">
-                <a:solidFill>
-                  <a:schemeClr val="tx1">
-                    <a:lumMod val="65000"/>
-                    <a:lumOff val="35000"/>
-                  </a:schemeClr>
-                </a:solidFill>
-                <a:latin typeface="+mj-ea"/>
-              </a:rPr>
-              <a:t>팀 구성</a:t>
-            </a:r>
-            <a:endParaRPr lang="en-US" altLang="ko-KR" sz="1200" b="1" dirty="0">
-              <a:solidFill>
-                <a:schemeClr val="tx1">
-                  <a:lumMod val="65000"/>
-                  <a:lumOff val="35000"/>
-                </a:schemeClr>
-              </a:solidFill>
-              <a:latin typeface="+mj-ea"/>
-            </a:endParaRPr>
-          </a:p>
-          <a:p>
-            <a:endParaRPr lang="en-US" altLang="ko-KR" sz="1200" b="1" dirty="0">
-              <a:solidFill>
-                <a:schemeClr val="tx1">
-                  <a:lumMod val="65000"/>
-                  <a:lumOff val="35000"/>
-                </a:schemeClr>
-              </a:solidFill>
-              <a:latin typeface="+mj-ea"/>
-            </a:endParaRPr>
-          </a:p>
-          <a:p>
-            <a:r>
-              <a:rPr lang="ko-KR" altLang="en-US" sz="1200" b="1" dirty="0">
-                <a:solidFill>
-                  <a:schemeClr val="accent1"/>
-                </a:solidFill>
-                <a:latin typeface="+mj-ea"/>
-              </a:rPr>
-              <a:t>기획 </a:t>
-            </a:r>
-            <a:r>
-              <a:rPr lang="en-US" altLang="ko-KR" sz="1200" b="1" dirty="0">
-                <a:solidFill>
-                  <a:schemeClr val="accent1"/>
-                </a:solidFill>
-                <a:latin typeface="+mj-ea"/>
-              </a:rPr>
-              <a:t>&amp;</a:t>
-            </a:r>
-            <a:r>
-              <a:rPr lang="ko-KR" altLang="en-US" sz="1200" b="1" dirty="0">
-                <a:solidFill>
-                  <a:schemeClr val="accent1"/>
-                </a:solidFill>
-                <a:latin typeface="+mj-ea"/>
-              </a:rPr>
-              <a:t> 서버</a:t>
-            </a:r>
-            <a:r>
-              <a:rPr lang="en-US" altLang="ko-KR" sz="1200" b="1" dirty="0">
-                <a:solidFill>
-                  <a:schemeClr val="tx1">
-                    <a:lumMod val="65000"/>
-                    <a:lumOff val="35000"/>
-                  </a:schemeClr>
-                </a:solidFill>
-                <a:latin typeface="+mj-ea"/>
-              </a:rPr>
-              <a:t>:</a:t>
-            </a:r>
-            <a:r>
-              <a:rPr lang="ko-KR" altLang="en-US" sz="1200" b="1" dirty="0">
-                <a:solidFill>
-                  <a:schemeClr val="tx1">
-                    <a:lumMod val="65000"/>
-                    <a:lumOff val="35000"/>
-                  </a:schemeClr>
-                </a:solidFill>
-                <a:latin typeface="+mj-ea"/>
-              </a:rPr>
-              <a:t> 김홍일</a:t>
-            </a:r>
-            <a:endParaRPr lang="en-US" altLang="ko-KR" sz="1200" b="1" spc="140" dirty="0">
-              <a:solidFill>
-                <a:schemeClr val="accent1"/>
-              </a:solidFill>
-              <a:latin typeface="+mj-ea"/>
-            </a:endParaRPr>
-          </a:p>
-          <a:p>
-            <a:r>
-              <a:rPr lang="ko-KR" altLang="en-US" sz="1200" b="1" spc="140" dirty="0">
-                <a:solidFill>
-                  <a:schemeClr val="accent1"/>
-                </a:solidFill>
-                <a:latin typeface="+mj-ea"/>
-              </a:rPr>
-              <a:t>클라이언트</a:t>
-            </a:r>
-            <a:r>
-              <a:rPr lang="en-US" altLang="ko-KR" sz="1200" b="1" dirty="0">
-                <a:solidFill>
-                  <a:schemeClr val="tx1">
-                    <a:lumMod val="65000"/>
-                    <a:lumOff val="35000"/>
-                  </a:schemeClr>
-                </a:solidFill>
-                <a:latin typeface="+mj-ea"/>
-              </a:rPr>
-              <a:t>: </a:t>
-            </a:r>
-            <a:r>
-              <a:rPr lang="ko-KR" altLang="en-US" sz="1200" b="1" dirty="0">
-                <a:solidFill>
-                  <a:schemeClr val="tx1">
-                    <a:lumMod val="65000"/>
-                    <a:lumOff val="35000"/>
-                  </a:schemeClr>
-                </a:solidFill>
-                <a:latin typeface="+mj-ea"/>
-              </a:rPr>
-              <a:t>양태윤</a:t>
-            </a:r>
-            <a:endParaRPr lang="en-US" altLang="ko-KR" sz="1200" b="1" dirty="0">
-              <a:solidFill>
-                <a:schemeClr val="tx1">
-                  <a:lumMod val="65000"/>
-                  <a:lumOff val="35000"/>
-                </a:schemeClr>
-              </a:solidFill>
-              <a:latin typeface="+mj-ea"/>
-            </a:endParaRPr>
-          </a:p>
-          <a:p>
-            <a:r>
-              <a:rPr lang="ko-KR" altLang="en-US" sz="1200" b="1" dirty="0">
-                <a:solidFill>
-                  <a:schemeClr val="accent1"/>
-                </a:solidFill>
-                <a:latin typeface="+mj-ea"/>
-              </a:rPr>
-              <a:t>모델링 </a:t>
-            </a:r>
-            <a:r>
-              <a:rPr lang="en-US" altLang="ko-KR" sz="1200" b="1" dirty="0">
-                <a:solidFill>
-                  <a:schemeClr val="accent1"/>
-                </a:solidFill>
-                <a:latin typeface="+mj-ea"/>
-              </a:rPr>
-              <a:t>&amp;</a:t>
-            </a:r>
-            <a:r>
-              <a:rPr lang="ko-KR" altLang="en-US" sz="1200" b="1" dirty="0">
-                <a:solidFill>
-                  <a:schemeClr val="accent1"/>
-                </a:solidFill>
-                <a:latin typeface="+mj-ea"/>
-              </a:rPr>
-              <a:t> </a:t>
-            </a:r>
-            <a:r>
-              <a:rPr lang="en-US" altLang="ko-KR" sz="1200" b="1" dirty="0">
-                <a:solidFill>
-                  <a:schemeClr val="accent1"/>
-                </a:solidFill>
-                <a:latin typeface="+mj-ea"/>
-              </a:rPr>
-              <a:t>UI</a:t>
-            </a:r>
-            <a:r>
-              <a:rPr lang="en-US" altLang="ko-KR" sz="1200" b="1" dirty="0">
-                <a:solidFill>
-                  <a:schemeClr val="tx1">
-                    <a:lumMod val="65000"/>
-                    <a:lumOff val="35000"/>
-                  </a:schemeClr>
-                </a:solidFill>
-                <a:latin typeface="+mj-ea"/>
-              </a:rPr>
-              <a:t>:</a:t>
-            </a:r>
-            <a:r>
-              <a:rPr lang="ko-KR" altLang="en-US" sz="1200" b="1" dirty="0">
-                <a:solidFill>
-                  <a:schemeClr val="tx1">
-                    <a:lumMod val="65000"/>
-                    <a:lumOff val="35000"/>
-                  </a:schemeClr>
-                </a:solidFill>
-                <a:latin typeface="+mj-ea"/>
-              </a:rPr>
-              <a:t> 조소연</a:t>
-            </a:r>
-            <a:endParaRPr lang="en-US" altLang="ko-KR" sz="1200" b="1" dirty="0">
-              <a:solidFill>
-                <a:schemeClr val="tx1">
-                  <a:lumMod val="65000"/>
-                  <a:lumOff val="35000"/>
-                </a:schemeClr>
-              </a:solidFill>
-              <a:latin typeface="+mj-ea"/>
-            </a:endParaRPr>
-          </a:p>
-        </p:txBody>
-      </p:sp>
-      <p:sp>
-        <p:nvSpPr>
-          <p:cNvPr id="19" name="TextBox 18">
-            <a:extLst>
-              <a:ext uri="{FF2B5EF4-FFF2-40B4-BE49-F238E27FC236}">
-                <a16:creationId xmlns:a16="http://schemas.microsoft.com/office/drawing/2014/main" xmlns="" id="{69882930-BFC0-4DAF-854C-CA9A55A4DE7D}"/>
-              </a:ext>
-            </a:extLst>
-          </p:cNvPr>
-          <p:cNvSpPr txBox="1"/>
-          <p:nvPr/>
-        </p:nvSpPr>
-        <p:spPr>
-          <a:xfrm>
-            <a:off x="9020810" y="3133725"/>
-            <a:ext cx="1329055" cy="769620"/>
-          </a:xfrm>
-          <a:prstGeom prst="rect">
-            <a:avLst/>
-          </a:prstGeom>
-          <a:noFill/>
-        </p:spPr>
-        <p:txBody>
-          <a:bodyPr wrap="square" rtlCol="0">
-            <a:spAutoFit/>
-          </a:bodyPr>
-          <a:lstStyle/>
-          <a:p>
-            <a:r>
-              <a:rPr lang="en-US" altLang="ko-KR" sz="4400" b="1" dirty="0">
-                <a:solidFill>
-                  <a:schemeClr val="accent4"/>
-                </a:solidFill>
-              </a:rPr>
-              <a:t>05</a:t>
-            </a:r>
-            <a:endParaRPr lang="ko-KR" altLang="en-US" b="1" dirty="0">
-              <a:solidFill>
-                <a:schemeClr val="accent4"/>
-              </a:solidFill>
-            </a:endParaRPr>
-          </a:p>
-        </p:txBody>
-      </p:sp>
-      <p:sp>
-        <p:nvSpPr>
-          <p:cNvPr id="20" name="TextBox 19">
-            <a:extLst>
-              <a:ext uri="{FF2B5EF4-FFF2-40B4-BE49-F238E27FC236}">
-                <a16:creationId xmlns:a16="http://schemas.microsoft.com/office/drawing/2014/main" xmlns="" id="{CFE0347B-6C4D-4E97-BF2E-76FDFF1C8635}"/>
-              </a:ext>
-            </a:extLst>
-          </p:cNvPr>
-          <p:cNvSpPr txBox="1"/>
-          <p:nvPr/>
-        </p:nvSpPr>
-        <p:spPr>
-          <a:xfrm>
-            <a:off x="9033510" y="3883660"/>
-            <a:ext cx="1820545" cy="369570"/>
-          </a:xfrm>
-          <a:prstGeom prst="rect">
-            <a:avLst/>
-          </a:prstGeom>
-          <a:noFill/>
-        </p:spPr>
-        <p:txBody>
-          <a:bodyPr wrap="square" rtlCol="0">
-            <a:spAutoFit/>
-          </a:bodyPr>
-          <a:lstStyle/>
-          <a:p>
-            <a:r>
-              <a:rPr lang="ko-KR" altLang="en-US" b="1" dirty="0" smtClean="0">
-                <a:solidFill>
-                  <a:schemeClr val="bg1"/>
-                </a:solidFill>
-                <a:latin typeface="+mj-ea"/>
-                <a:ea typeface="+mj-ea"/>
-              </a:rPr>
-              <a:t>개발 일정</a:t>
-            </a:r>
-            <a:endParaRPr lang="ko-KR" altLang="en-US" b="1" dirty="0">
-              <a:solidFill>
-                <a:schemeClr val="bg1"/>
-              </a:solidFill>
-              <a:latin typeface="+mj-ea"/>
-              <a:ea typeface="+mj-ea"/>
-            </a:endParaRPr>
-          </a:p>
-        </p:txBody>
-      </p:sp>
-      <p:sp>
-        <p:nvSpPr>
-          <p:cNvPr id="21" name="TextBox 13">
-            <a:extLst>
-              <a:ext uri="{FF2B5EF4-FFF2-40B4-BE49-F238E27FC236}">
-                <a16:creationId xmlns:a16="http://schemas.microsoft.com/office/drawing/2014/main" xmlns="" id="{E56ED49B-24D1-495B-8D57-F91216155341}"/>
-              </a:ext>
-            </a:extLst>
-          </p:cNvPr>
-          <p:cNvSpPr txBox="1"/>
-          <p:nvPr/>
-        </p:nvSpPr>
-        <p:spPr>
-          <a:xfrm>
-            <a:off x="9033509" y="4253230"/>
-            <a:ext cx="1820545" cy="738664"/>
-          </a:xfrm>
-          <a:prstGeom prst="rect">
-            <a:avLst/>
-          </a:prstGeom>
-          <a:noFill/>
-        </p:spPr>
-        <p:txBody>
-          <a:bodyPr wrap="square" rtlCol="0">
-            <a:spAutoFit/>
-          </a:bodyPr>
-          <a:lstStyle/>
-          <a:p>
-            <a:pPr marL="285750" indent="-285750">
-              <a:buFontTx/>
-              <a:buChar char="-"/>
-            </a:pPr>
-            <a:r>
-              <a:rPr lang="ko-KR" altLang="en-US" sz="1400" dirty="0" smtClean="0">
-                <a:solidFill>
-                  <a:schemeClr val="tx1">
-                    <a:lumMod val="75000"/>
-                    <a:lumOff val="25000"/>
-                  </a:schemeClr>
-                </a:solidFill>
-              </a:rPr>
-              <a:t>서버</a:t>
-            </a:r>
-            <a:endParaRPr lang="en-US" altLang="ko-KR" sz="1400" dirty="0">
-              <a:solidFill>
-                <a:schemeClr val="tx1">
-                  <a:lumMod val="75000"/>
-                  <a:lumOff val="25000"/>
-                </a:schemeClr>
-              </a:solidFill>
-            </a:endParaRPr>
-          </a:p>
-          <a:p>
-            <a:pPr marL="285750" indent="-285750">
-              <a:buFontTx/>
-              <a:buChar char="-"/>
-            </a:pPr>
-            <a:r>
-              <a:rPr lang="ko-KR" altLang="en-US" sz="1400" smtClean="0">
-                <a:solidFill>
-                  <a:schemeClr val="tx1">
-                    <a:lumMod val="75000"/>
-                    <a:lumOff val="25000"/>
-                  </a:schemeClr>
-                </a:solidFill>
-              </a:rPr>
-              <a:t>클라이언트</a:t>
-            </a:r>
-            <a:endParaRPr lang="en-US" altLang="ko-KR" sz="1400" dirty="0">
-              <a:solidFill>
-                <a:schemeClr val="tx1">
-                  <a:lumMod val="75000"/>
-                  <a:lumOff val="25000"/>
-                </a:schemeClr>
-              </a:solidFill>
-            </a:endParaRPr>
-          </a:p>
-          <a:p>
-            <a:pPr marL="285750" indent="-285750">
-              <a:buFontTx/>
-              <a:buChar char="-"/>
-            </a:pPr>
-            <a:r>
-              <a:rPr lang="ko-KR" altLang="en-US" sz="1400" dirty="0">
-                <a:solidFill>
-                  <a:schemeClr val="tx1">
-                    <a:lumMod val="75000"/>
-                    <a:lumOff val="25000"/>
-                  </a:schemeClr>
-                </a:solidFill>
-              </a:rPr>
-              <a:t>그래픽</a:t>
-            </a:r>
-            <a:endParaRPr lang="en-US" altLang="ko-KR" sz="1400" dirty="0">
-              <a:solidFill>
-                <a:schemeClr val="tx1">
-                  <a:lumMod val="75000"/>
-                  <a:lumOff val="25000"/>
-                </a:schemeClr>
-              </a:solidFill>
-            </a:endParaRPr>
-          </a:p>
-        </p:txBody>
-      </p:sp>
-    </p:spTree>
-    <p:extLst>
-      <p:ext uri="{BB962C8B-B14F-4D97-AF65-F5344CB8AC3E}">
-        <p14:creationId xmlns:p14="http://schemas.microsoft.com/office/powerpoint/2010/main" val="1883278153"/>
-      </p:ext>
-    </p:extLst>
-  </p:cSld>
-  <p:clrMapOvr>
-    <a:masterClrMapping/>
-  </p:clrMapOvr>
-  <p:transition spd="slow">
-    <p:push dir="u"/>
-  </p:transition>
-  <p:timing>
-    <p:tnLst>
-      <p:par>
-        <p:cTn id="1" dur="indefinite" restart="never" nodeType="tmRoot"/>
-      </p:par>
-    </p:tnLst>
-  </p:timing>
-</p:sld>
-</file>
-
-<file path=ppt/slides/slide20.xml><?xml version="1.0" encoding="utf-8"?>
+<file path=ppt/slides/slide19.xml><?xml version="1.0" encoding="utf-8"?>
 <p:sld xmlns:a="http://schemas.openxmlformats.org/drawingml/2006/main" xmlns:r="http://schemas.openxmlformats.org/officeDocument/2006/relationships" xmlns:p="http://schemas.openxmlformats.org/presentationml/2006/main">
   <p:cSld>
     <p:spTree>
@@ -17267,40 +15026,7 @@
               </a:rPr>
               <a:t>기획</a:t>
             </a:r>
-            <a:r>
-              <a:rPr lang="en-US" altLang="ko-KR" dirty="0" smtClean="0">
-                <a:solidFill>
-                  <a:schemeClr val="bg1"/>
-                </a:solidFill>
-                <a:latin typeface="+mj-ea"/>
-              </a:rPr>
-              <a:t>,</a:t>
-            </a:r>
             <a:endParaRPr kumimoji="1" lang="en-US" altLang="ko-KR" dirty="0" smtClean="0">
-              <a:solidFill>
-                <a:schemeClr val="bg1"/>
-              </a:solidFill>
-            </a:endParaRPr>
-          </a:p>
-          <a:p>
-            <a:pPr algn="ctr"/>
-            <a:r>
-              <a:rPr kumimoji="1" lang="en-US" altLang="ko-KR" dirty="0" smtClean="0">
-                <a:solidFill>
-                  <a:schemeClr val="bg1"/>
-                </a:solidFill>
-              </a:rPr>
-              <a:t>OpenGL</a:t>
-            </a:r>
-            <a:r>
-              <a:rPr kumimoji="1" lang="ko-KR" altLang="en-US" dirty="0" smtClean="0">
-                <a:solidFill>
-                  <a:schemeClr val="bg1"/>
-                </a:solidFill>
-              </a:rPr>
-              <a:t> 프레임워크 제작</a:t>
-            </a:r>
-            <a:endParaRPr kumimoji="1" lang="ko-KR" altLang="en-US" dirty="0">
               <a:solidFill>
                 <a:schemeClr val="bg1"/>
               </a:solidFill>
@@ -18068,7 +15794,1356 @@
 </p:sld>
 </file>
 
-<file path=ppt/slides/slide21.xml><?xml version="1.0" encoding="utf-8"?>
+<file path=ppt/slides/slide2.xml><?xml version="1.0" encoding="utf-8"?>
+<p:sld xmlns:a="http://schemas.openxmlformats.org/drawingml/2006/main" xmlns:r="http://schemas.openxmlformats.org/officeDocument/2006/relationships" xmlns:p="http://schemas.openxmlformats.org/presentationml/2006/main">
+  <p:cSld>
+    <p:spTree>
+      <p:nvGrpSpPr>
+        <p:cNvPr id="1" name=""/>
+        <p:cNvGrpSpPr/>
+        <p:nvPr/>
+      </p:nvGrpSpPr>
+      <p:grpSpPr>
+        <a:xfrm>
+          <a:off x="0" y="0"/>
+          <a:ext cx="0" cy="0"/>
+          <a:chOff x="0" y="0"/>
+          <a:chExt cx="0" cy="0"/>
+        </a:xfrm>
+      </p:grpSpPr>
+      <p:sp>
+        <p:nvSpPr>
+          <p:cNvPr id="5" name="직사각형 4"/>
+          <p:cNvSpPr/>
+          <p:nvPr/>
+        </p:nvSpPr>
+        <p:spPr>
+          <a:xfrm>
+            <a:off x="0" y="3918834"/>
+            <a:ext cx="12192000" cy="3048000"/>
+          </a:xfrm>
+          <a:prstGeom prst="rect">
+            <a:avLst/>
+          </a:prstGeom>
+          <a:ln>
+            <a:noFill/>
+          </a:ln>
+        </p:spPr>
+        <p:style>
+          <a:lnRef idx="2">
+            <a:schemeClr val="accent4">
+              <a:shade val="50000"/>
+            </a:schemeClr>
+          </a:lnRef>
+          <a:fillRef idx="1">
+            <a:schemeClr val="accent4"/>
+          </a:fillRef>
+          <a:effectRef idx="0">
+            <a:schemeClr val="accent4"/>
+          </a:effectRef>
+          <a:fontRef idx="minor">
+            <a:schemeClr val="lt1"/>
+          </a:fontRef>
+        </p:style>
+        <p:txBody>
+          <a:bodyPr rtlCol="0" anchor="ctr"/>
+          <a:lstStyle/>
+          <a:p>
+            <a:pPr algn="ctr"/>
+            <a:endParaRPr lang="ko-KR" altLang="en-US"/>
+          </a:p>
+        </p:txBody>
+      </p:sp>
+      <p:sp>
+        <p:nvSpPr>
+          <p:cNvPr id="4" name="TextBox 3"/>
+          <p:cNvSpPr txBox="1"/>
+          <p:nvPr/>
+        </p:nvSpPr>
+        <p:spPr>
+          <a:xfrm>
+            <a:off x="494665" y="3886200"/>
+            <a:ext cx="1820545" cy="369570"/>
+          </a:xfrm>
+          <a:prstGeom prst="rect">
+            <a:avLst/>
+          </a:prstGeom>
+          <a:noFill/>
+        </p:spPr>
+        <p:txBody>
+          <a:bodyPr wrap="square" rtlCol="0">
+            <a:spAutoFit/>
+          </a:bodyPr>
+          <a:lstStyle/>
+          <a:p>
+            <a:r>
+              <a:rPr lang="ko-KR" altLang="en-US" b="1" dirty="0" smtClean="0">
+                <a:solidFill>
+                  <a:schemeClr val="bg1"/>
+                </a:solidFill>
+                <a:latin typeface="+mj-ea"/>
+                <a:ea typeface="+mj-ea"/>
+              </a:rPr>
+              <a:t>프로젝트 개요</a:t>
+            </a:r>
+            <a:endParaRPr lang="ko-KR" altLang="en-US" b="1" dirty="0">
+              <a:solidFill>
+                <a:schemeClr val="bg1"/>
+              </a:solidFill>
+              <a:latin typeface="+mj-ea"/>
+              <a:ea typeface="+mj-ea"/>
+            </a:endParaRPr>
+          </a:p>
+        </p:txBody>
+      </p:sp>
+      <p:sp>
+        <p:nvSpPr>
+          <p:cNvPr id="6" name="TextBox 5"/>
+          <p:cNvSpPr txBox="1"/>
+          <p:nvPr/>
+        </p:nvSpPr>
+        <p:spPr>
+          <a:xfrm>
+            <a:off x="2644775" y="3886200"/>
+            <a:ext cx="1820545" cy="369570"/>
+          </a:xfrm>
+          <a:prstGeom prst="rect">
+            <a:avLst/>
+          </a:prstGeom>
+          <a:noFill/>
+        </p:spPr>
+        <p:txBody>
+          <a:bodyPr wrap="square" rtlCol="0">
+            <a:spAutoFit/>
+          </a:bodyPr>
+          <a:lstStyle/>
+          <a:p>
+            <a:r>
+              <a:rPr lang="ko-KR" altLang="en-US" b="1" dirty="0" smtClean="0">
+                <a:solidFill>
+                  <a:schemeClr val="bg1"/>
+                </a:solidFill>
+                <a:latin typeface="+mj-ea"/>
+                <a:ea typeface="+mj-ea"/>
+              </a:rPr>
+              <a:t>게임 </a:t>
+            </a:r>
+            <a:r>
+              <a:rPr lang="ko-KR" altLang="en-US" b="1" dirty="0">
+                <a:solidFill>
+                  <a:schemeClr val="bg1"/>
+                </a:solidFill>
+                <a:latin typeface="+mj-ea"/>
+                <a:ea typeface="+mj-ea"/>
+              </a:rPr>
+              <a:t>소개</a:t>
+            </a:r>
+          </a:p>
+        </p:txBody>
+      </p:sp>
+      <p:sp>
+        <p:nvSpPr>
+          <p:cNvPr id="7" name="TextBox 6"/>
+          <p:cNvSpPr txBox="1"/>
+          <p:nvPr/>
+        </p:nvSpPr>
+        <p:spPr>
+          <a:xfrm>
+            <a:off x="4803775" y="3886200"/>
+            <a:ext cx="1820545" cy="369570"/>
+          </a:xfrm>
+          <a:prstGeom prst="rect">
+            <a:avLst/>
+          </a:prstGeom>
+          <a:noFill/>
+        </p:spPr>
+        <p:txBody>
+          <a:bodyPr wrap="square" rtlCol="0">
+            <a:spAutoFit/>
+          </a:bodyPr>
+          <a:lstStyle/>
+          <a:p>
+            <a:r>
+              <a:rPr lang="ko-KR" altLang="en-US" b="1" dirty="0" smtClean="0">
+                <a:solidFill>
+                  <a:schemeClr val="bg1"/>
+                </a:solidFill>
+                <a:latin typeface="+mj-ea"/>
+                <a:ea typeface="+mj-ea"/>
+              </a:rPr>
+              <a:t>기술적 요소</a:t>
+            </a:r>
+            <a:endParaRPr lang="ko-KR" altLang="en-US" b="1" dirty="0">
+              <a:solidFill>
+                <a:schemeClr val="bg1"/>
+              </a:solidFill>
+              <a:latin typeface="+mj-ea"/>
+              <a:ea typeface="+mj-ea"/>
+            </a:endParaRPr>
+          </a:p>
+        </p:txBody>
+      </p:sp>
+      <p:sp>
+        <p:nvSpPr>
+          <p:cNvPr id="9" name="TextBox 8"/>
+          <p:cNvSpPr txBox="1"/>
+          <p:nvPr/>
+        </p:nvSpPr>
+        <p:spPr>
+          <a:xfrm>
+            <a:off x="6971665" y="3886200"/>
+            <a:ext cx="2049144" cy="369332"/>
+          </a:xfrm>
+          <a:prstGeom prst="rect">
+            <a:avLst/>
+          </a:prstGeom>
+          <a:noFill/>
+        </p:spPr>
+        <p:txBody>
+          <a:bodyPr wrap="square" rtlCol="0">
+            <a:spAutoFit/>
+          </a:bodyPr>
+          <a:lstStyle/>
+          <a:p>
+            <a:r>
+              <a:rPr lang="ko-KR" altLang="en-US" b="1" dirty="0" smtClean="0">
+                <a:solidFill>
+                  <a:schemeClr val="bg1"/>
+                </a:solidFill>
+                <a:latin typeface="+mj-ea"/>
+                <a:ea typeface="+mj-ea"/>
+              </a:rPr>
+              <a:t>개발목표 및 내용</a:t>
+            </a:r>
+            <a:endParaRPr lang="ko-KR" altLang="en-US" b="1" dirty="0">
+              <a:solidFill>
+                <a:schemeClr val="bg1"/>
+              </a:solidFill>
+              <a:latin typeface="+mj-ea"/>
+              <a:ea typeface="+mj-ea"/>
+            </a:endParaRPr>
+          </a:p>
+        </p:txBody>
+      </p:sp>
+      <p:sp>
+        <p:nvSpPr>
+          <p:cNvPr id="10" name="TextBox 9"/>
+          <p:cNvSpPr txBox="1"/>
+          <p:nvPr/>
+        </p:nvSpPr>
+        <p:spPr>
+          <a:xfrm>
+            <a:off x="418465" y="3115945"/>
+            <a:ext cx="1329055" cy="769620"/>
+          </a:xfrm>
+          <a:prstGeom prst="rect">
+            <a:avLst/>
+          </a:prstGeom>
+          <a:noFill/>
+        </p:spPr>
+        <p:txBody>
+          <a:bodyPr wrap="square" rtlCol="0">
+            <a:spAutoFit/>
+          </a:bodyPr>
+          <a:lstStyle/>
+          <a:p>
+            <a:r>
+              <a:rPr lang="en-US" altLang="ko-KR" sz="4400" b="1" dirty="0">
+                <a:solidFill>
+                  <a:schemeClr val="accent4"/>
+                </a:solidFill>
+              </a:rPr>
+              <a:t>01</a:t>
+            </a:r>
+            <a:endParaRPr lang="ko-KR" altLang="en-US" b="1" dirty="0">
+              <a:solidFill>
+                <a:schemeClr val="accent4"/>
+              </a:solidFill>
+            </a:endParaRPr>
+          </a:p>
+        </p:txBody>
+      </p:sp>
+      <p:sp>
+        <p:nvSpPr>
+          <p:cNvPr id="11" name="TextBox 10"/>
+          <p:cNvSpPr txBox="1"/>
+          <p:nvPr/>
+        </p:nvSpPr>
+        <p:spPr>
+          <a:xfrm>
+            <a:off x="2577465" y="3115945"/>
+            <a:ext cx="1329055" cy="769620"/>
+          </a:xfrm>
+          <a:prstGeom prst="rect">
+            <a:avLst/>
+          </a:prstGeom>
+          <a:noFill/>
+        </p:spPr>
+        <p:txBody>
+          <a:bodyPr wrap="square" rtlCol="0">
+            <a:spAutoFit/>
+          </a:bodyPr>
+          <a:lstStyle/>
+          <a:p>
+            <a:r>
+              <a:rPr lang="en-US" altLang="ko-KR" sz="4400" b="1" dirty="0">
+                <a:solidFill>
+                  <a:schemeClr val="accent4"/>
+                </a:solidFill>
+              </a:rPr>
+              <a:t>02</a:t>
+            </a:r>
+            <a:endParaRPr lang="ko-KR" altLang="en-US" b="1" dirty="0">
+              <a:solidFill>
+                <a:schemeClr val="accent4"/>
+              </a:solidFill>
+            </a:endParaRPr>
+          </a:p>
+        </p:txBody>
+      </p:sp>
+      <p:sp>
+        <p:nvSpPr>
+          <p:cNvPr id="12" name="TextBox 11"/>
+          <p:cNvSpPr txBox="1"/>
+          <p:nvPr/>
+        </p:nvSpPr>
+        <p:spPr>
+          <a:xfrm>
+            <a:off x="4744720" y="3115945"/>
+            <a:ext cx="1329055" cy="769620"/>
+          </a:xfrm>
+          <a:prstGeom prst="rect">
+            <a:avLst/>
+          </a:prstGeom>
+          <a:noFill/>
+        </p:spPr>
+        <p:txBody>
+          <a:bodyPr wrap="square" rtlCol="0">
+            <a:spAutoFit/>
+          </a:bodyPr>
+          <a:lstStyle/>
+          <a:p>
+            <a:r>
+              <a:rPr lang="en-US" altLang="ko-KR" sz="4400" b="1" dirty="0">
+                <a:solidFill>
+                  <a:schemeClr val="accent4"/>
+                </a:solidFill>
+              </a:rPr>
+              <a:t>03</a:t>
+            </a:r>
+            <a:endParaRPr lang="ko-KR" altLang="en-US" b="1" dirty="0">
+              <a:solidFill>
+                <a:schemeClr val="accent4"/>
+              </a:solidFill>
+            </a:endParaRPr>
+          </a:p>
+        </p:txBody>
+      </p:sp>
+      <p:sp>
+        <p:nvSpPr>
+          <p:cNvPr id="13" name="TextBox 12"/>
+          <p:cNvSpPr txBox="1"/>
+          <p:nvPr/>
+        </p:nvSpPr>
+        <p:spPr>
+          <a:xfrm>
+            <a:off x="6895465" y="3115945"/>
+            <a:ext cx="1329055" cy="769620"/>
+          </a:xfrm>
+          <a:prstGeom prst="rect">
+            <a:avLst/>
+          </a:prstGeom>
+          <a:noFill/>
+        </p:spPr>
+        <p:txBody>
+          <a:bodyPr wrap="square" rtlCol="0">
+            <a:spAutoFit/>
+          </a:bodyPr>
+          <a:lstStyle/>
+          <a:p>
+            <a:r>
+              <a:rPr lang="en-US" altLang="ko-KR" sz="4400" b="1" dirty="0">
+                <a:solidFill>
+                  <a:schemeClr val="accent4"/>
+                </a:solidFill>
+              </a:rPr>
+              <a:t>04</a:t>
+            </a:r>
+            <a:endParaRPr lang="ko-KR" altLang="en-US" b="1" dirty="0">
+              <a:solidFill>
+                <a:schemeClr val="accent4"/>
+              </a:solidFill>
+            </a:endParaRPr>
+          </a:p>
+        </p:txBody>
+      </p:sp>
+      <p:sp>
+        <p:nvSpPr>
+          <p:cNvPr id="14" name="TextBox 13"/>
+          <p:cNvSpPr txBox="1"/>
+          <p:nvPr/>
+        </p:nvSpPr>
+        <p:spPr>
+          <a:xfrm>
+            <a:off x="4744720" y="4255770"/>
+            <a:ext cx="1802130" cy="738664"/>
+          </a:xfrm>
+          <a:prstGeom prst="rect">
+            <a:avLst/>
+          </a:prstGeom>
+          <a:noFill/>
+        </p:spPr>
+        <p:txBody>
+          <a:bodyPr wrap="square" rtlCol="0">
+            <a:spAutoFit/>
+          </a:bodyPr>
+          <a:lstStyle/>
+          <a:p>
+            <a:pPr marL="285750" indent="-285750">
+              <a:buFontTx/>
+              <a:buChar char="-"/>
+            </a:pPr>
+            <a:r>
+              <a:rPr lang="ko-KR" altLang="en-US" sz="1400" dirty="0" smtClean="0">
+                <a:solidFill>
+                  <a:schemeClr val="tx1">
+                    <a:lumMod val="75000"/>
+                    <a:lumOff val="25000"/>
+                  </a:schemeClr>
+                </a:solidFill>
+              </a:rPr>
+              <a:t>중점 연구분야</a:t>
+            </a:r>
+            <a:endParaRPr lang="en-US" altLang="ko-KR" sz="1400" dirty="0" smtClean="0">
+              <a:solidFill>
+                <a:schemeClr val="tx1">
+                  <a:lumMod val="75000"/>
+                  <a:lumOff val="25000"/>
+                </a:schemeClr>
+              </a:solidFill>
+            </a:endParaRPr>
+          </a:p>
+          <a:p>
+            <a:pPr marL="285750" indent="-285750">
+              <a:buFontTx/>
+              <a:buChar char="-"/>
+            </a:pPr>
+            <a:r>
+              <a:rPr lang="ko-KR" altLang="en-US" sz="1400" dirty="0" smtClean="0">
+                <a:solidFill>
+                  <a:schemeClr val="tx1">
+                    <a:lumMod val="75000"/>
+                    <a:lumOff val="25000"/>
+                  </a:schemeClr>
+                </a:solidFill>
+              </a:rPr>
+              <a:t>타 게임과의 비교</a:t>
+            </a:r>
+            <a:endParaRPr lang="en-US" altLang="ko-KR" sz="1400" dirty="0" smtClean="0">
+              <a:solidFill>
+                <a:schemeClr val="tx1">
+                  <a:lumMod val="75000"/>
+                  <a:lumOff val="25000"/>
+                </a:schemeClr>
+              </a:solidFill>
+            </a:endParaRPr>
+          </a:p>
+          <a:p>
+            <a:pPr marL="285750" indent="-285750">
+              <a:buFontTx/>
+              <a:buChar char="-"/>
+            </a:pPr>
+            <a:endParaRPr lang="en-US" altLang="ko-KR" sz="1400" dirty="0">
+              <a:solidFill>
+                <a:schemeClr val="tx1">
+                  <a:lumMod val="75000"/>
+                  <a:lumOff val="25000"/>
+                </a:schemeClr>
+              </a:solidFill>
+            </a:endParaRPr>
+          </a:p>
+        </p:txBody>
+      </p:sp>
+      <p:sp>
+        <p:nvSpPr>
+          <p:cNvPr id="15" name="TextBox 14"/>
+          <p:cNvSpPr txBox="1"/>
+          <p:nvPr/>
+        </p:nvSpPr>
+        <p:spPr>
+          <a:xfrm>
+            <a:off x="2644775" y="4255770"/>
+            <a:ext cx="1828800" cy="1384995"/>
+          </a:xfrm>
+          <a:prstGeom prst="rect">
+            <a:avLst/>
+          </a:prstGeom>
+          <a:noFill/>
+        </p:spPr>
+        <p:txBody>
+          <a:bodyPr wrap="square" rtlCol="0">
+            <a:spAutoFit/>
+          </a:bodyPr>
+          <a:lstStyle/>
+          <a:p>
+            <a:pPr marL="285750" indent="-285750">
+              <a:buFontTx/>
+              <a:buChar char="-"/>
+            </a:pPr>
+            <a:r>
+              <a:rPr lang="ko-KR" altLang="en-US" sz="1400" dirty="0" smtClean="0">
+                <a:solidFill>
+                  <a:schemeClr val="tx1">
+                    <a:lumMod val="75000"/>
+                    <a:lumOff val="25000"/>
+                  </a:schemeClr>
+                </a:solidFill>
+              </a:rPr>
+              <a:t>게임 목표</a:t>
+            </a:r>
+            <a:endParaRPr lang="en-US" altLang="ko-KR" sz="1400" dirty="0" smtClean="0">
+              <a:solidFill>
+                <a:schemeClr val="tx1">
+                  <a:lumMod val="75000"/>
+                  <a:lumOff val="25000"/>
+                </a:schemeClr>
+              </a:solidFill>
+            </a:endParaRPr>
+          </a:p>
+          <a:p>
+            <a:pPr marL="285750" indent="-285750">
+              <a:buFontTx/>
+              <a:buChar char="-"/>
+            </a:pPr>
+            <a:r>
+              <a:rPr lang="ko-KR" altLang="en-US" sz="1400" dirty="0" smtClean="0">
+                <a:solidFill>
+                  <a:schemeClr val="tx1">
+                    <a:lumMod val="75000"/>
+                    <a:lumOff val="25000"/>
+                  </a:schemeClr>
+                </a:solidFill>
+              </a:rPr>
+              <a:t>게임 소개</a:t>
+            </a:r>
+            <a:endParaRPr lang="en-US" altLang="ko-KR" sz="1400" dirty="0" smtClean="0">
+              <a:solidFill>
+                <a:schemeClr val="tx1">
+                  <a:lumMod val="75000"/>
+                  <a:lumOff val="25000"/>
+                </a:schemeClr>
+              </a:solidFill>
+            </a:endParaRPr>
+          </a:p>
+          <a:p>
+            <a:pPr marL="285750" indent="-285750">
+              <a:buFontTx/>
+              <a:buChar char="-"/>
+            </a:pPr>
+            <a:r>
+              <a:rPr lang="ko-KR" altLang="en-US" sz="1400" dirty="0" smtClean="0">
+                <a:solidFill>
+                  <a:schemeClr val="tx1">
+                    <a:lumMod val="75000"/>
+                    <a:lumOff val="25000"/>
+                  </a:schemeClr>
+                </a:solidFill>
+              </a:rPr>
+              <a:t>게임 특징</a:t>
+            </a:r>
+            <a:endParaRPr lang="en-US" altLang="ko-KR" sz="1400" dirty="0">
+              <a:solidFill>
+                <a:schemeClr val="tx1">
+                  <a:lumMod val="75000"/>
+                  <a:lumOff val="25000"/>
+                </a:schemeClr>
+              </a:solidFill>
+            </a:endParaRPr>
+          </a:p>
+          <a:p>
+            <a:pPr marL="285750" indent="-285750">
+              <a:buFontTx/>
+              <a:buChar char="-"/>
+            </a:pPr>
+            <a:r>
+              <a:rPr lang="ko-KR" altLang="en-US" sz="1400" dirty="0" smtClean="0">
+                <a:solidFill>
+                  <a:schemeClr val="tx1">
+                    <a:lumMod val="75000"/>
+                    <a:lumOff val="25000"/>
+                  </a:schemeClr>
+                </a:solidFill>
+              </a:rPr>
+              <a:t>기본 조작</a:t>
+            </a:r>
+            <a:endParaRPr lang="en-US" altLang="ko-KR" sz="1400" dirty="0">
+              <a:solidFill>
+                <a:schemeClr val="tx1">
+                  <a:lumMod val="75000"/>
+                  <a:lumOff val="25000"/>
+                </a:schemeClr>
+              </a:solidFill>
+            </a:endParaRPr>
+          </a:p>
+          <a:p>
+            <a:pPr marL="285750" indent="-285750">
+              <a:buFontTx/>
+              <a:buChar char="-"/>
+            </a:pPr>
+            <a:r>
+              <a:rPr lang="ko-KR" altLang="en-US" sz="1400" dirty="0" smtClean="0">
+                <a:solidFill>
+                  <a:schemeClr val="tx1">
+                    <a:lumMod val="75000"/>
+                    <a:lumOff val="25000"/>
+                  </a:schemeClr>
+                </a:solidFill>
+              </a:rPr>
+              <a:t>월드 설정</a:t>
+            </a:r>
+            <a:endParaRPr lang="en-US" altLang="ko-KR" sz="1400" dirty="0">
+              <a:solidFill>
+                <a:schemeClr val="tx1">
+                  <a:lumMod val="75000"/>
+                  <a:lumOff val="25000"/>
+                </a:schemeClr>
+              </a:solidFill>
+            </a:endParaRPr>
+          </a:p>
+          <a:p>
+            <a:pPr marL="285750" indent="-285750">
+              <a:buFontTx/>
+              <a:buChar char="-"/>
+            </a:pPr>
+            <a:r>
+              <a:rPr lang="ko-KR" altLang="en-US" sz="1400" dirty="0" smtClean="0">
+                <a:solidFill>
+                  <a:schemeClr val="tx1">
+                    <a:lumMod val="75000"/>
+                    <a:lumOff val="25000"/>
+                  </a:schemeClr>
+                </a:solidFill>
+              </a:rPr>
+              <a:t>그래픽 </a:t>
+            </a:r>
+            <a:r>
+              <a:rPr lang="ko-KR" altLang="en-US" sz="1400" dirty="0">
+                <a:solidFill>
+                  <a:schemeClr val="tx1">
+                    <a:lumMod val="75000"/>
+                    <a:lumOff val="25000"/>
+                  </a:schemeClr>
+                </a:solidFill>
+              </a:rPr>
+              <a:t>컨셉</a:t>
+            </a:r>
+          </a:p>
+        </p:txBody>
+      </p:sp>
+      <p:sp>
+        <p:nvSpPr>
+          <p:cNvPr id="16" name="TextBox 15"/>
+          <p:cNvSpPr txBox="1"/>
+          <p:nvPr/>
+        </p:nvSpPr>
+        <p:spPr>
+          <a:xfrm>
+            <a:off x="189865" y="1405255"/>
+            <a:ext cx="4893945" cy="831215"/>
+          </a:xfrm>
+          <a:prstGeom prst="rect">
+            <a:avLst/>
+          </a:prstGeom>
+          <a:noFill/>
+        </p:spPr>
+        <p:txBody>
+          <a:bodyPr wrap="square" rtlCol="0">
+            <a:spAutoFit/>
+          </a:bodyPr>
+          <a:lstStyle/>
+          <a:p>
+            <a:r>
+              <a:rPr lang="en-US" altLang="ko-KR" sz="4800" b="1" dirty="0" err="1">
+                <a:solidFill>
+                  <a:schemeClr val="accent2"/>
+                </a:solidFill>
+                <a:latin typeface="+mn-ea"/>
+              </a:rPr>
+              <a:t>B</a:t>
+            </a:r>
+            <a:r>
+              <a:rPr lang="en-US" altLang="ko-KR" sz="4800" b="1" dirty="0" err="1">
+                <a:latin typeface="+mn-ea"/>
+              </a:rPr>
+              <a:t>oss</a:t>
+            </a:r>
+            <a:r>
+              <a:rPr lang="en-US" altLang="ko-KR" sz="4800" b="1" dirty="0" err="1">
+                <a:solidFill>
+                  <a:schemeClr val="accent5">
+                    <a:lumMod val="75000"/>
+                  </a:schemeClr>
+                </a:solidFill>
+                <a:latin typeface="+mn-ea"/>
+              </a:rPr>
+              <a:t>L</a:t>
+            </a:r>
+            <a:r>
+              <a:rPr lang="en-US" altLang="ko-KR" sz="4800" b="1" dirty="0" err="1">
+                <a:latin typeface="+mn-ea"/>
+              </a:rPr>
+              <a:t>ocker</a:t>
+            </a:r>
+            <a:endParaRPr lang="ko-KR" altLang="en-US" sz="4800" dirty="0">
+              <a:latin typeface="+mn-ea"/>
+            </a:endParaRPr>
+          </a:p>
+        </p:txBody>
+      </p:sp>
+      <p:sp>
+        <p:nvSpPr>
+          <p:cNvPr id="25" name="TextBox 13"/>
+          <p:cNvSpPr txBox="1"/>
+          <p:nvPr/>
+        </p:nvSpPr>
+        <p:spPr>
+          <a:xfrm>
+            <a:off x="6971665" y="4255770"/>
+            <a:ext cx="1820545" cy="954405"/>
+          </a:xfrm>
+          <a:prstGeom prst="rect">
+            <a:avLst/>
+          </a:prstGeom>
+          <a:noFill/>
+        </p:spPr>
+        <p:txBody>
+          <a:bodyPr wrap="square" rtlCol="0">
+            <a:spAutoFit/>
+          </a:bodyPr>
+          <a:lstStyle/>
+          <a:p>
+            <a:pPr marL="285750" indent="-285750">
+              <a:buFontTx/>
+              <a:buChar char="-"/>
+            </a:pPr>
+            <a:r>
+              <a:rPr lang="ko-KR" altLang="en-US" sz="1400" dirty="0" smtClean="0">
+                <a:solidFill>
+                  <a:schemeClr val="tx1">
+                    <a:lumMod val="75000"/>
+                    <a:lumOff val="25000"/>
+                  </a:schemeClr>
+                </a:solidFill>
+              </a:rPr>
+              <a:t>개발 환경</a:t>
+            </a:r>
+            <a:endParaRPr lang="en-US" altLang="ko-KR" sz="1400" dirty="0">
+              <a:solidFill>
+                <a:schemeClr val="tx1">
+                  <a:lumMod val="75000"/>
+                  <a:lumOff val="25000"/>
+                </a:schemeClr>
+              </a:solidFill>
+            </a:endParaRPr>
+          </a:p>
+          <a:p>
+            <a:pPr marL="285750" indent="-285750">
+              <a:buFontTx/>
+              <a:buChar char="-"/>
+            </a:pPr>
+            <a:r>
+              <a:rPr lang="ko-KR" altLang="en-US" sz="1400" dirty="0" smtClean="0">
+                <a:solidFill>
+                  <a:schemeClr val="tx1">
+                    <a:lumMod val="75000"/>
+                    <a:lumOff val="25000"/>
+                  </a:schemeClr>
+                </a:solidFill>
+              </a:rPr>
+              <a:t>서버</a:t>
+            </a:r>
+            <a:endParaRPr lang="en-US" altLang="ko-KR" sz="1400" dirty="0">
+              <a:solidFill>
+                <a:schemeClr val="tx1">
+                  <a:lumMod val="75000"/>
+                  <a:lumOff val="25000"/>
+                </a:schemeClr>
+              </a:solidFill>
+            </a:endParaRPr>
+          </a:p>
+          <a:p>
+            <a:pPr marL="285750" indent="-285750">
+              <a:buFontTx/>
+              <a:buChar char="-"/>
+            </a:pPr>
+            <a:r>
+              <a:rPr lang="ko-KR" altLang="en-US" sz="1400" dirty="0" smtClean="0">
+                <a:solidFill>
+                  <a:schemeClr val="tx1">
+                    <a:lumMod val="75000"/>
+                    <a:lumOff val="25000"/>
+                  </a:schemeClr>
+                </a:solidFill>
+              </a:rPr>
+              <a:t>클라이언트</a:t>
+            </a:r>
+            <a:endParaRPr lang="en-US" altLang="ko-KR" sz="1400" dirty="0">
+              <a:solidFill>
+                <a:schemeClr val="tx1">
+                  <a:lumMod val="75000"/>
+                  <a:lumOff val="25000"/>
+                </a:schemeClr>
+              </a:solidFill>
+            </a:endParaRPr>
+          </a:p>
+          <a:p>
+            <a:pPr marL="285750" indent="-285750">
+              <a:buFontTx/>
+              <a:buChar char="-"/>
+            </a:pPr>
+            <a:r>
+              <a:rPr lang="ko-KR" altLang="en-US" sz="1400" dirty="0" smtClean="0">
+                <a:solidFill>
+                  <a:schemeClr val="tx1">
+                    <a:lumMod val="75000"/>
+                    <a:lumOff val="25000"/>
+                  </a:schemeClr>
+                </a:solidFill>
+              </a:rPr>
+              <a:t>그래픽</a:t>
+            </a:r>
+            <a:endParaRPr lang="en-US" altLang="ko-KR" sz="1400" dirty="0">
+              <a:solidFill>
+                <a:schemeClr val="tx1">
+                  <a:lumMod val="75000"/>
+                  <a:lumOff val="25000"/>
+                </a:schemeClr>
+              </a:solidFill>
+            </a:endParaRPr>
+          </a:p>
+        </p:txBody>
+      </p:sp>
+      <p:sp>
+        <p:nvSpPr>
+          <p:cNvPr id="17" name="TextBox 14"/>
+          <p:cNvSpPr txBox="1"/>
+          <p:nvPr/>
+        </p:nvSpPr>
+        <p:spPr>
+          <a:xfrm>
+            <a:off x="620178" y="4253230"/>
+            <a:ext cx="1560629" cy="369332"/>
+          </a:xfrm>
+          <a:prstGeom prst="rect">
+            <a:avLst/>
+          </a:prstGeom>
+          <a:noFill/>
+        </p:spPr>
+        <p:txBody>
+          <a:bodyPr wrap="square" rtlCol="0">
+            <a:spAutoFit/>
+          </a:bodyPr>
+          <a:lstStyle/>
+          <a:p>
+            <a:r>
+              <a:rPr lang="en-US" altLang="ko-KR" b="1" dirty="0" err="1" smtClean="0">
+                <a:solidFill>
+                  <a:srgbClr val="F56E4B"/>
+                </a:solidFill>
+              </a:rPr>
+              <a:t>B</a:t>
+            </a:r>
+            <a:r>
+              <a:rPr lang="en-US" altLang="ko-KR" b="1" dirty="0" err="1" smtClean="0">
+                <a:solidFill>
+                  <a:schemeClr val="tx1">
+                    <a:lumMod val="75000"/>
+                    <a:lumOff val="25000"/>
+                  </a:schemeClr>
+                </a:solidFill>
+              </a:rPr>
+              <a:t>oss</a:t>
+            </a:r>
+            <a:r>
+              <a:rPr lang="en-US" altLang="ko-KR" b="1" dirty="0" err="1" smtClean="0">
+                <a:solidFill>
+                  <a:srgbClr val="0070C0"/>
+                </a:solidFill>
+              </a:rPr>
+              <a:t>L</a:t>
+            </a:r>
+            <a:r>
+              <a:rPr lang="en-US" altLang="ko-KR" b="1" dirty="0" err="1" smtClean="0">
+                <a:solidFill>
+                  <a:schemeClr val="tx1">
+                    <a:lumMod val="75000"/>
+                    <a:lumOff val="25000"/>
+                  </a:schemeClr>
+                </a:solidFill>
+              </a:rPr>
+              <a:t>ocker</a:t>
+            </a:r>
+            <a:endParaRPr lang="en-US" altLang="ko-KR" b="1" dirty="0">
+              <a:solidFill>
+                <a:schemeClr val="tx1">
+                  <a:lumMod val="75000"/>
+                  <a:lumOff val="25000"/>
+                </a:schemeClr>
+              </a:solidFill>
+            </a:endParaRPr>
+          </a:p>
+        </p:txBody>
+      </p:sp>
+      <p:sp>
+        <p:nvSpPr>
+          <p:cNvPr id="18" name="직사각형 17"/>
+          <p:cNvSpPr/>
+          <p:nvPr/>
+        </p:nvSpPr>
+        <p:spPr>
+          <a:xfrm>
+            <a:off x="146685" y="5640705"/>
+            <a:ext cx="3094990" cy="1015365"/>
+          </a:xfrm>
+          <a:prstGeom prst="rect">
+            <a:avLst/>
+          </a:prstGeom>
+        </p:spPr>
+        <p:txBody>
+          <a:bodyPr wrap="square">
+            <a:spAutoFit/>
+          </a:bodyPr>
+          <a:lstStyle/>
+          <a:p>
+            <a:r>
+              <a:rPr lang="ko-KR" altLang="en-US" sz="1200" b="1" dirty="0">
+                <a:solidFill>
+                  <a:schemeClr val="tx1">
+                    <a:lumMod val="65000"/>
+                    <a:lumOff val="35000"/>
+                  </a:schemeClr>
+                </a:solidFill>
+                <a:latin typeface="+mj-ea"/>
+              </a:rPr>
+              <a:t>팀 구성</a:t>
+            </a:r>
+            <a:endParaRPr lang="en-US" altLang="ko-KR" sz="1200" b="1" dirty="0">
+              <a:solidFill>
+                <a:schemeClr val="tx1">
+                  <a:lumMod val="65000"/>
+                  <a:lumOff val="35000"/>
+                </a:schemeClr>
+              </a:solidFill>
+              <a:latin typeface="+mj-ea"/>
+            </a:endParaRPr>
+          </a:p>
+          <a:p>
+            <a:endParaRPr lang="en-US" altLang="ko-KR" sz="1200" b="1" dirty="0">
+              <a:solidFill>
+                <a:schemeClr val="tx1">
+                  <a:lumMod val="65000"/>
+                  <a:lumOff val="35000"/>
+                </a:schemeClr>
+              </a:solidFill>
+              <a:latin typeface="+mj-ea"/>
+            </a:endParaRPr>
+          </a:p>
+          <a:p>
+            <a:r>
+              <a:rPr lang="ko-KR" altLang="en-US" sz="1200" b="1" dirty="0">
+                <a:solidFill>
+                  <a:schemeClr val="accent1"/>
+                </a:solidFill>
+                <a:latin typeface="+mj-ea"/>
+              </a:rPr>
+              <a:t>기획 </a:t>
+            </a:r>
+            <a:r>
+              <a:rPr lang="en-US" altLang="ko-KR" sz="1200" b="1" dirty="0">
+                <a:solidFill>
+                  <a:schemeClr val="accent1"/>
+                </a:solidFill>
+                <a:latin typeface="+mj-ea"/>
+              </a:rPr>
+              <a:t>&amp;</a:t>
+            </a:r>
+            <a:r>
+              <a:rPr lang="ko-KR" altLang="en-US" sz="1200" b="1" dirty="0">
+                <a:solidFill>
+                  <a:schemeClr val="accent1"/>
+                </a:solidFill>
+                <a:latin typeface="+mj-ea"/>
+              </a:rPr>
+              <a:t> 서버</a:t>
+            </a:r>
+            <a:r>
+              <a:rPr lang="en-US" altLang="ko-KR" sz="1200" b="1" dirty="0">
+                <a:solidFill>
+                  <a:schemeClr val="tx1">
+                    <a:lumMod val="65000"/>
+                    <a:lumOff val="35000"/>
+                  </a:schemeClr>
+                </a:solidFill>
+                <a:latin typeface="+mj-ea"/>
+              </a:rPr>
+              <a:t>:</a:t>
+            </a:r>
+            <a:r>
+              <a:rPr lang="ko-KR" altLang="en-US" sz="1200" b="1" dirty="0">
+                <a:solidFill>
+                  <a:schemeClr val="tx1">
+                    <a:lumMod val="65000"/>
+                    <a:lumOff val="35000"/>
+                  </a:schemeClr>
+                </a:solidFill>
+                <a:latin typeface="+mj-ea"/>
+              </a:rPr>
+              <a:t> 김홍일</a:t>
+            </a:r>
+            <a:endParaRPr lang="en-US" altLang="ko-KR" sz="1200" b="1" spc="140" dirty="0">
+              <a:solidFill>
+                <a:schemeClr val="accent1"/>
+              </a:solidFill>
+              <a:latin typeface="+mj-ea"/>
+            </a:endParaRPr>
+          </a:p>
+          <a:p>
+            <a:r>
+              <a:rPr lang="ko-KR" altLang="en-US" sz="1200" b="1" spc="140" dirty="0">
+                <a:solidFill>
+                  <a:schemeClr val="accent1"/>
+                </a:solidFill>
+                <a:latin typeface="+mj-ea"/>
+              </a:rPr>
+              <a:t>클라이언트</a:t>
+            </a:r>
+            <a:r>
+              <a:rPr lang="en-US" altLang="ko-KR" sz="1200" b="1" dirty="0">
+                <a:solidFill>
+                  <a:schemeClr val="tx1">
+                    <a:lumMod val="65000"/>
+                    <a:lumOff val="35000"/>
+                  </a:schemeClr>
+                </a:solidFill>
+                <a:latin typeface="+mj-ea"/>
+              </a:rPr>
+              <a:t>: </a:t>
+            </a:r>
+            <a:r>
+              <a:rPr lang="ko-KR" altLang="en-US" sz="1200" b="1" dirty="0">
+                <a:solidFill>
+                  <a:schemeClr val="tx1">
+                    <a:lumMod val="65000"/>
+                    <a:lumOff val="35000"/>
+                  </a:schemeClr>
+                </a:solidFill>
+                <a:latin typeface="+mj-ea"/>
+              </a:rPr>
+              <a:t>양태윤</a:t>
+            </a:r>
+            <a:endParaRPr lang="en-US" altLang="ko-KR" sz="1200" b="1" dirty="0">
+              <a:solidFill>
+                <a:schemeClr val="tx1">
+                  <a:lumMod val="65000"/>
+                  <a:lumOff val="35000"/>
+                </a:schemeClr>
+              </a:solidFill>
+              <a:latin typeface="+mj-ea"/>
+            </a:endParaRPr>
+          </a:p>
+          <a:p>
+            <a:r>
+              <a:rPr lang="ko-KR" altLang="en-US" sz="1200" b="1" dirty="0">
+                <a:solidFill>
+                  <a:schemeClr val="accent1"/>
+                </a:solidFill>
+                <a:latin typeface="+mj-ea"/>
+              </a:rPr>
+              <a:t>모델링 </a:t>
+            </a:r>
+            <a:r>
+              <a:rPr lang="en-US" altLang="ko-KR" sz="1200" b="1" dirty="0">
+                <a:solidFill>
+                  <a:schemeClr val="accent1"/>
+                </a:solidFill>
+                <a:latin typeface="+mj-ea"/>
+              </a:rPr>
+              <a:t>&amp;</a:t>
+            </a:r>
+            <a:r>
+              <a:rPr lang="ko-KR" altLang="en-US" sz="1200" b="1" dirty="0">
+                <a:solidFill>
+                  <a:schemeClr val="accent1"/>
+                </a:solidFill>
+                <a:latin typeface="+mj-ea"/>
+              </a:rPr>
+              <a:t> </a:t>
+            </a:r>
+            <a:r>
+              <a:rPr lang="en-US" altLang="ko-KR" sz="1200" b="1" dirty="0">
+                <a:solidFill>
+                  <a:schemeClr val="accent1"/>
+                </a:solidFill>
+                <a:latin typeface="+mj-ea"/>
+              </a:rPr>
+              <a:t>UI</a:t>
+            </a:r>
+            <a:r>
+              <a:rPr lang="en-US" altLang="ko-KR" sz="1200" b="1" dirty="0">
+                <a:solidFill>
+                  <a:schemeClr val="tx1">
+                    <a:lumMod val="65000"/>
+                    <a:lumOff val="35000"/>
+                  </a:schemeClr>
+                </a:solidFill>
+                <a:latin typeface="+mj-ea"/>
+              </a:rPr>
+              <a:t>:</a:t>
+            </a:r>
+            <a:r>
+              <a:rPr lang="ko-KR" altLang="en-US" sz="1200" b="1" dirty="0">
+                <a:solidFill>
+                  <a:schemeClr val="tx1">
+                    <a:lumMod val="65000"/>
+                    <a:lumOff val="35000"/>
+                  </a:schemeClr>
+                </a:solidFill>
+                <a:latin typeface="+mj-ea"/>
+              </a:rPr>
+              <a:t> 조소연</a:t>
+            </a:r>
+            <a:endParaRPr lang="en-US" altLang="ko-KR" sz="1200" b="1" dirty="0">
+              <a:solidFill>
+                <a:schemeClr val="tx1">
+                  <a:lumMod val="65000"/>
+                  <a:lumOff val="35000"/>
+                </a:schemeClr>
+              </a:solidFill>
+              <a:latin typeface="+mj-ea"/>
+            </a:endParaRPr>
+          </a:p>
+        </p:txBody>
+      </p:sp>
+      <p:sp>
+        <p:nvSpPr>
+          <p:cNvPr id="19" name="TextBox 18">
+            <a:extLst>
+              <a:ext uri="{FF2B5EF4-FFF2-40B4-BE49-F238E27FC236}">
+                <a16:creationId xmlns="" xmlns:a16="http://schemas.microsoft.com/office/drawing/2014/main" id="{69882930-BFC0-4DAF-854C-CA9A55A4DE7D}"/>
+              </a:ext>
+            </a:extLst>
+          </p:cNvPr>
+          <p:cNvSpPr txBox="1"/>
+          <p:nvPr/>
+        </p:nvSpPr>
+        <p:spPr>
+          <a:xfrm>
+            <a:off x="9020810" y="3133725"/>
+            <a:ext cx="1329055" cy="769620"/>
+          </a:xfrm>
+          <a:prstGeom prst="rect">
+            <a:avLst/>
+          </a:prstGeom>
+          <a:noFill/>
+        </p:spPr>
+        <p:txBody>
+          <a:bodyPr wrap="square" rtlCol="0">
+            <a:spAutoFit/>
+          </a:bodyPr>
+          <a:lstStyle/>
+          <a:p>
+            <a:r>
+              <a:rPr lang="en-US" altLang="ko-KR" sz="4400" b="1" dirty="0">
+                <a:solidFill>
+                  <a:schemeClr val="accent4"/>
+                </a:solidFill>
+              </a:rPr>
+              <a:t>05</a:t>
+            </a:r>
+            <a:endParaRPr lang="ko-KR" altLang="en-US" b="1" dirty="0">
+              <a:solidFill>
+                <a:schemeClr val="accent4"/>
+              </a:solidFill>
+            </a:endParaRPr>
+          </a:p>
+        </p:txBody>
+      </p:sp>
+      <p:sp>
+        <p:nvSpPr>
+          <p:cNvPr id="20" name="TextBox 19">
+            <a:extLst>
+              <a:ext uri="{FF2B5EF4-FFF2-40B4-BE49-F238E27FC236}">
+                <a16:creationId xmlns="" xmlns:a16="http://schemas.microsoft.com/office/drawing/2014/main" id="{CFE0347B-6C4D-4E97-BF2E-76FDFF1C8635}"/>
+              </a:ext>
+            </a:extLst>
+          </p:cNvPr>
+          <p:cNvSpPr txBox="1"/>
+          <p:nvPr/>
+        </p:nvSpPr>
+        <p:spPr>
+          <a:xfrm>
+            <a:off x="9033510" y="3883660"/>
+            <a:ext cx="1820545" cy="369570"/>
+          </a:xfrm>
+          <a:prstGeom prst="rect">
+            <a:avLst/>
+          </a:prstGeom>
+          <a:noFill/>
+        </p:spPr>
+        <p:txBody>
+          <a:bodyPr wrap="square" rtlCol="0">
+            <a:spAutoFit/>
+          </a:bodyPr>
+          <a:lstStyle/>
+          <a:p>
+            <a:r>
+              <a:rPr lang="ko-KR" altLang="en-US" b="1" dirty="0" smtClean="0">
+                <a:solidFill>
+                  <a:schemeClr val="bg1"/>
+                </a:solidFill>
+                <a:latin typeface="+mj-ea"/>
+                <a:ea typeface="+mj-ea"/>
+              </a:rPr>
+              <a:t>개발 일정</a:t>
+            </a:r>
+            <a:endParaRPr lang="ko-KR" altLang="en-US" b="1" dirty="0">
+              <a:solidFill>
+                <a:schemeClr val="bg1"/>
+              </a:solidFill>
+              <a:latin typeface="+mj-ea"/>
+              <a:ea typeface="+mj-ea"/>
+            </a:endParaRPr>
+          </a:p>
+        </p:txBody>
+      </p:sp>
+      <p:sp>
+        <p:nvSpPr>
+          <p:cNvPr id="21" name="TextBox 13">
+            <a:extLst>
+              <a:ext uri="{FF2B5EF4-FFF2-40B4-BE49-F238E27FC236}">
+                <a16:creationId xmlns="" xmlns:a16="http://schemas.microsoft.com/office/drawing/2014/main" id="{E56ED49B-24D1-495B-8D57-F91216155341}"/>
+              </a:ext>
+            </a:extLst>
+          </p:cNvPr>
+          <p:cNvSpPr txBox="1"/>
+          <p:nvPr/>
+        </p:nvSpPr>
+        <p:spPr>
+          <a:xfrm>
+            <a:off x="9033509" y="4253230"/>
+            <a:ext cx="1820545" cy="738664"/>
+          </a:xfrm>
+          <a:prstGeom prst="rect">
+            <a:avLst/>
+          </a:prstGeom>
+          <a:noFill/>
+        </p:spPr>
+        <p:txBody>
+          <a:bodyPr wrap="square" rtlCol="0">
+            <a:spAutoFit/>
+          </a:bodyPr>
+          <a:lstStyle/>
+          <a:p>
+            <a:pPr marL="285750" indent="-285750">
+              <a:buFontTx/>
+              <a:buChar char="-"/>
+            </a:pPr>
+            <a:r>
+              <a:rPr lang="ko-KR" altLang="en-US" sz="1400" dirty="0" smtClean="0">
+                <a:solidFill>
+                  <a:schemeClr val="tx1">
+                    <a:lumMod val="75000"/>
+                    <a:lumOff val="25000"/>
+                  </a:schemeClr>
+                </a:solidFill>
+              </a:rPr>
+              <a:t>서버</a:t>
+            </a:r>
+            <a:endParaRPr lang="en-US" altLang="ko-KR" sz="1400" dirty="0">
+              <a:solidFill>
+                <a:schemeClr val="tx1">
+                  <a:lumMod val="75000"/>
+                  <a:lumOff val="25000"/>
+                </a:schemeClr>
+              </a:solidFill>
+            </a:endParaRPr>
+          </a:p>
+          <a:p>
+            <a:pPr marL="285750" indent="-285750">
+              <a:buFontTx/>
+              <a:buChar char="-"/>
+            </a:pPr>
+            <a:r>
+              <a:rPr lang="ko-KR" altLang="en-US" sz="1400" smtClean="0">
+                <a:solidFill>
+                  <a:schemeClr val="tx1">
+                    <a:lumMod val="75000"/>
+                    <a:lumOff val="25000"/>
+                  </a:schemeClr>
+                </a:solidFill>
+              </a:rPr>
+              <a:t>클라이언트</a:t>
+            </a:r>
+            <a:endParaRPr lang="en-US" altLang="ko-KR" sz="1400" dirty="0">
+              <a:solidFill>
+                <a:schemeClr val="tx1">
+                  <a:lumMod val="75000"/>
+                  <a:lumOff val="25000"/>
+                </a:schemeClr>
+              </a:solidFill>
+            </a:endParaRPr>
+          </a:p>
+          <a:p>
+            <a:pPr marL="285750" indent="-285750">
+              <a:buFontTx/>
+              <a:buChar char="-"/>
+            </a:pPr>
+            <a:r>
+              <a:rPr lang="ko-KR" altLang="en-US" sz="1400" dirty="0">
+                <a:solidFill>
+                  <a:schemeClr val="tx1">
+                    <a:lumMod val="75000"/>
+                    <a:lumOff val="25000"/>
+                  </a:schemeClr>
+                </a:solidFill>
+              </a:rPr>
+              <a:t>그래픽</a:t>
+            </a:r>
+            <a:endParaRPr lang="en-US" altLang="ko-KR" sz="1400" dirty="0">
+              <a:solidFill>
+                <a:schemeClr val="tx1">
+                  <a:lumMod val="75000"/>
+                  <a:lumOff val="25000"/>
+                </a:schemeClr>
+              </a:solidFill>
+            </a:endParaRPr>
+          </a:p>
+        </p:txBody>
+      </p:sp>
+    </p:spTree>
+    <p:extLst>
+      <p:ext uri="{BB962C8B-B14F-4D97-AF65-F5344CB8AC3E}">
+        <p14:creationId xmlns:p14="http://schemas.microsoft.com/office/powerpoint/2010/main" val="1883278153"/>
+      </p:ext>
+    </p:extLst>
+  </p:cSld>
+  <p:clrMapOvr>
+    <a:masterClrMapping/>
+  </p:clrMapOvr>
+  <p:transition spd="slow">
+    <p:push dir="u"/>
+  </p:transition>
+  <p:timing>
+    <p:tnLst>
+      <p:par>
+        <p:cTn id="1" dur="indefinite" restart="never" nodeType="tmRoot"/>
+      </p:par>
+    </p:tnLst>
+  </p:timing>
+</p:sld>
+</file>
+
+<file path=ppt/slides/slide20.xml><?xml version="1.0" encoding="utf-8"?>
 <p:sld xmlns:a="http://schemas.openxmlformats.org/drawingml/2006/main" xmlns:r="http://schemas.openxmlformats.org/officeDocument/2006/relationships" xmlns:p="http://schemas.openxmlformats.org/presentationml/2006/main">
   <p:cSld>
     <p:spTree>
@@ -19313,14 +18388,14 @@
       </p:sp>
       <p:sp>
         <p:nvSpPr>
-          <p:cNvPr id="22" name="모서리가 둥근 직사각형 21"/>
+          <p:cNvPr id="25" name="모서리가 둥근 직사각형 24"/>
           <p:cNvSpPr/>
           <p:nvPr/>
         </p:nvSpPr>
         <p:spPr>
           <a:xfrm>
-            <a:off x="-285007" y="3514676"/>
-            <a:ext cx="3919409" cy="563163"/>
+            <a:off x="4353059" y="4175223"/>
+            <a:ext cx="2163537" cy="563163"/>
           </a:xfrm>
           <a:prstGeom prst="roundRect">
             <a:avLst/>
@@ -19354,28 +18429,12 @@
           <a:p>
             <a:pPr algn="ctr"/>
             <a:r>
-              <a:rPr kumimoji="1" lang="ko-KR" altLang="en-US" dirty="0" smtClean="0">
+              <a:rPr kumimoji="1" lang="ko-KR" altLang="en-US" smtClean="0">
                 <a:solidFill>
                   <a:schemeClr val="bg1"/>
                 </a:solidFill>
               </a:rPr>
-              <a:t>통합 프레임워크 설계 </a:t>
-            </a:r>
-            <a:r>
-              <a:rPr kumimoji="1" lang="en-US" altLang="ko-KR" dirty="0" smtClean="0">
-                <a:solidFill>
-                  <a:schemeClr val="bg1"/>
-                </a:solidFill>
-              </a:rPr>
-              <a:t>/</a:t>
-            </a:r>
-            <a:r>
-              <a:rPr kumimoji="1" lang="ko-KR" altLang="en-US" dirty="0" smtClean="0">
-                <a:solidFill>
-                  <a:schemeClr val="bg1"/>
-                </a:solidFill>
-              </a:rPr>
-              <a:t> 제작</a:t>
+              <a:t>영웅 캐릭터</a:t>
             </a:r>
             <a:endParaRPr kumimoji="1" lang="ko-KR" altLang="en-US" dirty="0">
               <a:solidFill>
@@ -19387,14 +18446,14 @@
       </p:sp>
       <p:sp>
         <p:nvSpPr>
-          <p:cNvPr id="25" name="모서리가 둥근 직사각형 24"/>
+          <p:cNvPr id="26" name="모서리가 둥근 직사각형 25"/>
           <p:cNvSpPr/>
           <p:nvPr/>
         </p:nvSpPr>
         <p:spPr>
           <a:xfrm>
-            <a:off x="5015003" y="4175223"/>
-            <a:ext cx="1501593" cy="563163"/>
+            <a:off x="5007000" y="4881647"/>
+            <a:ext cx="1509596" cy="563163"/>
           </a:xfrm>
           <a:prstGeom prst="roundRect">
             <a:avLst/>
@@ -19428,12 +18487,12 @@
           <a:p>
             <a:pPr algn="ctr"/>
             <a:r>
-              <a:rPr kumimoji="1" lang="ko-KR" altLang="en-US" smtClean="0">
+              <a:rPr kumimoji="1" lang="ko-KR" altLang="en-US" dirty="0" smtClean="0">
                 <a:solidFill>
                   <a:schemeClr val="bg1"/>
                 </a:solidFill>
               </a:rPr>
-              <a:t>영웅 캐릭터</a:t>
+              <a:t>보스 </a:t>
             </a:r>
             <a:endParaRPr kumimoji="1" lang="ko-KR" altLang="en-US" dirty="0">
               <a:solidFill>
@@ -19445,14 +18504,14 @@
       </p:sp>
       <p:sp>
         <p:nvSpPr>
-          <p:cNvPr id="26" name="모서리가 둥근 직사각형 25"/>
+          <p:cNvPr id="27" name="모서리가 둥근 직사각형 26"/>
           <p:cNvSpPr/>
           <p:nvPr/>
         </p:nvSpPr>
         <p:spPr>
           <a:xfrm>
-            <a:off x="5007000" y="4881647"/>
-            <a:ext cx="1509596" cy="563163"/>
+            <a:off x="6686276" y="4175223"/>
+            <a:ext cx="984133" cy="563163"/>
           </a:xfrm>
           <a:prstGeom prst="roundRect">
             <a:avLst/>
@@ -19491,7 +18550,7 @@
                   <a:schemeClr val="bg1"/>
                 </a:solidFill>
               </a:rPr>
-              <a:t>보스 </a:t>
+              <a:t>스킬</a:t>
             </a:r>
             <a:endParaRPr kumimoji="1" lang="ko-KR" altLang="en-US" dirty="0">
               <a:solidFill>
@@ -19503,13 +18562,13 @@
       </p:sp>
       <p:sp>
         <p:nvSpPr>
-          <p:cNvPr id="27" name="모서리가 둥근 직사각형 26"/>
+          <p:cNvPr id="28" name="모서리가 둥근 직사각형 27"/>
           <p:cNvSpPr/>
           <p:nvPr/>
         </p:nvSpPr>
         <p:spPr>
           <a:xfrm>
-            <a:off x="6686276" y="4175223"/>
+            <a:off x="6679682" y="4881647"/>
             <a:ext cx="984133" cy="563163"/>
           </a:xfrm>
           <a:prstGeom prst="roundRect">
@@ -19544,12 +18603,12 @@
           <a:p>
             <a:pPr algn="ctr"/>
             <a:r>
-              <a:rPr kumimoji="1" lang="ko-KR" altLang="en-US" dirty="0" smtClean="0">
+              <a:rPr kumimoji="1" lang="en-US" altLang="ko-KR" dirty="0" smtClean="0">
                 <a:solidFill>
                   <a:schemeClr val="bg1"/>
                 </a:solidFill>
               </a:rPr>
-              <a:t>스킬</a:t>
+              <a:t>AI</a:t>
             </a:r>
             <a:endParaRPr kumimoji="1" lang="ko-KR" altLang="en-US" dirty="0">
               <a:solidFill>
@@ -19561,72 +18620,14 @@
       </p:sp>
       <p:sp>
         <p:nvSpPr>
-          <p:cNvPr id="28" name="모서리가 둥근 직사각형 27"/>
-          <p:cNvSpPr/>
-          <p:nvPr/>
-        </p:nvSpPr>
-        <p:spPr>
-          <a:xfrm>
-            <a:off x="6679682" y="4881647"/>
-            <a:ext cx="984133" cy="563163"/>
-          </a:xfrm>
-          <a:prstGeom prst="roundRect">
-            <a:avLst/>
-          </a:prstGeom>
-          <a:solidFill>
-            <a:srgbClr val="00B0F0"/>
-          </a:solidFill>
-          <a:ln>
-            <a:noFill/>
-          </a:ln>
-        </p:spPr>
-        <p:style>
-          <a:lnRef idx="2">
-            <a:schemeClr val="accent1">
-              <a:shade val="50000"/>
-            </a:schemeClr>
-          </a:lnRef>
-          <a:fillRef idx="1">
-            <a:schemeClr val="accent1"/>
-          </a:fillRef>
-          <a:effectRef idx="0">
-            <a:schemeClr val="accent1"/>
-          </a:effectRef>
-          <a:fontRef idx="minor">
-            <a:schemeClr val="lt1"/>
-          </a:fontRef>
-        </p:style>
-        <p:txBody>
-          <a:bodyPr rtlCol="0" anchor="ctr"/>
-          <a:lstStyle/>
-          <a:p>
-            <a:pPr algn="ctr"/>
-            <a:r>
-              <a:rPr kumimoji="1" lang="en-US" altLang="ko-KR" dirty="0" smtClean="0">
-                <a:solidFill>
-                  <a:schemeClr val="bg1"/>
-                </a:solidFill>
-              </a:rPr>
-              <a:t>AI</a:t>
-            </a:r>
-            <a:endParaRPr kumimoji="1" lang="ko-KR" altLang="en-US" dirty="0">
-              <a:solidFill>
-                <a:schemeClr val="bg1"/>
-              </a:solidFill>
-            </a:endParaRPr>
-          </a:p>
-        </p:txBody>
-      </p:sp>
-      <p:sp>
-        <p:nvSpPr>
           <p:cNvPr id="30" name="모서리가 둥근 직사각형 29"/>
           <p:cNvSpPr/>
           <p:nvPr/>
         </p:nvSpPr>
         <p:spPr>
           <a:xfrm>
-            <a:off x="3286623" y="4175223"/>
-            <a:ext cx="1501593" cy="563163"/>
+            <a:off x="2602275" y="3512522"/>
+            <a:ext cx="1750784" cy="563163"/>
           </a:xfrm>
           <a:prstGeom prst="roundRect">
             <a:avLst/>
@@ -20172,7 +19173,7 @@
 </p:sld>
 </file>
 
-<file path=ppt/slides/slide22.xml><?xml version="1.0" encoding="utf-8"?>
+<file path=ppt/slides/slide21.xml><?xml version="1.0" encoding="utf-8"?>
 <p:sld xmlns:a="http://schemas.openxmlformats.org/drawingml/2006/main" xmlns:r="http://schemas.openxmlformats.org/officeDocument/2006/relationships" xmlns:p="http://schemas.openxmlformats.org/presentationml/2006/main">
   <p:cSld>
     <p:spTree>
@@ -22345,7 +21346,7 @@
 </p:sld>
 </file>
 
-<file path=ppt/slides/slide23.xml><?xml version="1.0" encoding="utf-8"?>
+<file path=ppt/slides/slide22.xml><?xml version="1.0" encoding="utf-8"?>
 <p:sld xmlns:a="http://schemas.openxmlformats.org/drawingml/2006/main" xmlns:r="http://schemas.openxmlformats.org/officeDocument/2006/relationships" xmlns:p="http://schemas.openxmlformats.org/presentationml/2006/main">
   <p:cSld>
     <p:spTree>

--- a/BossLocker_김홍일_양태윤_조소연.pptx
+++ b/BossLocker_김홍일_양태윤_조소연.pptx
@@ -18,7 +18,7 @@
     <p:sldId id="320" r:id="rId9"/>
     <p:sldId id="322" r:id="rId10"/>
     <p:sldId id="324" r:id="rId11"/>
-    <p:sldId id="323" r:id="rId12"/>
+    <p:sldId id="343" r:id="rId12"/>
     <p:sldId id="325" r:id="rId13"/>
     <p:sldId id="326" r:id="rId14"/>
     <p:sldId id="327" r:id="rId15"/>
@@ -232,7 +232,7 @@
           <a:p>
             <a:fld id="{ED55F75E-F8D0-406E-84C8-446C7444F352}" type="datetimeFigureOut">
               <a:rPr lang="ko-KR" altLang="en-US" smtClean="0"/>
-              <a:t>2017. 12. 9.</a:t>
+              <a:t>2017. 12. 11.</a:t>
             </a:fld>
             <a:endParaRPr lang="ko-KR" altLang="en-US"/>
           </a:p>
@@ -714,7 +714,7 @@
           <a:p>
             <a:fld id="{5E0FEBB0-12E2-4577-9B14-145480F18E47}" type="datetimeFigureOut">
               <a:rPr lang="ko-KR" altLang="en-US" smtClean="0"/>
-              <a:t>2017. 12. 9.</a:t>
+              <a:t>2017. 12. 11.</a:t>
             </a:fld>
             <a:endParaRPr lang="ko-KR" altLang="en-US"/>
           </a:p>
@@ -879,7 +879,7 @@
           <a:p>
             <a:fld id="{5E0FEBB0-12E2-4577-9B14-145480F18E47}" type="datetimeFigureOut">
               <a:rPr lang="ko-KR" altLang="en-US" smtClean="0"/>
-              <a:t>2017. 12. 9.</a:t>
+              <a:t>2017. 12. 11.</a:t>
             </a:fld>
             <a:endParaRPr lang="ko-KR" altLang="en-US"/>
           </a:p>
@@ -1054,7 +1054,7 @@
           <a:p>
             <a:fld id="{5E0FEBB0-12E2-4577-9B14-145480F18E47}" type="datetimeFigureOut">
               <a:rPr lang="ko-KR" altLang="en-US" smtClean="0"/>
-              <a:t>2017. 12. 9.</a:t>
+              <a:t>2017. 12. 11.</a:t>
             </a:fld>
             <a:endParaRPr lang="ko-KR" altLang="en-US"/>
           </a:p>
@@ -1234,7 +1234,7 @@
           <a:p>
             <a:fld id="{5E0FEBB0-12E2-4577-9B14-145480F18E47}" type="datetimeFigureOut">
               <a:rPr lang="ko-KR" altLang="en-US" smtClean="0"/>
-              <a:t>2017. 12. 9.</a:t>
+              <a:t>2017. 12. 11.</a:t>
             </a:fld>
             <a:endParaRPr lang="ko-KR" altLang="en-US"/>
           </a:p>
@@ -1485,7 +1485,7 @@
           <a:p>
             <a:fld id="{5E0FEBB0-12E2-4577-9B14-145480F18E47}" type="datetimeFigureOut">
               <a:rPr lang="ko-KR" altLang="en-US" smtClean="0"/>
-              <a:t>2017. 12. 9.</a:t>
+              <a:t>2017. 12. 11.</a:t>
             </a:fld>
             <a:endParaRPr lang="ko-KR" altLang="en-US"/>
           </a:p>
@@ -1712,7 +1712,7 @@
           <a:p>
             <a:fld id="{5E0FEBB0-12E2-4577-9B14-145480F18E47}" type="datetimeFigureOut">
               <a:rPr lang="ko-KR" altLang="en-US" smtClean="0"/>
-              <a:t>2017. 12. 9.</a:t>
+              <a:t>2017. 12. 11.</a:t>
             </a:fld>
             <a:endParaRPr lang="ko-KR" altLang="en-US"/>
           </a:p>
@@ -2074,7 +2074,7 @@
           <a:p>
             <a:fld id="{5E0FEBB0-12E2-4577-9B14-145480F18E47}" type="datetimeFigureOut">
               <a:rPr lang="ko-KR" altLang="en-US" smtClean="0"/>
-              <a:t>2017. 12. 9.</a:t>
+              <a:t>2017. 12. 11.</a:t>
             </a:fld>
             <a:endParaRPr lang="ko-KR" altLang="en-US"/>
           </a:p>
@@ -2187,7 +2187,7 @@
           <a:p>
             <a:fld id="{5E0FEBB0-12E2-4577-9B14-145480F18E47}" type="datetimeFigureOut">
               <a:rPr lang="ko-KR" altLang="en-US" smtClean="0"/>
-              <a:t>2017. 12. 9.</a:t>
+              <a:t>2017. 12. 11.</a:t>
             </a:fld>
             <a:endParaRPr lang="ko-KR" altLang="en-US"/>
           </a:p>
@@ -2277,7 +2277,7 @@
           <a:p>
             <a:fld id="{5E0FEBB0-12E2-4577-9B14-145480F18E47}" type="datetimeFigureOut">
               <a:rPr lang="ko-KR" altLang="en-US" smtClean="0"/>
-              <a:t>2017. 12. 9.</a:t>
+              <a:t>2017. 12. 11.</a:t>
             </a:fld>
             <a:endParaRPr lang="ko-KR" altLang="en-US"/>
           </a:p>
@@ -2549,7 +2549,7 @@
           <a:p>
             <a:fld id="{5E0FEBB0-12E2-4577-9B14-145480F18E47}" type="datetimeFigureOut">
               <a:rPr lang="ko-KR" altLang="en-US" smtClean="0"/>
-              <a:t>2017. 12. 9.</a:t>
+              <a:t>2017. 12. 11.</a:t>
             </a:fld>
             <a:endParaRPr lang="ko-KR" altLang="en-US"/>
           </a:p>
@@ -2801,7 +2801,7 @@
           <a:p>
             <a:fld id="{5E0FEBB0-12E2-4577-9B14-145480F18E47}" type="datetimeFigureOut">
               <a:rPr lang="ko-KR" altLang="en-US" smtClean="0"/>
-              <a:t>2017. 12. 9.</a:t>
+              <a:t>2017. 12. 11.</a:t>
             </a:fld>
             <a:endParaRPr lang="ko-KR" altLang="en-US"/>
           </a:p>
@@ -3009,7 +3009,7 @@
           <a:p>
             <a:fld id="{5E0FEBB0-12E2-4577-9B14-145480F18E47}" type="datetimeFigureOut">
               <a:rPr lang="ko-KR" altLang="en-US" smtClean="0"/>
-              <a:t>2017. 12. 9.</a:t>
+              <a:t>2017. 12. 11.</a:t>
             </a:fld>
             <a:endParaRPr lang="ko-KR" altLang="en-US"/>
           </a:p>
@@ -6366,14 +6366,14 @@
       </p:sp>
       <p:sp>
         <p:nvSpPr>
-          <p:cNvPr id="13" name="텍스트 상자 12"/>
+          <p:cNvPr id="19" name="텍스트 상자 18"/>
           <p:cNvSpPr txBox="1"/>
           <p:nvPr/>
         </p:nvSpPr>
         <p:spPr>
           <a:xfrm>
-            <a:off x="3514131" y="2186418"/>
-            <a:ext cx="6105509" cy="523220"/>
+            <a:off x="3192159" y="1880586"/>
+            <a:ext cx="2960805" cy="523220"/>
           </a:xfrm>
           <a:prstGeom prst="rect">
             <a:avLst/>
@@ -6387,18 +6387,11 @@
           <a:lstStyle/>
           <a:p>
             <a:r>
-              <a:rPr kumimoji="1" lang="en-US" altLang="ko-KR" sz="2800" b="1" dirty="0">
-                <a:latin typeface="+mj-ea"/>
-                <a:ea typeface="+mj-ea"/>
-              </a:rPr>
-              <a:t>1</a:t>
-            </a:r>
-            <a:r>
               <a:rPr kumimoji="1" lang="en-US" altLang="ko-KR" sz="2800" b="1" dirty="0" smtClean="0">
                 <a:latin typeface="+mj-ea"/>
                 <a:ea typeface="+mj-ea"/>
               </a:rPr>
-              <a:t>. </a:t>
+              <a:t>1. </a:t>
             </a:r>
             <a:r>
               <a:rPr kumimoji="1" lang="ko-KR" altLang="en-US" sz="2800" b="1" dirty="0" smtClean="0">
@@ -6416,13 +6409,13 @@
       </p:sp>
       <p:sp>
         <p:nvSpPr>
-          <p:cNvPr id="14" name="텍스트 상자 13"/>
+          <p:cNvPr id="13" name="텍스트 상자 12"/>
           <p:cNvSpPr txBox="1"/>
           <p:nvPr/>
         </p:nvSpPr>
         <p:spPr>
           <a:xfrm>
-            <a:off x="3514131" y="4187744"/>
+            <a:off x="3192159" y="3384157"/>
             <a:ext cx="6105509" cy="523220"/>
           </a:xfrm>
           <a:prstGeom prst="rect">
@@ -6437,18 +6430,54 @@
           <a:lstStyle/>
           <a:p>
             <a:r>
-              <a:rPr kumimoji="1" lang="en-US" altLang="ko-KR" sz="2800" b="1" dirty="0">
-                <a:latin typeface="+mj-ea"/>
-                <a:ea typeface="+mj-ea"/>
-              </a:rPr>
-              <a:t>2</a:t>
-            </a:r>
-            <a:r>
               <a:rPr kumimoji="1" lang="en-US" altLang="ko-KR" sz="2800" b="1" dirty="0" smtClean="0">
                 <a:latin typeface="+mj-ea"/>
                 <a:ea typeface="+mj-ea"/>
               </a:rPr>
-              <a:t>. </a:t>
+              <a:t>2. </a:t>
+            </a:r>
+            <a:r>
+              <a:rPr kumimoji="1" lang="en-US" altLang="ko-KR" sz="2800" b="1" dirty="0" smtClean="0">
+                <a:latin typeface="+mj-ea"/>
+                <a:ea typeface="+mj-ea"/>
+              </a:rPr>
+              <a:t>Physics</a:t>
+            </a:r>
+            <a:endParaRPr kumimoji="1" lang="ko-KR" altLang="en-US" sz="2800" b="1" dirty="0">
+              <a:latin typeface="+mj-ea"/>
+              <a:ea typeface="+mj-ea"/>
+            </a:endParaRPr>
+          </a:p>
+        </p:txBody>
+      </p:sp>
+      <p:sp>
+        <p:nvSpPr>
+          <p:cNvPr id="14" name="텍스트 상자 13"/>
+          <p:cNvSpPr txBox="1"/>
+          <p:nvPr/>
+        </p:nvSpPr>
+        <p:spPr>
+          <a:xfrm>
+            <a:off x="3192159" y="4767291"/>
+            <a:ext cx="6105509" cy="523220"/>
+          </a:xfrm>
+          <a:prstGeom prst="rect">
+            <a:avLst/>
+          </a:prstGeom>
+          <a:noFill/>
+        </p:spPr>
+        <p:txBody>
+          <a:bodyPr wrap="square" rtlCol="0">
+            <a:spAutoFit/>
+          </a:bodyPr>
+          <a:lstStyle/>
+          <a:p>
+            <a:r>
+              <a:rPr kumimoji="1" lang="en-US" altLang="ko-KR" sz="2800" b="1" dirty="0" smtClean="0">
+                <a:latin typeface="+mj-ea"/>
+                <a:ea typeface="+mj-ea"/>
+              </a:rPr>
+              <a:t>3. </a:t>
             </a:r>
             <a:r>
               <a:rPr kumimoji="1" lang="en-US" altLang="ko-KR" sz="2800" b="1" dirty="0" err="1" smtClean="0">
@@ -6500,7 +6529,7 @@
         </p:blipFill>
         <p:spPr>
           <a:xfrm>
-            <a:off x="2402080" y="4234214"/>
+            <a:off x="2080108" y="4813761"/>
             <a:ext cx="938029" cy="1019972"/>
           </a:xfrm>
           <a:prstGeom prst="rect">
@@ -6530,7 +6559,7 @@
         </p:blipFill>
         <p:spPr>
           <a:xfrm>
-            <a:off x="2402081" y="2336548"/>
+            <a:off x="2080109" y="2091852"/>
             <a:ext cx="938029" cy="938029"/>
           </a:xfrm>
           <a:prstGeom prst="rect">
@@ -6540,13 +6569,125 @@
       </p:pic>
       <p:sp>
         <p:nvSpPr>
+          <p:cNvPr id="15" name="텍스트 상자 14"/>
+          <p:cNvSpPr txBox="1"/>
+          <p:nvPr/>
+        </p:nvSpPr>
+        <p:spPr>
+          <a:xfrm>
+            <a:off x="3374255" y="2372179"/>
+            <a:ext cx="6956861" cy="923330"/>
+          </a:xfrm>
+          <a:prstGeom prst="rect">
+            <a:avLst/>
+          </a:prstGeom>
+          <a:noFill/>
+        </p:spPr>
+        <p:txBody>
+          <a:bodyPr wrap="square" rtlCol="0">
+            <a:spAutoFit/>
+          </a:bodyPr>
+          <a:lstStyle/>
+          <a:p>
+            <a:r>
+              <a:rPr kumimoji="1" lang="ko-KR" altLang="en-US" b="1" dirty="0">
+                <a:solidFill>
+                  <a:srgbClr val="59606B"/>
+                </a:solidFill>
+              </a:rPr>
+              <a:t>슈팅게임의 묘미를 살려주는 탄막</a:t>
+            </a:r>
+            <a:endParaRPr kumimoji="1" lang="en-US" altLang="ko-KR" b="1" dirty="0">
+              <a:solidFill>
+                <a:srgbClr val="59606B"/>
+              </a:solidFill>
+            </a:endParaRPr>
+          </a:p>
+          <a:p>
+            <a:r>
+              <a:rPr kumimoji="1" lang="ko-KR" altLang="en-US" b="1" dirty="0">
+                <a:solidFill>
+                  <a:srgbClr val="59606B"/>
+                </a:solidFill>
+              </a:rPr>
+              <a:t>화려하고 아름다운 탄막을 </a:t>
+            </a:r>
+            <a:r>
+              <a:rPr kumimoji="1" lang="en-US" altLang="ko-KR" b="1" dirty="0">
+                <a:solidFill>
+                  <a:srgbClr val="59606B"/>
+                </a:solidFill>
+              </a:rPr>
+              <a:t>20</a:t>
+            </a:r>
+            <a:r>
+              <a:rPr kumimoji="1" lang="ko-KR" altLang="en-US" b="1" dirty="0">
+                <a:solidFill>
+                  <a:srgbClr val="59606B"/>
+                </a:solidFill>
+              </a:rPr>
+              <a:t>가지 이상 구상 및 구현</a:t>
+            </a:r>
+            <a:endParaRPr kumimoji="1" lang="en-US" altLang="ko-KR" b="1" dirty="0">
+              <a:solidFill>
+                <a:srgbClr val="59606B"/>
+              </a:solidFill>
+            </a:endParaRPr>
+          </a:p>
+          <a:p>
+            <a:r>
+              <a:rPr kumimoji="1" lang="ko-KR" altLang="en-US" b="1" dirty="0">
+                <a:solidFill>
+                  <a:srgbClr val="59606B"/>
+                </a:solidFill>
+              </a:rPr>
+              <a:t>유도탄</a:t>
+            </a:r>
+            <a:r>
+              <a:rPr kumimoji="1" lang="en-US" altLang="ko-KR" b="1" dirty="0">
+                <a:solidFill>
+                  <a:srgbClr val="59606B"/>
+                </a:solidFill>
+              </a:rPr>
+              <a:t>,</a:t>
+            </a:r>
+            <a:r>
+              <a:rPr kumimoji="1" lang="ko-KR" altLang="en-US" b="1" dirty="0">
+                <a:solidFill>
+                  <a:srgbClr val="59606B"/>
+                </a:solidFill>
+              </a:rPr>
+              <a:t> 회오리탄등 </a:t>
+            </a:r>
+            <a:r>
+              <a:rPr kumimoji="1" lang="ko-KR" altLang="en-US" b="1" u="sng" dirty="0"/>
+              <a:t>다양한 패턴</a:t>
+            </a:r>
+            <a:r>
+              <a:rPr kumimoji="1" lang="ko-KR" altLang="en-US" b="1" dirty="0">
+                <a:solidFill>
+                  <a:srgbClr val="59606B"/>
+                </a:solidFill>
+              </a:rPr>
+              <a:t>으로 긴장감을 유발</a:t>
+            </a:r>
+            <a:endParaRPr kumimoji="1" lang="en-US" altLang="ko-KR" b="1" dirty="0">
+              <a:solidFill>
+                <a:srgbClr val="59606B"/>
+              </a:solidFill>
+            </a:endParaRPr>
+          </a:p>
+        </p:txBody>
+      </p:sp>
+      <p:sp>
+        <p:nvSpPr>
           <p:cNvPr id="22" name="텍스트 상자 21"/>
           <p:cNvSpPr txBox="1"/>
           <p:nvPr/>
         </p:nvSpPr>
         <p:spPr>
           <a:xfrm>
-            <a:off x="3696228" y="4744200"/>
+            <a:off x="3374256" y="5323747"/>
             <a:ext cx="6464968" cy="923330"/>
           </a:xfrm>
           <a:prstGeom prst="rect">
@@ -6658,8 +6799,8 @@
         </p:nvSpPr>
         <p:spPr>
           <a:xfrm>
-            <a:off x="3696226" y="2734784"/>
-            <a:ext cx="7486251" cy="923330"/>
+            <a:off x="3374254" y="3932523"/>
+            <a:ext cx="7486251" cy="646331"/>
           </a:xfrm>
           <a:prstGeom prst="rect">
             <a:avLst/>
@@ -6678,38 +6819,23 @@
                   <a:srgbClr val="59606B"/>
                 </a:solidFill>
               </a:rPr>
-              <a:t>슈팅게임의 묘미를 살려주는 탄막</a:t>
-            </a:r>
-            <a:endParaRPr kumimoji="1" lang="en-US" altLang="ko-KR" b="1" dirty="0">
-              <a:solidFill>
-                <a:srgbClr val="59606B"/>
-              </a:solidFill>
-            </a:endParaRPr>
-          </a:p>
-          <a:p>
+              <a:t>실세계의 물리현상을 강조하여 탄막 피격시</a:t>
+            </a:r>
+            <a:r>
+              <a:rPr kumimoji="1" lang="en-US" altLang="ko-KR" b="1" dirty="0">
+                <a:solidFill>
+                  <a:srgbClr val="59606B"/>
+                </a:solidFill>
+              </a:rPr>
+              <a:t> </a:t>
+            </a:r>
             <a:r>
               <a:rPr kumimoji="1" lang="ko-KR" altLang="en-US" b="1" dirty="0" smtClean="0">
                 <a:solidFill>
                   <a:srgbClr val="59606B"/>
                 </a:solidFill>
               </a:rPr>
-              <a:t>화려하고 아름다운 탄막을 </a:t>
-            </a:r>
-            <a:r>
-              <a:rPr kumimoji="1" lang="en-US" altLang="ko-KR" b="1" dirty="0" smtClean="0">
-                <a:solidFill>
-                  <a:srgbClr val="59606B"/>
-                </a:solidFill>
-              </a:rPr>
-              <a:t>20</a:t>
-            </a:r>
-            <a:r>
-              <a:rPr kumimoji="1" lang="ko-KR" altLang="en-US" b="1" dirty="0" smtClean="0">
-                <a:solidFill>
-                  <a:srgbClr val="59606B"/>
-                </a:solidFill>
-              </a:rPr>
-              <a:t>가지 이상 구상 및 구현</a:t>
+              <a:t>영웅이 튕겨나가는 등</a:t>
             </a:r>
             <a:endParaRPr kumimoji="1" lang="en-US" altLang="ko-KR" b="1" dirty="0" smtClean="0">
               <a:solidFill>
@@ -6719,40 +6845,16 @@
           </a:p>
           <a:p>
             <a:r>
+              <a:rPr kumimoji="1" lang="ko-KR" altLang="en-US" b="1" u="sng" dirty="0" smtClean="0"/>
+              <a:t>다양한 물리효과를 구현</a:t>
+            </a:r>
+            <a:r>
               <a:rPr kumimoji="1" lang="ko-KR" altLang="en-US" b="1" dirty="0" smtClean="0">
                 <a:solidFill>
                   <a:srgbClr val="59606B"/>
                 </a:solidFill>
               </a:rPr>
-              <a:t>유도탄</a:t>
-            </a:r>
-            <a:r>
-              <a:rPr kumimoji="1" lang="en-US" altLang="ko-KR" b="1" dirty="0" smtClean="0">
-                <a:solidFill>
-                  <a:srgbClr val="59606B"/>
-                </a:solidFill>
-              </a:rPr>
-              <a:t>,</a:t>
-            </a:r>
-            <a:r>
-              <a:rPr kumimoji="1" lang="ko-KR" altLang="en-US" b="1" dirty="0" smtClean="0">
-                <a:solidFill>
-                  <a:srgbClr val="59606B"/>
-                </a:solidFill>
-              </a:rPr>
-              <a:t> 회오리탄등 </a:t>
-            </a:r>
-            <a:r>
-              <a:rPr kumimoji="1" lang="ko-KR" altLang="en-US" b="1" u="sng" dirty="0" smtClean="0"/>
-              <a:t>다양한 패턴</a:t>
-            </a:r>
-            <a:r>
-              <a:rPr kumimoji="1" lang="ko-KR" altLang="en-US" b="1" dirty="0" smtClean="0">
-                <a:solidFill>
-                  <a:srgbClr val="59606B"/>
-                </a:solidFill>
-              </a:rPr>
-              <a:t>으로 긴장감을 유발</a:t>
+              <a:t>함으로써 역동적인 게임을 구현</a:t>
             </a:r>
             <a:endParaRPr kumimoji="1" lang="en-US" altLang="ko-KR" b="1" dirty="0" smtClean="0">
               <a:solidFill>
@@ -6762,10 +6864,40 @@
           </a:p>
         </p:txBody>
       </p:sp>
+      <p:pic>
+        <p:nvPicPr>
+          <p:cNvPr id="7" name="그림 6"/>
+          <p:cNvPicPr>
+            <a:picLocks noChangeAspect="1"/>
+          </p:cNvPicPr>
+          <p:nvPr/>
+        </p:nvPicPr>
+        <p:blipFill>
+          <a:blip r:embed="rId4">
+            <a:extLst>
+              <a:ext uri="{28A0092B-C50C-407E-A947-70E740481C1C}">
+                <a14:useLocalDpi xmlns:a14="http://schemas.microsoft.com/office/drawing/2010/main" val="0"/>
+              </a:ext>
+            </a:extLst>
+          </a:blip>
+          <a:stretch>
+            <a:fillRect/>
+          </a:stretch>
+        </p:blipFill>
+        <p:spPr>
+          <a:xfrm>
+            <a:off x="2031597" y="3339901"/>
+            <a:ext cx="1035050" cy="1035050"/>
+          </a:xfrm>
+          <a:prstGeom prst="rect">
+            <a:avLst/>
+          </a:prstGeom>
+        </p:spPr>
+      </p:pic>
     </p:spTree>
     <p:extLst>
       <p:ext uri="{BB962C8B-B14F-4D97-AF65-F5344CB8AC3E}">
-        <p14:creationId xmlns:p14="http://schemas.microsoft.com/office/powerpoint/2010/main" val="363312936"/>
+        <p14:creationId xmlns:p14="http://schemas.microsoft.com/office/powerpoint/2010/main" val="569683648"/>
       </p:ext>
     </p:extLst>
   </p:cSld>
@@ -7445,17 +7577,7 @@
                 <a:latin typeface="+mj-ea"/>
                 <a:ea typeface="+mj-ea"/>
               </a:rPr>
-              <a:t>MS Visual Studio </a:t>
-            </a:r>
-            <a:r>
-              <a:rPr kumimoji="1" lang="en-US" altLang="ko-KR" sz="2400" b="1" dirty="0" smtClean="0">
-                <a:solidFill>
-                  <a:srgbClr val="59606B"/>
-                </a:solidFill>
-                <a:latin typeface="+mj-ea"/>
-                <a:ea typeface="+mj-ea"/>
-              </a:rPr>
-              <a:t>17</a:t>
+              <a:t>DirectX 11</a:t>
             </a:r>
             <a:endParaRPr kumimoji="1" lang="ko-KR" altLang="en-US" sz="2400" b="1" dirty="0">
               <a:solidFill>
@@ -7490,14 +7612,54 @@
           <a:lstStyle/>
           <a:p>
             <a:r>
-              <a:rPr kumimoji="1" lang="en-US" altLang="ko-KR" sz="2400" b="1" dirty="0" smtClean="0">
+              <a:rPr kumimoji="1" lang="en-US" altLang="ko-KR" sz="2400" b="1" dirty="0">
+                <a:solidFill>
+                  <a:srgbClr val="59606B"/>
+                </a:solidFill>
+                <a:latin typeface="+mj-ea"/>
+              </a:rPr>
+              <a:t>MS Visual Studio 17</a:t>
+            </a:r>
+            <a:endParaRPr kumimoji="1" lang="ko-KR" altLang="en-US" sz="2400" b="1" dirty="0">
+              <a:solidFill>
+                <a:srgbClr val="59606B"/>
+              </a:solidFill>
+              <a:latin typeface="+mj-ea"/>
+            </a:endParaRPr>
+          </a:p>
+        </p:txBody>
+      </p:sp>
+      <p:sp>
+        <p:nvSpPr>
+          <p:cNvPr id="19" name="텍스트 상자 18"/>
+          <p:cNvSpPr txBox="1"/>
+          <p:nvPr/>
+        </p:nvSpPr>
+        <p:spPr>
+          <a:xfrm>
+            <a:off x="1978660" y="4310143"/>
+            <a:ext cx="6105509" cy="461665"/>
+          </a:xfrm>
+          <a:prstGeom prst="rect">
+            <a:avLst/>
+          </a:prstGeom>
+          <a:noFill/>
+        </p:spPr>
+        <p:txBody>
+          <a:bodyPr wrap="square" rtlCol="0">
+            <a:spAutoFit/>
+          </a:bodyPr>
+          <a:lstStyle/>
+          <a:p>
+            <a:r>
+              <a:rPr kumimoji="1" lang="en-US" altLang="ko-KR" sz="2400" b="1" dirty="0" err="1" smtClean="0">
                 <a:solidFill>
                   <a:srgbClr val="59606B"/>
                 </a:solidFill>
                 <a:latin typeface="+mj-ea"/>
                 <a:ea typeface="+mj-ea"/>
               </a:rPr>
-              <a:t>DirectX </a:t>
+              <a:t>WebStorm</a:t>
             </a:r>
             <a:r>
               <a:rPr kumimoji="1" lang="en-US" altLang="ko-KR" sz="2400" b="1" dirty="0" smtClean="0">
@@ -7507,7 +7669,17 @@
                 <a:latin typeface="+mj-ea"/>
                 <a:ea typeface="+mj-ea"/>
               </a:rPr>
-              <a:t>11</a:t>
+              <a:t> 17, </a:t>
+            </a:r>
+            <a:r>
+              <a:rPr kumimoji="1" lang="en-US" altLang="ko-KR" sz="2400" b="1" dirty="0" err="1" smtClean="0">
+                <a:solidFill>
+                  <a:srgbClr val="59606B"/>
+                </a:solidFill>
+                <a:latin typeface="+mj-ea"/>
+                <a:ea typeface="+mj-ea"/>
+              </a:rPr>
+              <a:t>RoboMongo</a:t>
             </a:r>
             <a:endParaRPr kumimoji="1" lang="ko-KR" altLang="en-US" sz="2400" b="1" dirty="0">
               <a:solidFill>
@@ -7521,13 +7693,13 @@
       </p:sp>
       <p:sp>
         <p:nvSpPr>
-          <p:cNvPr id="19" name="텍스트 상자 18"/>
+          <p:cNvPr id="22" name="텍스트 상자 21"/>
           <p:cNvSpPr txBox="1"/>
           <p:nvPr/>
         </p:nvSpPr>
         <p:spPr>
           <a:xfrm>
-            <a:off x="1978660" y="4310143"/>
+            <a:off x="1978660" y="5140763"/>
             <a:ext cx="6105509" cy="461665"/>
           </a:xfrm>
           <a:prstGeom prst="rect">
@@ -7542,44 +7714,34 @@
           <a:lstStyle/>
           <a:p>
             <a:r>
-              <a:rPr kumimoji="1" lang="en-US" altLang="ko-KR" sz="2400" b="1" dirty="0" err="1" smtClean="0">
+              <a:rPr kumimoji="1" lang="en-US" altLang="ko-KR" sz="2400" b="1" dirty="0" smtClean="0">
                 <a:solidFill>
                   <a:srgbClr val="59606B"/>
                 </a:solidFill>
                 <a:latin typeface="+mj-ea"/>
                 <a:ea typeface="+mj-ea"/>
               </a:rPr>
-              <a:t>NodeJS</a:t>
-            </a:r>
-            <a:r>
-              <a:rPr kumimoji="1" lang="en-US" altLang="ko-KR" sz="2400" b="1" dirty="0" smtClean="0">
+              <a:t>3ds MAX 2016, Photo</a:t>
+            </a:r>
+            <a:r>
+              <a:rPr kumimoji="1" lang="en-US" altLang="ko-KR" sz="2400" b="1" dirty="0">
                 <a:solidFill>
                   <a:srgbClr val="59606B"/>
                 </a:solidFill>
                 <a:latin typeface="+mj-ea"/>
                 <a:ea typeface="+mj-ea"/>
               </a:rPr>
-              <a:t>, </a:t>
-            </a:r>
-            <a:r>
-              <a:rPr kumimoji="1" lang="en-US" altLang="ko-KR" sz="2400" b="1" dirty="0" err="1" smtClean="0">
+              <a:t>s</a:t>
+            </a:r>
+            <a:r>
+              <a:rPr kumimoji="1" lang="en-US" altLang="ko-KR" sz="2400" b="1" dirty="0" smtClean="0">
                 <a:solidFill>
                   <a:srgbClr val="59606B"/>
                 </a:solidFill>
                 <a:latin typeface="+mj-ea"/>
                 <a:ea typeface="+mj-ea"/>
               </a:rPr>
-              <a:t>socketIO</a:t>
-            </a:r>
-            <a:r>
-              <a:rPr kumimoji="1" lang="en-US" altLang="ko-KR" sz="2400" b="1" dirty="0" smtClean="0">
-                <a:solidFill>
-                  <a:srgbClr val="59606B"/>
-                </a:solidFill>
-                <a:latin typeface="+mj-ea"/>
-                <a:ea typeface="+mj-ea"/>
-              </a:rPr>
-              <a:t>, MongoDB</a:t>
+              <a:t>hop</a:t>
             </a:r>
             <a:endParaRPr kumimoji="1" lang="ko-KR" altLang="en-US" sz="2400" b="1" dirty="0">
               <a:solidFill>
@@ -7593,13 +7755,13 @@
       </p:sp>
       <p:sp>
         <p:nvSpPr>
-          <p:cNvPr id="22" name="텍스트 상자 21"/>
+          <p:cNvPr id="23" name="텍스트 상자 22"/>
           <p:cNvSpPr txBox="1"/>
           <p:nvPr/>
         </p:nvSpPr>
         <p:spPr>
           <a:xfrm>
-            <a:off x="1978660" y="5140763"/>
+            <a:off x="1978660" y="5924383"/>
             <a:ext cx="6105509" cy="461665"/>
           </a:xfrm>
           <a:prstGeom prst="rect">
@@ -7614,34 +7776,34 @@
           <a:lstStyle/>
           <a:p>
             <a:r>
-              <a:rPr kumimoji="1" lang="en-US" altLang="ko-KR" sz="2400" b="1" dirty="0" smtClean="0">
+              <a:rPr kumimoji="1" lang="en-US" altLang="ko-KR" sz="2400" b="1" dirty="0" err="1" smtClean="0">
                 <a:solidFill>
                   <a:srgbClr val="59606B"/>
                 </a:solidFill>
                 <a:latin typeface="+mj-ea"/>
                 <a:ea typeface="+mj-ea"/>
               </a:rPr>
-              <a:t>3ds MAX 2016, Photo</a:t>
-            </a:r>
-            <a:r>
-              <a:rPr kumimoji="1" lang="en-US" altLang="ko-KR" sz="2400" b="1" dirty="0">
+              <a:t>Github</a:t>
+            </a:r>
+            <a:r>
+              <a:rPr kumimoji="1" lang="en-US" altLang="ko-KR" sz="2400" b="1" dirty="0" smtClean="0">
                 <a:solidFill>
                   <a:srgbClr val="59606B"/>
                 </a:solidFill>
                 <a:latin typeface="+mj-ea"/>
                 <a:ea typeface="+mj-ea"/>
               </a:rPr>
-              <a:t>s</a:t>
-            </a:r>
-            <a:r>
-              <a:rPr kumimoji="1" lang="en-US" altLang="ko-KR" sz="2400" b="1" dirty="0" smtClean="0">
+              <a:t>, Trello, </a:t>
+            </a:r>
+            <a:r>
+              <a:rPr kumimoji="1" lang="en-US" altLang="ko-KR" sz="2400" b="1" dirty="0" err="1" smtClean="0">
                 <a:solidFill>
                   <a:srgbClr val="59606B"/>
                 </a:solidFill>
                 <a:latin typeface="+mj-ea"/>
                 <a:ea typeface="+mj-ea"/>
               </a:rPr>
-              <a:t>hop</a:t>
+              <a:t>KakaoTalk</a:t>
             </a:r>
             <a:endParaRPr kumimoji="1" lang="ko-KR" altLang="en-US" sz="2400" b="1" dirty="0">
               <a:solidFill>
@@ -7655,13 +7817,13 @@
       </p:sp>
       <p:sp>
         <p:nvSpPr>
-          <p:cNvPr id="23" name="텍스트 상자 22"/>
+          <p:cNvPr id="24" name="텍스트 상자 23"/>
           <p:cNvSpPr txBox="1"/>
           <p:nvPr/>
         </p:nvSpPr>
         <p:spPr>
           <a:xfrm>
-            <a:off x="1978660" y="5924383"/>
+            <a:off x="1978660" y="3931935"/>
             <a:ext cx="6105509" cy="461665"/>
           </a:xfrm>
           <a:prstGeom prst="rect">
@@ -7676,103 +7838,46 @@
           <a:lstStyle/>
           <a:p>
             <a:r>
-              <a:rPr kumimoji="1" lang="en-US" altLang="ko-KR" sz="2400" b="1" dirty="0" err="1" smtClean="0">
+              <a:rPr kumimoji="1" lang="en-US" altLang="ko-KR" sz="2400" b="1" dirty="0" err="1">
                 <a:solidFill>
                   <a:srgbClr val="59606B"/>
                 </a:solidFill>
                 <a:latin typeface="+mj-ea"/>
-                <a:ea typeface="+mj-ea"/>
-              </a:rPr>
-              <a:t>Github</a:t>
-            </a:r>
-            <a:r>
-              <a:rPr kumimoji="1" lang="en-US" altLang="ko-KR" sz="2400" b="1" dirty="0" smtClean="0">
+              </a:rPr>
+              <a:t>NodeJS</a:t>
+            </a:r>
+            <a:r>
+              <a:rPr kumimoji="1" lang="en-US" altLang="ko-KR" sz="2400" b="1" dirty="0">
                 <a:solidFill>
                   <a:srgbClr val="59606B"/>
                 </a:solidFill>
                 <a:latin typeface="+mj-ea"/>
-                <a:ea typeface="+mj-ea"/>
-              </a:rPr>
-              <a:t>, Trello, </a:t>
-            </a:r>
-            <a:r>
-              <a:rPr kumimoji="1" lang="en-US" altLang="ko-KR" sz="2400" b="1" dirty="0" err="1" smtClean="0">
+              </a:rPr>
+              <a:t>, </a:t>
+            </a:r>
+            <a:r>
+              <a:rPr kumimoji="1" lang="en-US" altLang="ko-KR" sz="2400" b="1" dirty="0" err="1">
                 <a:solidFill>
                   <a:srgbClr val="59606B"/>
                 </a:solidFill>
                 <a:latin typeface="+mj-ea"/>
-                <a:ea typeface="+mj-ea"/>
-              </a:rPr>
-              <a:t>KakaoTalk</a:t>
+              </a:rPr>
+              <a:t>socketIO</a:t>
+            </a:r>
+            <a:r>
+              <a:rPr kumimoji="1" lang="en-US" altLang="ko-KR" sz="2400" b="1" dirty="0">
+                <a:solidFill>
+                  <a:srgbClr val="59606B"/>
+                </a:solidFill>
+                <a:latin typeface="+mj-ea"/>
+              </a:rPr>
+              <a:t>, MongoDB</a:t>
             </a:r>
             <a:endParaRPr kumimoji="1" lang="ko-KR" altLang="en-US" sz="2400" b="1" dirty="0">
               <a:solidFill>
                 <a:srgbClr val="59606B"/>
               </a:solidFill>
               <a:latin typeface="+mj-ea"/>
-              <a:ea typeface="+mj-ea"/>
-            </a:endParaRPr>
-          </a:p>
-        </p:txBody>
-      </p:sp>
-      <p:sp>
-        <p:nvSpPr>
-          <p:cNvPr id="24" name="텍스트 상자 23"/>
-          <p:cNvSpPr txBox="1"/>
-          <p:nvPr/>
-        </p:nvSpPr>
-        <p:spPr>
-          <a:xfrm>
-            <a:off x="1978660" y="3931935"/>
-            <a:ext cx="6105509" cy="461665"/>
-          </a:xfrm>
-          <a:prstGeom prst="rect">
-            <a:avLst/>
-          </a:prstGeom>
-          <a:noFill/>
-        </p:spPr>
-        <p:txBody>
-          <a:bodyPr wrap="square" rtlCol="0">
-            <a:spAutoFit/>
-          </a:bodyPr>
-          <a:lstStyle/>
-          <a:p>
-            <a:r>
-              <a:rPr kumimoji="1" lang="en-US" altLang="ko-KR" sz="2400" b="1" dirty="0" err="1" smtClean="0">
-                <a:solidFill>
-                  <a:srgbClr val="59606B"/>
-                </a:solidFill>
-                <a:latin typeface="+mj-ea"/>
-                <a:ea typeface="+mj-ea"/>
-              </a:rPr>
-              <a:t>WebStorm</a:t>
-            </a:r>
-            <a:r>
-              <a:rPr kumimoji="1" lang="en-US" altLang="ko-KR" sz="2400" b="1" dirty="0" smtClean="0">
-                <a:solidFill>
-                  <a:srgbClr val="59606B"/>
-                </a:solidFill>
-                <a:latin typeface="+mj-ea"/>
-                <a:ea typeface="+mj-ea"/>
-              </a:rPr>
-              <a:t> 17, </a:t>
-            </a:r>
-            <a:r>
-              <a:rPr kumimoji="1" lang="en-US" altLang="ko-KR" sz="2400" b="1" dirty="0" err="1" smtClean="0">
-                <a:solidFill>
-                  <a:srgbClr val="59606B"/>
-                </a:solidFill>
-                <a:latin typeface="+mj-ea"/>
-                <a:ea typeface="+mj-ea"/>
-              </a:rPr>
-              <a:t>RoboMongo</a:t>
-            </a:r>
-            <a:endParaRPr kumimoji="1" lang="ko-KR" altLang="en-US" sz="2400" b="1" dirty="0">
-              <a:solidFill>
-                <a:srgbClr val="59606B"/>
-              </a:solidFill>
-              <a:latin typeface="+mj-ea"/>
-              <a:ea typeface="+mj-ea"/>
             </a:endParaRPr>
           </a:p>
         </p:txBody>
@@ -10032,27 +10137,7 @@
                   </a:schemeClr>
                 </a:solidFill>
               </a:rPr>
-              <a:t>D</a:t>
-            </a:r>
-            <a:r>
-              <a:rPr kumimoji="1" lang="en-US" altLang="ko-KR" sz="3200" b="1" dirty="0" smtClean="0">
-                <a:solidFill>
-                  <a:schemeClr val="bg1">
-                    <a:lumMod val="75000"/>
-                  </a:schemeClr>
-                </a:solidFill>
-              </a:rPr>
-              <a:t>ir</a:t>
-            </a:r>
-            <a:r>
-              <a:rPr kumimoji="1" lang="en-US" altLang="ko-KR" sz="3200" b="1" dirty="0" smtClean="0">
-                <a:solidFill>
-                  <a:schemeClr val="bg1">
-                    <a:lumMod val="75000"/>
-                  </a:schemeClr>
-                </a:solidFill>
-              </a:rPr>
-              <a:t>ectX </a:t>
+              <a:t>DirectX </a:t>
             </a:r>
             <a:r>
               <a:rPr kumimoji="1" lang="en-US" altLang="ko-KR" sz="3200" b="1" dirty="0">
@@ -10615,8 +10700,8 @@
   <p:transition spd="slow">
     <p:push dir="u"/>
   </p:transition>
-  <mc:AlternateContent xmlns:mc="http://schemas.openxmlformats.org/markup-compatibility/2006">
-    <mc:Choice xmlns:p14="http://schemas.microsoft.com/office/powerpoint/2010/main" Requires="p14">
+  <mc:AlternateContent xmlns:mc="http://schemas.openxmlformats.org/markup-compatibility/2006" xmlns:p14="http://schemas.microsoft.com/office/powerpoint/2010/main">
+    <mc:Choice Requires="p14">
       <p:timing>
         <p:tnLst>
           <p:par>
@@ -10946,7 +11031,7 @@
         </p:bldLst>
       </p:timing>
     </mc:Choice>
-    <mc:Fallback>
+    <mc:Fallback xmlns="">
       <p:timing>
         <p:tnLst>
           <p:par>
@@ -13886,7 +13971,7 @@
                   <a:latin typeface="+mj-ea"/>
                   <a:ea typeface="+mj-ea"/>
                 </a:rPr>
-                <a:t>2016</a:t>
+                <a:t>2017</a:t>
               </a:r>
               <a:endParaRPr kumimoji="1" lang="en-US" altLang="ko-KR" sz="1400" dirty="0">
                 <a:solidFill>
@@ -13899,7 +13984,7 @@
             <a:p>
               <a:pPr algn="ctr"/>
               <a:r>
-                <a:rPr kumimoji="1" lang="en-US" altLang="ko-KR" dirty="0">
+                <a:rPr kumimoji="1" lang="en-US" altLang="ko-KR" dirty="0" smtClean="0">
                   <a:solidFill>
                     <a:schemeClr val="tx1"/>
                   </a:solidFill>
@@ -14030,7 +14115,7 @@
                   <a:latin typeface="+mj-ea"/>
                   <a:ea typeface="+mj-ea"/>
                 </a:rPr>
-                <a:t>2017</a:t>
+                <a:t>2018</a:t>
               </a:r>
               <a:endParaRPr kumimoji="1" lang="en-US" altLang="ko-KR" sz="1400" dirty="0">
                 <a:solidFill>
@@ -17292,7 +17377,7 @@
                   <a:latin typeface="+mj-ea"/>
                   <a:ea typeface="+mj-ea"/>
                 </a:rPr>
-                <a:t>2016</a:t>
+                <a:t>2017</a:t>
               </a:r>
               <a:endParaRPr kumimoji="1" lang="en-US" altLang="ko-KR" sz="1400" dirty="0">
                 <a:solidFill>
@@ -17436,7 +17521,7 @@
                   <a:latin typeface="+mj-ea"/>
                   <a:ea typeface="+mj-ea"/>
                 </a:rPr>
-                <a:t>2017</a:t>
+                <a:t>2018</a:t>
               </a:r>
               <a:endParaRPr kumimoji="1" lang="en-US" altLang="ko-KR" sz="1400" dirty="0">
                 <a:solidFill>
@@ -19654,125 +19739,6 @@
           </a:fontRef>
         </p:style>
       </p:cxnSp>
-      <p:grpSp>
-        <p:nvGrpSpPr>
-          <p:cNvPr id="20" name="그룹 19"/>
-          <p:cNvGrpSpPr/>
-          <p:nvPr/>
-        </p:nvGrpSpPr>
-        <p:grpSpPr>
-          <a:xfrm>
-            <a:off x="103928" y="4519639"/>
-            <a:ext cx="2208643" cy="2087223"/>
-            <a:chOff x="103928" y="4519639"/>
-            <a:chExt cx="2208643" cy="2087223"/>
-          </a:xfrm>
-        </p:grpSpPr>
-        <p:pic>
-          <p:nvPicPr>
-            <p:cNvPr id="2" name="그림 1"/>
-            <p:cNvPicPr>
-              <a:picLocks noChangeAspect="1"/>
-            </p:cNvPicPr>
-            <p:nvPr/>
-          </p:nvPicPr>
-          <p:blipFill>
-            <a:blip r:embed="rId2" cstate="print">
-              <a:extLst>
-                <a:ext uri="{28A0092B-C50C-407E-A947-70E740481C1C}">
-                  <a14:useLocalDpi xmlns:a14="http://schemas.microsoft.com/office/drawing/2010/main" val="0"/>
-                </a:ext>
-              </a:extLst>
-            </a:blip>
-            <a:stretch>
-              <a:fillRect/>
-            </a:stretch>
-          </p:blipFill>
-          <p:spPr>
-            <a:xfrm>
-              <a:off x="103928" y="4521484"/>
-              <a:ext cx="1262019" cy="1010744"/>
-            </a:xfrm>
-            <a:prstGeom prst="rect">
-              <a:avLst/>
-            </a:prstGeom>
-            <a:ln>
-              <a:solidFill>
-                <a:srgbClr val="00B0F0"/>
-              </a:solidFill>
-            </a:ln>
-          </p:spPr>
-        </p:pic>
-        <p:pic>
-          <p:nvPicPr>
-            <p:cNvPr id="3" name="그림 2"/>
-            <p:cNvPicPr>
-              <a:picLocks noChangeAspect="1"/>
-            </p:cNvPicPr>
-            <p:nvPr/>
-          </p:nvPicPr>
-          <p:blipFill>
-            <a:blip r:embed="rId3" cstate="print">
-              <a:extLst>
-                <a:ext uri="{28A0092B-C50C-407E-A947-70E740481C1C}">
-                  <a14:useLocalDpi xmlns:a14="http://schemas.microsoft.com/office/drawing/2010/main" val="0"/>
-                </a:ext>
-              </a:extLst>
-            </a:blip>
-            <a:stretch>
-              <a:fillRect/>
-            </a:stretch>
-          </p:blipFill>
-          <p:spPr>
-            <a:xfrm>
-              <a:off x="1326777" y="4519639"/>
-              <a:ext cx="985794" cy="1012589"/>
-            </a:xfrm>
-            <a:prstGeom prst="rect">
-              <a:avLst/>
-            </a:prstGeom>
-            <a:ln>
-              <a:solidFill>
-                <a:srgbClr val="00B0F0"/>
-              </a:solidFill>
-            </a:ln>
-          </p:spPr>
-        </p:pic>
-        <p:pic>
-          <p:nvPicPr>
-            <p:cNvPr id="19" name="그림 18"/>
-            <p:cNvPicPr>
-              <a:picLocks noChangeAspect="1"/>
-            </p:cNvPicPr>
-            <p:nvPr/>
-          </p:nvPicPr>
-          <p:blipFill rotWithShape="1">
-            <a:blip r:embed="rId4" cstate="print">
-              <a:extLst>
-                <a:ext uri="{28A0092B-C50C-407E-A947-70E740481C1C}">
-                  <a14:useLocalDpi xmlns:a14="http://schemas.microsoft.com/office/drawing/2010/main" val="0"/>
-                </a:ext>
-              </a:extLst>
-            </a:blip>
-            <a:srcRect b="8851"/>
-            <a:stretch/>
-          </p:blipFill>
-          <p:spPr>
-            <a:xfrm>
-              <a:off x="103929" y="5525779"/>
-              <a:ext cx="2208642" cy="1081083"/>
-            </a:xfrm>
-            <a:prstGeom prst="rect">
-              <a:avLst/>
-            </a:prstGeom>
-            <a:ln>
-              <a:solidFill>
-                <a:srgbClr val="00B0F0"/>
-              </a:solidFill>
-            </a:ln>
-          </p:spPr>
-        </p:pic>
-      </p:grpSp>
       <p:sp>
         <p:nvSpPr>
           <p:cNvPr id="23" name="모서리가 둥근 직사각형 22"/>
@@ -19781,8 +19747,8 @@
         </p:nvSpPr>
         <p:spPr>
           <a:xfrm>
-            <a:off x="0" y="2730010"/>
-            <a:ext cx="3339069" cy="563163"/>
+            <a:off x="-321972" y="2730010"/>
+            <a:ext cx="3661041" cy="563163"/>
           </a:xfrm>
           <a:prstGeom prst="roundRect">
             <a:avLst/>
@@ -19930,7 +19896,7 @@
                   <a:latin typeface="+mj-ea"/>
                   <a:ea typeface="+mj-ea"/>
                 </a:rPr>
-                <a:t>2016</a:t>
+                <a:t>2017</a:t>
               </a:r>
               <a:endParaRPr kumimoji="1" lang="en-US" altLang="ko-KR" dirty="0">
                 <a:solidFill>
@@ -20074,7 +20040,7 @@
                   <a:latin typeface="+mj-ea"/>
                   <a:ea typeface="+mj-ea"/>
                 </a:rPr>
-                <a:t>2017</a:t>
+                <a:t>2018</a:t>
               </a:r>
               <a:endParaRPr kumimoji="1" lang="en-US" altLang="ko-KR" dirty="0">
                 <a:solidFill>
@@ -21131,6 +21097,40 @@
           </a:p>
         </p:txBody>
       </p:sp>
+      <p:pic>
+        <p:nvPicPr>
+          <p:cNvPr id="4" name="그림 3"/>
+          <p:cNvPicPr>
+            <a:picLocks noChangeAspect="1"/>
+          </p:cNvPicPr>
+          <p:nvPr/>
+        </p:nvPicPr>
+        <p:blipFill rotWithShape="1">
+          <a:blip r:embed="rId2">
+            <a:extLst>
+              <a:ext uri="{28A0092B-C50C-407E-A947-70E740481C1C}">
+                <a14:useLocalDpi xmlns:a14="http://schemas.microsoft.com/office/drawing/2010/main" val="0"/>
+              </a:ext>
+            </a:extLst>
+          </a:blip>
+          <a:srcRect l="10602" t="12367" r="28023" b="22893"/>
+          <a:stretch/>
+        </p:blipFill>
+        <p:spPr>
+          <a:xfrm>
+            <a:off x="230245" y="4525913"/>
+            <a:ext cx="2188318" cy="1297767"/>
+          </a:xfrm>
+          <a:prstGeom prst="rect">
+            <a:avLst/>
+          </a:prstGeom>
+          <a:ln>
+            <a:solidFill>
+              <a:schemeClr val="accent1"/>
+            </a:solidFill>
+          </a:ln>
+        </p:spPr>
+      </p:pic>
     </p:spTree>
     <p:extLst>
       <p:ext uri="{BB962C8B-B14F-4D97-AF65-F5344CB8AC3E}">
@@ -30745,7 +30745,7 @@
                 <a:latin typeface="+mj-ea"/>
                 <a:ea typeface="+mj-ea"/>
               </a:rPr>
-              <a:t>2</a:t>
+              <a:t>300m </a:t>
             </a:r>
             <a:r>
               <a:rPr kumimoji="1" lang="en-US" altLang="ko-KR" sz="2800" b="1" dirty="0">
@@ -30755,7 +30755,7 @@
                 <a:latin typeface="+mj-ea"/>
                 <a:ea typeface="+mj-ea"/>
               </a:rPr>
-              <a:t>5</a:t>
+              <a:t>x </a:t>
             </a:r>
             <a:r>
               <a:rPr kumimoji="1" lang="en-US" altLang="ko-KR" sz="2800" b="1" dirty="0" smtClean="0">
@@ -30765,27 +30765,7 @@
                 <a:latin typeface="+mj-ea"/>
                 <a:ea typeface="+mj-ea"/>
               </a:rPr>
-              <a:t>0m </a:t>
-            </a:r>
-            <a:r>
-              <a:rPr kumimoji="1" lang="en-US" altLang="ko-KR" sz="2800" b="1" dirty="0">
-                <a:solidFill>
-                  <a:srgbClr val="59606B"/>
-                </a:solidFill>
-                <a:latin typeface="+mj-ea"/>
-                <a:ea typeface="+mj-ea"/>
-              </a:rPr>
-              <a:t>x </a:t>
-            </a:r>
-            <a:r>
-              <a:rPr kumimoji="1" lang="en-US" altLang="ko-KR" sz="2800" b="1" dirty="0" smtClean="0">
-                <a:solidFill>
-                  <a:srgbClr val="59606B"/>
-                </a:solidFill>
-                <a:latin typeface="+mj-ea"/>
-                <a:ea typeface="+mj-ea"/>
-              </a:rPr>
-              <a:t>250m</a:t>
+              <a:t>300m</a:t>
             </a:r>
             <a:r>
               <a:rPr kumimoji="1" lang="ko-KR" altLang="en-US" sz="2800" b="1" dirty="0" smtClean="0">

--- a/BossLocker_김홍일_양태윤_조소연.pptx
+++ b/BossLocker_김홍일_양태윤_조소연.pptx
@@ -543,7 +543,7 @@
           <a:bodyPr/>
           <a:lstStyle/>
           <a:p>
-            <a:endParaRPr kumimoji="1" lang="ko-KR" altLang="en-US" dirty="0"/>
+            <a:endParaRPr kumimoji="1" lang="ko-KR" altLang="en-US"/>
           </a:p>
         </p:txBody>
       </p:sp>
@@ -562,6 +562,90 @@
           <a:bodyPr/>
           <a:lstStyle/>
           <a:p>
+            <a:fld id="{96FC2CF3-D289-43D2-8DEA-1391A6D27853}" type="slidenum">
+              <a:rPr lang="ko-KR" altLang="en-US" smtClean="0"/>
+              <a:t>1</a:t>
+            </a:fld>
+            <a:endParaRPr lang="ko-KR" altLang="en-US"/>
+          </a:p>
+        </p:txBody>
+      </p:sp>
+    </p:spTree>
+    <p:extLst>
+      <p:ext uri="{BB962C8B-B14F-4D97-AF65-F5344CB8AC3E}">
+        <p14:creationId xmlns:p14="http://schemas.microsoft.com/office/powerpoint/2010/main" val="1239894409"/>
+      </p:ext>
+    </p:extLst>
+  </p:cSld>
+  <p:clrMapOvr>
+    <a:masterClrMapping/>
+  </p:clrMapOvr>
+</p:notes>
+</file>
+
+<file path=ppt/notesSlides/notesSlide2.xml><?xml version="1.0" encoding="utf-8"?>
+<p:notes xmlns:a="http://schemas.openxmlformats.org/drawingml/2006/main" xmlns:r="http://schemas.openxmlformats.org/officeDocument/2006/relationships" xmlns:p="http://schemas.openxmlformats.org/presentationml/2006/main">
+  <p:cSld>
+    <p:spTree>
+      <p:nvGrpSpPr>
+        <p:cNvPr id="1" name=""/>
+        <p:cNvGrpSpPr/>
+        <p:nvPr/>
+      </p:nvGrpSpPr>
+      <p:grpSpPr>
+        <a:xfrm>
+          <a:off x="0" y="0"/>
+          <a:ext cx="0" cy="0"/>
+          <a:chOff x="0" y="0"/>
+          <a:chExt cx="0" cy="0"/>
+        </a:xfrm>
+      </p:grpSpPr>
+      <p:sp>
+        <p:nvSpPr>
+          <p:cNvPr id="2" name="슬라이드 이미지 개체 틀 1"/>
+          <p:cNvSpPr>
+            <a:spLocks noGrp="1" noRot="1" noChangeAspect="1"/>
+          </p:cNvSpPr>
+          <p:nvPr>
+            <p:ph type="sldImg"/>
+          </p:nvPr>
+        </p:nvSpPr>
+        <p:spPr/>
+      </p:sp>
+      <p:sp>
+        <p:nvSpPr>
+          <p:cNvPr id="3" name="슬라이드 노트 개체 틀 2"/>
+          <p:cNvSpPr>
+            <a:spLocks noGrp="1"/>
+          </p:cNvSpPr>
+          <p:nvPr>
+            <p:ph type="body" idx="1"/>
+          </p:nvPr>
+        </p:nvSpPr>
+        <p:spPr/>
+        <p:txBody>
+          <a:bodyPr/>
+          <a:lstStyle/>
+          <a:p>
+            <a:endParaRPr kumimoji="1" lang="ko-KR" altLang="en-US" dirty="0"/>
+          </a:p>
+        </p:txBody>
+      </p:sp>
+      <p:sp>
+        <p:nvSpPr>
+          <p:cNvPr id="4" name="슬라이드 번호 개체 틀 3"/>
+          <p:cNvSpPr>
+            <a:spLocks noGrp="1"/>
+          </p:cNvSpPr>
+          <p:nvPr>
+            <p:ph type="sldNum" sz="quarter" idx="10"/>
+          </p:nvPr>
+        </p:nvSpPr>
+        <p:spPr/>
+        <p:txBody>
+          <a:bodyPr/>
+          <a:lstStyle/>
+          <a:p>
             <a:fld id="{D39C498E-0BA9-4748-85A3-59023D192E99}" type="slidenum">
               <a:rPr kumimoji="1" lang="ko-KR" altLang="en-US" smtClean="0"/>
               <a:t>15</a:t>
@@ -574,6 +658,90 @@
     <p:extLst>
       <p:ext uri="{BB962C8B-B14F-4D97-AF65-F5344CB8AC3E}">
         <p14:creationId xmlns:p14="http://schemas.microsoft.com/office/powerpoint/2010/main" val="1649884953"/>
+      </p:ext>
+    </p:extLst>
+  </p:cSld>
+  <p:clrMapOvr>
+    <a:masterClrMapping/>
+  </p:clrMapOvr>
+</p:notes>
+</file>
+
+<file path=ppt/notesSlides/notesSlide3.xml><?xml version="1.0" encoding="utf-8"?>
+<p:notes xmlns:a="http://schemas.openxmlformats.org/drawingml/2006/main" xmlns:r="http://schemas.openxmlformats.org/officeDocument/2006/relationships" xmlns:p="http://schemas.openxmlformats.org/presentationml/2006/main">
+  <p:cSld>
+    <p:spTree>
+      <p:nvGrpSpPr>
+        <p:cNvPr id="1" name=""/>
+        <p:cNvGrpSpPr/>
+        <p:nvPr/>
+      </p:nvGrpSpPr>
+      <p:grpSpPr>
+        <a:xfrm>
+          <a:off x="0" y="0"/>
+          <a:ext cx="0" cy="0"/>
+          <a:chOff x="0" y="0"/>
+          <a:chExt cx="0" cy="0"/>
+        </a:xfrm>
+      </p:grpSpPr>
+      <p:sp>
+        <p:nvSpPr>
+          <p:cNvPr id="2" name="슬라이드 이미지 개체 틀 1"/>
+          <p:cNvSpPr>
+            <a:spLocks noGrp="1" noRot="1" noChangeAspect="1"/>
+          </p:cNvSpPr>
+          <p:nvPr>
+            <p:ph type="sldImg"/>
+          </p:nvPr>
+        </p:nvSpPr>
+        <p:spPr/>
+      </p:sp>
+      <p:sp>
+        <p:nvSpPr>
+          <p:cNvPr id="3" name="슬라이드 노트 개체 틀 2"/>
+          <p:cNvSpPr>
+            <a:spLocks noGrp="1"/>
+          </p:cNvSpPr>
+          <p:nvPr>
+            <p:ph type="body" idx="1"/>
+          </p:nvPr>
+        </p:nvSpPr>
+        <p:spPr/>
+        <p:txBody>
+          <a:bodyPr/>
+          <a:lstStyle/>
+          <a:p>
+            <a:endParaRPr kumimoji="1" lang="ko-KR" altLang="en-US"/>
+          </a:p>
+        </p:txBody>
+      </p:sp>
+      <p:sp>
+        <p:nvSpPr>
+          <p:cNvPr id="4" name="슬라이드 번호 개체 틀 3"/>
+          <p:cNvSpPr>
+            <a:spLocks noGrp="1"/>
+          </p:cNvSpPr>
+          <p:nvPr>
+            <p:ph type="sldNum" sz="quarter" idx="10"/>
+          </p:nvPr>
+        </p:nvSpPr>
+        <p:spPr/>
+        <p:txBody>
+          <a:bodyPr/>
+          <a:lstStyle/>
+          <a:p>
+            <a:fld id="{96FC2CF3-D289-43D2-8DEA-1391A6D27853}" type="slidenum">
+              <a:rPr lang="ko-KR" altLang="en-US" smtClean="0"/>
+              <a:t>19</a:t>
+            </a:fld>
+            <a:endParaRPr lang="ko-KR" altLang="en-US"/>
+          </a:p>
+        </p:txBody>
+      </p:sp>
+    </p:spTree>
+    <p:extLst>
+      <p:ext uri="{BB962C8B-B14F-4D97-AF65-F5344CB8AC3E}">
+        <p14:creationId xmlns:p14="http://schemas.microsoft.com/office/powerpoint/2010/main" val="934454716"/>
       </p:ext>
     </p:extLst>
   </p:cSld>
@@ -712,7 +880,7 @@
           <a:bodyPr/>
           <a:lstStyle/>
           <a:p>
-            <a:fld id="{5E0FEBB0-12E2-4577-9B14-145480F18E47}" type="datetimeFigureOut">
+            <a:fld id="{D3256D6B-9C8A-464E-A6C6-951E8212AFD8}" type="datetime1">
               <a:rPr lang="ko-KR" altLang="en-US" smtClean="0"/>
               <a:t>2017. 12. 11.</a:t>
             </a:fld>
@@ -749,7 +917,15 @@
             <p:ph type="sldNum" sz="quarter" idx="12"/>
           </p:nvPr>
         </p:nvSpPr>
-        <p:spPr/>
+        <p:spPr>
+          <a:xfrm>
+            <a:off x="8610600" y="187359"/>
+            <a:ext cx="2743200" cy="365125"/>
+          </a:xfrm>
+          <a:prstGeom prst="rect">
+            <a:avLst/>
+          </a:prstGeom>
+        </p:spPr>
         <p:txBody>
           <a:bodyPr/>
           <a:lstStyle/>
@@ -758,7 +934,7 @@
               <a:rPr lang="ko-KR" altLang="en-US" smtClean="0"/>
               <a:t>‹#›</a:t>
             </a:fld>
-            <a:endParaRPr lang="ko-KR" altLang="en-US"/>
+            <a:endParaRPr lang="ko-KR" altLang="en-US" dirty="0"/>
           </a:p>
         </p:txBody>
       </p:sp>
@@ -877,7 +1053,7 @@
           <a:bodyPr/>
           <a:lstStyle/>
           <a:p>
-            <a:fld id="{5E0FEBB0-12E2-4577-9B14-145480F18E47}" type="datetimeFigureOut">
+            <a:fld id="{ED06232C-E99F-894E-856B-1A987838DC6B}" type="datetime1">
               <a:rPr lang="ko-KR" altLang="en-US" smtClean="0"/>
               <a:t>2017. 12. 11.</a:t>
             </a:fld>
@@ -914,7 +1090,15 @@
             <p:ph type="sldNum" sz="quarter" idx="12"/>
           </p:nvPr>
         </p:nvSpPr>
-        <p:spPr/>
+        <p:spPr>
+          <a:xfrm>
+            <a:off x="8610600" y="187359"/>
+            <a:ext cx="2743200" cy="365125"/>
+          </a:xfrm>
+          <a:prstGeom prst="rect">
+            <a:avLst/>
+          </a:prstGeom>
+        </p:spPr>
         <p:txBody>
           <a:bodyPr/>
           <a:lstStyle/>
@@ -1052,7 +1236,7 @@
           <a:bodyPr/>
           <a:lstStyle/>
           <a:p>
-            <a:fld id="{5E0FEBB0-12E2-4577-9B14-145480F18E47}" type="datetimeFigureOut">
+            <a:fld id="{41D69B70-F5DC-4748-987C-1E397F1195CF}" type="datetime1">
               <a:rPr lang="ko-KR" altLang="en-US" smtClean="0"/>
               <a:t>2017. 12. 11.</a:t>
             </a:fld>
@@ -1089,7 +1273,15 @@
             <p:ph type="sldNum" sz="quarter" idx="12"/>
           </p:nvPr>
         </p:nvSpPr>
-        <p:spPr/>
+        <p:spPr>
+          <a:xfrm>
+            <a:off x="8610600" y="187359"/>
+            <a:ext cx="2743200" cy="365125"/>
+          </a:xfrm>
+          <a:prstGeom prst="rect">
+            <a:avLst/>
+          </a:prstGeom>
+        </p:spPr>
         <p:txBody>
           <a:bodyPr/>
           <a:lstStyle/>
@@ -1232,7 +1424,7 @@
           <a:bodyPr/>
           <a:lstStyle/>
           <a:p>
-            <a:fld id="{5E0FEBB0-12E2-4577-9B14-145480F18E47}" type="datetimeFigureOut">
+            <a:fld id="{0AA879C6-B7B3-2342-ADF9-8DC77673C14F}" type="datetime1">
               <a:rPr lang="ko-KR" altLang="en-US" smtClean="0"/>
               <a:t>2017. 12. 11.</a:t>
             </a:fld>
@@ -1279,6 +1471,9 @@
             <a:off x="8610600" y="6356350"/>
             <a:ext cx="2743835" cy="365760"/>
           </a:xfrm>
+          <a:prstGeom prst="rect">
+            <a:avLst/>
+          </a:prstGeom>
         </p:spPr>
         <p:txBody>
           <a:bodyPr/>
@@ -1483,7 +1678,7 @@
           <a:bodyPr/>
           <a:lstStyle/>
           <a:p>
-            <a:fld id="{5E0FEBB0-12E2-4577-9B14-145480F18E47}" type="datetimeFigureOut">
+            <a:fld id="{4D42007D-75D9-5A45-869A-C688B1A7CE51}" type="datetime1">
               <a:rPr lang="ko-KR" altLang="en-US" smtClean="0"/>
               <a:t>2017. 12. 11.</a:t>
             </a:fld>
@@ -1520,7 +1715,15 @@
             <p:ph type="sldNum" sz="quarter" idx="12"/>
           </p:nvPr>
         </p:nvSpPr>
-        <p:spPr/>
+        <p:spPr>
+          <a:xfrm>
+            <a:off x="8610600" y="187359"/>
+            <a:ext cx="2743200" cy="365125"/>
+          </a:xfrm>
+          <a:prstGeom prst="rect">
+            <a:avLst/>
+          </a:prstGeom>
+        </p:spPr>
         <p:txBody>
           <a:bodyPr/>
           <a:lstStyle/>
@@ -1710,7 +1913,7 @@
           <a:bodyPr/>
           <a:lstStyle/>
           <a:p>
-            <a:fld id="{5E0FEBB0-12E2-4577-9B14-145480F18E47}" type="datetimeFigureOut">
+            <a:fld id="{858DCFA6-C69E-EC4F-9B13-C181C1CD0D84}" type="datetime1">
               <a:rPr lang="ko-KR" altLang="en-US" smtClean="0"/>
               <a:t>2017. 12. 11.</a:t>
             </a:fld>
@@ -1747,7 +1950,15 @@
             <p:ph type="sldNum" sz="quarter" idx="12"/>
           </p:nvPr>
         </p:nvSpPr>
-        <p:spPr/>
+        <p:spPr>
+          <a:xfrm>
+            <a:off x="8610600" y="187359"/>
+            <a:ext cx="2743200" cy="365125"/>
+          </a:xfrm>
+          <a:prstGeom prst="rect">
+            <a:avLst/>
+          </a:prstGeom>
+        </p:spPr>
         <p:txBody>
           <a:bodyPr/>
           <a:lstStyle/>
@@ -2072,7 +2283,7 @@
           <a:bodyPr/>
           <a:lstStyle/>
           <a:p>
-            <a:fld id="{5E0FEBB0-12E2-4577-9B14-145480F18E47}" type="datetimeFigureOut">
+            <a:fld id="{BA699049-9789-8A4B-A185-6D4C46DFD1D2}" type="datetime1">
               <a:rPr lang="ko-KR" altLang="en-US" smtClean="0"/>
               <a:t>2017. 12. 11.</a:t>
             </a:fld>
@@ -2109,7 +2320,15 @@
             <p:ph type="sldNum" sz="quarter" idx="12"/>
           </p:nvPr>
         </p:nvSpPr>
-        <p:spPr/>
+        <p:spPr>
+          <a:xfrm>
+            <a:off x="8610600" y="187359"/>
+            <a:ext cx="2743200" cy="365125"/>
+          </a:xfrm>
+          <a:prstGeom prst="rect">
+            <a:avLst/>
+          </a:prstGeom>
+        </p:spPr>
         <p:txBody>
           <a:bodyPr/>
           <a:lstStyle/>
@@ -2185,7 +2404,7 @@
           <a:bodyPr/>
           <a:lstStyle/>
           <a:p>
-            <a:fld id="{5E0FEBB0-12E2-4577-9B14-145480F18E47}" type="datetimeFigureOut">
+            <a:fld id="{07D51A99-CED4-B048-9903-4E37EC54B8E0}" type="datetime1">
               <a:rPr lang="ko-KR" altLang="en-US" smtClean="0"/>
               <a:t>2017. 12. 11.</a:t>
             </a:fld>
@@ -2222,7 +2441,15 @@
             <p:ph type="sldNum" sz="quarter" idx="12"/>
           </p:nvPr>
         </p:nvSpPr>
-        <p:spPr/>
+        <p:spPr>
+          <a:xfrm>
+            <a:off x="8610600" y="187359"/>
+            <a:ext cx="2743200" cy="365125"/>
+          </a:xfrm>
+          <a:prstGeom prst="rect">
+            <a:avLst/>
+          </a:prstGeom>
+        </p:spPr>
         <p:txBody>
           <a:bodyPr/>
           <a:lstStyle/>
@@ -2275,7 +2502,7 @@
           <a:bodyPr/>
           <a:lstStyle/>
           <a:p>
-            <a:fld id="{5E0FEBB0-12E2-4577-9B14-145480F18E47}" type="datetimeFigureOut">
+            <a:fld id="{9188E88B-A610-D64E-8A0F-19D4082C5093}" type="datetime1">
               <a:rPr lang="ko-KR" altLang="en-US" smtClean="0"/>
               <a:t>2017. 12. 11.</a:t>
             </a:fld>
@@ -2312,7 +2539,15 @@
             <p:ph type="sldNum" sz="quarter" idx="12"/>
           </p:nvPr>
         </p:nvSpPr>
-        <p:spPr/>
+        <p:spPr>
+          <a:xfrm>
+            <a:off x="8610600" y="187359"/>
+            <a:ext cx="2743200" cy="365125"/>
+          </a:xfrm>
+          <a:prstGeom prst="rect">
+            <a:avLst/>
+          </a:prstGeom>
+        </p:spPr>
         <p:txBody>
           <a:bodyPr/>
           <a:lstStyle/>
@@ -2547,7 +2782,7 @@
           <a:bodyPr/>
           <a:lstStyle/>
           <a:p>
-            <a:fld id="{5E0FEBB0-12E2-4577-9B14-145480F18E47}" type="datetimeFigureOut">
+            <a:fld id="{55F0BBDC-0B86-C94E-9379-76CDE02480CC}" type="datetime1">
               <a:rPr lang="ko-KR" altLang="en-US" smtClean="0"/>
               <a:t>2017. 12. 11.</a:t>
             </a:fld>
@@ -2584,7 +2819,15 @@
             <p:ph type="sldNum" sz="quarter" idx="12"/>
           </p:nvPr>
         </p:nvSpPr>
-        <p:spPr/>
+        <p:spPr>
+          <a:xfrm>
+            <a:off x="8610600" y="187359"/>
+            <a:ext cx="2743200" cy="365125"/>
+          </a:xfrm>
+          <a:prstGeom prst="rect">
+            <a:avLst/>
+          </a:prstGeom>
+        </p:spPr>
         <p:txBody>
           <a:bodyPr/>
           <a:lstStyle/>
@@ -2799,7 +3042,7 @@
           <a:bodyPr/>
           <a:lstStyle/>
           <a:p>
-            <a:fld id="{5E0FEBB0-12E2-4577-9B14-145480F18E47}" type="datetimeFigureOut">
+            <a:fld id="{3729A7A6-B89F-4542-BD4C-55D4A3276EDB}" type="datetime1">
               <a:rPr lang="ko-KR" altLang="en-US" smtClean="0"/>
               <a:t>2017. 12. 11.</a:t>
             </a:fld>
@@ -2836,7 +3079,15 @@
             <p:ph type="sldNum" sz="quarter" idx="12"/>
           </p:nvPr>
         </p:nvSpPr>
-        <p:spPr/>
+        <p:spPr>
+          <a:xfrm>
+            <a:off x="8610600" y="187359"/>
+            <a:ext cx="2743200" cy="365125"/>
+          </a:xfrm>
+          <a:prstGeom prst="rect">
+            <a:avLst/>
+          </a:prstGeom>
+        </p:spPr>
         <p:txBody>
           <a:bodyPr/>
           <a:lstStyle/>
@@ -3007,7 +3258,7 @@
             </a:lvl1pPr>
           </a:lstStyle>
           <a:p>
-            <a:fld id="{5E0FEBB0-12E2-4577-9B14-145480F18E47}" type="datetimeFigureOut">
+            <a:fld id="{D4DA4E7F-55E7-394F-9EE4-C973A9576519}" type="datetime1">
               <a:rPr lang="ko-KR" altLang="en-US" smtClean="0"/>
               <a:t>2017. 12. 11.</a:t>
             </a:fld>
@@ -3048,47 +3299,6 @@
             </a:lvl1pPr>
           </a:lstStyle>
           <a:p>
-            <a:endParaRPr lang="ko-KR" altLang="en-US"/>
-          </a:p>
-        </p:txBody>
-      </p:sp>
-      <p:sp>
-        <p:nvSpPr>
-          <p:cNvPr id="6" name="Slide Number Placeholder 5"/>
-          <p:cNvSpPr>
-            <a:spLocks noGrp="1"/>
-          </p:cNvSpPr>
-          <p:nvPr>
-            <p:ph type="sldNum" sz="quarter" idx="4"/>
-          </p:nvPr>
-        </p:nvSpPr>
-        <p:spPr>
-          <a:xfrm>
-            <a:off x="8610600" y="6356350"/>
-            <a:ext cx="2743200" cy="365125"/>
-          </a:xfrm>
-          <a:prstGeom prst="rect">
-            <a:avLst/>
-          </a:prstGeom>
-        </p:spPr>
-        <p:txBody>
-          <a:bodyPr vert="horz" lIns="91440" tIns="45720" rIns="91440" bIns="45720" rtlCol="0" anchor="ctr"/>
-          <a:lstStyle>
-            <a:lvl1pPr algn="r">
-              <a:defRPr sz="1200">
-                <a:solidFill>
-                  <a:schemeClr val="tx1">
-                    <a:tint val="75000"/>
-                  </a:schemeClr>
-                </a:solidFill>
-              </a:defRPr>
-            </a:lvl1pPr>
-          </a:lstStyle>
-          <a:p>
-            <a:fld id="{B7CFC4E1-F238-47FC-B4DE-E7BE9500A8B7}" type="slidenum">
-              <a:rPr lang="ko-KR" altLang="en-US" smtClean="0"/>
-              <a:t>‹#›</a:t>
-            </a:fld>
             <a:endParaRPr lang="ko-KR" altLang="en-US"/>
           </a:p>
         </p:txBody>
@@ -3114,6 +3324,7 @@
     <p:sldLayoutId id="2147483752" r:id="rId10"/>
     <p:sldLayoutId id="2147483753" r:id="rId11"/>
   </p:sldLayoutIdLst>
+  <p:hf sldNum="0" hdr="0" ftr="0" dt="0"/>
   <p:txStyles>
     <p:titleStyle>
       <a:lvl1pPr algn="l" defTabSz="914400" rtl="0" eaLnBrk="1" latinLnBrk="1" hangingPunct="1">
@@ -4070,6 +4281,100 @@
           </a:p>
         </p:txBody>
       </p:sp>
+      <p:sp>
+        <p:nvSpPr>
+          <p:cNvPr id="7" name="텍스트 상자 6"/>
+          <p:cNvSpPr txBox="1"/>
+          <p:nvPr/>
+        </p:nvSpPr>
+        <p:spPr>
+          <a:xfrm>
+            <a:off x="11256135" y="0"/>
+            <a:ext cx="935865" cy="369332"/>
+          </a:xfrm>
+          <a:prstGeom prst="rect">
+            <a:avLst/>
+          </a:prstGeom>
+          <a:noFill/>
+        </p:spPr>
+        <p:txBody>
+          <a:bodyPr wrap="square" rtlCol="0">
+            <a:spAutoFit/>
+          </a:bodyPr>
+          <a:lstStyle/>
+          <a:p>
+            <a:r>
+              <a:rPr kumimoji="1" lang="en-US" altLang="ko-KR" b="1" dirty="0" smtClean="0">
+                <a:solidFill>
+                  <a:schemeClr val="tx1">
+                    <a:lumMod val="85000"/>
+                    <a:lumOff val="15000"/>
+                  </a:schemeClr>
+                </a:solidFill>
+                <a:latin typeface="+mn-ea"/>
+              </a:rPr>
+              <a:t>1</a:t>
+            </a:r>
+            <a:r>
+              <a:rPr kumimoji="1" lang="ko-KR" altLang="en-US" b="1" dirty="0" smtClean="0">
+                <a:solidFill>
+                  <a:schemeClr val="tx1">
+                    <a:lumMod val="85000"/>
+                    <a:lumOff val="15000"/>
+                  </a:schemeClr>
+                </a:solidFill>
+                <a:latin typeface="+mn-ea"/>
+              </a:rPr>
+              <a:t> </a:t>
+            </a:r>
+            <a:r>
+              <a:rPr kumimoji="1" lang="en-US" altLang="ko-KR" b="1" dirty="0" smtClean="0">
+                <a:solidFill>
+                  <a:schemeClr val="tx1">
+                    <a:lumMod val="85000"/>
+                    <a:lumOff val="15000"/>
+                  </a:schemeClr>
+                </a:solidFill>
+                <a:latin typeface="+mn-ea"/>
+              </a:rPr>
+              <a:t>/</a:t>
+            </a:r>
+            <a:r>
+              <a:rPr kumimoji="1" lang="ko-KR" altLang="en-US" b="1" dirty="0" smtClean="0">
+                <a:solidFill>
+                  <a:schemeClr val="tx1">
+                    <a:lumMod val="85000"/>
+                    <a:lumOff val="15000"/>
+                  </a:schemeClr>
+                </a:solidFill>
+                <a:latin typeface="+mn-ea"/>
+              </a:rPr>
+              <a:t> </a:t>
+            </a:r>
+            <a:r>
+              <a:rPr kumimoji="1" lang="en-US" altLang="ko-KR" b="1" dirty="0" smtClean="0">
+                <a:solidFill>
+                  <a:schemeClr val="tx1">
+                    <a:lumMod val="85000"/>
+                    <a:lumOff val="15000"/>
+                  </a:schemeClr>
+                </a:solidFill>
+                <a:latin typeface="+mn-ea"/>
+              </a:rPr>
+              <a:t>22</a:t>
+            </a:r>
+            <a:endParaRPr kumimoji="1" lang="ko-KR" altLang="en-US" b="1" dirty="0">
+              <a:solidFill>
+                <a:schemeClr val="tx1">
+                  <a:lumMod val="85000"/>
+                  <a:lumOff val="15000"/>
+                </a:schemeClr>
+              </a:solidFill>
+              <a:latin typeface="+mn-ea"/>
+            </a:endParaRPr>
+          </a:p>
+        </p:txBody>
+      </p:sp>
     </p:spTree>
     <p:extLst>
       <p:ext uri="{BB962C8B-B14F-4D97-AF65-F5344CB8AC3E}">
@@ -5784,6 +6089,100 @@
           </a:p>
         </p:txBody>
       </p:sp>
+      <p:sp>
+        <p:nvSpPr>
+          <p:cNvPr id="22" name="텍스트 상자 21"/>
+          <p:cNvSpPr txBox="1"/>
+          <p:nvPr/>
+        </p:nvSpPr>
+        <p:spPr>
+          <a:xfrm>
+            <a:off x="11204621" y="0"/>
+            <a:ext cx="987380" cy="369332"/>
+          </a:xfrm>
+          <a:prstGeom prst="rect">
+            <a:avLst/>
+          </a:prstGeom>
+          <a:noFill/>
+        </p:spPr>
+        <p:txBody>
+          <a:bodyPr wrap="square" rtlCol="0">
+            <a:spAutoFit/>
+          </a:bodyPr>
+          <a:lstStyle/>
+          <a:p>
+            <a:r>
+              <a:rPr kumimoji="1" lang="en-US" altLang="ko-KR" b="1" smtClean="0">
+                <a:solidFill>
+                  <a:schemeClr val="tx1">
+                    <a:lumMod val="85000"/>
+                    <a:lumOff val="15000"/>
+                  </a:schemeClr>
+                </a:solidFill>
+                <a:latin typeface="+mn-ea"/>
+              </a:rPr>
+              <a:t>10</a:t>
+            </a:r>
+            <a:r>
+              <a:rPr kumimoji="1" lang="ko-KR" altLang="en-US" b="1" dirty="0" smtClean="0">
+                <a:solidFill>
+                  <a:schemeClr val="tx1">
+                    <a:lumMod val="85000"/>
+                    <a:lumOff val="15000"/>
+                  </a:schemeClr>
+                </a:solidFill>
+                <a:latin typeface="+mn-ea"/>
+              </a:rPr>
+              <a:t> </a:t>
+            </a:r>
+            <a:r>
+              <a:rPr kumimoji="1" lang="en-US" altLang="ko-KR" b="1" dirty="0" smtClean="0">
+                <a:solidFill>
+                  <a:schemeClr val="tx1">
+                    <a:lumMod val="85000"/>
+                    <a:lumOff val="15000"/>
+                  </a:schemeClr>
+                </a:solidFill>
+                <a:latin typeface="+mn-ea"/>
+              </a:rPr>
+              <a:t>/</a:t>
+            </a:r>
+            <a:r>
+              <a:rPr kumimoji="1" lang="ko-KR" altLang="en-US" b="1" dirty="0" smtClean="0">
+                <a:solidFill>
+                  <a:schemeClr val="tx1">
+                    <a:lumMod val="85000"/>
+                    <a:lumOff val="15000"/>
+                  </a:schemeClr>
+                </a:solidFill>
+                <a:latin typeface="+mn-ea"/>
+              </a:rPr>
+              <a:t> </a:t>
+            </a:r>
+            <a:r>
+              <a:rPr kumimoji="1" lang="en-US" altLang="ko-KR" b="1" dirty="0" smtClean="0">
+                <a:solidFill>
+                  <a:schemeClr val="tx1">
+                    <a:lumMod val="85000"/>
+                    <a:lumOff val="15000"/>
+                  </a:schemeClr>
+                </a:solidFill>
+                <a:latin typeface="+mn-ea"/>
+              </a:rPr>
+              <a:t>22</a:t>
+            </a:r>
+            <a:endParaRPr kumimoji="1" lang="ko-KR" altLang="en-US" b="1" dirty="0">
+              <a:solidFill>
+                <a:schemeClr val="tx1">
+                  <a:lumMod val="85000"/>
+                  <a:lumOff val="15000"/>
+                </a:schemeClr>
+              </a:solidFill>
+              <a:latin typeface="+mn-ea"/>
+            </a:endParaRPr>
+          </a:p>
+        </p:txBody>
+      </p:sp>
     </p:spTree>
     <p:extLst>
       <p:ext uri="{BB962C8B-B14F-4D97-AF65-F5344CB8AC3E}">
@@ -6434,14 +6833,7 @@
                 <a:latin typeface="+mj-ea"/>
                 <a:ea typeface="+mj-ea"/>
               </a:rPr>
-              <a:t>2. </a:t>
-            </a:r>
-            <a:r>
-              <a:rPr kumimoji="1" lang="en-US" altLang="ko-KR" sz="2800" b="1" dirty="0" smtClean="0">
-                <a:latin typeface="+mj-ea"/>
-                <a:ea typeface="+mj-ea"/>
-              </a:rPr>
-              <a:t>Physics</a:t>
+              <a:t>2. Physics</a:t>
             </a:r>
             <a:endParaRPr kumimoji="1" lang="ko-KR" altLang="en-US" sz="2800" b="1" dirty="0">
               <a:latin typeface="+mj-ea"/>
@@ -6894,6 +7286,100 @@
           </a:prstGeom>
         </p:spPr>
       </p:pic>
+      <p:sp>
+        <p:nvSpPr>
+          <p:cNvPr id="26" name="텍스트 상자 25"/>
+          <p:cNvSpPr txBox="1"/>
+          <p:nvPr/>
+        </p:nvSpPr>
+        <p:spPr>
+          <a:xfrm>
+            <a:off x="11204621" y="0"/>
+            <a:ext cx="987380" cy="369332"/>
+          </a:xfrm>
+          <a:prstGeom prst="rect">
+            <a:avLst/>
+          </a:prstGeom>
+          <a:noFill/>
+        </p:spPr>
+        <p:txBody>
+          <a:bodyPr wrap="square" rtlCol="0">
+            <a:spAutoFit/>
+          </a:bodyPr>
+          <a:lstStyle/>
+          <a:p>
+            <a:r>
+              <a:rPr kumimoji="1" lang="en-US" altLang="ko-KR" b="1" dirty="0" smtClean="0">
+                <a:solidFill>
+                  <a:schemeClr val="tx1">
+                    <a:lumMod val="85000"/>
+                    <a:lumOff val="15000"/>
+                  </a:schemeClr>
+                </a:solidFill>
+                <a:latin typeface="+mn-ea"/>
+              </a:rPr>
+              <a:t>11</a:t>
+            </a:r>
+            <a:r>
+              <a:rPr kumimoji="1" lang="ko-KR" altLang="en-US" b="1" dirty="0" smtClean="0">
+                <a:solidFill>
+                  <a:schemeClr val="tx1">
+                    <a:lumMod val="85000"/>
+                    <a:lumOff val="15000"/>
+                  </a:schemeClr>
+                </a:solidFill>
+                <a:latin typeface="+mn-ea"/>
+              </a:rPr>
+              <a:t> </a:t>
+            </a:r>
+            <a:r>
+              <a:rPr kumimoji="1" lang="en-US" altLang="ko-KR" b="1" dirty="0" smtClean="0">
+                <a:solidFill>
+                  <a:schemeClr val="tx1">
+                    <a:lumMod val="85000"/>
+                    <a:lumOff val="15000"/>
+                  </a:schemeClr>
+                </a:solidFill>
+                <a:latin typeface="+mn-ea"/>
+              </a:rPr>
+              <a:t>/</a:t>
+            </a:r>
+            <a:r>
+              <a:rPr kumimoji="1" lang="ko-KR" altLang="en-US" b="1" dirty="0" smtClean="0">
+                <a:solidFill>
+                  <a:schemeClr val="tx1">
+                    <a:lumMod val="85000"/>
+                    <a:lumOff val="15000"/>
+                  </a:schemeClr>
+                </a:solidFill>
+                <a:latin typeface="+mn-ea"/>
+              </a:rPr>
+              <a:t> </a:t>
+            </a:r>
+            <a:r>
+              <a:rPr kumimoji="1" lang="en-US" altLang="ko-KR" b="1" dirty="0" smtClean="0">
+                <a:solidFill>
+                  <a:schemeClr val="tx1">
+                    <a:lumMod val="85000"/>
+                    <a:lumOff val="15000"/>
+                  </a:schemeClr>
+                </a:solidFill>
+                <a:latin typeface="+mn-ea"/>
+              </a:rPr>
+              <a:t>22</a:t>
+            </a:r>
+            <a:endParaRPr kumimoji="1" lang="ko-KR" altLang="en-US" b="1" dirty="0">
+              <a:solidFill>
+                <a:schemeClr val="tx1">
+                  <a:lumMod val="85000"/>
+                  <a:lumOff val="15000"/>
+                </a:schemeClr>
+              </a:solidFill>
+              <a:latin typeface="+mn-ea"/>
+            </a:endParaRPr>
+          </a:p>
+        </p:txBody>
+      </p:sp>
     </p:spTree>
     <p:extLst>
       <p:ext uri="{BB962C8B-B14F-4D97-AF65-F5344CB8AC3E}">
@@ -8034,6 +8520,100 @@
           </a:p>
         </p:txBody>
       </p:sp>
+      <p:sp>
+        <p:nvSpPr>
+          <p:cNvPr id="31" name="텍스트 상자 30"/>
+          <p:cNvSpPr txBox="1"/>
+          <p:nvPr/>
+        </p:nvSpPr>
+        <p:spPr>
+          <a:xfrm>
+            <a:off x="11204621" y="0"/>
+            <a:ext cx="987380" cy="369332"/>
+          </a:xfrm>
+          <a:prstGeom prst="rect">
+            <a:avLst/>
+          </a:prstGeom>
+          <a:noFill/>
+        </p:spPr>
+        <p:txBody>
+          <a:bodyPr wrap="square" rtlCol="0">
+            <a:spAutoFit/>
+          </a:bodyPr>
+          <a:lstStyle/>
+          <a:p>
+            <a:r>
+              <a:rPr kumimoji="1" lang="en-US" altLang="ko-KR" b="1" dirty="0" smtClean="0">
+                <a:solidFill>
+                  <a:schemeClr val="tx1">
+                    <a:lumMod val="85000"/>
+                    <a:lumOff val="15000"/>
+                  </a:schemeClr>
+                </a:solidFill>
+                <a:latin typeface="+mn-ea"/>
+              </a:rPr>
+              <a:t>12</a:t>
+            </a:r>
+            <a:r>
+              <a:rPr kumimoji="1" lang="ko-KR" altLang="en-US" b="1" dirty="0" smtClean="0">
+                <a:solidFill>
+                  <a:schemeClr val="tx1">
+                    <a:lumMod val="85000"/>
+                    <a:lumOff val="15000"/>
+                  </a:schemeClr>
+                </a:solidFill>
+                <a:latin typeface="+mn-ea"/>
+              </a:rPr>
+              <a:t> </a:t>
+            </a:r>
+            <a:r>
+              <a:rPr kumimoji="1" lang="en-US" altLang="ko-KR" b="1" dirty="0" smtClean="0">
+                <a:solidFill>
+                  <a:schemeClr val="tx1">
+                    <a:lumMod val="85000"/>
+                    <a:lumOff val="15000"/>
+                  </a:schemeClr>
+                </a:solidFill>
+                <a:latin typeface="+mn-ea"/>
+              </a:rPr>
+              <a:t>/</a:t>
+            </a:r>
+            <a:r>
+              <a:rPr kumimoji="1" lang="ko-KR" altLang="en-US" b="1" dirty="0" smtClean="0">
+                <a:solidFill>
+                  <a:schemeClr val="tx1">
+                    <a:lumMod val="85000"/>
+                    <a:lumOff val="15000"/>
+                  </a:schemeClr>
+                </a:solidFill>
+                <a:latin typeface="+mn-ea"/>
+              </a:rPr>
+              <a:t> </a:t>
+            </a:r>
+            <a:r>
+              <a:rPr kumimoji="1" lang="en-US" altLang="ko-KR" b="1" dirty="0" smtClean="0">
+                <a:solidFill>
+                  <a:schemeClr val="tx1">
+                    <a:lumMod val="85000"/>
+                    <a:lumOff val="15000"/>
+                  </a:schemeClr>
+                </a:solidFill>
+                <a:latin typeface="+mn-ea"/>
+              </a:rPr>
+              <a:t>22</a:t>
+            </a:r>
+            <a:endParaRPr kumimoji="1" lang="ko-KR" altLang="en-US" b="1" dirty="0">
+              <a:solidFill>
+                <a:schemeClr val="tx1">
+                  <a:lumMod val="85000"/>
+                  <a:lumOff val="15000"/>
+                </a:schemeClr>
+              </a:solidFill>
+              <a:latin typeface="+mn-ea"/>
+            </a:endParaRPr>
+          </a:p>
+        </p:txBody>
+      </p:sp>
     </p:spTree>
     <p:extLst>
       <p:ext uri="{BB962C8B-B14F-4D97-AF65-F5344CB8AC3E}">
@@ -8634,6 +9214,100 @@
               <a:solidFill>
                 <a:srgbClr val="FFC000"/>
               </a:solidFill>
+            </a:endParaRPr>
+          </a:p>
+        </p:txBody>
+      </p:sp>
+      <p:sp>
+        <p:nvSpPr>
+          <p:cNvPr id="18" name="텍스트 상자 17"/>
+          <p:cNvSpPr txBox="1"/>
+          <p:nvPr/>
+        </p:nvSpPr>
+        <p:spPr>
+          <a:xfrm>
+            <a:off x="11204621" y="0"/>
+            <a:ext cx="987380" cy="369332"/>
+          </a:xfrm>
+          <a:prstGeom prst="rect">
+            <a:avLst/>
+          </a:prstGeom>
+          <a:noFill/>
+        </p:spPr>
+        <p:txBody>
+          <a:bodyPr wrap="square" rtlCol="0">
+            <a:spAutoFit/>
+          </a:bodyPr>
+          <a:lstStyle/>
+          <a:p>
+            <a:r>
+              <a:rPr kumimoji="1" lang="en-US" altLang="ko-KR" b="1" dirty="0" smtClean="0">
+                <a:solidFill>
+                  <a:schemeClr val="tx1">
+                    <a:lumMod val="85000"/>
+                    <a:lumOff val="15000"/>
+                  </a:schemeClr>
+                </a:solidFill>
+                <a:latin typeface="+mn-ea"/>
+              </a:rPr>
+              <a:t>13</a:t>
+            </a:r>
+            <a:r>
+              <a:rPr kumimoji="1" lang="ko-KR" altLang="en-US" b="1" dirty="0" smtClean="0">
+                <a:solidFill>
+                  <a:schemeClr val="tx1">
+                    <a:lumMod val="85000"/>
+                    <a:lumOff val="15000"/>
+                  </a:schemeClr>
+                </a:solidFill>
+                <a:latin typeface="+mn-ea"/>
+              </a:rPr>
+              <a:t> </a:t>
+            </a:r>
+            <a:r>
+              <a:rPr kumimoji="1" lang="en-US" altLang="ko-KR" b="1" dirty="0" smtClean="0">
+                <a:solidFill>
+                  <a:schemeClr val="tx1">
+                    <a:lumMod val="85000"/>
+                    <a:lumOff val="15000"/>
+                  </a:schemeClr>
+                </a:solidFill>
+                <a:latin typeface="+mn-ea"/>
+              </a:rPr>
+              <a:t>/</a:t>
+            </a:r>
+            <a:r>
+              <a:rPr kumimoji="1" lang="ko-KR" altLang="en-US" b="1" dirty="0" smtClean="0">
+                <a:solidFill>
+                  <a:schemeClr val="tx1">
+                    <a:lumMod val="85000"/>
+                    <a:lumOff val="15000"/>
+                  </a:schemeClr>
+                </a:solidFill>
+                <a:latin typeface="+mn-ea"/>
+              </a:rPr>
+              <a:t> </a:t>
+            </a:r>
+            <a:r>
+              <a:rPr kumimoji="1" lang="en-US" altLang="ko-KR" b="1" dirty="0" smtClean="0">
+                <a:solidFill>
+                  <a:schemeClr val="tx1">
+                    <a:lumMod val="85000"/>
+                    <a:lumOff val="15000"/>
+                  </a:schemeClr>
+                </a:solidFill>
+                <a:latin typeface="+mn-ea"/>
+              </a:rPr>
+              <a:t>22</a:t>
+            </a:r>
+            <a:endParaRPr kumimoji="1" lang="ko-KR" altLang="en-US" b="1" dirty="0">
+              <a:solidFill>
+                <a:schemeClr val="tx1">
+                  <a:lumMod val="85000"/>
+                  <a:lumOff val="15000"/>
+                </a:schemeClr>
+              </a:solidFill>
+              <a:latin typeface="+mn-ea"/>
             </a:endParaRPr>
           </a:p>
         </p:txBody>
@@ -9974,6 +10648,100 @@
           </a:p>
         </p:txBody>
       </p:sp>
+      <p:sp>
+        <p:nvSpPr>
+          <p:cNvPr id="18" name="텍스트 상자 17"/>
+          <p:cNvSpPr txBox="1"/>
+          <p:nvPr/>
+        </p:nvSpPr>
+        <p:spPr>
+          <a:xfrm>
+            <a:off x="11204621" y="0"/>
+            <a:ext cx="987380" cy="369332"/>
+          </a:xfrm>
+          <a:prstGeom prst="rect">
+            <a:avLst/>
+          </a:prstGeom>
+          <a:noFill/>
+        </p:spPr>
+        <p:txBody>
+          <a:bodyPr wrap="square" rtlCol="0">
+            <a:spAutoFit/>
+          </a:bodyPr>
+          <a:lstStyle/>
+          <a:p>
+            <a:r>
+              <a:rPr kumimoji="1" lang="en-US" altLang="ko-KR" b="1" dirty="0" smtClean="0">
+                <a:solidFill>
+                  <a:schemeClr val="tx1">
+                    <a:lumMod val="85000"/>
+                    <a:lumOff val="15000"/>
+                  </a:schemeClr>
+                </a:solidFill>
+                <a:latin typeface="+mn-ea"/>
+              </a:rPr>
+              <a:t>14</a:t>
+            </a:r>
+            <a:r>
+              <a:rPr kumimoji="1" lang="ko-KR" altLang="en-US" b="1" dirty="0" smtClean="0">
+                <a:solidFill>
+                  <a:schemeClr val="tx1">
+                    <a:lumMod val="85000"/>
+                    <a:lumOff val="15000"/>
+                  </a:schemeClr>
+                </a:solidFill>
+                <a:latin typeface="+mn-ea"/>
+              </a:rPr>
+              <a:t> </a:t>
+            </a:r>
+            <a:r>
+              <a:rPr kumimoji="1" lang="en-US" altLang="ko-KR" b="1" dirty="0" smtClean="0">
+                <a:solidFill>
+                  <a:schemeClr val="tx1">
+                    <a:lumMod val="85000"/>
+                    <a:lumOff val="15000"/>
+                  </a:schemeClr>
+                </a:solidFill>
+                <a:latin typeface="+mn-ea"/>
+              </a:rPr>
+              <a:t>/</a:t>
+            </a:r>
+            <a:r>
+              <a:rPr kumimoji="1" lang="ko-KR" altLang="en-US" b="1" dirty="0" smtClean="0">
+                <a:solidFill>
+                  <a:schemeClr val="tx1">
+                    <a:lumMod val="85000"/>
+                    <a:lumOff val="15000"/>
+                  </a:schemeClr>
+                </a:solidFill>
+                <a:latin typeface="+mn-ea"/>
+              </a:rPr>
+              <a:t> </a:t>
+            </a:r>
+            <a:r>
+              <a:rPr kumimoji="1" lang="en-US" altLang="ko-KR" b="1" dirty="0" smtClean="0">
+                <a:solidFill>
+                  <a:schemeClr val="tx1">
+                    <a:lumMod val="85000"/>
+                    <a:lumOff val="15000"/>
+                  </a:schemeClr>
+                </a:solidFill>
+                <a:latin typeface="+mn-ea"/>
+              </a:rPr>
+              <a:t>22</a:t>
+            </a:r>
+            <a:endParaRPr kumimoji="1" lang="ko-KR" altLang="en-US" b="1" dirty="0">
+              <a:solidFill>
+                <a:schemeClr val="tx1">
+                  <a:lumMod val="85000"/>
+                  <a:lumOff val="15000"/>
+                </a:schemeClr>
+              </a:solidFill>
+              <a:latin typeface="+mn-ea"/>
+            </a:endParaRPr>
+          </a:p>
+        </p:txBody>
+      </p:sp>
     </p:spTree>
     <p:extLst>
       <p:ext uri="{BB962C8B-B14F-4D97-AF65-F5344CB8AC3E}">
@@ -10683,6 +11451,100 @@
               <a:solidFill>
                 <a:srgbClr val="FFC000"/>
               </a:solidFill>
+            </a:endParaRPr>
+          </a:p>
+        </p:txBody>
+      </p:sp>
+      <p:sp>
+        <p:nvSpPr>
+          <p:cNvPr id="18" name="텍스트 상자 17"/>
+          <p:cNvSpPr txBox="1"/>
+          <p:nvPr/>
+        </p:nvSpPr>
+        <p:spPr>
+          <a:xfrm>
+            <a:off x="11204621" y="0"/>
+            <a:ext cx="987380" cy="369332"/>
+          </a:xfrm>
+          <a:prstGeom prst="rect">
+            <a:avLst/>
+          </a:prstGeom>
+          <a:noFill/>
+        </p:spPr>
+        <p:txBody>
+          <a:bodyPr wrap="square" rtlCol="0">
+            <a:spAutoFit/>
+          </a:bodyPr>
+          <a:lstStyle/>
+          <a:p>
+            <a:r>
+              <a:rPr kumimoji="1" lang="en-US" altLang="ko-KR" b="1" dirty="0" smtClean="0">
+                <a:solidFill>
+                  <a:schemeClr val="tx1">
+                    <a:lumMod val="85000"/>
+                    <a:lumOff val="15000"/>
+                  </a:schemeClr>
+                </a:solidFill>
+                <a:latin typeface="+mn-ea"/>
+              </a:rPr>
+              <a:t>15</a:t>
+            </a:r>
+            <a:r>
+              <a:rPr kumimoji="1" lang="ko-KR" altLang="en-US" b="1" dirty="0" smtClean="0">
+                <a:solidFill>
+                  <a:schemeClr val="tx1">
+                    <a:lumMod val="85000"/>
+                    <a:lumOff val="15000"/>
+                  </a:schemeClr>
+                </a:solidFill>
+                <a:latin typeface="+mn-ea"/>
+              </a:rPr>
+              <a:t> </a:t>
+            </a:r>
+            <a:r>
+              <a:rPr kumimoji="1" lang="en-US" altLang="ko-KR" b="1" dirty="0" smtClean="0">
+                <a:solidFill>
+                  <a:schemeClr val="tx1">
+                    <a:lumMod val="85000"/>
+                    <a:lumOff val="15000"/>
+                  </a:schemeClr>
+                </a:solidFill>
+                <a:latin typeface="+mn-ea"/>
+              </a:rPr>
+              <a:t>/</a:t>
+            </a:r>
+            <a:r>
+              <a:rPr kumimoji="1" lang="ko-KR" altLang="en-US" b="1" dirty="0" smtClean="0">
+                <a:solidFill>
+                  <a:schemeClr val="tx1">
+                    <a:lumMod val="85000"/>
+                    <a:lumOff val="15000"/>
+                  </a:schemeClr>
+                </a:solidFill>
+                <a:latin typeface="+mn-ea"/>
+              </a:rPr>
+              <a:t> </a:t>
+            </a:r>
+            <a:r>
+              <a:rPr kumimoji="1" lang="en-US" altLang="ko-KR" b="1" dirty="0" smtClean="0">
+                <a:solidFill>
+                  <a:schemeClr val="tx1">
+                    <a:lumMod val="85000"/>
+                    <a:lumOff val="15000"/>
+                  </a:schemeClr>
+                </a:solidFill>
+                <a:latin typeface="+mn-ea"/>
+              </a:rPr>
+              <a:t>22</a:t>
+            </a:r>
+            <a:endParaRPr kumimoji="1" lang="ko-KR" altLang="en-US" b="1" dirty="0">
+              <a:solidFill>
+                <a:schemeClr val="tx1">
+                  <a:lumMod val="85000"/>
+                  <a:lumOff val="15000"/>
+                </a:schemeClr>
+              </a:solidFill>
+              <a:latin typeface="+mn-ea"/>
             </a:endParaRPr>
           </a:p>
         </p:txBody>
@@ -11945,6 +12807,100 @@
           </a:p>
         </p:txBody>
       </p:sp>
+      <p:sp>
+        <p:nvSpPr>
+          <p:cNvPr id="18" name="텍스트 상자 17"/>
+          <p:cNvSpPr txBox="1"/>
+          <p:nvPr/>
+        </p:nvSpPr>
+        <p:spPr>
+          <a:xfrm>
+            <a:off x="11204621" y="0"/>
+            <a:ext cx="987380" cy="369332"/>
+          </a:xfrm>
+          <a:prstGeom prst="rect">
+            <a:avLst/>
+          </a:prstGeom>
+          <a:noFill/>
+        </p:spPr>
+        <p:txBody>
+          <a:bodyPr wrap="square" rtlCol="0">
+            <a:spAutoFit/>
+          </a:bodyPr>
+          <a:lstStyle/>
+          <a:p>
+            <a:r>
+              <a:rPr kumimoji="1" lang="en-US" altLang="ko-KR" b="1" dirty="0" smtClean="0">
+                <a:solidFill>
+                  <a:schemeClr val="tx1">
+                    <a:lumMod val="85000"/>
+                    <a:lumOff val="15000"/>
+                  </a:schemeClr>
+                </a:solidFill>
+                <a:latin typeface="+mn-ea"/>
+              </a:rPr>
+              <a:t>16</a:t>
+            </a:r>
+            <a:r>
+              <a:rPr kumimoji="1" lang="ko-KR" altLang="en-US" b="1" dirty="0" smtClean="0">
+                <a:solidFill>
+                  <a:schemeClr val="tx1">
+                    <a:lumMod val="85000"/>
+                    <a:lumOff val="15000"/>
+                  </a:schemeClr>
+                </a:solidFill>
+                <a:latin typeface="+mn-ea"/>
+              </a:rPr>
+              <a:t> </a:t>
+            </a:r>
+            <a:r>
+              <a:rPr kumimoji="1" lang="en-US" altLang="ko-KR" b="1" dirty="0" smtClean="0">
+                <a:solidFill>
+                  <a:schemeClr val="tx1">
+                    <a:lumMod val="85000"/>
+                    <a:lumOff val="15000"/>
+                  </a:schemeClr>
+                </a:solidFill>
+                <a:latin typeface="+mn-ea"/>
+              </a:rPr>
+              <a:t>/</a:t>
+            </a:r>
+            <a:r>
+              <a:rPr kumimoji="1" lang="ko-KR" altLang="en-US" b="1" dirty="0" smtClean="0">
+                <a:solidFill>
+                  <a:schemeClr val="tx1">
+                    <a:lumMod val="85000"/>
+                    <a:lumOff val="15000"/>
+                  </a:schemeClr>
+                </a:solidFill>
+                <a:latin typeface="+mn-ea"/>
+              </a:rPr>
+              <a:t> </a:t>
+            </a:r>
+            <a:r>
+              <a:rPr kumimoji="1" lang="en-US" altLang="ko-KR" b="1" dirty="0" smtClean="0">
+                <a:solidFill>
+                  <a:schemeClr val="tx1">
+                    <a:lumMod val="85000"/>
+                    <a:lumOff val="15000"/>
+                  </a:schemeClr>
+                </a:solidFill>
+                <a:latin typeface="+mn-ea"/>
+              </a:rPr>
+              <a:t>22</a:t>
+            </a:r>
+            <a:endParaRPr kumimoji="1" lang="ko-KR" altLang="en-US" b="1" dirty="0">
+              <a:solidFill>
+                <a:schemeClr val="tx1">
+                  <a:lumMod val="85000"/>
+                  <a:lumOff val="15000"/>
+                </a:schemeClr>
+              </a:solidFill>
+              <a:latin typeface="+mn-ea"/>
+            </a:endParaRPr>
+          </a:p>
+        </p:txBody>
+      </p:sp>
     </p:spTree>
     <p:extLst>
       <p:ext uri="{BB962C8B-B14F-4D97-AF65-F5344CB8AC3E}">
@@ -12547,6 +13503,100 @@
               <a:solidFill>
                 <a:srgbClr val="FFC000"/>
               </a:solidFill>
+            </a:endParaRPr>
+          </a:p>
+        </p:txBody>
+      </p:sp>
+      <p:sp>
+        <p:nvSpPr>
+          <p:cNvPr id="18" name="텍스트 상자 17"/>
+          <p:cNvSpPr txBox="1"/>
+          <p:nvPr/>
+        </p:nvSpPr>
+        <p:spPr>
+          <a:xfrm>
+            <a:off x="11204621" y="0"/>
+            <a:ext cx="987380" cy="369332"/>
+          </a:xfrm>
+          <a:prstGeom prst="rect">
+            <a:avLst/>
+          </a:prstGeom>
+          <a:noFill/>
+        </p:spPr>
+        <p:txBody>
+          <a:bodyPr wrap="square" rtlCol="0">
+            <a:spAutoFit/>
+          </a:bodyPr>
+          <a:lstStyle/>
+          <a:p>
+            <a:r>
+              <a:rPr kumimoji="1" lang="en-US" altLang="ko-KR" b="1" dirty="0" smtClean="0">
+                <a:solidFill>
+                  <a:schemeClr val="tx1">
+                    <a:lumMod val="85000"/>
+                    <a:lumOff val="15000"/>
+                  </a:schemeClr>
+                </a:solidFill>
+                <a:latin typeface="+mn-ea"/>
+              </a:rPr>
+              <a:t>17</a:t>
+            </a:r>
+            <a:r>
+              <a:rPr kumimoji="1" lang="ko-KR" altLang="en-US" b="1" dirty="0" smtClean="0">
+                <a:solidFill>
+                  <a:schemeClr val="tx1">
+                    <a:lumMod val="85000"/>
+                    <a:lumOff val="15000"/>
+                  </a:schemeClr>
+                </a:solidFill>
+                <a:latin typeface="+mn-ea"/>
+              </a:rPr>
+              <a:t> </a:t>
+            </a:r>
+            <a:r>
+              <a:rPr kumimoji="1" lang="en-US" altLang="ko-KR" b="1" dirty="0" smtClean="0">
+                <a:solidFill>
+                  <a:schemeClr val="tx1">
+                    <a:lumMod val="85000"/>
+                    <a:lumOff val="15000"/>
+                  </a:schemeClr>
+                </a:solidFill>
+                <a:latin typeface="+mn-ea"/>
+              </a:rPr>
+              <a:t>/</a:t>
+            </a:r>
+            <a:r>
+              <a:rPr kumimoji="1" lang="ko-KR" altLang="en-US" b="1" dirty="0" smtClean="0">
+                <a:solidFill>
+                  <a:schemeClr val="tx1">
+                    <a:lumMod val="85000"/>
+                    <a:lumOff val="15000"/>
+                  </a:schemeClr>
+                </a:solidFill>
+                <a:latin typeface="+mn-ea"/>
+              </a:rPr>
+              <a:t> </a:t>
+            </a:r>
+            <a:r>
+              <a:rPr kumimoji="1" lang="en-US" altLang="ko-KR" b="1" dirty="0" smtClean="0">
+                <a:solidFill>
+                  <a:schemeClr val="tx1">
+                    <a:lumMod val="85000"/>
+                    <a:lumOff val="15000"/>
+                  </a:schemeClr>
+                </a:solidFill>
+                <a:latin typeface="+mn-ea"/>
+              </a:rPr>
+              <a:t>22</a:t>
+            </a:r>
+            <a:endParaRPr kumimoji="1" lang="ko-KR" altLang="en-US" b="1" dirty="0">
+              <a:solidFill>
+                <a:schemeClr val="tx1">
+                  <a:lumMod val="85000"/>
+                  <a:lumOff val="15000"/>
+                </a:schemeClr>
+              </a:solidFill>
+              <a:latin typeface="+mn-ea"/>
             </a:endParaRPr>
           </a:p>
         </p:txBody>
@@ -13835,6 +14885,100 @@
           </a:p>
         </p:txBody>
       </p:sp>
+      <p:sp>
+        <p:nvSpPr>
+          <p:cNvPr id="17" name="텍스트 상자 16"/>
+          <p:cNvSpPr txBox="1"/>
+          <p:nvPr/>
+        </p:nvSpPr>
+        <p:spPr>
+          <a:xfrm>
+            <a:off x="11204621" y="0"/>
+            <a:ext cx="987380" cy="369332"/>
+          </a:xfrm>
+          <a:prstGeom prst="rect">
+            <a:avLst/>
+          </a:prstGeom>
+          <a:noFill/>
+        </p:spPr>
+        <p:txBody>
+          <a:bodyPr wrap="square" rtlCol="0">
+            <a:spAutoFit/>
+          </a:bodyPr>
+          <a:lstStyle/>
+          <a:p>
+            <a:r>
+              <a:rPr kumimoji="1" lang="en-US" altLang="ko-KR" b="1" dirty="0" smtClean="0">
+                <a:solidFill>
+                  <a:schemeClr val="tx1">
+                    <a:lumMod val="85000"/>
+                    <a:lumOff val="15000"/>
+                  </a:schemeClr>
+                </a:solidFill>
+                <a:latin typeface="+mn-ea"/>
+              </a:rPr>
+              <a:t>18</a:t>
+            </a:r>
+            <a:r>
+              <a:rPr kumimoji="1" lang="ko-KR" altLang="en-US" b="1" dirty="0" smtClean="0">
+                <a:solidFill>
+                  <a:schemeClr val="tx1">
+                    <a:lumMod val="85000"/>
+                    <a:lumOff val="15000"/>
+                  </a:schemeClr>
+                </a:solidFill>
+                <a:latin typeface="+mn-ea"/>
+              </a:rPr>
+              <a:t> </a:t>
+            </a:r>
+            <a:r>
+              <a:rPr kumimoji="1" lang="en-US" altLang="ko-KR" b="1" dirty="0" smtClean="0">
+                <a:solidFill>
+                  <a:schemeClr val="tx1">
+                    <a:lumMod val="85000"/>
+                    <a:lumOff val="15000"/>
+                  </a:schemeClr>
+                </a:solidFill>
+                <a:latin typeface="+mn-ea"/>
+              </a:rPr>
+              <a:t>/</a:t>
+            </a:r>
+            <a:r>
+              <a:rPr kumimoji="1" lang="ko-KR" altLang="en-US" b="1" dirty="0" smtClean="0">
+                <a:solidFill>
+                  <a:schemeClr val="tx1">
+                    <a:lumMod val="85000"/>
+                    <a:lumOff val="15000"/>
+                  </a:schemeClr>
+                </a:solidFill>
+                <a:latin typeface="+mn-ea"/>
+              </a:rPr>
+              <a:t> </a:t>
+            </a:r>
+            <a:r>
+              <a:rPr kumimoji="1" lang="en-US" altLang="ko-KR" b="1" dirty="0" smtClean="0">
+                <a:solidFill>
+                  <a:schemeClr val="tx1">
+                    <a:lumMod val="85000"/>
+                    <a:lumOff val="15000"/>
+                  </a:schemeClr>
+                </a:solidFill>
+                <a:latin typeface="+mn-ea"/>
+              </a:rPr>
+              <a:t>22</a:t>
+            </a:r>
+            <a:endParaRPr kumimoji="1" lang="ko-KR" altLang="en-US" b="1" dirty="0">
+              <a:solidFill>
+                <a:schemeClr val="tx1">
+                  <a:lumMod val="85000"/>
+                  <a:lumOff val="15000"/>
+                </a:schemeClr>
+              </a:solidFill>
+              <a:latin typeface="+mn-ea"/>
+            </a:endParaRPr>
+          </a:p>
+        </p:txBody>
+      </p:sp>
     </p:spTree>
     <p:extLst>
       <p:ext uri="{BB962C8B-B14F-4D97-AF65-F5344CB8AC3E}">
@@ -15603,7 +16747,7 @@
           <p:nvPr/>
         </p:nvPicPr>
         <p:blipFill>
-          <a:blip r:embed="rId2">
+          <a:blip r:embed="rId3">
             <a:extLst>
               <a:ext uri="{28A0092B-C50C-407E-A947-70E740481C1C}">
                 <a14:useLocalDpi xmlns:a14="http://schemas.microsoft.com/office/drawing/2010/main" val="0"/>
@@ -15664,6 +16808,100 @@
           </a:fontRef>
         </p:style>
       </p:cxnSp>
+      <p:sp>
+        <p:nvSpPr>
+          <p:cNvPr id="49" name="텍스트 상자 48"/>
+          <p:cNvSpPr txBox="1"/>
+          <p:nvPr/>
+        </p:nvSpPr>
+        <p:spPr>
+          <a:xfrm>
+            <a:off x="11204621" y="0"/>
+            <a:ext cx="987380" cy="369332"/>
+          </a:xfrm>
+          <a:prstGeom prst="rect">
+            <a:avLst/>
+          </a:prstGeom>
+          <a:noFill/>
+        </p:spPr>
+        <p:txBody>
+          <a:bodyPr wrap="square" rtlCol="0">
+            <a:spAutoFit/>
+          </a:bodyPr>
+          <a:lstStyle/>
+          <a:p>
+            <a:r>
+              <a:rPr kumimoji="1" lang="en-US" altLang="ko-KR" b="1" dirty="0" smtClean="0">
+                <a:solidFill>
+                  <a:schemeClr val="tx1">
+                    <a:lumMod val="85000"/>
+                    <a:lumOff val="15000"/>
+                  </a:schemeClr>
+                </a:solidFill>
+                <a:latin typeface="+mn-ea"/>
+              </a:rPr>
+              <a:t>19</a:t>
+            </a:r>
+            <a:r>
+              <a:rPr kumimoji="1" lang="ko-KR" altLang="en-US" b="1" dirty="0" smtClean="0">
+                <a:solidFill>
+                  <a:schemeClr val="tx1">
+                    <a:lumMod val="85000"/>
+                    <a:lumOff val="15000"/>
+                  </a:schemeClr>
+                </a:solidFill>
+                <a:latin typeface="+mn-ea"/>
+              </a:rPr>
+              <a:t> </a:t>
+            </a:r>
+            <a:r>
+              <a:rPr kumimoji="1" lang="en-US" altLang="ko-KR" b="1" dirty="0" smtClean="0">
+                <a:solidFill>
+                  <a:schemeClr val="tx1">
+                    <a:lumMod val="85000"/>
+                    <a:lumOff val="15000"/>
+                  </a:schemeClr>
+                </a:solidFill>
+                <a:latin typeface="+mn-ea"/>
+              </a:rPr>
+              <a:t>/</a:t>
+            </a:r>
+            <a:r>
+              <a:rPr kumimoji="1" lang="ko-KR" altLang="en-US" b="1" dirty="0" smtClean="0">
+                <a:solidFill>
+                  <a:schemeClr val="tx1">
+                    <a:lumMod val="85000"/>
+                    <a:lumOff val="15000"/>
+                  </a:schemeClr>
+                </a:solidFill>
+                <a:latin typeface="+mn-ea"/>
+              </a:rPr>
+              <a:t> </a:t>
+            </a:r>
+            <a:r>
+              <a:rPr kumimoji="1" lang="en-US" altLang="ko-KR" b="1" dirty="0" smtClean="0">
+                <a:solidFill>
+                  <a:schemeClr val="tx1">
+                    <a:lumMod val="85000"/>
+                    <a:lumOff val="15000"/>
+                  </a:schemeClr>
+                </a:solidFill>
+                <a:latin typeface="+mn-ea"/>
+              </a:rPr>
+              <a:t>22</a:t>
+            </a:r>
+            <a:endParaRPr kumimoji="1" lang="ko-KR" altLang="en-US" b="1" dirty="0">
+              <a:solidFill>
+                <a:schemeClr val="tx1">
+                  <a:lumMod val="85000"/>
+                  <a:lumOff val="15000"/>
+                </a:schemeClr>
+              </a:solidFill>
+              <a:latin typeface="+mn-ea"/>
+            </a:endParaRPr>
+          </a:p>
+        </p:txBody>
+      </p:sp>
     </p:spTree>
     <p:extLst>
       <p:ext uri="{BB962C8B-B14F-4D97-AF65-F5344CB8AC3E}">
@@ -17014,7 +18252,7 @@
           <p:cNvPr id="19" name="TextBox 18">
             <a:extLst>
               <a:ext uri="{FF2B5EF4-FFF2-40B4-BE49-F238E27FC236}">
-                <a16:creationId xmlns="" xmlns:a16="http://schemas.microsoft.com/office/drawing/2014/main" id="{69882930-BFC0-4DAF-854C-CA9A55A4DE7D}"/>
+                <a16:creationId xmlns:a16="http://schemas.microsoft.com/office/drawing/2014/main" xmlns="" id="{69882930-BFC0-4DAF-854C-CA9A55A4DE7D}"/>
               </a:ext>
             </a:extLst>
           </p:cNvPr>
@@ -17058,7 +18296,7 @@
           <p:cNvPr id="20" name="TextBox 19">
             <a:extLst>
               <a:ext uri="{FF2B5EF4-FFF2-40B4-BE49-F238E27FC236}">
-                <a16:creationId xmlns="" xmlns:a16="http://schemas.microsoft.com/office/drawing/2014/main" id="{CFE0347B-6C4D-4E97-BF2E-76FDFF1C8635}"/>
+                <a16:creationId xmlns:a16="http://schemas.microsoft.com/office/drawing/2014/main" xmlns="" id="{CFE0347B-6C4D-4E97-BF2E-76FDFF1C8635}"/>
               </a:ext>
             </a:extLst>
           </p:cNvPr>
@@ -17106,7 +18344,7 @@
           <p:cNvPr id="21" name="TextBox 13">
             <a:extLst>
               <a:ext uri="{FF2B5EF4-FFF2-40B4-BE49-F238E27FC236}">
-                <a16:creationId xmlns="" xmlns:a16="http://schemas.microsoft.com/office/drawing/2014/main" id="{E56ED49B-24D1-495B-8D57-F91216155341}"/>
+                <a16:creationId xmlns:a16="http://schemas.microsoft.com/office/drawing/2014/main" xmlns="" id="{E56ED49B-24D1-495B-8D57-F91216155341}"/>
               </a:ext>
             </a:extLst>
           </p:cNvPr>
@@ -17201,6 +18439,100 @@
                   <a:lumOff val="25000"/>
                 </a:schemeClr>
               </a:solidFill>
+            </a:endParaRPr>
+          </a:p>
+        </p:txBody>
+      </p:sp>
+      <p:sp>
+        <p:nvSpPr>
+          <p:cNvPr id="23" name="텍스트 상자 22"/>
+          <p:cNvSpPr txBox="1"/>
+          <p:nvPr/>
+        </p:nvSpPr>
+        <p:spPr>
+          <a:xfrm>
+            <a:off x="11256135" y="0"/>
+            <a:ext cx="935865" cy="369332"/>
+          </a:xfrm>
+          <a:prstGeom prst="rect">
+            <a:avLst/>
+          </a:prstGeom>
+          <a:noFill/>
+        </p:spPr>
+        <p:txBody>
+          <a:bodyPr wrap="square" rtlCol="0">
+            <a:spAutoFit/>
+          </a:bodyPr>
+          <a:lstStyle/>
+          <a:p>
+            <a:r>
+              <a:rPr kumimoji="1" lang="en-US" altLang="ko-KR" b="1" dirty="0">
+                <a:solidFill>
+                  <a:schemeClr val="tx1">
+                    <a:lumMod val="85000"/>
+                    <a:lumOff val="15000"/>
+                  </a:schemeClr>
+                </a:solidFill>
+                <a:latin typeface="+mn-ea"/>
+              </a:rPr>
+              <a:t>2</a:t>
+            </a:r>
+            <a:r>
+              <a:rPr kumimoji="1" lang="ko-KR" altLang="en-US" b="1" dirty="0" smtClean="0">
+                <a:solidFill>
+                  <a:schemeClr val="tx1">
+                    <a:lumMod val="85000"/>
+                    <a:lumOff val="15000"/>
+                  </a:schemeClr>
+                </a:solidFill>
+                <a:latin typeface="+mn-ea"/>
+              </a:rPr>
+              <a:t> </a:t>
+            </a:r>
+            <a:r>
+              <a:rPr kumimoji="1" lang="en-US" altLang="ko-KR" b="1" dirty="0" smtClean="0">
+                <a:solidFill>
+                  <a:schemeClr val="tx1">
+                    <a:lumMod val="85000"/>
+                    <a:lumOff val="15000"/>
+                  </a:schemeClr>
+                </a:solidFill>
+                <a:latin typeface="+mn-ea"/>
+              </a:rPr>
+              <a:t>/</a:t>
+            </a:r>
+            <a:r>
+              <a:rPr kumimoji="1" lang="ko-KR" altLang="en-US" b="1" dirty="0" smtClean="0">
+                <a:solidFill>
+                  <a:schemeClr val="tx1">
+                    <a:lumMod val="85000"/>
+                    <a:lumOff val="15000"/>
+                  </a:schemeClr>
+                </a:solidFill>
+                <a:latin typeface="+mn-ea"/>
+              </a:rPr>
+              <a:t> </a:t>
+            </a:r>
+            <a:r>
+              <a:rPr kumimoji="1" lang="en-US" altLang="ko-KR" b="1" dirty="0" smtClean="0">
+                <a:solidFill>
+                  <a:schemeClr val="tx1">
+                    <a:lumMod val="85000"/>
+                    <a:lumOff val="15000"/>
+                  </a:schemeClr>
+                </a:solidFill>
+                <a:latin typeface="+mn-ea"/>
+              </a:rPr>
+              <a:t>22</a:t>
+            </a:r>
+            <a:endParaRPr kumimoji="1" lang="ko-KR" altLang="en-US" b="1" dirty="0">
+              <a:solidFill>
+                <a:schemeClr val="tx1">
+                  <a:lumMod val="85000"/>
+                  <a:lumOff val="15000"/>
+                </a:schemeClr>
+              </a:solidFill>
+              <a:latin typeface="+mn-ea"/>
             </a:endParaRPr>
           </a:p>
         </p:txBody>
@@ -19039,6 +20371,112 @@
               <a:solidFill>
                 <a:schemeClr val="bg1"/>
               </a:solidFill>
+            </a:endParaRPr>
+          </a:p>
+        </p:txBody>
+      </p:sp>
+      <p:sp>
+        <p:nvSpPr>
+          <p:cNvPr id="45" name="텍스트 상자 44"/>
+          <p:cNvSpPr txBox="1"/>
+          <p:nvPr/>
+        </p:nvSpPr>
+        <p:spPr>
+          <a:xfrm>
+            <a:off x="11204621" y="0"/>
+            <a:ext cx="987380" cy="369332"/>
+          </a:xfrm>
+          <a:prstGeom prst="rect">
+            <a:avLst/>
+          </a:prstGeom>
+          <a:noFill/>
+        </p:spPr>
+        <p:txBody>
+          <a:bodyPr wrap="square" rtlCol="0">
+            <a:spAutoFit/>
+          </a:bodyPr>
+          <a:lstStyle/>
+          <a:p>
+            <a:r>
+              <a:rPr kumimoji="1" lang="en-US" altLang="ko-KR" b="1" dirty="0">
+                <a:solidFill>
+                  <a:schemeClr val="tx1">
+                    <a:lumMod val="85000"/>
+                    <a:lumOff val="15000"/>
+                  </a:schemeClr>
+                </a:solidFill>
+                <a:latin typeface="+mn-ea"/>
+              </a:rPr>
+              <a:t>2</a:t>
+            </a:r>
+            <a:r>
+              <a:rPr kumimoji="1" lang="en-US" altLang="ko-KR" b="1" dirty="0" smtClean="0">
+                <a:solidFill>
+                  <a:schemeClr val="tx1">
+                    <a:lumMod val="85000"/>
+                    <a:lumOff val="15000"/>
+                  </a:schemeClr>
+                </a:solidFill>
+                <a:latin typeface="+mn-ea"/>
+              </a:rPr>
+              <a:t>0</a:t>
+            </a:r>
+            <a:r>
+              <a:rPr kumimoji="1" lang="ko-KR" altLang="en-US" b="1" dirty="0" smtClean="0">
+                <a:solidFill>
+                  <a:schemeClr val="tx1">
+                    <a:lumMod val="85000"/>
+                    <a:lumOff val="15000"/>
+                  </a:schemeClr>
+                </a:solidFill>
+                <a:latin typeface="+mn-ea"/>
+              </a:rPr>
+              <a:t> </a:t>
+            </a:r>
+            <a:r>
+              <a:rPr kumimoji="1" lang="en-US" altLang="ko-KR" b="1" dirty="0" smtClean="0">
+                <a:solidFill>
+                  <a:schemeClr val="tx1">
+                    <a:lumMod val="85000"/>
+                    <a:lumOff val="15000"/>
+                  </a:schemeClr>
+                </a:solidFill>
+                <a:latin typeface="+mn-ea"/>
+              </a:rPr>
+              <a:t>/</a:t>
+            </a:r>
+            <a:r>
+              <a:rPr kumimoji="1" lang="ko-KR" altLang="en-US" b="1" dirty="0" smtClean="0">
+                <a:solidFill>
+                  <a:schemeClr val="tx1">
+                    <a:lumMod val="85000"/>
+                    <a:lumOff val="15000"/>
+                  </a:schemeClr>
+                </a:solidFill>
+                <a:latin typeface="+mn-ea"/>
+              </a:rPr>
+              <a:t> </a:t>
+            </a:r>
+            <a:r>
+              <a:rPr kumimoji="1" lang="en-US" altLang="ko-KR" b="1" dirty="0" smtClean="0">
+                <a:solidFill>
+                  <a:schemeClr val="tx1">
+                    <a:lumMod val="85000"/>
+                    <a:lumOff val="15000"/>
+                  </a:schemeClr>
+                </a:solidFill>
+                <a:latin typeface="+mn-ea"/>
+              </a:rPr>
+              <a:t>22</a:t>
+            </a:r>
+            <a:endParaRPr kumimoji="1" lang="ko-KR" altLang="en-US" b="1" dirty="0">
+              <a:solidFill>
+                <a:schemeClr val="tx1">
+                  <a:lumMod val="85000"/>
+                  <a:lumOff val="15000"/>
+                </a:schemeClr>
+              </a:solidFill>
+              <a:latin typeface="+mn-ea"/>
             </a:endParaRPr>
           </a:p>
         </p:txBody>
@@ -21131,6 +22569,100 @@
           </a:ln>
         </p:spPr>
       </p:pic>
+      <p:sp>
+        <p:nvSpPr>
+          <p:cNvPr id="43" name="텍스트 상자 42"/>
+          <p:cNvSpPr txBox="1"/>
+          <p:nvPr/>
+        </p:nvSpPr>
+        <p:spPr>
+          <a:xfrm>
+            <a:off x="11204621" y="0"/>
+            <a:ext cx="987380" cy="369332"/>
+          </a:xfrm>
+          <a:prstGeom prst="rect">
+            <a:avLst/>
+          </a:prstGeom>
+          <a:noFill/>
+        </p:spPr>
+        <p:txBody>
+          <a:bodyPr wrap="square" rtlCol="0">
+            <a:spAutoFit/>
+          </a:bodyPr>
+          <a:lstStyle/>
+          <a:p>
+            <a:r>
+              <a:rPr kumimoji="1" lang="en-US" altLang="ko-KR" b="1" dirty="0" smtClean="0">
+                <a:solidFill>
+                  <a:schemeClr val="tx1">
+                    <a:lumMod val="85000"/>
+                    <a:lumOff val="15000"/>
+                  </a:schemeClr>
+                </a:solidFill>
+                <a:latin typeface="+mn-ea"/>
+              </a:rPr>
+              <a:t>21</a:t>
+            </a:r>
+            <a:r>
+              <a:rPr kumimoji="1" lang="ko-KR" altLang="en-US" b="1" dirty="0" smtClean="0">
+                <a:solidFill>
+                  <a:schemeClr val="tx1">
+                    <a:lumMod val="85000"/>
+                    <a:lumOff val="15000"/>
+                  </a:schemeClr>
+                </a:solidFill>
+                <a:latin typeface="+mn-ea"/>
+              </a:rPr>
+              <a:t> </a:t>
+            </a:r>
+            <a:r>
+              <a:rPr kumimoji="1" lang="en-US" altLang="ko-KR" b="1" dirty="0" smtClean="0">
+                <a:solidFill>
+                  <a:schemeClr val="tx1">
+                    <a:lumMod val="85000"/>
+                    <a:lumOff val="15000"/>
+                  </a:schemeClr>
+                </a:solidFill>
+                <a:latin typeface="+mn-ea"/>
+              </a:rPr>
+              <a:t>/</a:t>
+            </a:r>
+            <a:r>
+              <a:rPr kumimoji="1" lang="ko-KR" altLang="en-US" b="1" dirty="0" smtClean="0">
+                <a:solidFill>
+                  <a:schemeClr val="tx1">
+                    <a:lumMod val="85000"/>
+                    <a:lumOff val="15000"/>
+                  </a:schemeClr>
+                </a:solidFill>
+                <a:latin typeface="+mn-ea"/>
+              </a:rPr>
+              <a:t> </a:t>
+            </a:r>
+            <a:r>
+              <a:rPr kumimoji="1" lang="en-US" altLang="ko-KR" b="1" dirty="0" smtClean="0">
+                <a:solidFill>
+                  <a:schemeClr val="tx1">
+                    <a:lumMod val="85000"/>
+                    <a:lumOff val="15000"/>
+                  </a:schemeClr>
+                </a:solidFill>
+                <a:latin typeface="+mn-ea"/>
+              </a:rPr>
+              <a:t>22</a:t>
+            </a:r>
+            <a:endParaRPr kumimoji="1" lang="ko-KR" altLang="en-US" b="1" dirty="0">
+              <a:solidFill>
+                <a:schemeClr val="tx1">
+                  <a:lumMod val="85000"/>
+                  <a:lumOff val="15000"/>
+                </a:schemeClr>
+              </a:solidFill>
+              <a:latin typeface="+mn-ea"/>
+            </a:endParaRPr>
+          </a:p>
+        </p:txBody>
+      </p:sp>
     </p:spTree>
     <p:extLst>
       <p:ext uri="{BB962C8B-B14F-4D97-AF65-F5344CB8AC3E}">
@@ -21703,6 +23235,100 @@
           </p:txBody>
         </p:sp>
       </p:grpSp>
+      <p:sp>
+        <p:nvSpPr>
+          <p:cNvPr id="15" name="텍스트 상자 14"/>
+          <p:cNvSpPr txBox="1"/>
+          <p:nvPr/>
+        </p:nvSpPr>
+        <p:spPr>
+          <a:xfrm>
+            <a:off x="11204621" y="0"/>
+            <a:ext cx="987380" cy="369332"/>
+          </a:xfrm>
+          <a:prstGeom prst="rect">
+            <a:avLst/>
+          </a:prstGeom>
+          <a:noFill/>
+        </p:spPr>
+        <p:txBody>
+          <a:bodyPr wrap="square" rtlCol="0">
+            <a:spAutoFit/>
+          </a:bodyPr>
+          <a:lstStyle/>
+          <a:p>
+            <a:r>
+              <a:rPr kumimoji="1" lang="en-US" altLang="ko-KR" b="1" dirty="0" smtClean="0">
+                <a:solidFill>
+                  <a:schemeClr val="tx1">
+                    <a:lumMod val="85000"/>
+                    <a:lumOff val="15000"/>
+                  </a:schemeClr>
+                </a:solidFill>
+                <a:latin typeface="+mn-ea"/>
+              </a:rPr>
+              <a:t>22</a:t>
+            </a:r>
+            <a:r>
+              <a:rPr kumimoji="1" lang="ko-KR" altLang="en-US" b="1" dirty="0" smtClean="0">
+                <a:solidFill>
+                  <a:schemeClr val="tx1">
+                    <a:lumMod val="85000"/>
+                    <a:lumOff val="15000"/>
+                  </a:schemeClr>
+                </a:solidFill>
+                <a:latin typeface="+mn-ea"/>
+              </a:rPr>
+              <a:t> </a:t>
+            </a:r>
+            <a:r>
+              <a:rPr kumimoji="1" lang="en-US" altLang="ko-KR" b="1" dirty="0" smtClean="0">
+                <a:solidFill>
+                  <a:schemeClr val="tx1">
+                    <a:lumMod val="85000"/>
+                    <a:lumOff val="15000"/>
+                  </a:schemeClr>
+                </a:solidFill>
+                <a:latin typeface="+mn-ea"/>
+              </a:rPr>
+              <a:t>/</a:t>
+            </a:r>
+            <a:r>
+              <a:rPr kumimoji="1" lang="ko-KR" altLang="en-US" b="1" dirty="0" smtClean="0">
+                <a:solidFill>
+                  <a:schemeClr val="tx1">
+                    <a:lumMod val="85000"/>
+                    <a:lumOff val="15000"/>
+                  </a:schemeClr>
+                </a:solidFill>
+                <a:latin typeface="+mn-ea"/>
+              </a:rPr>
+              <a:t> </a:t>
+            </a:r>
+            <a:r>
+              <a:rPr kumimoji="1" lang="en-US" altLang="ko-KR" b="1" dirty="0" smtClean="0">
+                <a:solidFill>
+                  <a:schemeClr val="tx1">
+                    <a:lumMod val="85000"/>
+                    <a:lumOff val="15000"/>
+                  </a:schemeClr>
+                </a:solidFill>
+                <a:latin typeface="+mn-ea"/>
+              </a:rPr>
+              <a:t>22</a:t>
+            </a:r>
+            <a:endParaRPr kumimoji="1" lang="ko-KR" altLang="en-US" b="1" dirty="0">
+              <a:solidFill>
+                <a:schemeClr val="tx1">
+                  <a:lumMod val="85000"/>
+                  <a:lumOff val="15000"/>
+                </a:schemeClr>
+              </a:solidFill>
+              <a:latin typeface="+mn-ea"/>
+            </a:endParaRPr>
+          </a:p>
+        </p:txBody>
+      </p:sp>
     </p:spTree>
     <p:extLst>
       <p:ext uri="{BB962C8B-B14F-4D97-AF65-F5344CB8AC3E}">
@@ -22690,6 +24316,100 @@
           </a:p>
         </p:txBody>
       </p:sp>
+      <p:sp>
+        <p:nvSpPr>
+          <p:cNvPr id="13" name="텍스트 상자 12"/>
+          <p:cNvSpPr txBox="1"/>
+          <p:nvPr/>
+        </p:nvSpPr>
+        <p:spPr>
+          <a:xfrm>
+            <a:off x="11256135" y="0"/>
+            <a:ext cx="935865" cy="369332"/>
+          </a:xfrm>
+          <a:prstGeom prst="rect">
+            <a:avLst/>
+          </a:prstGeom>
+          <a:noFill/>
+        </p:spPr>
+        <p:txBody>
+          <a:bodyPr wrap="square" rtlCol="0">
+            <a:spAutoFit/>
+          </a:bodyPr>
+          <a:lstStyle/>
+          <a:p>
+            <a:r>
+              <a:rPr kumimoji="1" lang="en-US" altLang="ko-KR" b="1" dirty="0">
+                <a:solidFill>
+                  <a:schemeClr val="tx1">
+                    <a:lumMod val="85000"/>
+                    <a:lumOff val="15000"/>
+                  </a:schemeClr>
+                </a:solidFill>
+                <a:latin typeface="+mn-ea"/>
+              </a:rPr>
+              <a:t>3</a:t>
+            </a:r>
+            <a:r>
+              <a:rPr kumimoji="1" lang="ko-KR" altLang="en-US" b="1" dirty="0" smtClean="0">
+                <a:solidFill>
+                  <a:schemeClr val="tx1">
+                    <a:lumMod val="85000"/>
+                    <a:lumOff val="15000"/>
+                  </a:schemeClr>
+                </a:solidFill>
+                <a:latin typeface="+mn-ea"/>
+              </a:rPr>
+              <a:t> </a:t>
+            </a:r>
+            <a:r>
+              <a:rPr kumimoji="1" lang="en-US" altLang="ko-KR" b="1" dirty="0" smtClean="0">
+                <a:solidFill>
+                  <a:schemeClr val="tx1">
+                    <a:lumMod val="85000"/>
+                    <a:lumOff val="15000"/>
+                  </a:schemeClr>
+                </a:solidFill>
+                <a:latin typeface="+mn-ea"/>
+              </a:rPr>
+              <a:t>/</a:t>
+            </a:r>
+            <a:r>
+              <a:rPr kumimoji="1" lang="ko-KR" altLang="en-US" b="1" dirty="0" smtClean="0">
+                <a:solidFill>
+                  <a:schemeClr val="tx1">
+                    <a:lumMod val="85000"/>
+                    <a:lumOff val="15000"/>
+                  </a:schemeClr>
+                </a:solidFill>
+                <a:latin typeface="+mn-ea"/>
+              </a:rPr>
+              <a:t> </a:t>
+            </a:r>
+            <a:r>
+              <a:rPr kumimoji="1" lang="en-US" altLang="ko-KR" b="1" dirty="0" smtClean="0">
+                <a:solidFill>
+                  <a:schemeClr val="tx1">
+                    <a:lumMod val="85000"/>
+                    <a:lumOff val="15000"/>
+                  </a:schemeClr>
+                </a:solidFill>
+                <a:latin typeface="+mn-ea"/>
+              </a:rPr>
+              <a:t>22</a:t>
+            </a:r>
+            <a:endParaRPr kumimoji="1" lang="ko-KR" altLang="en-US" b="1" dirty="0">
+              <a:solidFill>
+                <a:schemeClr val="tx1">
+                  <a:lumMod val="85000"/>
+                  <a:lumOff val="15000"/>
+                </a:schemeClr>
+              </a:solidFill>
+              <a:latin typeface="+mn-ea"/>
+            </a:endParaRPr>
+          </a:p>
+        </p:txBody>
+      </p:sp>
     </p:spTree>
     <p:extLst>
       <p:ext uri="{BB962C8B-B14F-4D97-AF65-F5344CB8AC3E}">
@@ -23644,6 +25364,100 @@
                 </a:schemeClr>
               </a:solidFill>
               <a:latin typeface="+mj-ea"/>
+            </a:endParaRPr>
+          </a:p>
+        </p:txBody>
+      </p:sp>
+      <p:sp>
+        <p:nvSpPr>
+          <p:cNvPr id="16" name="텍스트 상자 15"/>
+          <p:cNvSpPr txBox="1"/>
+          <p:nvPr/>
+        </p:nvSpPr>
+        <p:spPr>
+          <a:xfrm>
+            <a:off x="11256135" y="0"/>
+            <a:ext cx="935865" cy="369332"/>
+          </a:xfrm>
+          <a:prstGeom prst="rect">
+            <a:avLst/>
+          </a:prstGeom>
+          <a:noFill/>
+        </p:spPr>
+        <p:txBody>
+          <a:bodyPr wrap="square" rtlCol="0">
+            <a:spAutoFit/>
+          </a:bodyPr>
+          <a:lstStyle/>
+          <a:p>
+            <a:r>
+              <a:rPr kumimoji="1" lang="en-US" altLang="ko-KR" b="1" dirty="0">
+                <a:solidFill>
+                  <a:schemeClr val="tx1">
+                    <a:lumMod val="85000"/>
+                    <a:lumOff val="15000"/>
+                  </a:schemeClr>
+                </a:solidFill>
+                <a:latin typeface="+mn-ea"/>
+              </a:rPr>
+              <a:t>4</a:t>
+            </a:r>
+            <a:r>
+              <a:rPr kumimoji="1" lang="ko-KR" altLang="en-US" b="1" dirty="0" smtClean="0">
+                <a:solidFill>
+                  <a:schemeClr val="tx1">
+                    <a:lumMod val="85000"/>
+                    <a:lumOff val="15000"/>
+                  </a:schemeClr>
+                </a:solidFill>
+                <a:latin typeface="+mn-ea"/>
+              </a:rPr>
+              <a:t> </a:t>
+            </a:r>
+            <a:r>
+              <a:rPr kumimoji="1" lang="en-US" altLang="ko-KR" b="1" dirty="0" smtClean="0">
+                <a:solidFill>
+                  <a:schemeClr val="tx1">
+                    <a:lumMod val="85000"/>
+                    <a:lumOff val="15000"/>
+                  </a:schemeClr>
+                </a:solidFill>
+                <a:latin typeface="+mn-ea"/>
+              </a:rPr>
+              <a:t>/</a:t>
+            </a:r>
+            <a:r>
+              <a:rPr kumimoji="1" lang="ko-KR" altLang="en-US" b="1" dirty="0" smtClean="0">
+                <a:solidFill>
+                  <a:schemeClr val="tx1">
+                    <a:lumMod val="85000"/>
+                    <a:lumOff val="15000"/>
+                  </a:schemeClr>
+                </a:solidFill>
+                <a:latin typeface="+mn-ea"/>
+              </a:rPr>
+              <a:t> </a:t>
+            </a:r>
+            <a:r>
+              <a:rPr kumimoji="1" lang="en-US" altLang="ko-KR" b="1" dirty="0" smtClean="0">
+                <a:solidFill>
+                  <a:schemeClr val="tx1">
+                    <a:lumMod val="85000"/>
+                    <a:lumOff val="15000"/>
+                  </a:schemeClr>
+                </a:solidFill>
+                <a:latin typeface="+mn-ea"/>
+              </a:rPr>
+              <a:t>22</a:t>
+            </a:r>
+            <a:endParaRPr kumimoji="1" lang="ko-KR" altLang="en-US" b="1" dirty="0">
+              <a:solidFill>
+                <a:schemeClr val="tx1">
+                  <a:lumMod val="85000"/>
+                  <a:lumOff val="15000"/>
+                </a:schemeClr>
+              </a:solidFill>
+              <a:latin typeface="+mn-ea"/>
             </a:endParaRPr>
           </a:p>
         </p:txBody>
@@ -25504,6 +27318,100 @@
           </a:fontRef>
         </p:style>
       </p:cxnSp>
+      <p:sp>
+        <p:nvSpPr>
+          <p:cNvPr id="41" name="텍스트 상자 40"/>
+          <p:cNvSpPr txBox="1"/>
+          <p:nvPr/>
+        </p:nvSpPr>
+        <p:spPr>
+          <a:xfrm>
+            <a:off x="11256135" y="0"/>
+            <a:ext cx="935865" cy="369332"/>
+          </a:xfrm>
+          <a:prstGeom prst="rect">
+            <a:avLst/>
+          </a:prstGeom>
+          <a:noFill/>
+        </p:spPr>
+        <p:txBody>
+          <a:bodyPr wrap="square" rtlCol="0">
+            <a:spAutoFit/>
+          </a:bodyPr>
+          <a:lstStyle/>
+          <a:p>
+            <a:r>
+              <a:rPr kumimoji="1" lang="en-US" altLang="ko-KR" b="1" dirty="0">
+                <a:solidFill>
+                  <a:schemeClr val="tx1">
+                    <a:lumMod val="85000"/>
+                    <a:lumOff val="15000"/>
+                  </a:schemeClr>
+                </a:solidFill>
+                <a:latin typeface="+mn-ea"/>
+              </a:rPr>
+              <a:t>5</a:t>
+            </a:r>
+            <a:r>
+              <a:rPr kumimoji="1" lang="ko-KR" altLang="en-US" b="1" dirty="0" smtClean="0">
+                <a:solidFill>
+                  <a:schemeClr val="tx1">
+                    <a:lumMod val="85000"/>
+                    <a:lumOff val="15000"/>
+                  </a:schemeClr>
+                </a:solidFill>
+                <a:latin typeface="+mn-ea"/>
+              </a:rPr>
+              <a:t> </a:t>
+            </a:r>
+            <a:r>
+              <a:rPr kumimoji="1" lang="en-US" altLang="ko-KR" b="1" dirty="0" smtClean="0">
+                <a:solidFill>
+                  <a:schemeClr val="tx1">
+                    <a:lumMod val="85000"/>
+                    <a:lumOff val="15000"/>
+                  </a:schemeClr>
+                </a:solidFill>
+                <a:latin typeface="+mn-ea"/>
+              </a:rPr>
+              <a:t>/</a:t>
+            </a:r>
+            <a:r>
+              <a:rPr kumimoji="1" lang="ko-KR" altLang="en-US" b="1" dirty="0" smtClean="0">
+                <a:solidFill>
+                  <a:schemeClr val="tx1">
+                    <a:lumMod val="85000"/>
+                    <a:lumOff val="15000"/>
+                  </a:schemeClr>
+                </a:solidFill>
+                <a:latin typeface="+mn-ea"/>
+              </a:rPr>
+              <a:t> </a:t>
+            </a:r>
+            <a:r>
+              <a:rPr kumimoji="1" lang="en-US" altLang="ko-KR" b="1" dirty="0" smtClean="0">
+                <a:solidFill>
+                  <a:schemeClr val="tx1">
+                    <a:lumMod val="85000"/>
+                    <a:lumOff val="15000"/>
+                  </a:schemeClr>
+                </a:solidFill>
+                <a:latin typeface="+mn-ea"/>
+              </a:rPr>
+              <a:t>22</a:t>
+            </a:r>
+            <a:endParaRPr kumimoji="1" lang="ko-KR" altLang="en-US" b="1" dirty="0">
+              <a:solidFill>
+                <a:schemeClr val="tx1">
+                  <a:lumMod val="85000"/>
+                  <a:lumOff val="15000"/>
+                </a:schemeClr>
+              </a:solidFill>
+              <a:latin typeface="+mn-ea"/>
+            </a:endParaRPr>
+          </a:p>
+        </p:txBody>
+      </p:sp>
     </p:spTree>
     <p:extLst>
       <p:ext uri="{BB962C8B-B14F-4D97-AF65-F5344CB8AC3E}">
@@ -28054,6 +29962,100 @@
           </a:p>
         </p:txBody>
       </p:sp>
+      <p:sp>
+        <p:nvSpPr>
+          <p:cNvPr id="54" name="텍스트 상자 53"/>
+          <p:cNvSpPr txBox="1"/>
+          <p:nvPr/>
+        </p:nvSpPr>
+        <p:spPr>
+          <a:xfrm>
+            <a:off x="11256135" y="0"/>
+            <a:ext cx="935865" cy="369332"/>
+          </a:xfrm>
+          <a:prstGeom prst="rect">
+            <a:avLst/>
+          </a:prstGeom>
+          <a:noFill/>
+        </p:spPr>
+        <p:txBody>
+          <a:bodyPr wrap="square" rtlCol="0">
+            <a:spAutoFit/>
+          </a:bodyPr>
+          <a:lstStyle/>
+          <a:p>
+            <a:r>
+              <a:rPr kumimoji="1" lang="en-US" altLang="ko-KR" b="1" dirty="0">
+                <a:solidFill>
+                  <a:schemeClr val="tx1">
+                    <a:lumMod val="85000"/>
+                    <a:lumOff val="15000"/>
+                  </a:schemeClr>
+                </a:solidFill>
+                <a:latin typeface="+mn-ea"/>
+              </a:rPr>
+              <a:t>6</a:t>
+            </a:r>
+            <a:r>
+              <a:rPr kumimoji="1" lang="ko-KR" altLang="en-US" b="1" dirty="0" smtClean="0">
+                <a:solidFill>
+                  <a:schemeClr val="tx1">
+                    <a:lumMod val="85000"/>
+                    <a:lumOff val="15000"/>
+                  </a:schemeClr>
+                </a:solidFill>
+                <a:latin typeface="+mn-ea"/>
+              </a:rPr>
+              <a:t> </a:t>
+            </a:r>
+            <a:r>
+              <a:rPr kumimoji="1" lang="en-US" altLang="ko-KR" b="1" dirty="0" smtClean="0">
+                <a:solidFill>
+                  <a:schemeClr val="tx1">
+                    <a:lumMod val="85000"/>
+                    <a:lumOff val="15000"/>
+                  </a:schemeClr>
+                </a:solidFill>
+                <a:latin typeface="+mn-ea"/>
+              </a:rPr>
+              <a:t>/</a:t>
+            </a:r>
+            <a:r>
+              <a:rPr kumimoji="1" lang="ko-KR" altLang="en-US" b="1" dirty="0" smtClean="0">
+                <a:solidFill>
+                  <a:schemeClr val="tx1">
+                    <a:lumMod val="85000"/>
+                    <a:lumOff val="15000"/>
+                  </a:schemeClr>
+                </a:solidFill>
+                <a:latin typeface="+mn-ea"/>
+              </a:rPr>
+              <a:t> </a:t>
+            </a:r>
+            <a:r>
+              <a:rPr kumimoji="1" lang="en-US" altLang="ko-KR" b="1" dirty="0" smtClean="0">
+                <a:solidFill>
+                  <a:schemeClr val="tx1">
+                    <a:lumMod val="85000"/>
+                    <a:lumOff val="15000"/>
+                  </a:schemeClr>
+                </a:solidFill>
+                <a:latin typeface="+mn-ea"/>
+              </a:rPr>
+              <a:t>22</a:t>
+            </a:r>
+            <a:endParaRPr kumimoji="1" lang="ko-KR" altLang="en-US" b="1" dirty="0">
+              <a:solidFill>
+                <a:schemeClr val="tx1">
+                  <a:lumMod val="85000"/>
+                  <a:lumOff val="15000"/>
+                </a:schemeClr>
+              </a:solidFill>
+              <a:latin typeface="+mn-ea"/>
+            </a:endParaRPr>
+          </a:p>
+        </p:txBody>
+      </p:sp>
     </p:spTree>
     <p:extLst>
       <p:ext uri="{BB962C8B-B14F-4D97-AF65-F5344CB8AC3E}">
@@ -30060,6 +32062,100 @@
           </a:p>
         </p:txBody>
       </p:sp>
+      <p:sp>
+        <p:nvSpPr>
+          <p:cNvPr id="43" name="텍스트 상자 42"/>
+          <p:cNvSpPr txBox="1"/>
+          <p:nvPr/>
+        </p:nvSpPr>
+        <p:spPr>
+          <a:xfrm>
+            <a:off x="11256135" y="12879"/>
+            <a:ext cx="935865" cy="369332"/>
+          </a:xfrm>
+          <a:prstGeom prst="rect">
+            <a:avLst/>
+          </a:prstGeom>
+          <a:noFill/>
+        </p:spPr>
+        <p:txBody>
+          <a:bodyPr wrap="square" rtlCol="0">
+            <a:spAutoFit/>
+          </a:bodyPr>
+          <a:lstStyle/>
+          <a:p>
+            <a:r>
+              <a:rPr kumimoji="1" lang="en-US" altLang="ko-KR" b="1" dirty="0">
+                <a:solidFill>
+                  <a:schemeClr val="tx1">
+                    <a:lumMod val="85000"/>
+                    <a:lumOff val="15000"/>
+                  </a:schemeClr>
+                </a:solidFill>
+                <a:latin typeface="+mn-ea"/>
+              </a:rPr>
+              <a:t>7</a:t>
+            </a:r>
+            <a:r>
+              <a:rPr kumimoji="1" lang="ko-KR" altLang="en-US" b="1" dirty="0" smtClean="0">
+                <a:solidFill>
+                  <a:schemeClr val="tx1">
+                    <a:lumMod val="85000"/>
+                    <a:lumOff val="15000"/>
+                  </a:schemeClr>
+                </a:solidFill>
+                <a:latin typeface="+mn-ea"/>
+              </a:rPr>
+              <a:t> </a:t>
+            </a:r>
+            <a:r>
+              <a:rPr kumimoji="1" lang="en-US" altLang="ko-KR" b="1" dirty="0" smtClean="0">
+                <a:solidFill>
+                  <a:schemeClr val="tx1">
+                    <a:lumMod val="85000"/>
+                    <a:lumOff val="15000"/>
+                  </a:schemeClr>
+                </a:solidFill>
+                <a:latin typeface="+mn-ea"/>
+              </a:rPr>
+              <a:t>/</a:t>
+            </a:r>
+            <a:r>
+              <a:rPr kumimoji="1" lang="ko-KR" altLang="en-US" b="1" dirty="0" smtClean="0">
+                <a:solidFill>
+                  <a:schemeClr val="tx1">
+                    <a:lumMod val="85000"/>
+                    <a:lumOff val="15000"/>
+                  </a:schemeClr>
+                </a:solidFill>
+                <a:latin typeface="+mn-ea"/>
+              </a:rPr>
+              <a:t> </a:t>
+            </a:r>
+            <a:r>
+              <a:rPr kumimoji="1" lang="en-US" altLang="ko-KR" b="1" dirty="0" smtClean="0">
+                <a:solidFill>
+                  <a:schemeClr val="tx1">
+                    <a:lumMod val="85000"/>
+                    <a:lumOff val="15000"/>
+                  </a:schemeClr>
+                </a:solidFill>
+                <a:latin typeface="+mn-ea"/>
+              </a:rPr>
+              <a:t>22</a:t>
+            </a:r>
+            <a:endParaRPr kumimoji="1" lang="ko-KR" altLang="en-US" b="1" dirty="0">
+              <a:solidFill>
+                <a:schemeClr val="tx1">
+                  <a:lumMod val="85000"/>
+                  <a:lumOff val="15000"/>
+                </a:schemeClr>
+              </a:solidFill>
+              <a:latin typeface="+mn-ea"/>
+            </a:endParaRPr>
+          </a:p>
+        </p:txBody>
+      </p:sp>
     </p:spTree>
     <p:extLst>
       <p:ext uri="{BB962C8B-B14F-4D97-AF65-F5344CB8AC3E}">
@@ -30997,6 +33093,100 @@
           </a:prstGeom>
         </p:spPr>
       </p:pic>
+      <p:sp>
+        <p:nvSpPr>
+          <p:cNvPr id="22" name="텍스트 상자 21"/>
+          <p:cNvSpPr txBox="1"/>
+          <p:nvPr/>
+        </p:nvSpPr>
+        <p:spPr>
+          <a:xfrm>
+            <a:off x="11256135" y="0"/>
+            <a:ext cx="935865" cy="369332"/>
+          </a:xfrm>
+          <a:prstGeom prst="rect">
+            <a:avLst/>
+          </a:prstGeom>
+          <a:noFill/>
+        </p:spPr>
+        <p:txBody>
+          <a:bodyPr wrap="square" rtlCol="0">
+            <a:spAutoFit/>
+          </a:bodyPr>
+          <a:lstStyle/>
+          <a:p>
+            <a:r>
+              <a:rPr kumimoji="1" lang="en-US" altLang="ko-KR" b="1" dirty="0">
+                <a:solidFill>
+                  <a:schemeClr val="tx1">
+                    <a:lumMod val="85000"/>
+                    <a:lumOff val="15000"/>
+                  </a:schemeClr>
+                </a:solidFill>
+                <a:latin typeface="+mn-ea"/>
+              </a:rPr>
+              <a:t>8</a:t>
+            </a:r>
+            <a:r>
+              <a:rPr kumimoji="1" lang="ko-KR" altLang="en-US" b="1" dirty="0" smtClean="0">
+                <a:solidFill>
+                  <a:schemeClr val="tx1">
+                    <a:lumMod val="85000"/>
+                    <a:lumOff val="15000"/>
+                  </a:schemeClr>
+                </a:solidFill>
+                <a:latin typeface="+mn-ea"/>
+              </a:rPr>
+              <a:t> </a:t>
+            </a:r>
+            <a:r>
+              <a:rPr kumimoji="1" lang="en-US" altLang="ko-KR" b="1" dirty="0" smtClean="0">
+                <a:solidFill>
+                  <a:schemeClr val="tx1">
+                    <a:lumMod val="85000"/>
+                    <a:lumOff val="15000"/>
+                  </a:schemeClr>
+                </a:solidFill>
+                <a:latin typeface="+mn-ea"/>
+              </a:rPr>
+              <a:t>/</a:t>
+            </a:r>
+            <a:r>
+              <a:rPr kumimoji="1" lang="ko-KR" altLang="en-US" b="1" dirty="0" smtClean="0">
+                <a:solidFill>
+                  <a:schemeClr val="tx1">
+                    <a:lumMod val="85000"/>
+                    <a:lumOff val="15000"/>
+                  </a:schemeClr>
+                </a:solidFill>
+                <a:latin typeface="+mn-ea"/>
+              </a:rPr>
+              <a:t> </a:t>
+            </a:r>
+            <a:r>
+              <a:rPr kumimoji="1" lang="en-US" altLang="ko-KR" b="1" dirty="0" smtClean="0">
+                <a:solidFill>
+                  <a:schemeClr val="tx1">
+                    <a:lumMod val="85000"/>
+                    <a:lumOff val="15000"/>
+                  </a:schemeClr>
+                </a:solidFill>
+                <a:latin typeface="+mn-ea"/>
+              </a:rPr>
+              <a:t>22</a:t>
+            </a:r>
+            <a:endParaRPr kumimoji="1" lang="ko-KR" altLang="en-US" b="1" dirty="0">
+              <a:solidFill>
+                <a:schemeClr val="tx1">
+                  <a:lumMod val="85000"/>
+                  <a:lumOff val="15000"/>
+                </a:schemeClr>
+              </a:solidFill>
+              <a:latin typeface="+mn-ea"/>
+            </a:endParaRPr>
+          </a:p>
+        </p:txBody>
+      </p:sp>
     </p:spTree>
     <p:extLst>
       <p:ext uri="{BB962C8B-B14F-4D97-AF65-F5344CB8AC3E}">
@@ -31686,6 +33876,100 @@
           </a:prstGeom>
         </p:spPr>
       </p:pic>
+      <p:sp>
+        <p:nvSpPr>
+          <p:cNvPr id="16" name="텍스트 상자 15"/>
+          <p:cNvSpPr txBox="1"/>
+          <p:nvPr/>
+        </p:nvSpPr>
+        <p:spPr>
+          <a:xfrm>
+            <a:off x="11256135" y="0"/>
+            <a:ext cx="935865" cy="369332"/>
+          </a:xfrm>
+          <a:prstGeom prst="rect">
+            <a:avLst/>
+          </a:prstGeom>
+          <a:noFill/>
+        </p:spPr>
+        <p:txBody>
+          <a:bodyPr wrap="square" rtlCol="0">
+            <a:spAutoFit/>
+          </a:bodyPr>
+          <a:lstStyle/>
+          <a:p>
+            <a:r>
+              <a:rPr kumimoji="1" lang="en-US" altLang="ko-KR" b="1" dirty="0">
+                <a:solidFill>
+                  <a:schemeClr val="tx1">
+                    <a:lumMod val="85000"/>
+                    <a:lumOff val="15000"/>
+                  </a:schemeClr>
+                </a:solidFill>
+                <a:latin typeface="+mn-ea"/>
+              </a:rPr>
+              <a:t>9</a:t>
+            </a:r>
+            <a:r>
+              <a:rPr kumimoji="1" lang="ko-KR" altLang="en-US" b="1" dirty="0" smtClean="0">
+                <a:solidFill>
+                  <a:schemeClr val="tx1">
+                    <a:lumMod val="85000"/>
+                    <a:lumOff val="15000"/>
+                  </a:schemeClr>
+                </a:solidFill>
+                <a:latin typeface="+mn-ea"/>
+              </a:rPr>
+              <a:t> </a:t>
+            </a:r>
+            <a:r>
+              <a:rPr kumimoji="1" lang="en-US" altLang="ko-KR" b="1" dirty="0" smtClean="0">
+                <a:solidFill>
+                  <a:schemeClr val="tx1">
+                    <a:lumMod val="85000"/>
+                    <a:lumOff val="15000"/>
+                  </a:schemeClr>
+                </a:solidFill>
+                <a:latin typeface="+mn-ea"/>
+              </a:rPr>
+              <a:t>/</a:t>
+            </a:r>
+            <a:r>
+              <a:rPr kumimoji="1" lang="ko-KR" altLang="en-US" b="1" dirty="0" smtClean="0">
+                <a:solidFill>
+                  <a:schemeClr val="tx1">
+                    <a:lumMod val="85000"/>
+                    <a:lumOff val="15000"/>
+                  </a:schemeClr>
+                </a:solidFill>
+                <a:latin typeface="+mn-ea"/>
+              </a:rPr>
+              <a:t> </a:t>
+            </a:r>
+            <a:r>
+              <a:rPr kumimoji="1" lang="en-US" altLang="ko-KR" b="1" dirty="0" smtClean="0">
+                <a:solidFill>
+                  <a:schemeClr val="tx1">
+                    <a:lumMod val="85000"/>
+                    <a:lumOff val="15000"/>
+                  </a:schemeClr>
+                </a:solidFill>
+                <a:latin typeface="+mn-ea"/>
+              </a:rPr>
+              <a:t>22</a:t>
+            </a:r>
+            <a:endParaRPr kumimoji="1" lang="ko-KR" altLang="en-US" b="1" dirty="0">
+              <a:solidFill>
+                <a:schemeClr val="tx1">
+                  <a:lumMod val="85000"/>
+                  <a:lumOff val="15000"/>
+                </a:schemeClr>
+              </a:solidFill>
+              <a:latin typeface="+mn-ea"/>
+            </a:endParaRPr>
+          </a:p>
+        </p:txBody>
+      </p:sp>
     </p:spTree>
     <p:extLst>
       <p:ext uri="{BB962C8B-B14F-4D97-AF65-F5344CB8AC3E}">

--- a/BossLocker_김홍일_양태윤_조소연.pptx
+++ b/BossLocker_김홍일_양태윤_조소연.pptx
@@ -18252,7 +18252,7 @@
           <p:cNvPr id="19" name="TextBox 18">
             <a:extLst>
               <a:ext uri="{FF2B5EF4-FFF2-40B4-BE49-F238E27FC236}">
-                <a16:creationId xmlns:a16="http://schemas.microsoft.com/office/drawing/2014/main" xmlns="" id="{69882930-BFC0-4DAF-854C-CA9A55A4DE7D}"/>
+                <a16:creationId xmlns="" xmlns:a16="http://schemas.microsoft.com/office/drawing/2014/main" id="{69882930-BFC0-4DAF-854C-CA9A55A4DE7D}"/>
               </a:ext>
             </a:extLst>
           </p:cNvPr>
@@ -18296,7 +18296,7 @@
           <p:cNvPr id="20" name="TextBox 19">
             <a:extLst>
               <a:ext uri="{FF2B5EF4-FFF2-40B4-BE49-F238E27FC236}">
-                <a16:creationId xmlns:a16="http://schemas.microsoft.com/office/drawing/2014/main" xmlns="" id="{CFE0347B-6C4D-4E97-BF2E-76FDFF1C8635}"/>
+                <a16:creationId xmlns="" xmlns:a16="http://schemas.microsoft.com/office/drawing/2014/main" id="{CFE0347B-6C4D-4E97-BF2E-76FDFF1C8635}"/>
               </a:ext>
             </a:extLst>
           </p:cNvPr>
@@ -18344,7 +18344,7 @@
           <p:cNvPr id="21" name="TextBox 13">
             <a:extLst>
               <a:ext uri="{FF2B5EF4-FFF2-40B4-BE49-F238E27FC236}">
-                <a16:creationId xmlns:a16="http://schemas.microsoft.com/office/drawing/2014/main" xmlns="" id="{E56ED49B-24D1-495B-8D57-F91216155341}"/>
+                <a16:creationId xmlns="" xmlns:a16="http://schemas.microsoft.com/office/drawing/2014/main" id="{E56ED49B-24D1-495B-8D57-F91216155341}"/>
               </a:ext>
             </a:extLst>
           </p:cNvPr>
@@ -21152,7 +21152,7 @@
         </p:nvCxnSpPr>
         <p:spPr>
           <a:xfrm>
-            <a:off x="1326777" y="3293173"/>
+            <a:off x="1326777" y="3344689"/>
             <a:ext cx="0" cy="1226466"/>
           </a:xfrm>
           <a:prstGeom prst="straightConnector1">
@@ -21185,7 +21185,7 @@
         </p:nvSpPr>
         <p:spPr>
           <a:xfrm>
-            <a:off x="-321972" y="2730010"/>
+            <a:off x="-321972" y="2781526"/>
             <a:ext cx="3661041" cy="563163"/>
           </a:xfrm>
           <a:prstGeom prst="roundRect">
@@ -21991,7 +21991,7 @@
         </p:nvSpPr>
         <p:spPr>
           <a:xfrm>
-            <a:off x="2341924" y="3504440"/>
+            <a:off x="2341924" y="3555956"/>
             <a:ext cx="1561437" cy="563163"/>
           </a:xfrm>
           <a:prstGeom prst="roundRect">
@@ -22089,7 +22089,7 @@
         </p:nvSpPr>
         <p:spPr>
           <a:xfrm>
-            <a:off x="2753655" y="4339619"/>
+            <a:off x="2753655" y="4391135"/>
             <a:ext cx="1114510" cy="563163"/>
           </a:xfrm>
           <a:prstGeom prst="roundRect">
@@ -22155,7 +22155,7 @@
         </p:nvSpPr>
         <p:spPr>
           <a:xfrm>
-            <a:off x="3081176" y="5174797"/>
+            <a:off x="3081176" y="5226313"/>
             <a:ext cx="780719" cy="606752"/>
           </a:xfrm>
           <a:prstGeom prst="roundRect">
@@ -22221,7 +22221,7 @@
         </p:nvSpPr>
         <p:spPr>
           <a:xfrm>
-            <a:off x="3954940" y="3504440"/>
+            <a:off x="3954940" y="3555956"/>
             <a:ext cx="1985195" cy="563163"/>
           </a:xfrm>
           <a:prstGeom prst="roundRect">
@@ -22279,8 +22279,8 @@
         </p:nvSpPr>
         <p:spPr>
           <a:xfrm>
-            <a:off x="5684543" y="5978271"/>
-            <a:ext cx="2274601" cy="754400"/>
+            <a:off x="5215944" y="6029787"/>
+            <a:ext cx="2743201" cy="577075"/>
           </a:xfrm>
           <a:prstGeom prst="roundRect">
             <a:avLst/>
@@ -22337,7 +22337,7 @@
         </p:nvSpPr>
         <p:spPr>
           <a:xfrm>
-            <a:off x="7387997" y="2730010"/>
+            <a:off x="7387997" y="2781526"/>
             <a:ext cx="4297848" cy="563163"/>
           </a:xfrm>
           <a:prstGeom prst="roundRect">
@@ -22419,7 +22419,7 @@
         </p:nvSpPr>
         <p:spPr>
           <a:xfrm>
-            <a:off x="3954940" y="4350516"/>
+            <a:off x="3954940" y="4402032"/>
             <a:ext cx="1985195" cy="563163"/>
           </a:xfrm>
           <a:prstGeom prst="roundRect">
@@ -22485,7 +22485,7 @@
         </p:nvSpPr>
         <p:spPr>
           <a:xfrm>
-            <a:off x="3954940" y="5196591"/>
+            <a:off x="3954940" y="5248107"/>
             <a:ext cx="1985195" cy="563163"/>
           </a:xfrm>
           <a:prstGeom prst="roundRect">
@@ -22556,7 +22556,7 @@
         </p:blipFill>
         <p:spPr>
           <a:xfrm>
-            <a:off x="230245" y="4525913"/>
+            <a:off x="230245" y="4577429"/>
             <a:ext cx="2188318" cy="1297767"/>
           </a:xfrm>
           <a:prstGeom prst="rect">
@@ -32070,7 +32070,7 @@
         </p:nvSpPr>
         <p:spPr>
           <a:xfrm>
-            <a:off x="11256135" y="12879"/>
+            <a:off x="11256135" y="0"/>
             <a:ext cx="935865" cy="369332"/>
           </a:xfrm>
           <a:prstGeom prst="rect">

--- a/BossLocker_김홍일_양태윤_조소연.pptx
+++ b/BossLocker_김홍일_양태윤_조소연.pptx
@@ -232,7 +232,7 @@
           <a:p>
             <a:fld id="{ED55F75E-F8D0-406E-84C8-446C7444F352}" type="datetimeFigureOut">
               <a:rPr lang="ko-KR" altLang="en-US" smtClean="0"/>
-              <a:t>2017. 12. 11.</a:t>
+              <a:t>2017. 12. 13.</a:t>
             </a:fld>
             <a:endParaRPr lang="ko-KR" altLang="en-US"/>
           </a:p>
@@ -882,7 +882,7 @@
           <a:p>
             <a:fld id="{D3256D6B-9C8A-464E-A6C6-951E8212AFD8}" type="datetime1">
               <a:rPr lang="ko-KR" altLang="en-US" smtClean="0"/>
-              <a:t>2017. 12. 11.</a:t>
+              <a:t>2017. 12. 13.</a:t>
             </a:fld>
             <a:endParaRPr lang="ko-KR" altLang="en-US"/>
           </a:p>
@@ -1055,7 +1055,7 @@
           <a:p>
             <a:fld id="{ED06232C-E99F-894E-856B-1A987838DC6B}" type="datetime1">
               <a:rPr lang="ko-KR" altLang="en-US" smtClean="0"/>
-              <a:t>2017. 12. 11.</a:t>
+              <a:t>2017. 12. 13.</a:t>
             </a:fld>
             <a:endParaRPr lang="ko-KR" altLang="en-US"/>
           </a:p>
@@ -1238,7 +1238,7 @@
           <a:p>
             <a:fld id="{41D69B70-F5DC-4748-987C-1E397F1195CF}" type="datetime1">
               <a:rPr lang="ko-KR" altLang="en-US" smtClean="0"/>
-              <a:t>2017. 12. 11.</a:t>
+              <a:t>2017. 12. 13.</a:t>
             </a:fld>
             <a:endParaRPr lang="ko-KR" altLang="en-US"/>
           </a:p>
@@ -1426,7 +1426,7 @@
           <a:p>
             <a:fld id="{0AA879C6-B7B3-2342-ADF9-8DC77673C14F}" type="datetime1">
               <a:rPr lang="ko-KR" altLang="en-US" smtClean="0"/>
-              <a:t>2017. 12. 11.</a:t>
+              <a:t>2017. 12. 13.</a:t>
             </a:fld>
             <a:endParaRPr lang="ko-KR" altLang="en-US"/>
           </a:p>
@@ -1680,7 +1680,7 @@
           <a:p>
             <a:fld id="{4D42007D-75D9-5A45-869A-C688B1A7CE51}" type="datetime1">
               <a:rPr lang="ko-KR" altLang="en-US" smtClean="0"/>
-              <a:t>2017. 12. 11.</a:t>
+              <a:t>2017. 12. 13.</a:t>
             </a:fld>
             <a:endParaRPr lang="ko-KR" altLang="en-US"/>
           </a:p>
@@ -1915,7 +1915,7 @@
           <a:p>
             <a:fld id="{858DCFA6-C69E-EC4F-9B13-C181C1CD0D84}" type="datetime1">
               <a:rPr lang="ko-KR" altLang="en-US" smtClean="0"/>
-              <a:t>2017. 12. 11.</a:t>
+              <a:t>2017. 12. 13.</a:t>
             </a:fld>
             <a:endParaRPr lang="ko-KR" altLang="en-US"/>
           </a:p>
@@ -2285,7 +2285,7 @@
           <a:p>
             <a:fld id="{BA699049-9789-8A4B-A185-6D4C46DFD1D2}" type="datetime1">
               <a:rPr lang="ko-KR" altLang="en-US" smtClean="0"/>
-              <a:t>2017. 12. 11.</a:t>
+              <a:t>2017. 12. 13.</a:t>
             </a:fld>
             <a:endParaRPr lang="ko-KR" altLang="en-US"/>
           </a:p>
@@ -2406,7 +2406,7 @@
           <a:p>
             <a:fld id="{07D51A99-CED4-B048-9903-4E37EC54B8E0}" type="datetime1">
               <a:rPr lang="ko-KR" altLang="en-US" smtClean="0"/>
-              <a:t>2017. 12. 11.</a:t>
+              <a:t>2017. 12. 13.</a:t>
             </a:fld>
             <a:endParaRPr lang="ko-KR" altLang="en-US"/>
           </a:p>
@@ -2504,7 +2504,7 @@
           <a:p>
             <a:fld id="{9188E88B-A610-D64E-8A0F-19D4082C5093}" type="datetime1">
               <a:rPr lang="ko-KR" altLang="en-US" smtClean="0"/>
-              <a:t>2017. 12. 11.</a:t>
+              <a:t>2017. 12. 13.</a:t>
             </a:fld>
             <a:endParaRPr lang="ko-KR" altLang="en-US"/>
           </a:p>
@@ -2784,7 +2784,7 @@
           <a:p>
             <a:fld id="{55F0BBDC-0B86-C94E-9379-76CDE02480CC}" type="datetime1">
               <a:rPr lang="ko-KR" altLang="en-US" smtClean="0"/>
-              <a:t>2017. 12. 11.</a:t>
+              <a:t>2017. 12. 13.</a:t>
             </a:fld>
             <a:endParaRPr lang="ko-KR" altLang="en-US"/>
           </a:p>
@@ -3044,7 +3044,7 @@
           <a:p>
             <a:fld id="{3729A7A6-B89F-4542-BD4C-55D4A3276EDB}" type="datetime1">
               <a:rPr lang="ko-KR" altLang="en-US" smtClean="0"/>
-              <a:t>2017. 12. 11.</a:t>
+              <a:t>2017. 12. 13.</a:t>
             </a:fld>
             <a:endParaRPr lang="ko-KR" altLang="en-US"/>
           </a:p>
@@ -3260,7 +3260,7 @@
           <a:p>
             <a:fld id="{D4DA4E7F-55E7-394F-9EE4-C973A9576519}" type="datetime1">
               <a:rPr lang="ko-KR" altLang="en-US" smtClean="0"/>
-              <a:t>2017. 12. 11.</a:t>
+              <a:t>2017. 12. 13.</a:t>
             </a:fld>
             <a:endParaRPr lang="ko-KR" altLang="en-US"/>
           </a:p>
@@ -18252,7 +18252,7 @@
           <p:cNvPr id="19" name="TextBox 18">
             <a:extLst>
               <a:ext uri="{FF2B5EF4-FFF2-40B4-BE49-F238E27FC236}">
-                <a16:creationId xmlns="" xmlns:a16="http://schemas.microsoft.com/office/drawing/2014/main" id="{69882930-BFC0-4DAF-854C-CA9A55A4DE7D}"/>
+                <a16:creationId xmlns:a16="http://schemas.microsoft.com/office/drawing/2014/main" xmlns="" id="{69882930-BFC0-4DAF-854C-CA9A55A4DE7D}"/>
               </a:ext>
             </a:extLst>
           </p:cNvPr>
@@ -18296,7 +18296,7 @@
           <p:cNvPr id="20" name="TextBox 19">
             <a:extLst>
               <a:ext uri="{FF2B5EF4-FFF2-40B4-BE49-F238E27FC236}">
-                <a16:creationId xmlns="" xmlns:a16="http://schemas.microsoft.com/office/drawing/2014/main" id="{CFE0347B-6C4D-4E97-BF2E-76FDFF1C8635}"/>
+                <a16:creationId xmlns:a16="http://schemas.microsoft.com/office/drawing/2014/main" xmlns="" id="{CFE0347B-6C4D-4E97-BF2E-76FDFF1C8635}"/>
               </a:ext>
             </a:extLst>
           </p:cNvPr>
@@ -18344,7 +18344,7 @@
           <p:cNvPr id="21" name="TextBox 13">
             <a:extLst>
               <a:ext uri="{FF2B5EF4-FFF2-40B4-BE49-F238E27FC236}">
-                <a16:creationId xmlns="" xmlns:a16="http://schemas.microsoft.com/office/drawing/2014/main" id="{E56ED49B-24D1-495B-8D57-F91216155341}"/>
+                <a16:creationId xmlns:a16="http://schemas.microsoft.com/office/drawing/2014/main" xmlns="" id="{E56ED49B-24D1-495B-8D57-F91216155341}"/>
               </a:ext>
             </a:extLst>
           </p:cNvPr>
@@ -26070,7 +26070,7 @@
         </p:blipFill>
         <p:spPr>
           <a:xfrm>
-            <a:off x="3154006" y="5116736"/>
+            <a:off x="2239607" y="5116736"/>
             <a:ext cx="727087" cy="727087"/>
           </a:xfrm>
           <a:prstGeom prst="rect">
@@ -26100,7 +26100,7 @@
         </p:blipFill>
         <p:spPr>
           <a:xfrm>
-            <a:off x="3038095" y="5843823"/>
+            <a:off x="2123696" y="5843823"/>
             <a:ext cx="715056" cy="715056"/>
           </a:xfrm>
           <a:prstGeom prst="rect">
@@ -26116,7 +26116,7 @@
         </p:nvSpPr>
         <p:spPr>
           <a:xfrm>
-            <a:off x="5241326" y="4506479"/>
+            <a:off x="4326927" y="4506479"/>
             <a:ext cx="3110667" cy="430887"/>
           </a:xfrm>
           <a:prstGeom prst="rect">
@@ -26198,7 +26198,7 @@
         </p:blipFill>
         <p:spPr>
           <a:xfrm>
-            <a:off x="3154006" y="4440974"/>
+            <a:off x="2239607" y="4440974"/>
             <a:ext cx="387545" cy="508653"/>
           </a:xfrm>
           <a:prstGeom prst="rect">
@@ -26228,7 +26228,7 @@
         </p:blipFill>
         <p:spPr>
           <a:xfrm>
-            <a:off x="3871596" y="4440974"/>
+            <a:off x="2957197" y="4440974"/>
             <a:ext cx="387545" cy="508653"/>
           </a:xfrm>
           <a:prstGeom prst="rect">
@@ -26258,7 +26258,7 @@
         </p:blipFill>
         <p:spPr>
           <a:xfrm>
-            <a:off x="4589186" y="4440974"/>
+            <a:off x="3674787" y="4440974"/>
             <a:ext cx="435988" cy="508653"/>
           </a:xfrm>
           <a:prstGeom prst="rect">
@@ -26274,7 +26274,7 @@
         </p:nvSpPr>
         <p:spPr>
           <a:xfrm>
-            <a:off x="4479570" y="5278873"/>
+            <a:off x="3565171" y="5278873"/>
             <a:ext cx="3872423" cy="430887"/>
           </a:xfrm>
           <a:prstGeom prst="rect">
@@ -26339,7 +26339,7 @@
         </p:nvSpPr>
         <p:spPr>
           <a:xfrm>
-            <a:off x="3724338" y="6051268"/>
+            <a:off x="2809939" y="6051268"/>
             <a:ext cx="4627655" cy="430887"/>
           </a:xfrm>
           <a:prstGeom prst="rect">
@@ -27039,8 +27039,8 @@
         </p:nvSpPr>
         <p:spPr>
           <a:xfrm>
-            <a:off x="7153359" y="2015101"/>
-            <a:ext cx="4954205" cy="1815882"/>
+            <a:off x="7140269" y="1755209"/>
+            <a:ext cx="4954205" cy="2308324"/>
           </a:xfrm>
           <a:prstGeom prst="rect">
             <a:avLst/>
@@ -27077,7 +27077,43 @@
                 </a:solidFill>
                 <a:latin typeface="+mj-ea"/>
               </a:rPr>
-              <a:t>인의 플레이어가</a:t>
+              <a:t>인의 </a:t>
+            </a:r>
+            <a:r>
+              <a:rPr lang="ko-KR" altLang="en-US" sz="1600" b="1" dirty="0" smtClean="0">
+                <a:solidFill>
+                  <a:srgbClr val="509D93"/>
+                </a:solidFill>
+                <a:latin typeface="+mj-ea"/>
+              </a:rPr>
+              <a:t>플레이어가</a:t>
+            </a:r>
+            <a:r>
+              <a:rPr lang="en-US" altLang="ko-KR" sz="1600" b="1" dirty="0" smtClean="0">
+                <a:solidFill>
+                  <a:srgbClr val="509D93"/>
+                </a:solidFill>
+                <a:latin typeface="+mj-ea"/>
+              </a:rPr>
+              <a:t> </a:t>
+            </a:r>
+            <a:r>
+              <a:rPr lang="ko-KR" altLang="en-US" sz="1600" b="1" u="sng" dirty="0" smtClean="0">
+                <a:solidFill>
+                  <a:schemeClr val="accent2"/>
+                </a:solidFill>
+                <a:latin typeface="+mj-ea"/>
+              </a:rPr>
+              <a:t>대기방</a:t>
+            </a:r>
+            <a:r>
+              <a:rPr lang="ko-KR" altLang="en-US" sz="1600" b="1" dirty="0" smtClean="0">
+                <a:solidFill>
+                  <a:srgbClr val="509D93"/>
+                </a:solidFill>
+                <a:latin typeface="+mj-ea"/>
+              </a:rPr>
+              <a:t>에서 </a:t>
             </a:r>
             <a:endParaRPr lang="en-US" altLang="ko-KR" sz="1600" b="1" dirty="0" smtClean="0">
               <a:solidFill>
@@ -27087,6 +27123,14 @@
             </a:endParaRPr>
           </a:p>
           <a:p>
+            <a:endParaRPr lang="en-US" altLang="ko-KR" sz="1600" b="1" dirty="0">
+              <a:solidFill>
+                <a:srgbClr val="509D93"/>
+              </a:solidFill>
+              <a:latin typeface="+mj-ea"/>
+            </a:endParaRPr>
+          </a:p>
+          <a:p>
             <a:r>
               <a:rPr lang="ko-KR" altLang="en-US" sz="1600" b="1" dirty="0" smtClean="0">
                 <a:solidFill>
@@ -27094,7 +27138,16 @@
                 </a:solidFill>
                 <a:latin typeface="+mj-ea"/>
               </a:rPr>
-              <a:t> </a:t>
+              <a:t>영웅과 공략할 보스를 선택 후</a:t>
+            </a:r>
+            <a:r>
+              <a:rPr lang="en-US" altLang="ko-KR" sz="1600" b="1" dirty="0">
+                <a:solidFill>
+                  <a:srgbClr val="509D93"/>
+                </a:solidFill>
+                <a:latin typeface="+mj-ea"/>
+              </a:rPr>
+              <a:t>,</a:t>
             </a:r>
             <a:endParaRPr lang="en-US" altLang="ko-KR" sz="1600" b="1" dirty="0" smtClean="0">
               <a:solidFill>
@@ -27111,17 +27164,40 @@
                 </a:solidFill>
                 <a:latin typeface="+mj-ea"/>
               </a:rPr>
-              <a:t>키보드를 이용해 적의 공격을 피하고</a:t>
-            </a:r>
-            <a:r>
-              <a:rPr lang="en-US" altLang="ko-KR" sz="1600" b="1" dirty="0" smtClean="0">
+              <a:t> </a:t>
+            </a:r>
+            <a:endParaRPr lang="en-US" altLang="ko-KR" sz="1600" b="1" dirty="0" smtClean="0">
+              <a:solidFill>
+                <a:srgbClr val="509D93"/>
+              </a:solidFill>
+              <a:latin typeface="+mj-ea"/>
+            </a:endParaRPr>
+          </a:p>
+          <a:p>
+            <a:r>
+              <a:rPr lang="ko-KR" altLang="en-US" sz="1600" b="1" dirty="0" smtClean="0">
                 <a:solidFill>
                   <a:srgbClr val="509D93"/>
                 </a:solidFill>
                 <a:latin typeface="+mj-ea"/>
               </a:rPr>
-              <a:t>,</a:t>
-            </a:r>
+              <a:t>키보드를 이용해 적의 공격을 </a:t>
+            </a:r>
+            <a:r>
+              <a:rPr lang="ko-KR" altLang="en-US" sz="1600" b="1" dirty="0" smtClean="0">
+                <a:solidFill>
+                  <a:srgbClr val="509D93"/>
+                </a:solidFill>
+                <a:latin typeface="+mj-ea"/>
+              </a:rPr>
+              <a:t>피하고</a:t>
+            </a:r>
+            <a:endParaRPr lang="en-US" altLang="ko-KR" sz="1600" b="1" dirty="0" smtClean="0">
+              <a:solidFill>
+                <a:srgbClr val="509D93"/>
+              </a:solidFill>
+              <a:latin typeface="+mj-ea"/>
+            </a:endParaRPr>
           </a:p>
           <a:p>
             <a:endParaRPr lang="en-US" altLang="ko-KR" sz="1600" b="1" dirty="0">
@@ -27157,7 +27233,16 @@
                 </a:solidFill>
                 <a:latin typeface="+mj-ea"/>
               </a:rPr>
-              <a:t>을 획득하면서</a:t>
+              <a:t>을 </a:t>
+            </a:r>
+            <a:r>
+              <a:rPr lang="ko-KR" altLang="en-US" sz="1600" b="1" dirty="0" smtClean="0">
+                <a:solidFill>
+                  <a:srgbClr val="509D93"/>
+                </a:solidFill>
+                <a:latin typeface="+mj-ea"/>
+              </a:rPr>
+              <a:t>획득하면서</a:t>
             </a:r>
             <a:endParaRPr lang="en-US" altLang="ko-KR" sz="1600" b="1" dirty="0" smtClean="0">
               <a:solidFill>
@@ -27244,6 +27329,139 @@
               <a:solidFill>
                 <a:srgbClr val="59606B"/>
               </a:solidFill>
+            </a:endParaRPr>
+          </a:p>
+        </p:txBody>
+      </p:sp>
+      <p:cxnSp>
+        <p:nvCxnSpPr>
+          <p:cNvPr id="7" name="꺾인 연결선[E] 6"/>
+          <p:cNvCxnSpPr/>
+          <p:nvPr/>
+        </p:nvCxnSpPr>
+        <p:spPr>
+          <a:xfrm flipV="1">
+            <a:off x="5734737" y="3517456"/>
+            <a:ext cx="3216080" cy="461733"/>
+          </a:xfrm>
+          <a:prstGeom prst="bentConnector3">
+            <a:avLst>
+              <a:gd name="adj1" fmla="val 41991"/>
+            </a:avLst>
+          </a:prstGeom>
+          <a:ln cmpd="sng">
+            <a:solidFill>
+              <a:srgbClr val="F56E4B"/>
+            </a:solidFill>
+            <a:prstDash val="sysDot"/>
+            <a:tailEnd type="triangle"/>
+          </a:ln>
+        </p:spPr>
+        <p:style>
+          <a:lnRef idx="1">
+            <a:schemeClr val="accent1"/>
+          </a:lnRef>
+          <a:fillRef idx="0">
+            <a:schemeClr val="accent1"/>
+          </a:fillRef>
+          <a:effectRef idx="0">
+            <a:schemeClr val="accent1"/>
+          </a:effectRef>
+          <a:fontRef idx="minor">
+            <a:schemeClr val="tx1"/>
+          </a:fontRef>
+        </p:style>
+      </p:cxnSp>
+      <p:sp>
+        <p:nvSpPr>
+          <p:cNvPr id="41" name="텍스트 상자 40"/>
+          <p:cNvSpPr txBox="1"/>
+          <p:nvPr/>
+        </p:nvSpPr>
+        <p:spPr>
+          <a:xfrm>
+            <a:off x="11256135" y="0"/>
+            <a:ext cx="935865" cy="369332"/>
+          </a:xfrm>
+          <a:prstGeom prst="rect">
+            <a:avLst/>
+          </a:prstGeom>
+          <a:noFill/>
+        </p:spPr>
+        <p:txBody>
+          <a:bodyPr wrap="square" rtlCol="0">
+            <a:spAutoFit/>
+          </a:bodyPr>
+          <a:lstStyle/>
+          <a:p>
+            <a:r>
+              <a:rPr kumimoji="1" lang="en-US" altLang="ko-KR" b="1" dirty="0">
+                <a:solidFill>
+                  <a:schemeClr val="tx1">
+                    <a:lumMod val="85000"/>
+                    <a:lumOff val="15000"/>
+                  </a:schemeClr>
+                </a:solidFill>
+                <a:latin typeface="+mn-ea"/>
+              </a:rPr>
+              <a:t>5</a:t>
+            </a:r>
+            <a:r>
+              <a:rPr kumimoji="1" lang="ko-KR" altLang="en-US" b="1" dirty="0" smtClean="0">
+                <a:solidFill>
+                  <a:schemeClr val="tx1">
+                    <a:lumMod val="85000"/>
+                    <a:lumOff val="15000"/>
+                  </a:schemeClr>
+                </a:solidFill>
+                <a:latin typeface="+mn-ea"/>
+              </a:rPr>
+              <a:t> </a:t>
+            </a:r>
+            <a:r>
+              <a:rPr kumimoji="1" lang="en-US" altLang="ko-KR" b="1" dirty="0" smtClean="0">
+                <a:solidFill>
+                  <a:schemeClr val="tx1">
+                    <a:lumMod val="85000"/>
+                    <a:lumOff val="15000"/>
+                  </a:schemeClr>
+                </a:solidFill>
+                <a:latin typeface="+mn-ea"/>
+              </a:rPr>
+              <a:t>/</a:t>
+            </a:r>
+            <a:r>
+              <a:rPr kumimoji="1" lang="ko-KR" altLang="en-US" b="1" dirty="0" smtClean="0">
+                <a:solidFill>
+                  <a:schemeClr val="tx1">
+                    <a:lumMod val="85000"/>
+                    <a:lumOff val="15000"/>
+                  </a:schemeClr>
+                </a:solidFill>
+                <a:latin typeface="+mn-ea"/>
+              </a:rPr>
+              <a:t> </a:t>
+            </a:r>
+            <a:r>
+              <a:rPr kumimoji="1" lang="en-US" altLang="ko-KR" b="1" dirty="0" smtClean="0">
+                <a:solidFill>
+                  <a:schemeClr val="tx1">
+                    <a:lumMod val="85000"/>
+                    <a:lumOff val="15000"/>
+                  </a:schemeClr>
+                </a:solidFill>
+                <a:latin typeface="+mn-ea"/>
+              </a:rPr>
+              <a:t>22</a:t>
+            </a:r>
+            <a:endParaRPr kumimoji="1" lang="ko-KR" altLang="en-US" b="1" dirty="0">
+              <a:solidFill>
+                <a:schemeClr val="tx1">
+                  <a:lumMod val="85000"/>
+                  <a:lumOff val="15000"/>
+                </a:schemeClr>
+              </a:solidFill>
+              <a:latin typeface="+mn-ea"/>
             </a:endParaRPr>
           </a:p>
         </p:txBody>
@@ -27270,7 +27488,7 @@
         </p:blipFill>
         <p:spPr>
           <a:xfrm>
-            <a:off x="5590250" y="3099236"/>
+            <a:off x="5590250" y="3756059"/>
             <a:ext cx="288974" cy="288974"/>
           </a:xfrm>
           <a:prstGeom prst="rect">
@@ -27278,21 +27496,276 @@
           </a:prstGeom>
         </p:spPr>
       </p:pic>
+      <p:sp>
+        <p:nvSpPr>
+          <p:cNvPr id="22" name="직사각형 21"/>
+          <p:cNvSpPr/>
+          <p:nvPr/>
+        </p:nvSpPr>
+        <p:spPr>
+          <a:xfrm>
+            <a:off x="8023538" y="4440974"/>
+            <a:ext cx="3700529" cy="1760377"/>
+          </a:xfrm>
+          <a:prstGeom prst="rect">
+            <a:avLst/>
+          </a:prstGeom>
+          <a:ln w="25400">
+            <a:solidFill>
+              <a:srgbClr val="59606B"/>
+            </a:solidFill>
+          </a:ln>
+        </p:spPr>
+        <p:style>
+          <a:lnRef idx="2">
+            <a:schemeClr val="accent1">
+              <a:shade val="50000"/>
+            </a:schemeClr>
+          </a:lnRef>
+          <a:fillRef idx="1">
+            <a:schemeClr val="accent1"/>
+          </a:fillRef>
+          <a:effectRef idx="0">
+            <a:schemeClr val="accent1"/>
+          </a:effectRef>
+          <a:fontRef idx="minor">
+            <a:schemeClr val="lt1"/>
+          </a:fontRef>
+        </p:style>
+        <p:txBody>
+          <a:bodyPr rtlCol="0" anchor="ctr"/>
+          <a:lstStyle/>
+          <a:p>
+            <a:pPr algn="ctr"/>
+            <a:endParaRPr kumimoji="1" lang="ko-KR" altLang="en-US"/>
+          </a:p>
+        </p:txBody>
+      </p:sp>
+      <p:pic>
+        <p:nvPicPr>
+          <p:cNvPr id="59" name="그림 58"/>
+          <p:cNvPicPr>
+            <a:picLocks noChangeAspect="1"/>
+          </p:cNvPicPr>
+          <p:nvPr/>
+        </p:nvPicPr>
+        <p:blipFill>
+          <a:blip r:embed="rId4">
+            <a:extLst>
+              <a:ext uri="{28A0092B-C50C-407E-A947-70E740481C1C}">
+                <a14:useLocalDpi xmlns:a14="http://schemas.microsoft.com/office/drawing/2010/main" val="0"/>
+              </a:ext>
+            </a:extLst>
+          </a:blip>
+          <a:stretch>
+            <a:fillRect/>
+          </a:stretch>
+        </p:blipFill>
+        <p:spPr>
+          <a:xfrm>
+            <a:off x="8125955" y="4608134"/>
+            <a:ext cx="387545" cy="508653"/>
+          </a:xfrm>
+          <a:prstGeom prst="rect">
+            <a:avLst/>
+          </a:prstGeom>
+        </p:spPr>
+      </p:pic>
+      <p:pic>
+        <p:nvPicPr>
+          <p:cNvPr id="60" name="그림 59"/>
+          <p:cNvPicPr>
+            <a:picLocks noChangeAspect="1"/>
+          </p:cNvPicPr>
+          <p:nvPr/>
+        </p:nvPicPr>
+        <p:blipFill>
+          <a:blip r:embed="rId5">
+            <a:extLst>
+              <a:ext uri="{28A0092B-C50C-407E-A947-70E740481C1C}">
+                <a14:useLocalDpi xmlns:a14="http://schemas.microsoft.com/office/drawing/2010/main" val="0"/>
+              </a:ext>
+            </a:extLst>
+          </a:blip>
+          <a:stretch>
+            <a:fillRect/>
+          </a:stretch>
+        </p:blipFill>
+        <p:spPr>
+          <a:xfrm>
+            <a:off x="8843545" y="4608134"/>
+            <a:ext cx="387545" cy="508653"/>
+          </a:xfrm>
+          <a:prstGeom prst="rect">
+            <a:avLst/>
+          </a:prstGeom>
+        </p:spPr>
+      </p:pic>
+      <p:pic>
+        <p:nvPicPr>
+          <p:cNvPr id="62" name="그림 61"/>
+          <p:cNvPicPr>
+            <a:picLocks noChangeAspect="1"/>
+          </p:cNvPicPr>
+          <p:nvPr/>
+        </p:nvPicPr>
+        <p:blipFill>
+          <a:blip r:embed="rId6">
+            <a:extLst>
+              <a:ext uri="{28A0092B-C50C-407E-A947-70E740481C1C}">
+                <a14:useLocalDpi xmlns:a14="http://schemas.microsoft.com/office/drawing/2010/main" val="0"/>
+              </a:ext>
+            </a:extLst>
+          </a:blip>
+          <a:stretch>
+            <a:fillRect/>
+          </a:stretch>
+        </p:blipFill>
+        <p:spPr>
+          <a:xfrm>
+            <a:off x="9561135" y="4608134"/>
+            <a:ext cx="435988" cy="508653"/>
+          </a:xfrm>
+          <a:prstGeom prst="rect">
+            <a:avLst/>
+          </a:prstGeom>
+        </p:spPr>
+      </p:pic>
+      <p:pic>
+        <p:nvPicPr>
+          <p:cNvPr id="63" name="그림 62"/>
+          <p:cNvPicPr>
+            <a:picLocks noChangeAspect="1"/>
+          </p:cNvPicPr>
+          <p:nvPr/>
+        </p:nvPicPr>
+        <p:blipFill>
+          <a:blip r:embed="rId7">
+            <a:extLst>
+              <a:ext uri="{28A0092B-C50C-407E-A947-70E740481C1C}">
+                <a14:useLocalDpi xmlns:a14="http://schemas.microsoft.com/office/drawing/2010/main" val="0"/>
+              </a:ext>
+            </a:extLst>
+          </a:blip>
+          <a:stretch>
+            <a:fillRect/>
+          </a:stretch>
+        </p:blipFill>
+        <p:spPr>
+          <a:xfrm>
+            <a:off x="10286173" y="4506479"/>
+            <a:ext cx="1148844" cy="1148844"/>
+          </a:xfrm>
+          <a:prstGeom prst="rect">
+            <a:avLst/>
+          </a:prstGeom>
+          <a:ln>
+            <a:noFill/>
+          </a:ln>
+        </p:spPr>
+      </p:pic>
+      <p:sp>
+        <p:nvSpPr>
+          <p:cNvPr id="25" name="직사각형 24"/>
+          <p:cNvSpPr/>
+          <p:nvPr/>
+        </p:nvSpPr>
+        <p:spPr>
+          <a:xfrm>
+            <a:off x="10313336" y="5761256"/>
+            <a:ext cx="1094518" cy="334161"/>
+          </a:xfrm>
+          <a:prstGeom prst="rect">
+            <a:avLst/>
+          </a:prstGeom>
+        </p:spPr>
+        <p:style>
+          <a:lnRef idx="2">
+            <a:schemeClr val="accent1">
+              <a:shade val="50000"/>
+            </a:schemeClr>
+          </a:lnRef>
+          <a:fillRef idx="1">
+            <a:schemeClr val="accent1"/>
+          </a:fillRef>
+          <a:effectRef idx="0">
+            <a:schemeClr val="accent1"/>
+          </a:effectRef>
+          <a:fontRef idx="minor">
+            <a:schemeClr val="lt1"/>
+          </a:fontRef>
+        </p:style>
+        <p:txBody>
+          <a:bodyPr rtlCol="0" anchor="ctr"/>
+          <a:lstStyle/>
+          <a:p>
+            <a:pPr algn="ctr"/>
+            <a:r>
+              <a:rPr kumimoji="1" lang="en-US" altLang="ko-KR" smtClean="0"/>
+              <a:t>Ready</a:t>
+            </a:r>
+            <a:endParaRPr kumimoji="1" lang="ko-KR" altLang="en-US" dirty="0"/>
+          </a:p>
+        </p:txBody>
+      </p:sp>
+      <p:sp>
+        <p:nvSpPr>
+          <p:cNvPr id="27" name="직사각형 26"/>
+          <p:cNvSpPr/>
+          <p:nvPr/>
+        </p:nvSpPr>
+        <p:spPr>
+          <a:xfrm>
+            <a:off x="8136572" y="5323022"/>
+            <a:ext cx="1960465" cy="772395"/>
+          </a:xfrm>
+          <a:prstGeom prst="rect">
+            <a:avLst/>
+          </a:prstGeom>
+        </p:spPr>
+        <p:style>
+          <a:lnRef idx="2">
+            <a:schemeClr val="accent1">
+              <a:shade val="50000"/>
+            </a:schemeClr>
+          </a:lnRef>
+          <a:fillRef idx="1">
+            <a:schemeClr val="accent1"/>
+          </a:fillRef>
+          <a:effectRef idx="0">
+            <a:schemeClr val="accent1"/>
+          </a:effectRef>
+          <a:fontRef idx="minor">
+            <a:schemeClr val="lt1"/>
+          </a:fontRef>
+        </p:style>
+        <p:txBody>
+          <a:bodyPr rtlCol="0" anchor="ctr"/>
+          <a:lstStyle/>
+          <a:p>
+            <a:pPr algn="ctr"/>
+            <a:r>
+              <a:rPr kumimoji="1" lang="en-US" altLang="ko-KR" dirty="0" smtClean="0"/>
+              <a:t>Chat</a:t>
+            </a:r>
+            <a:endParaRPr kumimoji="1" lang="ko-KR" altLang="en-US" dirty="0"/>
+          </a:p>
+        </p:txBody>
+      </p:sp>
       <p:cxnSp>
         <p:nvCxnSpPr>
-          <p:cNvPr id="7" name="꺾인 연결선[E] 6"/>
+          <p:cNvPr id="64" name="꺾인 연결선[E] 63"/>
           <p:cNvCxnSpPr/>
           <p:nvPr/>
         </p:nvCxnSpPr>
         <p:spPr>
-          <a:xfrm rot="5400000" flipH="1" flipV="1">
-            <a:off x="7400165" y="1670133"/>
-            <a:ext cx="91285" cy="3344869"/>
-          </a:xfrm>
-          <a:prstGeom prst="bentConnector4">
+          <a:xfrm rot="16200000" flipV="1">
+            <a:off x="9576701" y="2760903"/>
+            <a:ext cx="2354070" cy="1004798"/>
+          </a:xfrm>
+          <a:prstGeom prst="bentConnector3">
             <a:avLst>
-              <a:gd name="adj1" fmla="val -81123"/>
-              <a:gd name="adj2" fmla="val 99904"/>
+              <a:gd name="adj1" fmla="val 83372"/>
             </a:avLst>
           </a:prstGeom>
           <a:ln cmpd="sng">
@@ -27320,94 +27793,65 @@
       </p:cxnSp>
       <p:sp>
         <p:nvSpPr>
-          <p:cNvPr id="41" name="텍스트 상자 40"/>
-          <p:cNvSpPr txBox="1"/>
+          <p:cNvPr id="65" name="직사각형 64"/>
+          <p:cNvSpPr/>
           <p:nvPr/>
         </p:nvSpPr>
         <p:spPr>
           <a:xfrm>
-            <a:off x="11256135" y="0"/>
-            <a:ext cx="935865" cy="369332"/>
+            <a:off x="10793643" y="6220545"/>
+            <a:ext cx="950467" cy="261610"/>
           </a:xfrm>
           <a:prstGeom prst="rect">
             <a:avLst/>
           </a:prstGeom>
-          <a:noFill/>
-        </p:spPr>
-        <p:txBody>
-          <a:bodyPr wrap="square" rtlCol="0">
+        </p:spPr>
+        <p:txBody>
+          <a:bodyPr wrap="square">
             <a:spAutoFit/>
           </a:bodyPr>
           <a:lstStyle/>
           <a:p>
             <a:r>
-              <a:rPr kumimoji="1" lang="en-US" altLang="ko-KR" b="1" dirty="0">
-                <a:solidFill>
-                  <a:schemeClr val="tx1">
-                    <a:lumMod val="85000"/>
-                    <a:lumOff val="15000"/>
-                  </a:schemeClr>
-                </a:solidFill>
-                <a:latin typeface="+mn-ea"/>
-              </a:rPr>
-              <a:t>5</a:t>
-            </a:r>
-            <a:r>
-              <a:rPr kumimoji="1" lang="ko-KR" altLang="en-US" b="1" dirty="0" smtClean="0">
-                <a:solidFill>
-                  <a:schemeClr val="tx1">
-                    <a:lumMod val="85000"/>
-                    <a:lumOff val="15000"/>
-                  </a:schemeClr>
-                </a:solidFill>
-                <a:latin typeface="+mn-ea"/>
-              </a:rPr>
-              <a:t> </a:t>
-            </a:r>
-            <a:r>
-              <a:rPr kumimoji="1" lang="en-US" altLang="ko-KR" b="1" dirty="0" smtClean="0">
-                <a:solidFill>
-                  <a:schemeClr val="tx1">
-                    <a:lumMod val="85000"/>
-                    <a:lumOff val="15000"/>
-                  </a:schemeClr>
-                </a:solidFill>
-                <a:latin typeface="+mn-ea"/>
-              </a:rPr>
-              <a:t>/</a:t>
-            </a:r>
-            <a:r>
-              <a:rPr kumimoji="1" lang="ko-KR" altLang="en-US" b="1" dirty="0" smtClean="0">
-                <a:solidFill>
-                  <a:schemeClr val="tx1">
-                    <a:lumMod val="85000"/>
-                    <a:lumOff val="15000"/>
-                  </a:schemeClr>
-                </a:solidFill>
-                <a:latin typeface="+mn-ea"/>
-              </a:rPr>
-              <a:t> </a:t>
-            </a:r>
-            <a:r>
-              <a:rPr kumimoji="1" lang="en-US" altLang="ko-KR" b="1" dirty="0" smtClean="0">
-                <a:solidFill>
-                  <a:schemeClr val="tx1">
-                    <a:lumMod val="85000"/>
-                    <a:lumOff val="15000"/>
-                  </a:schemeClr>
-                </a:solidFill>
-                <a:latin typeface="+mn-ea"/>
-              </a:rPr>
-              <a:t>22</a:t>
-            </a:r>
-            <a:endParaRPr kumimoji="1" lang="ko-KR" altLang="en-US" b="1" dirty="0">
+              <a:rPr lang="en-US" altLang="ko-KR" sz="1050" b="1" dirty="0" smtClean="0">
+                <a:solidFill>
+                  <a:srgbClr val="59606B"/>
+                </a:solidFill>
+                <a:latin typeface="+mj-ea"/>
+              </a:rPr>
+              <a:t>(</a:t>
+            </a:r>
+            <a:r>
+              <a:rPr lang="ko-KR" altLang="en-US" sz="1050" b="1" dirty="0" smtClean="0">
+                <a:solidFill>
+                  <a:srgbClr val="59606B"/>
+                </a:solidFill>
+                <a:latin typeface="+mj-ea"/>
+              </a:rPr>
+              <a:t>대기방 </a:t>
+            </a:r>
+            <a:r>
+              <a:rPr lang="ko-KR" altLang="en-US" sz="1050" b="1" dirty="0" smtClean="0">
+                <a:solidFill>
+                  <a:srgbClr val="59606B"/>
+                </a:solidFill>
+                <a:latin typeface="+mj-ea"/>
+              </a:rPr>
+              <a:t>예시</a:t>
+            </a:r>
+            <a:r>
+              <a:rPr lang="en-US" altLang="ko-KR" sz="1050" b="1" dirty="0" smtClean="0">
+                <a:solidFill>
+                  <a:srgbClr val="59606B"/>
+                </a:solidFill>
+                <a:latin typeface="+mj-ea"/>
+              </a:rPr>
+              <a:t>)</a:t>
+            </a:r>
+            <a:endParaRPr lang="ko-KR" altLang="en-US" sz="1050" dirty="0">
               <a:solidFill>
-                <a:schemeClr val="tx1">
-                  <a:lumMod val="85000"/>
-                  <a:lumOff val="15000"/>
-                </a:schemeClr>
+                <a:srgbClr val="59606B"/>
               </a:solidFill>
-              <a:latin typeface="+mn-ea"/>
             </a:endParaRPr>
           </a:p>
         </p:txBody>
@@ -29243,18 +29687,13 @@
           <a:lstStyle/>
           <a:p>
             <a:r>
-              <a:rPr kumimoji="1" lang="ko-KR" altLang="en-US" sz="1000" b="1">
+              <a:rPr kumimoji="1" lang="ko-KR" altLang="en-US" sz="1000" b="1" dirty="0">
                 <a:solidFill>
                   <a:srgbClr val="59606B"/>
                 </a:solidFill>
               </a:rPr>
               <a:t>대기방 진입</a:t>
             </a:r>
-            <a:endParaRPr kumimoji="1" lang="ko-KR" altLang="en-US" sz="1000" b="1" dirty="0">
-              <a:solidFill>
-                <a:srgbClr val="59606B"/>
-              </a:solidFill>
-            </a:endParaRPr>
           </a:p>
         </p:txBody>
       </p:sp>

--- a/BossLocker_김홍일_양태윤_조소연.pptx
+++ b/BossLocker_김홍일_양태윤_조소연.pptx
@@ -7173,7 +7173,7 @@
                   <a:srgbClr val="59606B"/>
                 </a:solidFill>
               </a:rPr>
-              <a:t>디지털오션 클라우드 서비스를 이용한 서버 생성</a:t>
+              <a:t>디지털오션 클라우드 서비스를 이용한 서버 </a:t>
             </a:r>
             <a:endParaRPr kumimoji="1" lang="en-US" altLang="ko-KR" b="1" dirty="0" smtClean="0">
               <a:solidFill>
@@ -7380,6 +7380,67 @@
           </a:p>
         </p:txBody>
       </p:sp>
+      <p:pic>
+        <p:nvPicPr>
+          <p:cNvPr id="2" name="그림 1"/>
+          <p:cNvPicPr>
+            <a:picLocks noChangeAspect="1"/>
+          </p:cNvPicPr>
+          <p:nvPr/>
+        </p:nvPicPr>
+        <p:blipFill>
+          <a:blip r:embed="rId5">
+            <a:extLst>
+              <a:ext uri="{28A0092B-C50C-407E-A947-70E740481C1C}">
+                <a14:useLocalDpi xmlns:a14="http://schemas.microsoft.com/office/drawing/2010/main" val="0"/>
+              </a:ext>
+            </a:extLst>
+          </a:blip>
+          <a:stretch>
+            <a:fillRect/>
+          </a:stretch>
+        </p:blipFill>
+        <p:spPr>
+          <a:xfrm>
+            <a:off x="2438400" y="2247294"/>
+            <a:ext cx="8193413" cy="2990884"/>
+          </a:xfrm>
+          <a:prstGeom prst="rect">
+            <a:avLst/>
+          </a:prstGeom>
+          <a:ln w="31750">
+            <a:solidFill>
+              <a:srgbClr val="509D93"/>
+            </a:solidFill>
+          </a:ln>
+        </p:spPr>
+      </p:pic>
+      <p:sp>
+        <p:nvSpPr>
+          <p:cNvPr id="4" name="텍스트 상자 3"/>
+          <p:cNvSpPr txBox="1"/>
+          <p:nvPr/>
+        </p:nvSpPr>
+        <p:spPr>
+          <a:xfrm>
+            <a:off x="-3721994" y="-1545465"/>
+            <a:ext cx="184731" cy="369332"/>
+          </a:xfrm>
+          <a:prstGeom prst="rect">
+            <a:avLst/>
+          </a:prstGeom>
+          <a:noFill/>
+        </p:spPr>
+        <p:txBody>
+          <a:bodyPr wrap="none" rtlCol="0">
+            <a:spAutoFit/>
+          </a:bodyPr>
+          <a:lstStyle/>
+          <a:p>
+            <a:endParaRPr kumimoji="1" lang="ko-KR" altLang="en-US" dirty="0"/>
+          </a:p>
+        </p:txBody>
+      </p:sp>
     </p:spTree>
     <p:extLst>
       <p:ext uri="{BB962C8B-B14F-4D97-AF65-F5344CB8AC3E}">
@@ -7396,7 +7457,75 @@
   <p:timing>
     <p:tnLst>
       <p:par>
-        <p:cTn id="1" dur="indefinite" restart="never" nodeType="tmRoot"/>
+        <p:cTn id="1" dur="indefinite" restart="never" nodeType="tmRoot">
+          <p:childTnLst>
+            <p:seq concurrent="1" nextAc="seek">
+              <p:cTn id="2" dur="indefinite" nodeType="mainSeq">
+                <p:childTnLst>
+                  <p:par>
+                    <p:cTn id="3" fill="hold">
+                      <p:stCondLst>
+                        <p:cond delay="indefinite"/>
+                      </p:stCondLst>
+                      <p:childTnLst>
+                        <p:par>
+                          <p:cTn id="4" fill="hold">
+                            <p:stCondLst>
+                              <p:cond delay="0"/>
+                            </p:stCondLst>
+                            <p:childTnLst>
+                              <p:par>
+                                <p:cTn id="5" presetID="1" presetClass="entr" presetSubtype="0" fill="hold" nodeType="clickEffect">
+                                  <p:stCondLst>
+                                    <p:cond delay="0"/>
+                                  </p:stCondLst>
+                                  <p:childTnLst>
+                                    <p:set>
+                                      <p:cBhvr>
+                                        <p:cTn id="6" dur="1" fill="hold">
+                                          <p:stCondLst>
+                                            <p:cond delay="0"/>
+                                          </p:stCondLst>
+                                        </p:cTn>
+                                        <p:tgtEl>
+                                          <p:spTgt spid="2"/>
+                                        </p:tgtEl>
+                                        <p:attrNameLst>
+                                          <p:attrName>style.visibility</p:attrName>
+                                        </p:attrNameLst>
+                                      </p:cBhvr>
+                                      <p:to>
+                                        <p:strVal val="visible"/>
+                                      </p:to>
+                                    </p:set>
+                                  </p:childTnLst>
+                                </p:cTn>
+                              </p:par>
+                            </p:childTnLst>
+                          </p:cTn>
+                        </p:par>
+                      </p:childTnLst>
+                    </p:cTn>
+                  </p:par>
+                </p:childTnLst>
+              </p:cTn>
+              <p:prevCondLst>
+                <p:cond evt="onPrev" delay="0">
+                  <p:tgtEl>
+                    <p:sldTgt/>
+                  </p:tgtEl>
+                </p:cond>
+              </p:prevCondLst>
+              <p:nextCondLst>
+                <p:cond evt="onNext" delay="0">
+                  <p:tgtEl>
+                    <p:sldTgt/>
+                  </p:tgtEl>
+                </p:cond>
+              </p:nextCondLst>
+            </p:seq>
+          </p:childTnLst>
+        </p:cTn>
       </p:par>
     </p:tnLst>
   </p:timing>
@@ -18252,7 +18381,7 @@
           <p:cNvPr id="19" name="TextBox 18">
             <a:extLst>
               <a:ext uri="{FF2B5EF4-FFF2-40B4-BE49-F238E27FC236}">
-                <a16:creationId xmlns:a16="http://schemas.microsoft.com/office/drawing/2014/main" xmlns="" id="{69882930-BFC0-4DAF-854C-CA9A55A4DE7D}"/>
+                <a16:creationId xmlns="" xmlns:a16="http://schemas.microsoft.com/office/drawing/2014/main" id="{69882930-BFC0-4DAF-854C-CA9A55A4DE7D}"/>
               </a:ext>
             </a:extLst>
           </p:cNvPr>
@@ -18296,7 +18425,7 @@
           <p:cNvPr id="20" name="TextBox 19">
             <a:extLst>
               <a:ext uri="{FF2B5EF4-FFF2-40B4-BE49-F238E27FC236}">
-                <a16:creationId xmlns:a16="http://schemas.microsoft.com/office/drawing/2014/main" xmlns="" id="{CFE0347B-6C4D-4E97-BF2E-76FDFF1C8635}"/>
+                <a16:creationId xmlns="" xmlns:a16="http://schemas.microsoft.com/office/drawing/2014/main" id="{CFE0347B-6C4D-4E97-BF2E-76FDFF1C8635}"/>
               </a:ext>
             </a:extLst>
           </p:cNvPr>
@@ -18344,7 +18473,7 @@
           <p:cNvPr id="21" name="TextBox 13">
             <a:extLst>
               <a:ext uri="{FF2B5EF4-FFF2-40B4-BE49-F238E27FC236}">
-                <a16:creationId xmlns:a16="http://schemas.microsoft.com/office/drawing/2014/main" xmlns="" id="{E56ED49B-24D1-495B-8D57-F91216155341}"/>
+                <a16:creationId xmlns="" xmlns:a16="http://schemas.microsoft.com/office/drawing/2014/main" id="{E56ED49B-24D1-495B-8D57-F91216155341}"/>
               </a:ext>
             </a:extLst>
           </p:cNvPr>
@@ -27077,16 +27206,7 @@
                 </a:solidFill>
                 <a:latin typeface="+mj-ea"/>
               </a:rPr>
-              <a:t>인의 </a:t>
-            </a:r>
-            <a:r>
-              <a:rPr lang="ko-KR" altLang="en-US" sz="1600" b="1" dirty="0" smtClean="0">
-                <a:solidFill>
-                  <a:srgbClr val="509D93"/>
-                </a:solidFill>
-                <a:latin typeface="+mj-ea"/>
-              </a:rPr>
-              <a:t>플레이어가</a:t>
+              <a:t>인의 플레이어가</a:t>
             </a:r>
             <a:r>
               <a:rPr lang="en-US" altLang="ko-KR" sz="1600" b="1" dirty="0" smtClean="0">
@@ -27181,16 +27301,7 @@
                 </a:solidFill>
                 <a:latin typeface="+mj-ea"/>
               </a:rPr>
-              <a:t>키보드를 이용해 적의 공격을 </a:t>
-            </a:r>
-            <a:r>
-              <a:rPr lang="ko-KR" altLang="en-US" sz="1600" b="1" dirty="0" smtClean="0">
-                <a:solidFill>
-                  <a:srgbClr val="509D93"/>
-                </a:solidFill>
-                <a:latin typeface="+mj-ea"/>
-              </a:rPr>
-              <a:t>피하고</a:t>
+              <a:t>키보드를 이용해 적의 공격을 피하고</a:t>
             </a:r>
             <a:endParaRPr lang="en-US" altLang="ko-KR" sz="1600" b="1" dirty="0" smtClean="0">
               <a:solidFill>
@@ -27233,16 +27344,7 @@
                 </a:solidFill>
                 <a:latin typeface="+mj-ea"/>
               </a:rPr>
-              <a:t>을 </a:t>
-            </a:r>
-            <a:r>
-              <a:rPr lang="ko-KR" altLang="en-US" sz="1600" b="1" dirty="0" smtClean="0">
-                <a:solidFill>
-                  <a:srgbClr val="509D93"/>
-                </a:solidFill>
-                <a:latin typeface="+mj-ea"/>
-              </a:rPr>
-              <a:t>획득하면서</a:t>
+              <a:t>을 획득하면서</a:t>
             </a:r>
             <a:endParaRPr lang="en-US" altLang="ko-KR" sz="1600" b="1" dirty="0" smtClean="0">
               <a:solidFill>
@@ -27828,16 +27930,7 @@
                 </a:solidFill>
                 <a:latin typeface="+mj-ea"/>
               </a:rPr>
-              <a:t>대기방 </a:t>
-            </a:r>
-            <a:r>
-              <a:rPr lang="ko-KR" altLang="en-US" sz="1050" b="1" dirty="0" smtClean="0">
-                <a:solidFill>
-                  <a:srgbClr val="59606B"/>
-                </a:solidFill>
-                <a:latin typeface="+mj-ea"/>
-              </a:rPr>
-              <a:t>예시</a:t>
+              <a:t>대기방 예시</a:t>
             </a:r>
             <a:r>
               <a:rPr lang="en-US" altLang="ko-KR" sz="1050" b="1" dirty="0" smtClean="0">
